--- a/mid-term.pptx
+++ b/mid-term.pptx
@@ -11,8 +11,8 @@
     <p:sldId id="278" r:id="rId5"/>
     <p:sldId id="277" r:id="rId6"/>
     <p:sldId id="266" r:id="rId7"/>
-    <p:sldId id="275" r:id="rId8"/>
-    <p:sldId id="274" r:id="rId9"/>
+    <p:sldId id="280" r:id="rId8"/>
+    <p:sldId id="279" r:id="rId9"/>
     <p:sldId id="267" r:id="rId10"/>
     <p:sldId id="272" r:id="rId11"/>
     <p:sldId id="269" r:id="rId12"/>
@@ -1877,15 +1877,7 @@
                 <a:schemeClr val="accent2"/>
               </a:solidFill>
             </a:rPr>
-            <a:t>를 </a:t>
-          </a:r>
-          <a:r>
-            <a:rPr lang="ko-KR" altLang="en-US" b="1" dirty="0" smtClean="0">
-              <a:solidFill>
-                <a:schemeClr val="accent2"/>
-              </a:solidFill>
-            </a:rPr>
-            <a:t>차트 뿐만 아니라 </a:t>
+            <a:t>를 차트 뿐만 아니라 </a:t>
           </a:r>
           <a:r>
             <a:rPr lang="ko-KR" b="1" dirty="0" smtClean="0">
@@ -2408,6 +2400,14 @@
         </dgm:presLayoutVars>
       </dgm:prSet>
       <dgm:spPr/>
+      <dgm:t>
+        <a:bodyPr/>
+        <a:lstStyle/>
+        <a:p>
+          <a:pPr latinLnBrk="1"/>
+          <a:endParaRPr lang="ko-KR" altLang="en-US"/>
+        </a:p>
+      </dgm:t>
     </dgm:pt>
     <dgm:pt modelId="{54D07C72-1C72-4BD9-8997-478A82BF36C3}" type="pres">
       <dgm:prSet presAssocID="{232CA032-D820-4F94-80EF-8360F9B17670}" presName="thickLine" presStyleLbl="alignNode1" presStyleIdx="0" presStyleCnt="3"/>
@@ -2420,6 +2420,14 @@
     <dgm:pt modelId="{5AB9C656-54D8-439F-9992-DCACA5D047DF}" type="pres">
       <dgm:prSet presAssocID="{232CA032-D820-4F94-80EF-8360F9B17670}" presName="tx1" presStyleLbl="revTx" presStyleIdx="0" presStyleCnt="11"/>
       <dgm:spPr/>
+      <dgm:t>
+        <a:bodyPr/>
+        <a:lstStyle/>
+        <a:p>
+          <a:pPr latinLnBrk="1"/>
+          <a:endParaRPr lang="ko-KR" altLang="en-US"/>
+        </a:p>
+      </dgm:t>
     </dgm:pt>
     <dgm:pt modelId="{4E1E2D67-D96A-4102-AB33-D2ABD55D1723}" type="pres">
       <dgm:prSet presAssocID="{232CA032-D820-4F94-80EF-8360F9B17670}" presName="vert1" presStyleCnt="0"/>
@@ -2536,6 +2544,14 @@
     <dgm:pt modelId="{EB5FA0CB-7B5D-480F-9172-0280D8CF58E8}" type="pres">
       <dgm:prSet presAssocID="{45635CAB-4727-4797-A677-5820A0B11167}" presName="tx1" presStyleLbl="revTx" presStyleIdx="4" presStyleCnt="11"/>
       <dgm:spPr/>
+      <dgm:t>
+        <a:bodyPr/>
+        <a:lstStyle/>
+        <a:p>
+          <a:pPr latinLnBrk="1"/>
+          <a:endParaRPr lang="ko-KR" altLang="en-US"/>
+        </a:p>
+      </dgm:t>
     </dgm:pt>
     <dgm:pt modelId="{03638C3D-A7D7-4C38-A69F-D3BA50C2D4F6}" type="pres">
       <dgm:prSet presAssocID="{45635CAB-4727-4797-A677-5820A0B11167}" presName="vert1" presStyleCnt="0"/>
@@ -2588,6 +2604,14 @@
     <dgm:pt modelId="{438160E7-B8C7-4608-96F2-BF7A6622CFB1}" type="pres">
       <dgm:prSet presAssocID="{74194C9A-CE58-4D25-BF68-6263F9336CAC}" presName="tx2" presStyleLbl="revTx" presStyleIdx="6" presStyleCnt="11"/>
       <dgm:spPr/>
+      <dgm:t>
+        <a:bodyPr/>
+        <a:lstStyle/>
+        <a:p>
+          <a:pPr latinLnBrk="1"/>
+          <a:endParaRPr lang="ko-KR" altLang="en-US"/>
+        </a:p>
+      </dgm:t>
     </dgm:pt>
     <dgm:pt modelId="{992E44E0-811C-4B0C-B553-8826437DE772}" type="pres">
       <dgm:prSet presAssocID="{74194C9A-CE58-4D25-BF68-6263F9336CAC}" presName="vert2" presStyleCnt="0"/>
@@ -2612,6 +2636,14 @@
     <dgm:pt modelId="{F7D8F9EC-9F14-433B-A67B-EB2419EBB5E3}" type="pres">
       <dgm:prSet presAssocID="{91E2B008-74B8-4365-8004-65550F28866D}" presName="tx1" presStyleLbl="revTx" presStyleIdx="7" presStyleCnt="11"/>
       <dgm:spPr/>
+      <dgm:t>
+        <a:bodyPr/>
+        <a:lstStyle/>
+        <a:p>
+          <a:pPr latinLnBrk="1"/>
+          <a:endParaRPr lang="ko-KR" altLang="en-US"/>
+        </a:p>
+      </dgm:t>
     </dgm:pt>
     <dgm:pt modelId="{A4C6E177-121C-4A48-9405-18271A8592B2}" type="pres">
       <dgm:prSet presAssocID="{91E2B008-74B8-4365-8004-65550F28866D}" presName="vert1" presStyleCnt="0"/>
@@ -2719,29 +2751,29 @@
     </dgm:pt>
   </dgm:ptLst>
   <dgm:cxnLst>
+    <dgm:cxn modelId="{C325D5DB-02C6-41CE-A078-A0160D3B9335}" srcId="{232CA032-D820-4F94-80EF-8360F9B17670}" destId="{A435F10C-AF95-405A-935F-C96A3B15AF00}" srcOrd="2" destOrd="0" parTransId="{222F52A8-333A-42BF-8921-8EB7013E1FBB}" sibTransId="{6B4789C4-8F51-4561-AADE-0C6B642982D4}"/>
+    <dgm:cxn modelId="{4EDFB165-4D13-437E-BC7A-5799267E134F}" type="presOf" srcId="{232CA032-D820-4F94-80EF-8360F9B17670}" destId="{5AB9C656-54D8-439F-9992-DCACA5D047DF}" srcOrd="0" destOrd="0" presId="urn:microsoft.com/office/officeart/2008/layout/LinedList"/>
     <dgm:cxn modelId="{97FC1798-16EA-4140-B148-B8C00951363A}" type="presOf" srcId="{70474697-F5E3-460A-B45C-1759C72DF0CC}" destId="{220D0B7F-CB50-4066-9C6E-231EBBDAC268}" srcOrd="0" destOrd="0" presId="urn:microsoft.com/office/officeart/2008/layout/LinedList"/>
+    <dgm:cxn modelId="{7415FEC6-1274-432A-9C07-151A44FD25F3}" srcId="{232CA032-D820-4F94-80EF-8360F9B17670}" destId="{33B9F3A0-28A6-49B1-97A9-E4005039FA64}" srcOrd="1" destOrd="0" parTransId="{BBC96395-767E-4487-9864-2F165E3E46F8}" sibTransId="{9790C0F5-1405-41EB-9E60-709AF76D8495}"/>
+    <dgm:cxn modelId="{E3FB5AA1-5635-4466-A7D2-A0504E375D23}" srcId="{91E2B008-74B8-4365-8004-65550F28866D}" destId="{C41F648D-7B33-4B04-8CCC-6297DE889826}" srcOrd="0" destOrd="0" parTransId="{7CE65A24-E506-4B92-B276-12E0D37331FD}" sibTransId="{36925491-2331-494A-871F-9220D59411BD}"/>
+    <dgm:cxn modelId="{4423A9E0-CFDD-4869-AE5B-A600F2C4211F}" type="presOf" srcId="{62C1CE35-EABB-40A3-8EEA-F64718EAA6E1}" destId="{AD92DB59-D78F-4B78-878C-3072D1D9C06E}" srcOrd="0" destOrd="0" presId="urn:microsoft.com/office/officeart/2008/layout/LinedList"/>
+    <dgm:cxn modelId="{449425E7-141D-4CD5-8CA0-6E78376D3CCA}" srcId="{45635CAB-4727-4797-A677-5820A0B11167}" destId="{74194C9A-CE58-4D25-BF68-6263F9336CAC}" srcOrd="1" destOrd="0" parTransId="{ABDF4A5D-3B05-41B5-937C-D2B960D55DD8}" sibTransId="{2B33D25A-D514-4428-B210-3440D44B1FA8}"/>
+    <dgm:cxn modelId="{40F2D054-5E84-48DC-AB9C-58D8771AAE9D}" type="presOf" srcId="{EC00B86F-52B0-4DFB-8F39-6E1803A135A3}" destId="{9655C8B6-5D00-404E-B12E-15C2E7EFB823}" srcOrd="0" destOrd="0" presId="urn:microsoft.com/office/officeart/2008/layout/LinedList"/>
+    <dgm:cxn modelId="{57E3F5CE-BCF1-425F-89CA-3F3E3B768030}" srcId="{62C1CE35-EABB-40A3-8EEA-F64718EAA6E1}" destId="{91E2B008-74B8-4365-8004-65550F28866D}" srcOrd="2" destOrd="0" parTransId="{C462BE8E-3173-4C1E-A817-5141B82032C9}" sibTransId="{04341D9F-63B3-4806-877B-7ED2A3BB1CE0}"/>
+    <dgm:cxn modelId="{40806D08-172A-4735-A105-11F202A99AB4}" srcId="{91E2B008-74B8-4365-8004-65550F28866D}" destId="{15FD9D2B-E302-4660-A4D6-89C67CDB396B}" srcOrd="1" destOrd="0" parTransId="{66B30D44-7693-4D0A-9B6E-B9ACD6B3ADC3}" sibTransId="{5A37B116-0FD5-4C68-A164-F1438C17971A}"/>
+    <dgm:cxn modelId="{0BAF009E-DD0F-4CD9-81FB-1E644B3C9B04}" srcId="{62C1CE35-EABB-40A3-8EEA-F64718EAA6E1}" destId="{232CA032-D820-4F94-80EF-8360F9B17670}" srcOrd="0" destOrd="0" parTransId="{6E6B81C2-2870-4948-B62F-198C17E40BE1}" sibTransId="{7AD8FA50-B098-409F-AE49-C6257D3D1BDA}"/>
+    <dgm:cxn modelId="{BC79897B-B129-4F1F-BBF6-2F7016E2DA0C}" srcId="{45635CAB-4727-4797-A677-5820A0B11167}" destId="{EC00B86F-52B0-4DFB-8F39-6E1803A135A3}" srcOrd="0" destOrd="0" parTransId="{3AAC6EA3-8F52-4390-9213-50F98535651A}" sibTransId="{DD033172-8FE8-4A1D-9558-29BE309BE134}"/>
+    <dgm:cxn modelId="{ACFA4726-6336-4872-A442-B93B11E0A1BC}" type="presOf" srcId="{33B9F3A0-28A6-49B1-97A9-E4005039FA64}" destId="{C52ED4BF-FE58-4B75-A3AF-C57C02F0802A}" srcOrd="0" destOrd="0" presId="urn:microsoft.com/office/officeart/2008/layout/LinedList"/>
+    <dgm:cxn modelId="{1B074F4A-6FF5-4979-9471-4CC4B3166008}" type="presOf" srcId="{15FD9D2B-E302-4660-A4D6-89C67CDB396B}" destId="{D8D302BD-E364-4D4F-B5A0-4C070A95AE41}" srcOrd="0" destOrd="0" presId="urn:microsoft.com/office/officeart/2008/layout/LinedList"/>
+    <dgm:cxn modelId="{07E72770-039C-48A5-83E9-1E3EFE50F345}" srcId="{91E2B008-74B8-4365-8004-65550F28866D}" destId="{53547F3F-A0BD-4FAB-A634-CD1BF316E60F}" srcOrd="2" destOrd="0" parTransId="{93AEFF72-C231-4208-9F0B-CCF7CE850BD1}" sibTransId="{6A45FFC4-6F4D-4D2E-A8B3-EFA3B6CFF1A8}"/>
+    <dgm:cxn modelId="{A44E0526-25F9-40FD-8383-AA10BA6444D3}" type="presOf" srcId="{45635CAB-4727-4797-A677-5820A0B11167}" destId="{EB5FA0CB-7B5D-480F-9172-0280D8CF58E8}" srcOrd="0" destOrd="0" presId="urn:microsoft.com/office/officeart/2008/layout/LinedList"/>
+    <dgm:cxn modelId="{6F35F6F8-602E-4FC9-8F12-A79B6C120798}" type="presOf" srcId="{A435F10C-AF95-405A-935F-C96A3B15AF00}" destId="{F5F328FC-F1AD-45D0-BC7C-C47A687800E7}" srcOrd="0" destOrd="0" presId="urn:microsoft.com/office/officeart/2008/layout/LinedList"/>
+    <dgm:cxn modelId="{F8626872-9430-4D84-AAF1-37DC4F5A0875}" type="presOf" srcId="{C41F648D-7B33-4B04-8CCC-6297DE889826}" destId="{54CA20D0-ACD4-4E96-A223-3017693E48FF}" srcOrd="0" destOrd="0" presId="urn:microsoft.com/office/officeart/2008/layout/LinedList"/>
+    <dgm:cxn modelId="{DD27F39A-9B88-46F5-950C-4030B98D37CA}" srcId="{232CA032-D820-4F94-80EF-8360F9B17670}" destId="{70474697-F5E3-460A-B45C-1759C72DF0CC}" srcOrd="0" destOrd="0" parTransId="{F03642FE-29D3-47B7-B25A-B45C6D161955}" sibTransId="{F79A7D9A-64E8-45B6-ABE3-22A6FBF02E8B}"/>
     <dgm:cxn modelId="{BDF4930F-17CA-46EE-8120-F328FDC2D01A}" type="presOf" srcId="{74194C9A-CE58-4D25-BF68-6263F9336CAC}" destId="{438160E7-B8C7-4608-96F2-BF7A6622CFB1}" srcOrd="0" destOrd="0" presId="urn:microsoft.com/office/officeart/2008/layout/LinedList"/>
-    <dgm:cxn modelId="{57E3F5CE-BCF1-425F-89CA-3F3E3B768030}" srcId="{62C1CE35-EABB-40A3-8EEA-F64718EAA6E1}" destId="{91E2B008-74B8-4365-8004-65550F28866D}" srcOrd="2" destOrd="0" parTransId="{C462BE8E-3173-4C1E-A817-5141B82032C9}" sibTransId="{04341D9F-63B3-4806-877B-7ED2A3BB1CE0}"/>
+    <dgm:cxn modelId="{87F84A28-8F9E-4FC4-BA3C-2732BEA1D720}" srcId="{62C1CE35-EABB-40A3-8EEA-F64718EAA6E1}" destId="{45635CAB-4727-4797-A677-5820A0B11167}" srcOrd="1" destOrd="0" parTransId="{B8702FE7-A7F1-4F7A-AF4B-60962E728355}" sibTransId="{1ED5F8CF-1C9E-47E3-9C80-9F163C719541}"/>
+    <dgm:cxn modelId="{2DF44CF0-079C-4E17-8439-8DC2939FDE9D}" type="presOf" srcId="{53547F3F-A0BD-4FAB-A634-CD1BF316E60F}" destId="{ABE3FD95-97AB-467D-AF26-4C319333C3E0}" srcOrd="0" destOrd="0" presId="urn:microsoft.com/office/officeart/2008/layout/LinedList"/>
     <dgm:cxn modelId="{7D060778-CA07-4A29-A801-8041DB572A88}" type="presOf" srcId="{91E2B008-74B8-4365-8004-65550F28866D}" destId="{F7D8F9EC-9F14-433B-A67B-EB2419EBB5E3}" srcOrd="0" destOrd="0" presId="urn:microsoft.com/office/officeart/2008/layout/LinedList"/>
-    <dgm:cxn modelId="{ACFA4726-6336-4872-A442-B93B11E0A1BC}" type="presOf" srcId="{33B9F3A0-28A6-49B1-97A9-E4005039FA64}" destId="{C52ED4BF-FE58-4B75-A3AF-C57C02F0802A}" srcOrd="0" destOrd="0" presId="urn:microsoft.com/office/officeart/2008/layout/LinedList"/>
-    <dgm:cxn modelId="{A44E0526-25F9-40FD-8383-AA10BA6444D3}" type="presOf" srcId="{45635CAB-4727-4797-A677-5820A0B11167}" destId="{EB5FA0CB-7B5D-480F-9172-0280D8CF58E8}" srcOrd="0" destOrd="0" presId="urn:microsoft.com/office/officeart/2008/layout/LinedList"/>
-    <dgm:cxn modelId="{DD27F39A-9B88-46F5-950C-4030B98D37CA}" srcId="{232CA032-D820-4F94-80EF-8360F9B17670}" destId="{70474697-F5E3-460A-B45C-1759C72DF0CC}" srcOrd="0" destOrd="0" parTransId="{F03642FE-29D3-47B7-B25A-B45C6D161955}" sibTransId="{F79A7D9A-64E8-45B6-ABE3-22A6FBF02E8B}"/>
-    <dgm:cxn modelId="{07E72770-039C-48A5-83E9-1E3EFE50F345}" srcId="{91E2B008-74B8-4365-8004-65550F28866D}" destId="{53547F3F-A0BD-4FAB-A634-CD1BF316E60F}" srcOrd="2" destOrd="0" parTransId="{93AEFF72-C231-4208-9F0B-CCF7CE850BD1}" sibTransId="{6A45FFC4-6F4D-4D2E-A8B3-EFA3B6CFF1A8}"/>
-    <dgm:cxn modelId="{F8626872-9430-4D84-AAF1-37DC4F5A0875}" type="presOf" srcId="{C41F648D-7B33-4B04-8CCC-6297DE889826}" destId="{54CA20D0-ACD4-4E96-A223-3017693E48FF}" srcOrd="0" destOrd="0" presId="urn:microsoft.com/office/officeart/2008/layout/LinedList"/>
-    <dgm:cxn modelId="{449425E7-141D-4CD5-8CA0-6E78376D3CCA}" srcId="{45635CAB-4727-4797-A677-5820A0B11167}" destId="{74194C9A-CE58-4D25-BF68-6263F9336CAC}" srcOrd="1" destOrd="0" parTransId="{ABDF4A5D-3B05-41B5-937C-D2B960D55DD8}" sibTransId="{2B33D25A-D514-4428-B210-3440D44B1FA8}"/>
-    <dgm:cxn modelId="{0BAF009E-DD0F-4CD9-81FB-1E644B3C9B04}" srcId="{62C1CE35-EABB-40A3-8EEA-F64718EAA6E1}" destId="{232CA032-D820-4F94-80EF-8360F9B17670}" srcOrd="0" destOrd="0" parTransId="{6E6B81C2-2870-4948-B62F-198C17E40BE1}" sibTransId="{7AD8FA50-B098-409F-AE49-C6257D3D1BDA}"/>
-    <dgm:cxn modelId="{6F35F6F8-602E-4FC9-8F12-A79B6C120798}" type="presOf" srcId="{A435F10C-AF95-405A-935F-C96A3B15AF00}" destId="{F5F328FC-F1AD-45D0-BC7C-C47A687800E7}" srcOrd="0" destOrd="0" presId="urn:microsoft.com/office/officeart/2008/layout/LinedList"/>
-    <dgm:cxn modelId="{4EDFB165-4D13-437E-BC7A-5799267E134F}" type="presOf" srcId="{232CA032-D820-4F94-80EF-8360F9B17670}" destId="{5AB9C656-54D8-439F-9992-DCACA5D047DF}" srcOrd="0" destOrd="0" presId="urn:microsoft.com/office/officeart/2008/layout/LinedList"/>
-    <dgm:cxn modelId="{C325D5DB-02C6-41CE-A078-A0160D3B9335}" srcId="{232CA032-D820-4F94-80EF-8360F9B17670}" destId="{A435F10C-AF95-405A-935F-C96A3B15AF00}" srcOrd="2" destOrd="0" parTransId="{222F52A8-333A-42BF-8921-8EB7013E1FBB}" sibTransId="{6B4789C4-8F51-4561-AADE-0C6B642982D4}"/>
-    <dgm:cxn modelId="{7415FEC6-1274-432A-9C07-151A44FD25F3}" srcId="{232CA032-D820-4F94-80EF-8360F9B17670}" destId="{33B9F3A0-28A6-49B1-97A9-E4005039FA64}" srcOrd="1" destOrd="0" parTransId="{BBC96395-767E-4487-9864-2F165E3E46F8}" sibTransId="{9790C0F5-1405-41EB-9E60-709AF76D8495}"/>
-    <dgm:cxn modelId="{40F2D054-5E84-48DC-AB9C-58D8771AAE9D}" type="presOf" srcId="{EC00B86F-52B0-4DFB-8F39-6E1803A135A3}" destId="{9655C8B6-5D00-404E-B12E-15C2E7EFB823}" srcOrd="0" destOrd="0" presId="urn:microsoft.com/office/officeart/2008/layout/LinedList"/>
-    <dgm:cxn modelId="{2DF44CF0-079C-4E17-8439-8DC2939FDE9D}" type="presOf" srcId="{53547F3F-A0BD-4FAB-A634-CD1BF316E60F}" destId="{ABE3FD95-97AB-467D-AF26-4C319333C3E0}" srcOrd="0" destOrd="0" presId="urn:microsoft.com/office/officeart/2008/layout/LinedList"/>
-    <dgm:cxn modelId="{1B074F4A-6FF5-4979-9471-4CC4B3166008}" type="presOf" srcId="{15FD9D2B-E302-4660-A4D6-89C67CDB396B}" destId="{D8D302BD-E364-4D4F-B5A0-4C070A95AE41}" srcOrd="0" destOrd="0" presId="urn:microsoft.com/office/officeart/2008/layout/LinedList"/>
-    <dgm:cxn modelId="{BC79897B-B129-4F1F-BBF6-2F7016E2DA0C}" srcId="{45635CAB-4727-4797-A677-5820A0B11167}" destId="{EC00B86F-52B0-4DFB-8F39-6E1803A135A3}" srcOrd="0" destOrd="0" parTransId="{3AAC6EA3-8F52-4390-9213-50F98535651A}" sibTransId="{DD033172-8FE8-4A1D-9558-29BE309BE134}"/>
-    <dgm:cxn modelId="{87F84A28-8F9E-4FC4-BA3C-2732BEA1D720}" srcId="{62C1CE35-EABB-40A3-8EEA-F64718EAA6E1}" destId="{45635CAB-4727-4797-A677-5820A0B11167}" srcOrd="1" destOrd="0" parTransId="{B8702FE7-A7F1-4F7A-AF4B-60962E728355}" sibTransId="{1ED5F8CF-1C9E-47E3-9C80-9F163C719541}"/>
-    <dgm:cxn modelId="{4423A9E0-CFDD-4869-AE5B-A600F2C4211F}" type="presOf" srcId="{62C1CE35-EABB-40A3-8EEA-F64718EAA6E1}" destId="{AD92DB59-D78F-4B78-878C-3072D1D9C06E}" srcOrd="0" destOrd="0" presId="urn:microsoft.com/office/officeart/2008/layout/LinedList"/>
-    <dgm:cxn modelId="{40806D08-172A-4735-A105-11F202A99AB4}" srcId="{91E2B008-74B8-4365-8004-65550F28866D}" destId="{15FD9D2B-E302-4660-A4D6-89C67CDB396B}" srcOrd="1" destOrd="0" parTransId="{66B30D44-7693-4D0A-9B6E-B9ACD6B3ADC3}" sibTransId="{5A37B116-0FD5-4C68-A164-F1438C17971A}"/>
-    <dgm:cxn modelId="{E3FB5AA1-5635-4466-A7D2-A0504E375D23}" srcId="{91E2B008-74B8-4365-8004-65550F28866D}" destId="{C41F648D-7B33-4B04-8CCC-6297DE889826}" srcOrd="0" destOrd="0" parTransId="{7CE65A24-E506-4B92-B276-12E0D37331FD}" sibTransId="{36925491-2331-494A-871F-9220D59411BD}"/>
     <dgm:cxn modelId="{2CD1B503-A908-42D3-ADF3-810DFB35F21D}" type="presParOf" srcId="{AD92DB59-D78F-4B78-878C-3072D1D9C06E}" destId="{54D07C72-1C72-4BD9-8997-478A82BF36C3}" srcOrd="0" destOrd="0" presId="urn:microsoft.com/office/officeart/2008/layout/LinedList"/>
     <dgm:cxn modelId="{29EDF5B4-68AC-4DC8-BBDB-9FFFCCB65432}" type="presParOf" srcId="{AD92DB59-D78F-4B78-878C-3072D1D9C06E}" destId="{A1502585-B041-4D70-8BA8-E9E99746B786}" srcOrd="1" destOrd="0" presId="urn:microsoft.com/office/officeart/2008/layout/LinedList"/>
     <dgm:cxn modelId="{87F71D02-B198-4043-8B7B-3DE801F7F0B3}" type="presParOf" srcId="{A1502585-B041-4D70-8BA8-E9E99746B786}" destId="{5AB9C656-54D8-439F-9992-DCACA5D047DF}" srcOrd="0" destOrd="0" presId="urn:microsoft.com/office/officeart/2008/layout/LinedList"/>
@@ -3426,6 +3458,14 @@
         </dgm:presLayoutVars>
       </dgm:prSet>
       <dgm:spPr/>
+      <dgm:t>
+        <a:bodyPr/>
+        <a:lstStyle/>
+        <a:p>
+          <a:pPr latinLnBrk="1"/>
+          <a:endParaRPr lang="ko-KR" altLang="en-US"/>
+        </a:p>
+      </dgm:t>
     </dgm:pt>
     <dgm:pt modelId="{367A83B3-D5DC-4603-B265-2368342CE022}" type="pres">
       <dgm:prSet presAssocID="{2CC850BC-96EE-49E8-8C85-3D0E7B6E0CA3}" presName="root" presStyleCnt="0"/>
@@ -3438,10 +3478,26 @@
     <dgm:pt modelId="{1D366709-028B-459B-88B9-E1350D5DA5EC}" type="pres">
       <dgm:prSet presAssocID="{2CC850BC-96EE-49E8-8C85-3D0E7B6E0CA3}" presName="rootText" presStyleLbl="node1" presStyleIdx="0" presStyleCnt="4" custLinFactNeighborX="724" custLinFactNeighborY="3383"/>
       <dgm:spPr/>
+      <dgm:t>
+        <a:bodyPr/>
+        <a:lstStyle/>
+        <a:p>
+          <a:pPr latinLnBrk="1"/>
+          <a:endParaRPr lang="ko-KR" altLang="en-US"/>
+        </a:p>
+      </dgm:t>
     </dgm:pt>
     <dgm:pt modelId="{505A0EA1-3FD1-44E3-8725-7E0745263EE8}" type="pres">
       <dgm:prSet presAssocID="{2CC850BC-96EE-49E8-8C85-3D0E7B6E0CA3}" presName="rootConnector" presStyleLbl="node1" presStyleIdx="0" presStyleCnt="4"/>
       <dgm:spPr/>
+      <dgm:t>
+        <a:bodyPr/>
+        <a:lstStyle/>
+        <a:p>
+          <a:pPr latinLnBrk="1"/>
+          <a:endParaRPr lang="ko-KR" altLang="en-US"/>
+        </a:p>
+      </dgm:t>
     </dgm:pt>
     <dgm:pt modelId="{53D49785-26D4-4CC3-A7D5-B229B2BD00D3}" type="pres">
       <dgm:prSet presAssocID="{2CC850BC-96EE-49E8-8C85-3D0E7B6E0CA3}" presName="childShape" presStyleCnt="0"/>
@@ -3450,6 +3506,14 @@
     <dgm:pt modelId="{ADF1400B-C263-4CD4-B265-B7111AAE41C1}" type="pres">
       <dgm:prSet presAssocID="{F1184143-EA42-4ABE-8AC6-7440CD9E231D}" presName="Name13" presStyleLbl="parChTrans1D2" presStyleIdx="0" presStyleCnt="10"/>
       <dgm:spPr/>
+      <dgm:t>
+        <a:bodyPr/>
+        <a:lstStyle/>
+        <a:p>
+          <a:pPr latinLnBrk="1"/>
+          <a:endParaRPr lang="ko-KR" altLang="en-US"/>
+        </a:p>
+      </dgm:t>
     </dgm:pt>
     <dgm:pt modelId="{6ED0B53B-2778-4250-A363-BF89A690F405}" type="pres">
       <dgm:prSet presAssocID="{0E27B422-A4A1-4FF5-985F-683FDB9760FE}" presName="childText" presStyleLbl="bgAcc1" presStyleIdx="0" presStyleCnt="10" custLinFactNeighborX="905" custLinFactNeighborY="3383">
@@ -3458,10 +3522,26 @@
         </dgm:presLayoutVars>
       </dgm:prSet>
       <dgm:spPr/>
+      <dgm:t>
+        <a:bodyPr/>
+        <a:lstStyle/>
+        <a:p>
+          <a:pPr latinLnBrk="1"/>
+          <a:endParaRPr lang="ko-KR" altLang="en-US"/>
+        </a:p>
+      </dgm:t>
     </dgm:pt>
     <dgm:pt modelId="{91F52B91-E67D-4C8B-B0E7-A14B1839EDB3}" type="pres">
       <dgm:prSet presAssocID="{6227B6BF-67A7-49D2-967A-C674011FA969}" presName="Name13" presStyleLbl="parChTrans1D2" presStyleIdx="1" presStyleCnt="10"/>
       <dgm:spPr/>
+      <dgm:t>
+        <a:bodyPr/>
+        <a:lstStyle/>
+        <a:p>
+          <a:pPr latinLnBrk="1"/>
+          <a:endParaRPr lang="ko-KR" altLang="en-US"/>
+        </a:p>
+      </dgm:t>
     </dgm:pt>
     <dgm:pt modelId="{E525BC98-6C72-44F1-9A07-0DB0C7A3B433}" type="pres">
       <dgm:prSet presAssocID="{6BEF08B0-FDA7-408E-9B5A-E8F75E5F0721}" presName="childText" presStyleLbl="bgAcc1" presStyleIdx="1" presStyleCnt="10" custLinFactNeighborX="905" custLinFactNeighborY="3383">
@@ -3470,10 +3550,26 @@
         </dgm:presLayoutVars>
       </dgm:prSet>
       <dgm:spPr/>
+      <dgm:t>
+        <a:bodyPr/>
+        <a:lstStyle/>
+        <a:p>
+          <a:pPr latinLnBrk="1"/>
+          <a:endParaRPr lang="ko-KR" altLang="en-US"/>
+        </a:p>
+      </dgm:t>
     </dgm:pt>
     <dgm:pt modelId="{BD225999-3703-487E-9F3C-BC2D196EF26F}" type="pres">
       <dgm:prSet presAssocID="{6B5E01F3-D42C-4AB0-9535-E9253C36C9C1}" presName="Name13" presStyleLbl="parChTrans1D2" presStyleIdx="2" presStyleCnt="10"/>
       <dgm:spPr/>
+      <dgm:t>
+        <a:bodyPr/>
+        <a:lstStyle/>
+        <a:p>
+          <a:pPr latinLnBrk="1"/>
+          <a:endParaRPr lang="ko-KR" altLang="en-US"/>
+        </a:p>
+      </dgm:t>
     </dgm:pt>
     <dgm:pt modelId="{3CB19932-6530-4FB1-B3C7-913CF1176325}" type="pres">
       <dgm:prSet presAssocID="{3422DEDA-05BF-4B86-9BE6-FD71B1FFF714}" presName="childText" presStyleLbl="bgAcc1" presStyleIdx="2" presStyleCnt="10" custLinFactNeighborX="905" custLinFactNeighborY="3383">
@@ -3482,10 +3578,26 @@
         </dgm:presLayoutVars>
       </dgm:prSet>
       <dgm:spPr/>
+      <dgm:t>
+        <a:bodyPr/>
+        <a:lstStyle/>
+        <a:p>
+          <a:pPr latinLnBrk="1"/>
+          <a:endParaRPr lang="ko-KR" altLang="en-US"/>
+        </a:p>
+      </dgm:t>
     </dgm:pt>
     <dgm:pt modelId="{33B7CB94-1A2F-4453-A66D-2472790E53EE}" type="pres">
       <dgm:prSet presAssocID="{20142DA8-B091-45EB-A2FE-F5937911AD6D}" presName="Name13" presStyleLbl="parChTrans1D2" presStyleIdx="3" presStyleCnt="10"/>
       <dgm:spPr/>
+      <dgm:t>
+        <a:bodyPr/>
+        <a:lstStyle/>
+        <a:p>
+          <a:pPr latinLnBrk="1"/>
+          <a:endParaRPr lang="ko-KR" altLang="en-US"/>
+        </a:p>
+      </dgm:t>
     </dgm:pt>
     <dgm:pt modelId="{6FB1A1FA-49EA-453B-9D2B-95FA464DE011}" type="pres">
       <dgm:prSet presAssocID="{E36B84AC-B2DD-46E3-814A-4FCF5E8B93AD}" presName="childText" presStyleLbl="bgAcc1" presStyleIdx="3" presStyleCnt="10" custLinFactNeighborX="905" custLinFactNeighborY="3383">
@@ -3514,10 +3626,26 @@
     <dgm:pt modelId="{0A7E29D7-350F-47DA-A0C3-D877E7163BAE}" type="pres">
       <dgm:prSet presAssocID="{0FFFA825-95D5-4E1B-B541-D761CE159EB1}" presName="rootText" presStyleLbl="node1" presStyleIdx="1" presStyleCnt="4" custLinFactNeighborX="724" custLinFactNeighborY="3383"/>
       <dgm:spPr/>
+      <dgm:t>
+        <a:bodyPr/>
+        <a:lstStyle/>
+        <a:p>
+          <a:pPr latinLnBrk="1"/>
+          <a:endParaRPr lang="ko-KR" altLang="en-US"/>
+        </a:p>
+      </dgm:t>
     </dgm:pt>
     <dgm:pt modelId="{BC10FC50-8648-4638-9C99-74000B486402}" type="pres">
       <dgm:prSet presAssocID="{0FFFA825-95D5-4E1B-B541-D761CE159EB1}" presName="rootConnector" presStyleLbl="node1" presStyleIdx="1" presStyleCnt="4"/>
       <dgm:spPr/>
+      <dgm:t>
+        <a:bodyPr/>
+        <a:lstStyle/>
+        <a:p>
+          <a:pPr latinLnBrk="1"/>
+          <a:endParaRPr lang="ko-KR" altLang="en-US"/>
+        </a:p>
+      </dgm:t>
     </dgm:pt>
     <dgm:pt modelId="{3FE710D4-07D2-4BCD-B926-42F1AF0A2C2C}" type="pres">
       <dgm:prSet presAssocID="{0FFFA825-95D5-4E1B-B541-D761CE159EB1}" presName="childShape" presStyleCnt="0"/>
@@ -3526,6 +3654,14 @@
     <dgm:pt modelId="{6D7D7538-034C-429A-AF8B-1382594DC395}" type="pres">
       <dgm:prSet presAssocID="{C60FC291-CF97-42EF-822C-6782E3E64B33}" presName="Name13" presStyleLbl="parChTrans1D2" presStyleIdx="4" presStyleCnt="10"/>
       <dgm:spPr/>
+      <dgm:t>
+        <a:bodyPr/>
+        <a:lstStyle/>
+        <a:p>
+          <a:pPr latinLnBrk="1"/>
+          <a:endParaRPr lang="ko-KR" altLang="en-US"/>
+        </a:p>
+      </dgm:t>
     </dgm:pt>
     <dgm:pt modelId="{9852B83B-ABFE-47D9-9684-B34B5CB1C8B5}" type="pres">
       <dgm:prSet presAssocID="{F83A4E15-04F6-4761-B133-426D2F003E14}" presName="childText" presStyleLbl="bgAcc1" presStyleIdx="4" presStyleCnt="10" custLinFactNeighborX="905" custLinFactNeighborY="3383">
@@ -3534,10 +3670,26 @@
         </dgm:presLayoutVars>
       </dgm:prSet>
       <dgm:spPr/>
+      <dgm:t>
+        <a:bodyPr/>
+        <a:lstStyle/>
+        <a:p>
+          <a:pPr latinLnBrk="1"/>
+          <a:endParaRPr lang="ko-KR" altLang="en-US"/>
+        </a:p>
+      </dgm:t>
     </dgm:pt>
     <dgm:pt modelId="{E653D983-B704-4025-A187-DFFF548D6A26}" type="pres">
       <dgm:prSet presAssocID="{166FAF82-AFAB-4808-861B-C3FDAAD91EC9}" presName="Name13" presStyleLbl="parChTrans1D2" presStyleIdx="5" presStyleCnt="10"/>
       <dgm:spPr/>
+      <dgm:t>
+        <a:bodyPr/>
+        <a:lstStyle/>
+        <a:p>
+          <a:pPr latinLnBrk="1"/>
+          <a:endParaRPr lang="ko-KR" altLang="en-US"/>
+        </a:p>
+      </dgm:t>
     </dgm:pt>
     <dgm:pt modelId="{6B4B7C62-9277-453D-8E49-9E9DE7FBDFF8}" type="pres">
       <dgm:prSet presAssocID="{FE5449D1-4EF9-44FC-ACA6-B7C61F47041F}" presName="childText" presStyleLbl="bgAcc1" presStyleIdx="5" presStyleCnt="10" custLinFactNeighborX="905" custLinFactNeighborY="3383">
@@ -3546,10 +3698,26 @@
         </dgm:presLayoutVars>
       </dgm:prSet>
       <dgm:spPr/>
+      <dgm:t>
+        <a:bodyPr/>
+        <a:lstStyle/>
+        <a:p>
+          <a:pPr latinLnBrk="1"/>
+          <a:endParaRPr lang="ko-KR" altLang="en-US"/>
+        </a:p>
+      </dgm:t>
     </dgm:pt>
     <dgm:pt modelId="{2272FD81-0582-4656-A35A-8512ECE7D72B}" type="pres">
       <dgm:prSet presAssocID="{6717AB3C-D6F4-446F-875E-12BB9A93FA6F}" presName="Name13" presStyleLbl="parChTrans1D2" presStyleIdx="6" presStyleCnt="10"/>
       <dgm:spPr/>
+      <dgm:t>
+        <a:bodyPr/>
+        <a:lstStyle/>
+        <a:p>
+          <a:pPr latinLnBrk="1"/>
+          <a:endParaRPr lang="ko-KR" altLang="en-US"/>
+        </a:p>
+      </dgm:t>
     </dgm:pt>
     <dgm:pt modelId="{A65EBBFA-40D1-44E2-B9EE-39C6E7044E1B}" type="pres">
       <dgm:prSet presAssocID="{A2CA7F2F-5415-41F3-BA5A-2B3FEA43468A}" presName="childText" presStyleLbl="bgAcc1" presStyleIdx="6" presStyleCnt="10" custLinFactNeighborX="905" custLinFactNeighborY="3383">
@@ -3558,6 +3726,14 @@
         </dgm:presLayoutVars>
       </dgm:prSet>
       <dgm:spPr/>
+      <dgm:t>
+        <a:bodyPr/>
+        <a:lstStyle/>
+        <a:p>
+          <a:pPr latinLnBrk="1"/>
+          <a:endParaRPr lang="ko-KR" altLang="en-US"/>
+        </a:p>
+      </dgm:t>
     </dgm:pt>
     <dgm:pt modelId="{5DB9B632-4C9E-48EA-8881-FB7EE737B1B5}" type="pres">
       <dgm:prSet presAssocID="{D66C0FE5-331E-4049-B86D-27DC10991BEE}" presName="root" presStyleCnt="0"/>
@@ -3570,10 +3746,26 @@
     <dgm:pt modelId="{89F7FF67-66CC-4E6B-96A4-9669E34EBD65}" type="pres">
       <dgm:prSet presAssocID="{D66C0FE5-331E-4049-B86D-27DC10991BEE}" presName="rootText" presStyleLbl="node1" presStyleIdx="2" presStyleCnt="4" custLinFactNeighborX="724" custLinFactNeighborY="3383"/>
       <dgm:spPr/>
+      <dgm:t>
+        <a:bodyPr/>
+        <a:lstStyle/>
+        <a:p>
+          <a:pPr latinLnBrk="1"/>
+          <a:endParaRPr lang="ko-KR" altLang="en-US"/>
+        </a:p>
+      </dgm:t>
     </dgm:pt>
     <dgm:pt modelId="{D363F206-38CC-4456-B3BE-3E5FA84F7D0D}" type="pres">
       <dgm:prSet presAssocID="{D66C0FE5-331E-4049-B86D-27DC10991BEE}" presName="rootConnector" presStyleLbl="node1" presStyleIdx="2" presStyleCnt="4"/>
       <dgm:spPr/>
+      <dgm:t>
+        <a:bodyPr/>
+        <a:lstStyle/>
+        <a:p>
+          <a:pPr latinLnBrk="1"/>
+          <a:endParaRPr lang="ko-KR" altLang="en-US"/>
+        </a:p>
+      </dgm:t>
     </dgm:pt>
     <dgm:pt modelId="{587381E5-8247-4C60-A8AB-7BF1B0E7D0D1}" type="pres">
       <dgm:prSet presAssocID="{D66C0FE5-331E-4049-B86D-27DC10991BEE}" presName="childShape" presStyleCnt="0"/>
@@ -3582,6 +3774,14 @@
     <dgm:pt modelId="{682969EB-CD05-4E47-955B-B79835FAC6A9}" type="pres">
       <dgm:prSet presAssocID="{25B85B1B-E1A4-4ACD-AF2E-C3031A7987C8}" presName="Name13" presStyleLbl="parChTrans1D2" presStyleIdx="7" presStyleCnt="10"/>
       <dgm:spPr/>
+      <dgm:t>
+        <a:bodyPr/>
+        <a:lstStyle/>
+        <a:p>
+          <a:pPr latinLnBrk="1"/>
+          <a:endParaRPr lang="ko-KR" altLang="en-US"/>
+        </a:p>
+      </dgm:t>
     </dgm:pt>
     <dgm:pt modelId="{D178DCAF-6393-4B5B-9FBF-01952821B84E}" type="pres">
       <dgm:prSet presAssocID="{289F0DD2-3591-4541-837B-AA22DB86DE7A}" presName="childText" presStyleLbl="bgAcc1" presStyleIdx="7" presStyleCnt="10" custLinFactNeighborX="905" custLinFactNeighborY="3383">
@@ -3590,10 +3790,26 @@
         </dgm:presLayoutVars>
       </dgm:prSet>
       <dgm:spPr/>
+      <dgm:t>
+        <a:bodyPr/>
+        <a:lstStyle/>
+        <a:p>
+          <a:pPr latinLnBrk="1"/>
+          <a:endParaRPr lang="ko-KR" altLang="en-US"/>
+        </a:p>
+      </dgm:t>
     </dgm:pt>
     <dgm:pt modelId="{6FC3126E-5D02-4D3D-A8A1-FD39A829ED8D}" type="pres">
       <dgm:prSet presAssocID="{99C47338-CBCC-4663-A3BC-04D389E78E43}" presName="Name13" presStyleLbl="parChTrans1D2" presStyleIdx="8" presStyleCnt="10"/>
       <dgm:spPr/>
+      <dgm:t>
+        <a:bodyPr/>
+        <a:lstStyle/>
+        <a:p>
+          <a:pPr latinLnBrk="1"/>
+          <a:endParaRPr lang="ko-KR" altLang="en-US"/>
+        </a:p>
+      </dgm:t>
     </dgm:pt>
     <dgm:pt modelId="{3F72BFD2-3FA4-44EE-A02D-31FEF74A9FAD}" type="pres">
       <dgm:prSet presAssocID="{E462E0DF-4155-48CD-B916-B07BA43D03E4}" presName="childText" presStyleLbl="bgAcc1" presStyleIdx="8" presStyleCnt="10" custLinFactNeighborX="905" custLinFactNeighborY="3383">
@@ -3602,6 +3818,14 @@
         </dgm:presLayoutVars>
       </dgm:prSet>
       <dgm:spPr/>
+      <dgm:t>
+        <a:bodyPr/>
+        <a:lstStyle/>
+        <a:p>
+          <a:pPr latinLnBrk="1"/>
+          <a:endParaRPr lang="ko-KR" altLang="en-US"/>
+        </a:p>
+      </dgm:t>
     </dgm:pt>
     <dgm:pt modelId="{5DDF56FB-001B-4297-9DC1-E7172548CA88}" type="pres">
       <dgm:prSet presAssocID="{F15004D9-625B-4C2E-AF8B-F2BFEAC41282}" presName="root" presStyleCnt="0"/>
@@ -3614,10 +3838,26 @@
     <dgm:pt modelId="{34D1B876-BDCF-49A4-B16F-F61309862FEE}" type="pres">
       <dgm:prSet presAssocID="{F15004D9-625B-4C2E-AF8B-F2BFEAC41282}" presName="rootText" presStyleLbl="node1" presStyleIdx="3" presStyleCnt="4" custLinFactNeighborX="610" custLinFactNeighborY="3383"/>
       <dgm:spPr/>
+      <dgm:t>
+        <a:bodyPr/>
+        <a:lstStyle/>
+        <a:p>
+          <a:pPr latinLnBrk="1"/>
+          <a:endParaRPr lang="ko-KR" altLang="en-US"/>
+        </a:p>
+      </dgm:t>
     </dgm:pt>
     <dgm:pt modelId="{BDD58A65-57E2-4E94-8B4B-5B05AB5325D1}" type="pres">
       <dgm:prSet presAssocID="{F15004D9-625B-4C2E-AF8B-F2BFEAC41282}" presName="rootConnector" presStyleLbl="node1" presStyleIdx="3" presStyleCnt="4"/>
       <dgm:spPr/>
+      <dgm:t>
+        <a:bodyPr/>
+        <a:lstStyle/>
+        <a:p>
+          <a:pPr latinLnBrk="1"/>
+          <a:endParaRPr lang="ko-KR" altLang="en-US"/>
+        </a:p>
+      </dgm:t>
     </dgm:pt>
     <dgm:pt modelId="{15D6CF38-B01E-499C-9F0D-55C5ED4D26AC}" type="pres">
       <dgm:prSet presAssocID="{F15004D9-625B-4C2E-AF8B-F2BFEAC41282}" presName="childShape" presStyleCnt="0"/>
@@ -3626,6 +3866,14 @@
     <dgm:pt modelId="{730C7548-7E5E-4356-ADEB-86A3F1F7CC77}" type="pres">
       <dgm:prSet presAssocID="{21497C6D-DC13-46C1-8D79-8792F91CBAA1}" presName="Name13" presStyleLbl="parChTrans1D2" presStyleIdx="9" presStyleCnt="10"/>
       <dgm:spPr/>
+      <dgm:t>
+        <a:bodyPr/>
+        <a:lstStyle/>
+        <a:p>
+          <a:pPr latinLnBrk="1"/>
+          <a:endParaRPr lang="ko-KR" altLang="en-US"/>
+        </a:p>
+      </dgm:t>
     </dgm:pt>
     <dgm:pt modelId="{EF3F178F-A7AD-4627-9FB7-5AB0D4D3A5A0}" type="pres">
       <dgm:prSet presAssocID="{25A98977-A212-488C-B09D-FCFC21C9CB06}" presName="childText" presStyleLbl="bgAcc1" presStyleIdx="9" presStyleCnt="10" custLinFactNeighborX="905" custLinFactNeighborY="3383">
@@ -3634,52 +3882,60 @@
         </dgm:presLayoutVars>
       </dgm:prSet>
       <dgm:spPr/>
+      <dgm:t>
+        <a:bodyPr/>
+        <a:lstStyle/>
+        <a:p>
+          <a:pPr latinLnBrk="1"/>
+          <a:endParaRPr lang="ko-KR" altLang="en-US"/>
+        </a:p>
+      </dgm:t>
     </dgm:pt>
   </dgm:ptLst>
   <dgm:cxnLst>
+    <dgm:cxn modelId="{CD7D6EBE-E690-45E7-B901-C16AC05A005A}" type="presOf" srcId="{6227B6BF-67A7-49D2-967A-C674011FA969}" destId="{91F52B91-E67D-4C8B-B0E7-A14B1839EDB3}" srcOrd="0" destOrd="0" presId="urn:microsoft.com/office/officeart/2005/8/layout/hierarchy3"/>
+    <dgm:cxn modelId="{8A75269F-74A4-4776-912B-A0A1A3E8CACB}" type="presOf" srcId="{F15004D9-625B-4C2E-AF8B-F2BFEAC41282}" destId="{34D1B876-BDCF-49A4-B16F-F61309862FEE}" srcOrd="0" destOrd="0" presId="urn:microsoft.com/office/officeart/2005/8/layout/hierarchy3"/>
+    <dgm:cxn modelId="{12543A6E-DC80-40E3-9E16-E2D8714A9306}" type="presOf" srcId="{D66C0FE5-331E-4049-B86D-27DC10991BEE}" destId="{89F7FF67-66CC-4E6B-96A4-9669E34EBD65}" srcOrd="0" destOrd="0" presId="urn:microsoft.com/office/officeart/2005/8/layout/hierarchy3"/>
+    <dgm:cxn modelId="{3E51DA43-FB30-40C9-BCA8-4B5AB27A3D15}" srcId="{DDBC8C0D-472D-4CA8-91F1-48D47E54A8B7}" destId="{0FFFA825-95D5-4E1B-B541-D761CE159EB1}" srcOrd="1" destOrd="0" parTransId="{48CE5D03-C7CC-4580-BCEB-D1E4513DA987}" sibTransId="{3DE2E20F-CDDE-4EA4-B709-FA8E498CE34B}"/>
+    <dgm:cxn modelId="{A9293FD0-7E37-40A7-841A-748EF0687549}" type="presOf" srcId="{21497C6D-DC13-46C1-8D79-8792F91CBAA1}" destId="{730C7548-7E5E-4356-ADEB-86A3F1F7CC77}" srcOrd="0" destOrd="0" presId="urn:microsoft.com/office/officeart/2005/8/layout/hierarchy3"/>
+    <dgm:cxn modelId="{4256BBBD-CE78-4F43-BD8D-2A4320EE5707}" srcId="{DDBC8C0D-472D-4CA8-91F1-48D47E54A8B7}" destId="{D66C0FE5-331E-4049-B86D-27DC10991BEE}" srcOrd="2" destOrd="0" parTransId="{BFA0DF4F-2D45-4273-953F-F080AF5AB4C6}" sibTransId="{7E2DF6A6-162A-4700-A464-C4BCA5505961}"/>
+    <dgm:cxn modelId="{751456A3-033A-4371-977A-E5AA5C025CB2}" type="presOf" srcId="{0E27B422-A4A1-4FF5-985F-683FDB9760FE}" destId="{6ED0B53B-2778-4250-A363-BF89A690F405}" srcOrd="0" destOrd="0" presId="urn:microsoft.com/office/officeart/2005/8/layout/hierarchy3"/>
+    <dgm:cxn modelId="{DEC2B2B3-9349-49F3-9F55-C92928349D04}" type="presOf" srcId="{289F0DD2-3591-4541-837B-AA22DB86DE7A}" destId="{D178DCAF-6393-4B5B-9FBF-01952821B84E}" srcOrd="0" destOrd="0" presId="urn:microsoft.com/office/officeart/2005/8/layout/hierarchy3"/>
+    <dgm:cxn modelId="{56A5B321-6351-4325-BDBA-9F9DE43575CE}" srcId="{0FFFA825-95D5-4E1B-B541-D761CE159EB1}" destId="{F83A4E15-04F6-4761-B133-426D2F003E14}" srcOrd="0" destOrd="0" parTransId="{C60FC291-CF97-42EF-822C-6782E3E64B33}" sibTransId="{75CE1F60-5DDC-4CB2-9A82-DE29F0D9C2A7}"/>
+    <dgm:cxn modelId="{ED103A0D-89A0-4508-8F35-938EDDF03DB2}" type="presOf" srcId="{25A98977-A212-488C-B09D-FCFC21C9CB06}" destId="{EF3F178F-A7AD-4627-9FB7-5AB0D4D3A5A0}" srcOrd="0" destOrd="0" presId="urn:microsoft.com/office/officeart/2005/8/layout/hierarchy3"/>
+    <dgm:cxn modelId="{FF2BC933-F352-4345-9993-B1ADAFD1D6BD}" type="presOf" srcId="{F83A4E15-04F6-4761-B133-426D2F003E14}" destId="{9852B83B-ABFE-47D9-9684-B34B5CB1C8B5}" srcOrd="0" destOrd="0" presId="urn:microsoft.com/office/officeart/2005/8/layout/hierarchy3"/>
+    <dgm:cxn modelId="{098D517C-500F-42E3-89B0-C81870007D82}" type="presOf" srcId="{C60FC291-CF97-42EF-822C-6782E3E64B33}" destId="{6D7D7538-034C-429A-AF8B-1382594DC395}" srcOrd="0" destOrd="0" presId="urn:microsoft.com/office/officeart/2005/8/layout/hierarchy3"/>
+    <dgm:cxn modelId="{6832DD95-0753-4AD6-B663-0F350D6BE2C1}" srcId="{2CC850BC-96EE-49E8-8C85-3D0E7B6E0CA3}" destId="{6BEF08B0-FDA7-408E-9B5A-E8F75E5F0721}" srcOrd="1" destOrd="0" parTransId="{6227B6BF-67A7-49D2-967A-C674011FA969}" sibTransId="{73536454-096C-44D4-9F36-AFF73FBA1B18}"/>
+    <dgm:cxn modelId="{5AF5772E-1BBA-4AE6-9DD0-8CDA2E27B18D}" type="presOf" srcId="{F15004D9-625B-4C2E-AF8B-F2BFEAC41282}" destId="{BDD58A65-57E2-4E94-8B4B-5B05AB5325D1}" srcOrd="1" destOrd="0" presId="urn:microsoft.com/office/officeart/2005/8/layout/hierarchy3"/>
+    <dgm:cxn modelId="{DAB9AFD5-AEF6-4798-A04A-0F1C8FE3B063}" srcId="{2CC850BC-96EE-49E8-8C85-3D0E7B6E0CA3}" destId="{0E27B422-A4A1-4FF5-985F-683FDB9760FE}" srcOrd="0" destOrd="0" parTransId="{F1184143-EA42-4ABE-8AC6-7440CD9E231D}" sibTransId="{FF3286E3-CD6C-4B18-A64D-F910CE63CC81}"/>
+    <dgm:cxn modelId="{2ABDC62B-E5F9-48DC-94DF-57DABEBC1C41}" srcId="{F15004D9-625B-4C2E-AF8B-F2BFEAC41282}" destId="{25A98977-A212-488C-B09D-FCFC21C9CB06}" srcOrd="0" destOrd="0" parTransId="{21497C6D-DC13-46C1-8D79-8792F91CBAA1}" sibTransId="{3D65D2A5-D5F7-4276-8DFD-95CD5D544B97}"/>
+    <dgm:cxn modelId="{4BDCAD42-B043-4EFA-86D5-4991F7AF22A1}" type="presOf" srcId="{20142DA8-B091-45EB-A2FE-F5937911AD6D}" destId="{33B7CB94-1A2F-4453-A66D-2472790E53EE}" srcOrd="0" destOrd="0" presId="urn:microsoft.com/office/officeart/2005/8/layout/hierarchy3"/>
+    <dgm:cxn modelId="{E4344942-1C8A-4456-AD61-5A42ED46A507}" srcId="{2CC850BC-96EE-49E8-8C85-3D0E7B6E0CA3}" destId="{3422DEDA-05BF-4B86-9BE6-FD71B1FFF714}" srcOrd="2" destOrd="0" parTransId="{6B5E01F3-D42C-4AB0-9535-E9253C36C9C1}" sibTransId="{A253C082-8084-4150-8EB7-34A801B36A5A}"/>
+    <dgm:cxn modelId="{FAB1FFFF-FFA3-4189-9560-37F654E4CD72}" type="presOf" srcId="{E36B84AC-B2DD-46E3-814A-4FCF5E8B93AD}" destId="{6FB1A1FA-49EA-453B-9D2B-95FA464DE011}" srcOrd="0" destOrd="0" presId="urn:microsoft.com/office/officeart/2005/8/layout/hierarchy3"/>
+    <dgm:cxn modelId="{DDE3344A-D0FD-4A5E-B29E-0D56D93A66BF}" srcId="{0FFFA825-95D5-4E1B-B541-D761CE159EB1}" destId="{FE5449D1-4EF9-44FC-ACA6-B7C61F47041F}" srcOrd="1" destOrd="0" parTransId="{166FAF82-AFAB-4808-861B-C3FDAAD91EC9}" sibTransId="{C84C9C7A-14B5-4A86-80CB-2511692913D2}"/>
+    <dgm:cxn modelId="{236D3F19-0C10-4A2A-9F5D-51139CF34AC8}" type="presOf" srcId="{DDBC8C0D-472D-4CA8-91F1-48D47E54A8B7}" destId="{4DCECBAA-7618-4AB4-A064-DB530AD09EC9}" srcOrd="0" destOrd="0" presId="urn:microsoft.com/office/officeart/2005/8/layout/hierarchy3"/>
+    <dgm:cxn modelId="{CDF8416F-8B43-4B36-8A93-1CB8FF875DDD}" type="presOf" srcId="{0FFFA825-95D5-4E1B-B541-D761CE159EB1}" destId="{BC10FC50-8648-4638-9C99-74000B486402}" srcOrd="1" destOrd="0" presId="urn:microsoft.com/office/officeart/2005/8/layout/hierarchy3"/>
+    <dgm:cxn modelId="{D07FCF5D-16C2-466A-AB92-24E22512787A}" type="presOf" srcId="{2CC850BC-96EE-49E8-8C85-3D0E7B6E0CA3}" destId="{1D366709-028B-459B-88B9-E1350D5DA5EC}" srcOrd="0" destOrd="0" presId="urn:microsoft.com/office/officeart/2005/8/layout/hierarchy3"/>
+    <dgm:cxn modelId="{A92E34E6-5471-47CA-AE67-FC2A57DFE0C8}" srcId="{2CC850BC-96EE-49E8-8C85-3D0E7B6E0CA3}" destId="{E36B84AC-B2DD-46E3-814A-4FCF5E8B93AD}" srcOrd="3" destOrd="0" parTransId="{20142DA8-B091-45EB-A2FE-F5937911AD6D}" sibTransId="{F6D4F017-1DD7-47AA-887A-20F8D7987794}"/>
+    <dgm:cxn modelId="{F5B132DD-87D0-47A6-AB09-3D9E7881BD80}" type="presOf" srcId="{3422DEDA-05BF-4B86-9BE6-FD71B1FFF714}" destId="{3CB19932-6530-4FB1-B3C7-913CF1176325}" srcOrd="0" destOrd="0" presId="urn:microsoft.com/office/officeart/2005/8/layout/hierarchy3"/>
     <dgm:cxn modelId="{5EE52A0B-B2EA-40A8-96CA-DD8DE3B4C820}" type="presOf" srcId="{A2CA7F2F-5415-41F3-BA5A-2B3FEA43468A}" destId="{A65EBBFA-40D1-44E2-B9EE-39C6E7044E1B}" srcOrd="0" destOrd="0" presId="urn:microsoft.com/office/officeart/2005/8/layout/hierarchy3"/>
-    <dgm:cxn modelId="{F5B132DD-87D0-47A6-AB09-3D9E7881BD80}" type="presOf" srcId="{3422DEDA-05BF-4B86-9BE6-FD71B1FFF714}" destId="{3CB19932-6530-4FB1-B3C7-913CF1176325}" srcOrd="0" destOrd="0" presId="urn:microsoft.com/office/officeart/2005/8/layout/hierarchy3"/>
-    <dgm:cxn modelId="{751456A3-033A-4371-977A-E5AA5C025CB2}" type="presOf" srcId="{0E27B422-A4A1-4FF5-985F-683FDB9760FE}" destId="{6ED0B53B-2778-4250-A363-BF89A690F405}" srcOrd="0" destOrd="0" presId="urn:microsoft.com/office/officeart/2005/8/layout/hierarchy3"/>
+    <dgm:cxn modelId="{43EBAC20-830E-4CE9-BCE8-BF1E44F08E45}" srcId="{DDBC8C0D-472D-4CA8-91F1-48D47E54A8B7}" destId="{F15004D9-625B-4C2E-AF8B-F2BFEAC41282}" srcOrd="3" destOrd="0" parTransId="{08EB1B6D-E5FA-4424-8F19-C1912AEC10A0}" sibTransId="{B0E28A7E-BB9F-4985-BEF9-E7B3D9E0FE65}"/>
+    <dgm:cxn modelId="{72E9D7E2-8BE4-4DC9-B987-5AE0F9A8FECB}" type="presOf" srcId="{E462E0DF-4155-48CD-B916-B07BA43D03E4}" destId="{3F72BFD2-3FA4-44EE-A02D-31FEF74A9FAD}" srcOrd="0" destOrd="0" presId="urn:microsoft.com/office/officeart/2005/8/layout/hierarchy3"/>
+    <dgm:cxn modelId="{55820035-907A-427E-9BA5-BCD817EA862B}" type="presOf" srcId="{6B5E01F3-D42C-4AB0-9535-E9253C36C9C1}" destId="{BD225999-3703-487E-9F3C-BC2D196EF26F}" srcOrd="0" destOrd="0" presId="urn:microsoft.com/office/officeart/2005/8/layout/hierarchy3"/>
+    <dgm:cxn modelId="{2779404A-72A6-4EDE-9305-024458EA10CA}" type="presOf" srcId="{F1184143-EA42-4ABE-8AC6-7440CD9E231D}" destId="{ADF1400B-C263-4CD4-B265-B7111AAE41C1}" srcOrd="0" destOrd="0" presId="urn:microsoft.com/office/officeart/2005/8/layout/hierarchy3"/>
+    <dgm:cxn modelId="{BC908F20-E07A-4059-BE41-4A10DF25C224}" type="presOf" srcId="{D66C0FE5-331E-4049-B86D-27DC10991BEE}" destId="{D363F206-38CC-4456-B3BE-3E5FA84F7D0D}" srcOrd="1" destOrd="0" presId="urn:microsoft.com/office/officeart/2005/8/layout/hierarchy3"/>
+    <dgm:cxn modelId="{A601F8B2-5AA6-46F9-8104-5E5E1D6C33A7}" srcId="{D66C0FE5-331E-4049-B86D-27DC10991BEE}" destId="{E462E0DF-4155-48CD-B916-B07BA43D03E4}" srcOrd="1" destOrd="0" parTransId="{99C47338-CBCC-4663-A3BC-04D389E78E43}" sibTransId="{BEDAA789-BE81-409F-B60B-AA9E470B42C0}"/>
+    <dgm:cxn modelId="{7B56B4B9-3250-4EDF-A7E5-025B884E9477}" srcId="{0FFFA825-95D5-4E1B-B541-D761CE159EB1}" destId="{A2CA7F2F-5415-41F3-BA5A-2B3FEA43468A}" srcOrd="2" destOrd="0" parTransId="{6717AB3C-D6F4-446F-875E-12BB9A93FA6F}" sibTransId="{CD9CCEAB-25C8-45C8-A81D-F13C8613677D}"/>
+    <dgm:cxn modelId="{7591C345-2295-422E-AEE2-84575233EC89}" type="presOf" srcId="{6717AB3C-D6F4-446F-875E-12BB9A93FA6F}" destId="{2272FD81-0582-4656-A35A-8512ECE7D72B}" srcOrd="0" destOrd="0" presId="urn:microsoft.com/office/officeart/2005/8/layout/hierarchy3"/>
+    <dgm:cxn modelId="{608CF8CE-55E2-40F0-AF24-A7F4A321B3AD}" srcId="{D66C0FE5-331E-4049-B86D-27DC10991BEE}" destId="{289F0DD2-3591-4541-837B-AA22DB86DE7A}" srcOrd="0" destOrd="0" parTransId="{25B85B1B-E1A4-4ACD-AF2E-C3031A7987C8}" sibTransId="{67BC4A9C-6F74-4817-9A13-6E93562CF60C}"/>
+    <dgm:cxn modelId="{9723BEE6-443C-4D8C-B4D4-1B0276225C21}" srcId="{DDBC8C0D-472D-4CA8-91F1-48D47E54A8B7}" destId="{2CC850BC-96EE-49E8-8C85-3D0E7B6E0CA3}" srcOrd="0" destOrd="0" parTransId="{7E15A540-F7B6-4354-BA75-9301DAFD3DA7}" sibTransId="{259CE16E-179E-4872-B96E-CDBEE551AA74}"/>
+    <dgm:cxn modelId="{74B02B52-EE36-4B7B-9A82-09F59DC17AF2}" type="presOf" srcId="{FE5449D1-4EF9-44FC-ACA6-B7C61F47041F}" destId="{6B4B7C62-9277-453D-8E49-9E9DE7FBDFF8}" srcOrd="0" destOrd="0" presId="urn:microsoft.com/office/officeart/2005/8/layout/hierarchy3"/>
     <dgm:cxn modelId="{2C7743B3-47EF-4E5F-B2E5-093C2007A57B}" type="presOf" srcId="{2CC850BC-96EE-49E8-8C85-3D0E7B6E0CA3}" destId="{505A0EA1-3FD1-44E3-8725-7E0745263EE8}" srcOrd="1" destOrd="0" presId="urn:microsoft.com/office/officeart/2005/8/layout/hierarchy3"/>
-    <dgm:cxn modelId="{8A75269F-74A4-4776-912B-A0A1A3E8CACB}" type="presOf" srcId="{F15004D9-625B-4C2E-AF8B-F2BFEAC41282}" destId="{34D1B876-BDCF-49A4-B16F-F61309862FEE}" srcOrd="0" destOrd="0" presId="urn:microsoft.com/office/officeart/2005/8/layout/hierarchy3"/>
-    <dgm:cxn modelId="{72E9D7E2-8BE4-4DC9-B987-5AE0F9A8FECB}" type="presOf" srcId="{E462E0DF-4155-48CD-B916-B07BA43D03E4}" destId="{3F72BFD2-3FA4-44EE-A02D-31FEF74A9FAD}" srcOrd="0" destOrd="0" presId="urn:microsoft.com/office/officeart/2005/8/layout/hierarchy3"/>
-    <dgm:cxn modelId="{DAB9AFD5-AEF6-4798-A04A-0F1C8FE3B063}" srcId="{2CC850BC-96EE-49E8-8C85-3D0E7B6E0CA3}" destId="{0E27B422-A4A1-4FF5-985F-683FDB9760FE}" srcOrd="0" destOrd="0" parTransId="{F1184143-EA42-4ABE-8AC6-7440CD9E231D}" sibTransId="{FF3286E3-CD6C-4B18-A64D-F910CE63CC81}"/>
-    <dgm:cxn modelId="{6832DD95-0753-4AD6-B663-0F350D6BE2C1}" srcId="{2CC850BC-96EE-49E8-8C85-3D0E7B6E0CA3}" destId="{6BEF08B0-FDA7-408E-9B5A-E8F75E5F0721}" srcOrd="1" destOrd="0" parTransId="{6227B6BF-67A7-49D2-967A-C674011FA969}" sibTransId="{73536454-096C-44D4-9F36-AFF73FBA1B18}"/>
-    <dgm:cxn modelId="{A601F8B2-5AA6-46F9-8104-5E5E1D6C33A7}" srcId="{D66C0FE5-331E-4049-B86D-27DC10991BEE}" destId="{E462E0DF-4155-48CD-B916-B07BA43D03E4}" srcOrd="1" destOrd="0" parTransId="{99C47338-CBCC-4663-A3BC-04D389E78E43}" sibTransId="{BEDAA789-BE81-409F-B60B-AA9E470B42C0}"/>
-    <dgm:cxn modelId="{9723BEE6-443C-4D8C-B4D4-1B0276225C21}" srcId="{DDBC8C0D-472D-4CA8-91F1-48D47E54A8B7}" destId="{2CC850BC-96EE-49E8-8C85-3D0E7B6E0CA3}" srcOrd="0" destOrd="0" parTransId="{7E15A540-F7B6-4354-BA75-9301DAFD3DA7}" sibTransId="{259CE16E-179E-4872-B96E-CDBEE551AA74}"/>
     <dgm:cxn modelId="{4BED08BB-1716-46B6-84A5-73A799648411}" type="presOf" srcId="{25B85B1B-E1A4-4ACD-AF2E-C3031A7987C8}" destId="{682969EB-CD05-4E47-955B-B79835FAC6A9}" srcOrd="0" destOrd="0" presId="urn:microsoft.com/office/officeart/2005/8/layout/hierarchy3"/>
-    <dgm:cxn modelId="{3E51DA43-FB30-40C9-BCA8-4B5AB27A3D15}" srcId="{DDBC8C0D-472D-4CA8-91F1-48D47E54A8B7}" destId="{0FFFA825-95D5-4E1B-B541-D761CE159EB1}" srcOrd="1" destOrd="0" parTransId="{48CE5D03-C7CC-4580-BCEB-D1E4513DA987}" sibTransId="{3DE2E20F-CDDE-4EA4-B709-FA8E498CE34B}"/>
-    <dgm:cxn modelId="{DEC2B2B3-9349-49F3-9F55-C92928349D04}" type="presOf" srcId="{289F0DD2-3591-4541-837B-AA22DB86DE7A}" destId="{D178DCAF-6393-4B5B-9FBF-01952821B84E}" srcOrd="0" destOrd="0" presId="urn:microsoft.com/office/officeart/2005/8/layout/hierarchy3"/>
-    <dgm:cxn modelId="{7591C345-2295-422E-AEE2-84575233EC89}" type="presOf" srcId="{6717AB3C-D6F4-446F-875E-12BB9A93FA6F}" destId="{2272FD81-0582-4656-A35A-8512ECE7D72B}" srcOrd="0" destOrd="0" presId="urn:microsoft.com/office/officeart/2005/8/layout/hierarchy3"/>
-    <dgm:cxn modelId="{BC908F20-E07A-4059-BE41-4A10DF25C224}" type="presOf" srcId="{D66C0FE5-331E-4049-B86D-27DC10991BEE}" destId="{D363F206-38CC-4456-B3BE-3E5FA84F7D0D}" srcOrd="1" destOrd="0" presId="urn:microsoft.com/office/officeart/2005/8/layout/hierarchy3"/>
-    <dgm:cxn modelId="{FAB1FFFF-FFA3-4189-9560-37F654E4CD72}" type="presOf" srcId="{E36B84AC-B2DD-46E3-814A-4FCF5E8B93AD}" destId="{6FB1A1FA-49EA-453B-9D2B-95FA464DE011}" srcOrd="0" destOrd="0" presId="urn:microsoft.com/office/officeart/2005/8/layout/hierarchy3"/>
-    <dgm:cxn modelId="{43EBAC20-830E-4CE9-BCE8-BF1E44F08E45}" srcId="{DDBC8C0D-472D-4CA8-91F1-48D47E54A8B7}" destId="{F15004D9-625B-4C2E-AF8B-F2BFEAC41282}" srcOrd="3" destOrd="0" parTransId="{08EB1B6D-E5FA-4424-8F19-C1912AEC10A0}" sibTransId="{B0E28A7E-BB9F-4985-BEF9-E7B3D9E0FE65}"/>
-    <dgm:cxn modelId="{2779404A-72A6-4EDE-9305-024458EA10CA}" type="presOf" srcId="{F1184143-EA42-4ABE-8AC6-7440CD9E231D}" destId="{ADF1400B-C263-4CD4-B265-B7111AAE41C1}" srcOrd="0" destOrd="0" presId="urn:microsoft.com/office/officeart/2005/8/layout/hierarchy3"/>
-    <dgm:cxn modelId="{FF2BC933-F352-4345-9993-B1ADAFD1D6BD}" type="presOf" srcId="{F83A4E15-04F6-4761-B133-426D2F003E14}" destId="{9852B83B-ABFE-47D9-9684-B34B5CB1C8B5}" srcOrd="0" destOrd="0" presId="urn:microsoft.com/office/officeart/2005/8/layout/hierarchy3"/>
-    <dgm:cxn modelId="{2ABDC62B-E5F9-48DC-94DF-57DABEBC1C41}" srcId="{F15004D9-625B-4C2E-AF8B-F2BFEAC41282}" destId="{25A98977-A212-488C-B09D-FCFC21C9CB06}" srcOrd="0" destOrd="0" parTransId="{21497C6D-DC13-46C1-8D79-8792F91CBAA1}" sibTransId="{3D65D2A5-D5F7-4276-8DFD-95CD5D544B97}"/>
-    <dgm:cxn modelId="{55820035-907A-427E-9BA5-BCD817EA862B}" type="presOf" srcId="{6B5E01F3-D42C-4AB0-9535-E9253C36C9C1}" destId="{BD225999-3703-487E-9F3C-BC2D196EF26F}" srcOrd="0" destOrd="0" presId="urn:microsoft.com/office/officeart/2005/8/layout/hierarchy3"/>
+    <dgm:cxn modelId="{13787BA4-7F01-4900-ADC7-1A0DBA19956B}" type="presOf" srcId="{0FFFA825-95D5-4E1B-B541-D761CE159EB1}" destId="{0A7E29D7-350F-47DA-A0C3-D877E7163BAE}" srcOrd="0" destOrd="0" presId="urn:microsoft.com/office/officeart/2005/8/layout/hierarchy3"/>
     <dgm:cxn modelId="{B830BB3D-F01A-4393-A664-8AF9F9264656}" type="presOf" srcId="{166FAF82-AFAB-4808-861B-C3FDAAD91EC9}" destId="{E653D983-B704-4025-A187-DFFF548D6A26}" srcOrd="0" destOrd="0" presId="urn:microsoft.com/office/officeart/2005/8/layout/hierarchy3"/>
-    <dgm:cxn modelId="{A9293FD0-7E37-40A7-841A-748EF0687549}" type="presOf" srcId="{21497C6D-DC13-46C1-8D79-8792F91CBAA1}" destId="{730C7548-7E5E-4356-ADEB-86A3F1F7CC77}" srcOrd="0" destOrd="0" presId="urn:microsoft.com/office/officeart/2005/8/layout/hierarchy3"/>
-    <dgm:cxn modelId="{DDE3344A-D0FD-4A5E-B29E-0D56D93A66BF}" srcId="{0FFFA825-95D5-4E1B-B541-D761CE159EB1}" destId="{FE5449D1-4EF9-44FC-ACA6-B7C61F47041F}" srcOrd="1" destOrd="0" parTransId="{166FAF82-AFAB-4808-861B-C3FDAAD91EC9}" sibTransId="{C84C9C7A-14B5-4A86-80CB-2511692913D2}"/>
-    <dgm:cxn modelId="{CDF8416F-8B43-4B36-8A93-1CB8FF875DDD}" type="presOf" srcId="{0FFFA825-95D5-4E1B-B541-D761CE159EB1}" destId="{BC10FC50-8648-4638-9C99-74000B486402}" srcOrd="1" destOrd="0" presId="urn:microsoft.com/office/officeart/2005/8/layout/hierarchy3"/>
-    <dgm:cxn modelId="{13787BA4-7F01-4900-ADC7-1A0DBA19956B}" type="presOf" srcId="{0FFFA825-95D5-4E1B-B541-D761CE159EB1}" destId="{0A7E29D7-350F-47DA-A0C3-D877E7163BAE}" srcOrd="0" destOrd="0" presId="urn:microsoft.com/office/officeart/2005/8/layout/hierarchy3"/>
     <dgm:cxn modelId="{036FF75A-D192-4453-9969-A7D7CAF6DF99}" type="presOf" srcId="{6BEF08B0-FDA7-408E-9B5A-E8F75E5F0721}" destId="{E525BC98-6C72-44F1-9A07-0DB0C7A3B433}" srcOrd="0" destOrd="0" presId="urn:microsoft.com/office/officeart/2005/8/layout/hierarchy3"/>
-    <dgm:cxn modelId="{56A5B321-6351-4325-BDBA-9F9DE43575CE}" srcId="{0FFFA825-95D5-4E1B-B541-D761CE159EB1}" destId="{F83A4E15-04F6-4761-B133-426D2F003E14}" srcOrd="0" destOrd="0" parTransId="{C60FC291-CF97-42EF-822C-6782E3E64B33}" sibTransId="{75CE1F60-5DDC-4CB2-9A82-DE29F0D9C2A7}"/>
-    <dgm:cxn modelId="{098D517C-500F-42E3-89B0-C81870007D82}" type="presOf" srcId="{C60FC291-CF97-42EF-822C-6782E3E64B33}" destId="{6D7D7538-034C-429A-AF8B-1382594DC395}" srcOrd="0" destOrd="0" presId="urn:microsoft.com/office/officeart/2005/8/layout/hierarchy3"/>
     <dgm:cxn modelId="{69D79EF7-865A-40F2-8F6B-C88FD4E9C93B}" type="presOf" srcId="{99C47338-CBCC-4663-A3BC-04D389E78E43}" destId="{6FC3126E-5D02-4D3D-A8A1-FD39A829ED8D}" srcOrd="0" destOrd="0" presId="urn:microsoft.com/office/officeart/2005/8/layout/hierarchy3"/>
-    <dgm:cxn modelId="{5AF5772E-1BBA-4AE6-9DD0-8CDA2E27B18D}" type="presOf" srcId="{F15004D9-625B-4C2E-AF8B-F2BFEAC41282}" destId="{BDD58A65-57E2-4E94-8B4B-5B05AB5325D1}" srcOrd="1" destOrd="0" presId="urn:microsoft.com/office/officeart/2005/8/layout/hierarchy3"/>
-    <dgm:cxn modelId="{E4344942-1C8A-4456-AD61-5A42ED46A507}" srcId="{2CC850BC-96EE-49E8-8C85-3D0E7B6E0CA3}" destId="{3422DEDA-05BF-4B86-9BE6-FD71B1FFF714}" srcOrd="2" destOrd="0" parTransId="{6B5E01F3-D42C-4AB0-9535-E9253C36C9C1}" sibTransId="{A253C082-8084-4150-8EB7-34A801B36A5A}"/>
-    <dgm:cxn modelId="{608CF8CE-55E2-40F0-AF24-A7F4A321B3AD}" srcId="{D66C0FE5-331E-4049-B86D-27DC10991BEE}" destId="{289F0DD2-3591-4541-837B-AA22DB86DE7A}" srcOrd="0" destOrd="0" parTransId="{25B85B1B-E1A4-4ACD-AF2E-C3031A7987C8}" sibTransId="{67BC4A9C-6F74-4817-9A13-6E93562CF60C}"/>
-    <dgm:cxn modelId="{236D3F19-0C10-4A2A-9F5D-51139CF34AC8}" type="presOf" srcId="{DDBC8C0D-472D-4CA8-91F1-48D47E54A8B7}" destId="{4DCECBAA-7618-4AB4-A064-DB530AD09EC9}" srcOrd="0" destOrd="0" presId="urn:microsoft.com/office/officeart/2005/8/layout/hierarchy3"/>
-    <dgm:cxn modelId="{CD7D6EBE-E690-45E7-B901-C16AC05A005A}" type="presOf" srcId="{6227B6BF-67A7-49D2-967A-C674011FA969}" destId="{91F52B91-E67D-4C8B-B0E7-A14B1839EDB3}" srcOrd="0" destOrd="0" presId="urn:microsoft.com/office/officeart/2005/8/layout/hierarchy3"/>
-    <dgm:cxn modelId="{7B56B4B9-3250-4EDF-A7E5-025B884E9477}" srcId="{0FFFA825-95D5-4E1B-B541-D761CE159EB1}" destId="{A2CA7F2F-5415-41F3-BA5A-2B3FEA43468A}" srcOrd="2" destOrd="0" parTransId="{6717AB3C-D6F4-446F-875E-12BB9A93FA6F}" sibTransId="{CD9CCEAB-25C8-45C8-A81D-F13C8613677D}"/>
-    <dgm:cxn modelId="{A92E34E6-5471-47CA-AE67-FC2A57DFE0C8}" srcId="{2CC850BC-96EE-49E8-8C85-3D0E7B6E0CA3}" destId="{E36B84AC-B2DD-46E3-814A-4FCF5E8B93AD}" srcOrd="3" destOrd="0" parTransId="{20142DA8-B091-45EB-A2FE-F5937911AD6D}" sibTransId="{F6D4F017-1DD7-47AA-887A-20F8D7987794}"/>
-    <dgm:cxn modelId="{74B02B52-EE36-4B7B-9A82-09F59DC17AF2}" type="presOf" srcId="{FE5449D1-4EF9-44FC-ACA6-B7C61F47041F}" destId="{6B4B7C62-9277-453D-8E49-9E9DE7FBDFF8}" srcOrd="0" destOrd="0" presId="urn:microsoft.com/office/officeart/2005/8/layout/hierarchy3"/>
-    <dgm:cxn modelId="{ED103A0D-89A0-4508-8F35-938EDDF03DB2}" type="presOf" srcId="{25A98977-A212-488C-B09D-FCFC21C9CB06}" destId="{EF3F178F-A7AD-4627-9FB7-5AB0D4D3A5A0}" srcOrd="0" destOrd="0" presId="urn:microsoft.com/office/officeart/2005/8/layout/hierarchy3"/>
-    <dgm:cxn modelId="{4BDCAD42-B043-4EFA-86D5-4991F7AF22A1}" type="presOf" srcId="{20142DA8-B091-45EB-A2FE-F5937911AD6D}" destId="{33B7CB94-1A2F-4453-A66D-2472790E53EE}" srcOrd="0" destOrd="0" presId="urn:microsoft.com/office/officeart/2005/8/layout/hierarchy3"/>
-    <dgm:cxn modelId="{12543A6E-DC80-40E3-9E16-E2D8714A9306}" type="presOf" srcId="{D66C0FE5-331E-4049-B86D-27DC10991BEE}" destId="{89F7FF67-66CC-4E6B-96A4-9669E34EBD65}" srcOrd="0" destOrd="0" presId="urn:microsoft.com/office/officeart/2005/8/layout/hierarchy3"/>
-    <dgm:cxn modelId="{4256BBBD-CE78-4F43-BD8D-2A4320EE5707}" srcId="{DDBC8C0D-472D-4CA8-91F1-48D47E54A8B7}" destId="{D66C0FE5-331E-4049-B86D-27DC10991BEE}" srcOrd="2" destOrd="0" parTransId="{BFA0DF4F-2D45-4273-953F-F080AF5AB4C6}" sibTransId="{7E2DF6A6-162A-4700-A464-C4BCA5505961}"/>
-    <dgm:cxn modelId="{D07FCF5D-16C2-466A-AB92-24E22512787A}" type="presOf" srcId="{2CC850BC-96EE-49E8-8C85-3D0E7B6E0CA3}" destId="{1D366709-028B-459B-88B9-E1350D5DA5EC}" srcOrd="0" destOrd="0" presId="urn:microsoft.com/office/officeart/2005/8/layout/hierarchy3"/>
     <dgm:cxn modelId="{3862ADF7-D922-4424-B1C1-A2E485E12A31}" type="presParOf" srcId="{4DCECBAA-7618-4AB4-A064-DB530AD09EC9}" destId="{367A83B3-D5DC-4603-B265-2368342CE022}" srcOrd="0" destOrd="0" presId="urn:microsoft.com/office/officeart/2005/8/layout/hierarchy3"/>
     <dgm:cxn modelId="{EAB90DCA-7FCD-4DB5-ACA9-80F57FE9FF05}" type="presParOf" srcId="{367A83B3-D5DC-4603-B265-2368342CE022}" destId="{B807D0C0-C1AD-49DA-8DBB-00565824D17B}" srcOrd="0" destOrd="0" presId="urn:microsoft.com/office/officeart/2005/8/layout/hierarchy3"/>
     <dgm:cxn modelId="{03C0C94C-E67E-499E-ABBD-162CC603A2AA}" type="presParOf" srcId="{B807D0C0-C1AD-49DA-8DBB-00565824D17B}" destId="{1D366709-028B-459B-88B9-E1350D5DA5EC}" srcOrd="0" destOrd="0" presId="urn:microsoft.com/office/officeart/2005/8/layout/hierarchy3"/>
@@ -4200,15 +4456,7 @@
                 <a:schemeClr val="accent2"/>
               </a:solidFill>
             </a:rPr>
-            <a:t>를 </a:t>
-          </a:r>
-          <a:r>
-            <a:rPr lang="ko-KR" altLang="en-US" sz="1300" b="1" kern="1200" dirty="0" smtClean="0">
-              <a:solidFill>
-                <a:schemeClr val="accent2"/>
-              </a:solidFill>
-            </a:rPr>
-            <a:t>차트 뿐만 아니라 </a:t>
+            <a:t>를 차트 뿐만 아니라 </a:t>
           </a:r>
           <a:r>
             <a:rPr lang="ko-KR" sz="1300" b="1" kern="1200" dirty="0" smtClean="0">
@@ -9999,7 +10247,7 @@
           <a:p>
             <a:fld id="{B2C103AE-6972-4C27-B8A8-2E2715F5876A}" type="datetimeFigureOut">
               <a:rPr lang="ko-KR" altLang="en-US" smtClean="0"/>
-              <a:t>2015-10-31</a:t>
+              <a:t>2015-11-01</a:t>
             </a:fld>
             <a:endParaRPr lang="ko-KR" altLang="en-US"/>
           </a:p>
@@ -10169,7 +10417,7 @@
           <a:p>
             <a:fld id="{B2C103AE-6972-4C27-B8A8-2E2715F5876A}" type="datetimeFigureOut">
               <a:rPr lang="ko-KR" altLang="en-US" smtClean="0"/>
-              <a:t>2015-10-31</a:t>
+              <a:t>2015-11-01</a:t>
             </a:fld>
             <a:endParaRPr lang="ko-KR" altLang="en-US"/>
           </a:p>
@@ -10349,7 +10597,7 @@
           <a:p>
             <a:fld id="{B2C103AE-6972-4C27-B8A8-2E2715F5876A}" type="datetimeFigureOut">
               <a:rPr lang="ko-KR" altLang="en-US" smtClean="0"/>
-              <a:t>2015-10-31</a:t>
+              <a:t>2015-11-01</a:t>
             </a:fld>
             <a:endParaRPr lang="ko-KR" altLang="en-US"/>
           </a:p>
@@ -11686,301 +11934,6 @@
 
 <file path=ppt/slideLayouts/slideLayout16.xml><?xml version="1.0" encoding="utf-8"?>
 <p:sldLayout xmlns:a="http://schemas.openxmlformats.org/drawingml/2006/main" xmlns:r="http://schemas.openxmlformats.org/officeDocument/2006/relationships" xmlns:p="http://schemas.openxmlformats.org/presentationml/2006/main" userDrawn="1">
-  <p:cSld name="6_제목 및 내용">
-    <p:spTree>
-      <p:nvGrpSpPr>
-        <p:cNvPr id="1" name=""/>
-        <p:cNvGrpSpPr/>
-        <p:nvPr/>
-      </p:nvGrpSpPr>
-      <p:grpSpPr>
-        <a:xfrm>
-          <a:off x="0" y="0"/>
-          <a:ext cx="0" cy="0"/>
-          <a:chOff x="0" y="0"/>
-          <a:chExt cx="0" cy="0"/>
-        </a:xfrm>
-      </p:grpSpPr>
-      <p:sp>
-        <p:nvSpPr>
-          <p:cNvPr id="2" name="직각 삼각형 1"/>
-          <p:cNvSpPr/>
-          <p:nvPr userDrawn="1"/>
-        </p:nvSpPr>
-        <p:spPr>
-          <a:xfrm rot="10800000">
-            <a:off x="0" y="-3"/>
-            <a:ext cx="971550" cy="1028700"/>
-          </a:xfrm>
-          <a:prstGeom prst="rtTriangle">
-            <a:avLst/>
-          </a:prstGeom>
-          <a:solidFill>
-            <a:srgbClr val="EAE0BE"/>
-          </a:solidFill>
-          <a:ln>
-            <a:noFill/>
-          </a:ln>
-        </p:spPr>
-        <p:style>
-          <a:lnRef idx="2">
-            <a:schemeClr val="accent1">
-              <a:shade val="50000"/>
-            </a:schemeClr>
-          </a:lnRef>
-          <a:fillRef idx="1">
-            <a:schemeClr val="accent1"/>
-          </a:fillRef>
-          <a:effectRef idx="0">
-            <a:schemeClr val="accent1"/>
-          </a:effectRef>
-          <a:fontRef idx="minor">
-            <a:schemeClr val="lt1"/>
-          </a:fontRef>
-        </p:style>
-        <p:txBody>
-          <a:bodyPr rtlCol="0" anchor="ctr"/>
-          <a:lstStyle/>
-          <a:p>
-            <a:pPr algn="ctr"/>
-            <a:endParaRPr lang="ko-KR" altLang="en-US"/>
-          </a:p>
-        </p:txBody>
-      </p:sp>
-      <p:sp>
-        <p:nvSpPr>
-          <p:cNvPr id="3" name="직각 삼각형 2"/>
-          <p:cNvSpPr/>
-          <p:nvPr userDrawn="1"/>
-        </p:nvSpPr>
-        <p:spPr>
-          <a:xfrm rot="10800000" flipH="1">
-            <a:off x="971550" y="-2"/>
-            <a:ext cx="971550" cy="1028700"/>
-          </a:xfrm>
-          <a:prstGeom prst="rtTriangle">
-            <a:avLst/>
-          </a:prstGeom>
-          <a:solidFill>
-            <a:srgbClr val="EEE6CC"/>
-          </a:solidFill>
-          <a:ln>
-            <a:noFill/>
-          </a:ln>
-        </p:spPr>
-        <p:style>
-          <a:lnRef idx="2">
-            <a:schemeClr val="accent1">
-              <a:shade val="50000"/>
-            </a:schemeClr>
-          </a:lnRef>
-          <a:fillRef idx="1">
-            <a:schemeClr val="accent1"/>
-          </a:fillRef>
-          <a:effectRef idx="0">
-            <a:schemeClr val="accent1"/>
-          </a:effectRef>
-          <a:fontRef idx="minor">
-            <a:schemeClr val="lt1"/>
-          </a:fontRef>
-        </p:style>
-        <p:txBody>
-          <a:bodyPr rtlCol="0" anchor="ctr"/>
-          <a:lstStyle/>
-          <a:p>
-            <a:pPr algn="ctr"/>
-            <a:endParaRPr lang="ko-KR" altLang="en-US"/>
-          </a:p>
-        </p:txBody>
-      </p:sp>
-      <p:sp>
-        <p:nvSpPr>
-          <p:cNvPr id="4" name="이등변 삼각형 3"/>
-          <p:cNvSpPr/>
-          <p:nvPr userDrawn="1"/>
-        </p:nvSpPr>
-        <p:spPr>
-          <a:xfrm rot="5400000">
-            <a:off x="-516734" y="516731"/>
-            <a:ext cx="2019304" cy="985836"/>
-          </a:xfrm>
-          <a:prstGeom prst="triangle">
-            <a:avLst/>
-          </a:prstGeom>
-          <a:solidFill>
-            <a:srgbClr val="496F74"/>
-          </a:solidFill>
-          <a:ln>
-            <a:noFill/>
-          </a:ln>
-        </p:spPr>
-        <p:style>
-          <a:lnRef idx="2">
-            <a:schemeClr val="accent1">
-              <a:shade val="50000"/>
-            </a:schemeClr>
-          </a:lnRef>
-          <a:fillRef idx="1">
-            <a:schemeClr val="accent1"/>
-          </a:fillRef>
-          <a:effectRef idx="0">
-            <a:schemeClr val="accent1"/>
-          </a:effectRef>
-          <a:fontRef idx="minor">
-            <a:schemeClr val="lt1"/>
-          </a:fontRef>
-        </p:style>
-        <p:txBody>
-          <a:bodyPr rtlCol="0" anchor="ctr"/>
-          <a:lstStyle/>
-          <a:p>
-            <a:pPr algn="ctr"/>
-            <a:endParaRPr lang="ko-KR" altLang="en-US"/>
-          </a:p>
-        </p:txBody>
-      </p:sp>
-      <p:sp>
-        <p:nvSpPr>
-          <p:cNvPr id="5" name="이등변 삼각형 4"/>
-          <p:cNvSpPr/>
-          <p:nvPr userDrawn="1"/>
-        </p:nvSpPr>
-        <p:spPr>
-          <a:xfrm rot="5400000">
-            <a:off x="-531020" y="2536035"/>
-            <a:ext cx="2019304" cy="985836"/>
-          </a:xfrm>
-          <a:prstGeom prst="triangle">
-            <a:avLst/>
-          </a:prstGeom>
-          <a:solidFill>
-            <a:srgbClr val="EC745B"/>
-          </a:solidFill>
-          <a:ln>
-            <a:noFill/>
-          </a:ln>
-        </p:spPr>
-        <p:style>
-          <a:lnRef idx="2">
-            <a:schemeClr val="accent1">
-              <a:shade val="50000"/>
-            </a:schemeClr>
-          </a:lnRef>
-          <a:fillRef idx="1">
-            <a:schemeClr val="accent1"/>
-          </a:fillRef>
-          <a:effectRef idx="0">
-            <a:schemeClr val="accent1"/>
-          </a:effectRef>
-          <a:fontRef idx="minor">
-            <a:schemeClr val="lt1"/>
-          </a:fontRef>
-        </p:style>
-        <p:txBody>
-          <a:bodyPr rtlCol="0" anchor="ctr"/>
-          <a:lstStyle/>
-          <a:p>
-            <a:pPr algn="ctr"/>
-            <a:endParaRPr lang="ko-KR" altLang="en-US"/>
-          </a:p>
-        </p:txBody>
-      </p:sp>
-      <p:sp>
-        <p:nvSpPr>
-          <p:cNvPr id="7" name="그림 개체 틀 6"/>
-          <p:cNvSpPr>
-            <a:spLocks noGrp="1"/>
-          </p:cNvSpPr>
-          <p:nvPr>
-            <p:ph type="pic" sz="quarter" idx="10"/>
-          </p:nvPr>
-        </p:nvSpPr>
-        <p:spPr>
-          <a:xfrm>
-            <a:off x="1943101" y="2569936"/>
-            <a:ext cx="1926431" cy="2568575"/>
-          </a:xfrm>
-          <a:prstGeom prst="rect">
-            <a:avLst/>
-          </a:prstGeom>
-        </p:spPr>
-        <p:txBody>
-          <a:bodyPr/>
-          <a:lstStyle/>
-          <a:p>
-            <a:endParaRPr lang="ko-KR" altLang="en-US"/>
-          </a:p>
-        </p:txBody>
-      </p:sp>
-      <p:sp>
-        <p:nvSpPr>
-          <p:cNvPr id="8" name="그림 개체 틀 6"/>
-          <p:cNvSpPr>
-            <a:spLocks noGrp="1"/>
-          </p:cNvSpPr>
-          <p:nvPr>
-            <p:ph type="pic" sz="quarter" idx="11"/>
-          </p:nvPr>
-        </p:nvSpPr>
-        <p:spPr>
-          <a:xfrm>
-            <a:off x="4183092" y="2569936"/>
-            <a:ext cx="1926431" cy="2568575"/>
-          </a:xfrm>
-          <a:prstGeom prst="rect">
-            <a:avLst/>
-          </a:prstGeom>
-        </p:spPr>
-        <p:txBody>
-          <a:bodyPr/>
-          <a:lstStyle/>
-          <a:p>
-            <a:endParaRPr lang="ko-KR" altLang="en-US"/>
-          </a:p>
-        </p:txBody>
-      </p:sp>
-      <p:sp>
-        <p:nvSpPr>
-          <p:cNvPr id="9" name="그림 개체 틀 6"/>
-          <p:cNvSpPr>
-            <a:spLocks noGrp="1"/>
-          </p:cNvSpPr>
-          <p:nvPr>
-            <p:ph type="pic" sz="quarter" idx="12"/>
-          </p:nvPr>
-        </p:nvSpPr>
-        <p:spPr>
-          <a:xfrm>
-            <a:off x="6423083" y="2569936"/>
-            <a:ext cx="1926431" cy="2568575"/>
-          </a:xfrm>
-          <a:prstGeom prst="rect">
-            <a:avLst/>
-          </a:prstGeom>
-        </p:spPr>
-        <p:txBody>
-          <a:bodyPr/>
-          <a:lstStyle/>
-          <a:p>
-            <a:endParaRPr lang="ko-KR" altLang="en-US"/>
-          </a:p>
-        </p:txBody>
-      </p:sp>
-    </p:spTree>
-    <p:extLst>
-      <p:ext uri="{BB962C8B-B14F-4D97-AF65-F5344CB8AC3E}">
-        <p14:creationId xmlns:p14="http://schemas.microsoft.com/office/powerpoint/2010/main" val="729005372"/>
-      </p:ext>
-    </p:extLst>
-  </p:cSld>
-  <p:clrMapOvr>
-    <a:masterClrMapping/>
-  </p:clrMapOvr>
-</p:sldLayout>
-</file>
-
-<file path=ppt/slideLayouts/slideLayout17.xml><?xml version="1.0" encoding="utf-8"?>
-<p:sldLayout xmlns:a="http://schemas.openxmlformats.org/drawingml/2006/main" xmlns:r="http://schemas.openxmlformats.org/officeDocument/2006/relationships" xmlns:p="http://schemas.openxmlformats.org/presentationml/2006/main" userDrawn="1">
   <p:cSld name="8_제목 및 내용">
     <p:spTree>
       <p:nvGrpSpPr>
@@ -12193,7 +12146,7 @@
 </p:sldLayout>
 </file>
 
-<file path=ppt/slideLayouts/slideLayout18.xml><?xml version="1.0" encoding="utf-8"?>
+<file path=ppt/slideLayouts/slideLayout17.xml><?xml version="1.0" encoding="utf-8"?>
 <p:sldLayout xmlns:a="http://schemas.openxmlformats.org/drawingml/2006/main" xmlns:r="http://schemas.openxmlformats.org/officeDocument/2006/relationships" xmlns:p="http://schemas.openxmlformats.org/presentationml/2006/main" userDrawn="1">
   <p:cSld name="9_제목 및 내용">
     <p:spTree>
@@ -12488,7 +12441,7 @@
 </p:sldLayout>
 </file>
 
-<file path=ppt/slideLayouts/slideLayout19.xml><?xml version="1.0" encoding="utf-8"?>
+<file path=ppt/slideLayouts/slideLayout18.xml><?xml version="1.0" encoding="utf-8"?>
 <p:sldLayout xmlns:a="http://schemas.openxmlformats.org/drawingml/2006/main" xmlns:r="http://schemas.openxmlformats.org/officeDocument/2006/relationships" xmlns:p="http://schemas.openxmlformats.org/presentationml/2006/main" userDrawn="1">
   <p:cSld name="10_제목 및 내용">
     <p:spTree>
@@ -12783,177 +12736,7 @@
 </p:sldLayout>
 </file>
 
-<file path=ppt/slideLayouts/slideLayout2.xml><?xml version="1.0" encoding="utf-8"?>
-<p:sldLayout xmlns:a="http://schemas.openxmlformats.org/drawingml/2006/main" xmlns:r="http://schemas.openxmlformats.org/officeDocument/2006/relationships" xmlns:p="http://schemas.openxmlformats.org/presentationml/2006/main" type="obj" preserve="1">
-  <p:cSld name="제목 및 내용">
-    <p:spTree>
-      <p:nvGrpSpPr>
-        <p:cNvPr id="1" name=""/>
-        <p:cNvGrpSpPr/>
-        <p:nvPr/>
-      </p:nvGrpSpPr>
-      <p:grpSpPr>
-        <a:xfrm>
-          <a:off x="0" y="0"/>
-          <a:ext cx="0" cy="0"/>
-          <a:chOff x="0" y="0"/>
-          <a:chExt cx="0" cy="0"/>
-        </a:xfrm>
-      </p:grpSpPr>
-      <p:sp>
-        <p:nvSpPr>
-          <p:cNvPr id="2" name="제목 1"/>
-          <p:cNvSpPr>
-            <a:spLocks noGrp="1"/>
-          </p:cNvSpPr>
-          <p:nvPr>
-            <p:ph type="title"/>
-          </p:nvPr>
-        </p:nvSpPr>
-        <p:spPr/>
-        <p:txBody>
-          <a:bodyPr/>
-          <a:lstStyle/>
-          <a:p>
-            <a:r>
-              <a:rPr lang="ko-KR" altLang="en-US" smtClean="0"/>
-              <a:t>마스터 제목 스타일 편집</a:t>
-            </a:r>
-            <a:endParaRPr lang="ko-KR" altLang="en-US"/>
-          </a:p>
-        </p:txBody>
-      </p:sp>
-      <p:sp>
-        <p:nvSpPr>
-          <p:cNvPr id="3" name="내용 개체 틀 2"/>
-          <p:cNvSpPr>
-            <a:spLocks noGrp="1"/>
-          </p:cNvSpPr>
-          <p:nvPr>
-            <p:ph idx="1"/>
-          </p:nvPr>
-        </p:nvSpPr>
-        <p:spPr/>
-        <p:txBody>
-          <a:bodyPr/>
-          <a:lstStyle/>
-          <a:p>
-            <a:pPr lvl="0"/>
-            <a:r>
-              <a:rPr lang="ko-KR" altLang="en-US" smtClean="0"/>
-              <a:t>마스터 텍스트 스타일을 편집합니다</a:t>
-            </a:r>
-          </a:p>
-          <a:p>
-            <a:pPr lvl="1"/>
-            <a:r>
-              <a:rPr lang="ko-KR" altLang="en-US" smtClean="0"/>
-              <a:t>둘째 수준</a:t>
-            </a:r>
-          </a:p>
-          <a:p>
-            <a:pPr lvl="2"/>
-            <a:r>
-              <a:rPr lang="ko-KR" altLang="en-US" smtClean="0"/>
-              <a:t>셋째 수준</a:t>
-            </a:r>
-          </a:p>
-          <a:p>
-            <a:pPr lvl="3"/>
-            <a:r>
-              <a:rPr lang="ko-KR" altLang="en-US" smtClean="0"/>
-              <a:t>넷째 수준</a:t>
-            </a:r>
-          </a:p>
-          <a:p>
-            <a:pPr lvl="4"/>
-            <a:r>
-              <a:rPr lang="ko-KR" altLang="en-US" smtClean="0"/>
-              <a:t>다섯째 수준</a:t>
-            </a:r>
-            <a:endParaRPr lang="ko-KR" altLang="en-US"/>
-          </a:p>
-        </p:txBody>
-      </p:sp>
-      <p:sp>
-        <p:nvSpPr>
-          <p:cNvPr id="4" name="날짜 개체 틀 3"/>
-          <p:cNvSpPr>
-            <a:spLocks noGrp="1"/>
-          </p:cNvSpPr>
-          <p:nvPr>
-            <p:ph type="dt" sz="half" idx="10"/>
-          </p:nvPr>
-        </p:nvSpPr>
-        <p:spPr/>
-        <p:txBody>
-          <a:bodyPr/>
-          <a:lstStyle/>
-          <a:p>
-            <a:fld id="{B2C103AE-6972-4C27-B8A8-2E2715F5876A}" type="datetimeFigureOut">
-              <a:rPr lang="ko-KR" altLang="en-US" smtClean="0"/>
-              <a:t>2015-10-31</a:t>
-            </a:fld>
-            <a:endParaRPr lang="ko-KR" altLang="en-US"/>
-          </a:p>
-        </p:txBody>
-      </p:sp>
-      <p:sp>
-        <p:nvSpPr>
-          <p:cNvPr id="5" name="바닥글 개체 틀 4"/>
-          <p:cNvSpPr>
-            <a:spLocks noGrp="1"/>
-          </p:cNvSpPr>
-          <p:nvPr>
-            <p:ph type="ftr" sz="quarter" idx="11"/>
-          </p:nvPr>
-        </p:nvSpPr>
-        <p:spPr/>
-        <p:txBody>
-          <a:bodyPr/>
-          <a:lstStyle/>
-          <a:p>
-            <a:endParaRPr lang="ko-KR" altLang="en-US"/>
-          </a:p>
-        </p:txBody>
-      </p:sp>
-      <p:sp>
-        <p:nvSpPr>
-          <p:cNvPr id="6" name="슬라이드 번호 개체 틀 5"/>
-          <p:cNvSpPr>
-            <a:spLocks noGrp="1"/>
-          </p:cNvSpPr>
-          <p:nvPr>
-            <p:ph type="sldNum" sz="quarter" idx="12"/>
-          </p:nvPr>
-        </p:nvSpPr>
-        <p:spPr/>
-        <p:txBody>
-          <a:bodyPr/>
-          <a:lstStyle/>
-          <a:p>
-            <a:fld id="{709F4B3C-BFB3-4E35-AB25-C947E6CCC081}" type="slidenum">
-              <a:rPr lang="ko-KR" altLang="en-US" smtClean="0"/>
-              <a:t>‹#›</a:t>
-            </a:fld>
-            <a:endParaRPr lang="ko-KR" altLang="en-US"/>
-          </a:p>
-        </p:txBody>
-      </p:sp>
-    </p:spTree>
-    <p:extLst>
-      <p:ext uri="{BB962C8B-B14F-4D97-AF65-F5344CB8AC3E}">
-        <p14:creationId xmlns:p14="http://schemas.microsoft.com/office/powerpoint/2010/main" val="3130246555"/>
-      </p:ext>
-    </p:extLst>
-  </p:cSld>
-  <p:clrMapOvr>
-    <a:masterClrMapping/>
-  </p:clrMapOvr>
-</p:sldLayout>
-</file>
-
-<file path=ppt/slideLayouts/slideLayout20.xml><?xml version="1.0" encoding="utf-8"?>
+<file path=ppt/slideLayouts/slideLayout19.xml><?xml version="1.0" encoding="utf-8"?>
 <p:sldLayout xmlns:a="http://schemas.openxmlformats.org/drawingml/2006/main" xmlns:r="http://schemas.openxmlformats.org/officeDocument/2006/relationships" xmlns:p="http://schemas.openxmlformats.org/presentationml/2006/main" userDrawn="1">
   <p:cSld name="12_제목 및 내용">
     <p:spTree>
@@ -13248,7 +13031,177 @@
 </p:sldLayout>
 </file>
 
-<file path=ppt/slideLayouts/slideLayout21.xml><?xml version="1.0" encoding="utf-8"?>
+<file path=ppt/slideLayouts/slideLayout2.xml><?xml version="1.0" encoding="utf-8"?>
+<p:sldLayout xmlns:a="http://schemas.openxmlformats.org/drawingml/2006/main" xmlns:r="http://schemas.openxmlformats.org/officeDocument/2006/relationships" xmlns:p="http://schemas.openxmlformats.org/presentationml/2006/main" type="obj" preserve="1">
+  <p:cSld name="제목 및 내용">
+    <p:spTree>
+      <p:nvGrpSpPr>
+        <p:cNvPr id="1" name=""/>
+        <p:cNvGrpSpPr/>
+        <p:nvPr/>
+      </p:nvGrpSpPr>
+      <p:grpSpPr>
+        <a:xfrm>
+          <a:off x="0" y="0"/>
+          <a:ext cx="0" cy="0"/>
+          <a:chOff x="0" y="0"/>
+          <a:chExt cx="0" cy="0"/>
+        </a:xfrm>
+      </p:grpSpPr>
+      <p:sp>
+        <p:nvSpPr>
+          <p:cNvPr id="2" name="제목 1"/>
+          <p:cNvSpPr>
+            <a:spLocks noGrp="1"/>
+          </p:cNvSpPr>
+          <p:nvPr>
+            <p:ph type="title"/>
+          </p:nvPr>
+        </p:nvSpPr>
+        <p:spPr/>
+        <p:txBody>
+          <a:bodyPr/>
+          <a:lstStyle/>
+          <a:p>
+            <a:r>
+              <a:rPr lang="ko-KR" altLang="en-US" smtClean="0"/>
+              <a:t>마스터 제목 스타일 편집</a:t>
+            </a:r>
+            <a:endParaRPr lang="ko-KR" altLang="en-US"/>
+          </a:p>
+        </p:txBody>
+      </p:sp>
+      <p:sp>
+        <p:nvSpPr>
+          <p:cNvPr id="3" name="내용 개체 틀 2"/>
+          <p:cNvSpPr>
+            <a:spLocks noGrp="1"/>
+          </p:cNvSpPr>
+          <p:nvPr>
+            <p:ph idx="1"/>
+          </p:nvPr>
+        </p:nvSpPr>
+        <p:spPr/>
+        <p:txBody>
+          <a:bodyPr/>
+          <a:lstStyle/>
+          <a:p>
+            <a:pPr lvl="0"/>
+            <a:r>
+              <a:rPr lang="ko-KR" altLang="en-US" smtClean="0"/>
+              <a:t>마스터 텍스트 스타일을 편집합니다</a:t>
+            </a:r>
+          </a:p>
+          <a:p>
+            <a:pPr lvl="1"/>
+            <a:r>
+              <a:rPr lang="ko-KR" altLang="en-US" smtClean="0"/>
+              <a:t>둘째 수준</a:t>
+            </a:r>
+          </a:p>
+          <a:p>
+            <a:pPr lvl="2"/>
+            <a:r>
+              <a:rPr lang="ko-KR" altLang="en-US" smtClean="0"/>
+              <a:t>셋째 수준</a:t>
+            </a:r>
+          </a:p>
+          <a:p>
+            <a:pPr lvl="3"/>
+            <a:r>
+              <a:rPr lang="ko-KR" altLang="en-US" smtClean="0"/>
+              <a:t>넷째 수준</a:t>
+            </a:r>
+          </a:p>
+          <a:p>
+            <a:pPr lvl="4"/>
+            <a:r>
+              <a:rPr lang="ko-KR" altLang="en-US" smtClean="0"/>
+              <a:t>다섯째 수준</a:t>
+            </a:r>
+            <a:endParaRPr lang="ko-KR" altLang="en-US"/>
+          </a:p>
+        </p:txBody>
+      </p:sp>
+      <p:sp>
+        <p:nvSpPr>
+          <p:cNvPr id="4" name="날짜 개체 틀 3"/>
+          <p:cNvSpPr>
+            <a:spLocks noGrp="1"/>
+          </p:cNvSpPr>
+          <p:nvPr>
+            <p:ph type="dt" sz="half" idx="10"/>
+          </p:nvPr>
+        </p:nvSpPr>
+        <p:spPr/>
+        <p:txBody>
+          <a:bodyPr/>
+          <a:lstStyle/>
+          <a:p>
+            <a:fld id="{B2C103AE-6972-4C27-B8A8-2E2715F5876A}" type="datetimeFigureOut">
+              <a:rPr lang="ko-KR" altLang="en-US" smtClean="0"/>
+              <a:t>2015-11-01</a:t>
+            </a:fld>
+            <a:endParaRPr lang="ko-KR" altLang="en-US"/>
+          </a:p>
+        </p:txBody>
+      </p:sp>
+      <p:sp>
+        <p:nvSpPr>
+          <p:cNvPr id="5" name="바닥글 개체 틀 4"/>
+          <p:cNvSpPr>
+            <a:spLocks noGrp="1"/>
+          </p:cNvSpPr>
+          <p:nvPr>
+            <p:ph type="ftr" sz="quarter" idx="11"/>
+          </p:nvPr>
+        </p:nvSpPr>
+        <p:spPr/>
+        <p:txBody>
+          <a:bodyPr/>
+          <a:lstStyle/>
+          <a:p>
+            <a:endParaRPr lang="ko-KR" altLang="en-US"/>
+          </a:p>
+        </p:txBody>
+      </p:sp>
+      <p:sp>
+        <p:nvSpPr>
+          <p:cNvPr id="6" name="슬라이드 번호 개체 틀 5"/>
+          <p:cNvSpPr>
+            <a:spLocks noGrp="1"/>
+          </p:cNvSpPr>
+          <p:nvPr>
+            <p:ph type="sldNum" sz="quarter" idx="12"/>
+          </p:nvPr>
+        </p:nvSpPr>
+        <p:spPr/>
+        <p:txBody>
+          <a:bodyPr/>
+          <a:lstStyle/>
+          <a:p>
+            <a:fld id="{709F4B3C-BFB3-4E35-AB25-C947E6CCC081}" type="slidenum">
+              <a:rPr lang="ko-KR" altLang="en-US" smtClean="0"/>
+              <a:t>‹#›</a:t>
+            </a:fld>
+            <a:endParaRPr lang="ko-KR" altLang="en-US"/>
+          </a:p>
+        </p:txBody>
+      </p:sp>
+    </p:spTree>
+    <p:extLst>
+      <p:ext uri="{BB962C8B-B14F-4D97-AF65-F5344CB8AC3E}">
+        <p14:creationId xmlns:p14="http://schemas.microsoft.com/office/powerpoint/2010/main" val="3130246555"/>
+      </p:ext>
+    </p:extLst>
+  </p:cSld>
+  <p:clrMapOvr>
+    <a:masterClrMapping/>
+  </p:clrMapOvr>
+</p:sldLayout>
+</file>
+
+<file path=ppt/slideLayouts/slideLayout20.xml><?xml version="1.0" encoding="utf-8"?>
 <p:sldLayout xmlns:a="http://schemas.openxmlformats.org/drawingml/2006/main" xmlns:r="http://schemas.openxmlformats.org/officeDocument/2006/relationships" xmlns:p="http://schemas.openxmlformats.org/presentationml/2006/main" userDrawn="1">
   <p:cSld name="13_제목 및 내용">
     <p:spTree>
@@ -13543,7 +13496,7 @@
 </p:sldLayout>
 </file>
 
-<file path=ppt/slideLayouts/slideLayout22.xml><?xml version="1.0" encoding="utf-8"?>
+<file path=ppt/slideLayouts/slideLayout21.xml><?xml version="1.0" encoding="utf-8"?>
 <p:sldLayout xmlns:a="http://schemas.openxmlformats.org/drawingml/2006/main" xmlns:r="http://schemas.openxmlformats.org/officeDocument/2006/relationships" xmlns:p="http://schemas.openxmlformats.org/presentationml/2006/main" userDrawn="1">
   <p:cSld name="2_제목 슬라이드">
     <p:spTree>
@@ -14360,7 +14313,7 @@
           <a:p>
             <a:fld id="{B2C103AE-6972-4C27-B8A8-2E2715F5876A}" type="datetimeFigureOut">
               <a:rPr lang="ko-KR" altLang="en-US" smtClean="0"/>
-              <a:t>2015-10-31</a:t>
+              <a:t>2015-11-01</a:t>
             </a:fld>
             <a:endParaRPr lang="ko-KR" altLang="en-US"/>
           </a:p>
@@ -14648,7 +14601,7 @@
           <a:p>
             <a:fld id="{B2C103AE-6972-4C27-B8A8-2E2715F5876A}" type="datetimeFigureOut">
               <a:rPr lang="ko-KR" altLang="en-US" smtClean="0"/>
-              <a:t>2015-10-31</a:t>
+              <a:t>2015-11-01</a:t>
             </a:fld>
             <a:endParaRPr lang="ko-KR" altLang="en-US"/>
           </a:p>
@@ -15070,7 +15023,7 @@
           <a:p>
             <a:fld id="{B2C103AE-6972-4C27-B8A8-2E2715F5876A}" type="datetimeFigureOut">
               <a:rPr lang="ko-KR" altLang="en-US" smtClean="0"/>
-              <a:t>2015-10-31</a:t>
+              <a:t>2015-11-01</a:t>
             </a:fld>
             <a:endParaRPr lang="ko-KR" altLang="en-US"/>
           </a:p>
@@ -15188,7 +15141,7 @@
           <a:p>
             <a:fld id="{B2C103AE-6972-4C27-B8A8-2E2715F5876A}" type="datetimeFigureOut">
               <a:rPr lang="ko-KR" altLang="en-US" smtClean="0"/>
-              <a:t>2015-10-31</a:t>
+              <a:t>2015-11-01</a:t>
             </a:fld>
             <a:endParaRPr lang="ko-KR" altLang="en-US"/>
           </a:p>
@@ -15283,7 +15236,7 @@
           <a:p>
             <a:fld id="{B2C103AE-6972-4C27-B8A8-2E2715F5876A}" type="datetimeFigureOut">
               <a:rPr lang="ko-KR" altLang="en-US" smtClean="0"/>
-              <a:t>2015-10-31</a:t>
+              <a:t>2015-11-01</a:t>
             </a:fld>
             <a:endParaRPr lang="ko-KR" altLang="en-US"/>
           </a:p>
@@ -15560,7 +15513,7 @@
           <a:p>
             <a:fld id="{B2C103AE-6972-4C27-B8A8-2E2715F5876A}" type="datetimeFigureOut">
               <a:rPr lang="ko-KR" altLang="en-US" smtClean="0"/>
-              <a:t>2015-10-31</a:t>
+              <a:t>2015-11-01</a:t>
             </a:fld>
             <a:endParaRPr lang="ko-KR" altLang="en-US"/>
           </a:p>
@@ -15813,7 +15766,7 @@
           <a:p>
             <a:fld id="{B2C103AE-6972-4C27-B8A8-2E2715F5876A}" type="datetimeFigureOut">
               <a:rPr lang="ko-KR" altLang="en-US" smtClean="0"/>
-              <a:t>2015-10-31</a:t>
+              <a:t>2015-11-01</a:t>
             </a:fld>
             <a:endParaRPr lang="ko-KR" altLang="en-US"/>
           </a:p>
@@ -16026,7 +15979,7 @@
           <a:p>
             <a:fld id="{B2C103AE-6972-4C27-B8A8-2E2715F5876A}" type="datetimeFigureOut">
               <a:rPr lang="ko-KR" altLang="en-US" smtClean="0"/>
-              <a:t>2015-10-31</a:t>
+              <a:t>2015-11-01</a:t>
             </a:fld>
             <a:endParaRPr lang="ko-KR" altLang="en-US"/>
           </a:p>
@@ -16134,13 +16087,12 @@
     <p:sldLayoutId id="2147483661" r:id="rId13"/>
     <p:sldLayoutId id="2147483662" r:id="rId14"/>
     <p:sldLayoutId id="2147483664" r:id="rId15"/>
-    <p:sldLayoutId id="2147483666" r:id="rId16"/>
-    <p:sldLayoutId id="2147483668" r:id="rId17"/>
-    <p:sldLayoutId id="2147483669" r:id="rId18"/>
-    <p:sldLayoutId id="2147483670" r:id="rId19"/>
-    <p:sldLayoutId id="2147483672" r:id="rId20"/>
-    <p:sldLayoutId id="2147483673" r:id="rId21"/>
-    <p:sldLayoutId id="2147483674" r:id="rId22"/>
+    <p:sldLayoutId id="2147483668" r:id="rId16"/>
+    <p:sldLayoutId id="2147483669" r:id="rId17"/>
+    <p:sldLayoutId id="2147483670" r:id="rId18"/>
+    <p:sldLayoutId id="2147483672" r:id="rId19"/>
+    <p:sldLayoutId id="2147483673" r:id="rId20"/>
+    <p:sldLayoutId id="2147483674" r:id="rId21"/>
   </p:sldLayoutIdLst>
   <p:txStyles>
     <p:titleStyle>
@@ -16531,16 +16483,7 @@
                 </a:solidFill>
                 <a:latin typeface="+mj-lt"/>
               </a:rPr>
-              <a:t>을 </a:t>
-            </a:r>
-            <a:r>
-              <a:rPr lang="ko-KR" altLang="en-US" sz="4800" dirty="0" smtClean="0">
-                <a:solidFill>
-                  <a:srgbClr val="496F74"/>
-                </a:solidFill>
-                <a:latin typeface="+mj-lt"/>
-              </a:rPr>
-              <a:t>활용한</a:t>
+              <a:t>을 활용한</a:t>
             </a:r>
             <a:r>
               <a:rPr lang="en-US" altLang="ko-KR" sz="4800" dirty="0">
@@ -16567,16 +16510,7 @@
                 </a:solidFill>
                 <a:latin typeface="+mj-lt"/>
               </a:rPr>
-              <a:t>스마트케어 시각화 </a:t>
-            </a:r>
-            <a:r>
-              <a:rPr lang="ko-KR" altLang="en-US" sz="4800" dirty="0" smtClean="0">
-                <a:solidFill>
-                  <a:srgbClr val="496F74"/>
-                </a:solidFill>
-                <a:latin typeface="+mj-lt"/>
-              </a:rPr>
-              <a:t>웹 구현</a:t>
+              <a:t>스마트케어 시각화 웹 구현</a:t>
             </a:r>
             <a:endParaRPr lang="ko-KR" altLang="en-US" sz="4800" dirty="0">
               <a:solidFill>
@@ -16781,18 +16715,7 @@
                   </a:schemeClr>
                 </a:solidFill>
               </a:rPr>
-              <a:t>Team </a:t>
-            </a:r>
-            <a:r>
-              <a:rPr lang="en-US" altLang="ko-KR" sz="2400" dirty="0" smtClean="0">
-                <a:solidFill>
-                  <a:schemeClr val="tx1">
-                    <a:lumMod val="65000"/>
-                    <a:lumOff val="35000"/>
-                  </a:schemeClr>
-                </a:solidFill>
-              </a:rPr>
-              <a:t>E: </a:t>
+              <a:t>Team E: </a:t>
             </a:r>
             <a:r>
               <a:rPr lang="ko-KR" altLang="en-US" sz="2400" dirty="0" smtClean="0">
@@ -17047,11 +16970,7 @@
             <a:pPr algn="ctr"/>
             <a:r>
               <a:rPr lang="en-US" altLang="ko-KR" sz="2400" dirty="0" smtClean="0"/>
-              <a:t>2015. </a:t>
-            </a:r>
-            <a:r>
-              <a:rPr lang="en-US" altLang="ko-KR" sz="2400" dirty="0" smtClean="0"/>
-              <a:t>11. 06</a:t>
+              <a:t>2015. 11. 06</a:t>
             </a:r>
             <a:endParaRPr lang="ko-KR" altLang="en-US" sz="2400" dirty="0"/>
           </a:p>
@@ -17067,11 +16986,11 @@
   <p:clrMapOvr>
     <a:masterClrMapping/>
   </p:clrMapOvr>
-  <mc:AlternateContent xmlns:mc="http://schemas.openxmlformats.org/markup-compatibility/2006">
-    <mc:Choice xmlns:p14="http://schemas.microsoft.com/office/powerpoint/2010/main" Requires="p14">
+  <mc:AlternateContent xmlns:mc="http://schemas.openxmlformats.org/markup-compatibility/2006" xmlns:p14="http://schemas.microsoft.com/office/powerpoint/2010/main">
+    <mc:Choice Requires="p14">
       <p:transition spd="slow" p14:dur="2000" advTm="1030"/>
     </mc:Choice>
-    <mc:Fallback>
+    <mc:Fallback xmlns="">
       <p:transition spd="slow" advTm="1030"/>
     </mc:Fallback>
   </mc:AlternateContent>
@@ -19396,18 +19315,7 @@
                   </a:schemeClr>
                 </a:solidFill>
               </a:rPr>
-              <a:t>Development </a:t>
-            </a:r>
-            <a:r>
-              <a:rPr lang="en-US" altLang="ko-KR" sz="2400" dirty="0" smtClean="0">
-                <a:solidFill>
-                  <a:schemeClr val="tx1">
-                    <a:lumMod val="75000"/>
-                    <a:lumOff val="25000"/>
-                  </a:schemeClr>
-                </a:solidFill>
-              </a:rPr>
-              <a:t>Environment</a:t>
+              <a:t>Development Environment</a:t>
             </a:r>
           </a:p>
           <a:p>
@@ -19441,18 +19349,7 @@
                   </a:schemeClr>
                 </a:solidFill>
               </a:rPr>
-              <a:t>Current </a:t>
-            </a:r>
-            <a:r>
-              <a:rPr lang="en-US" altLang="ko-KR" sz="2400" dirty="0" smtClean="0">
-                <a:solidFill>
-                  <a:schemeClr val="tx1">
-                    <a:lumMod val="75000"/>
-                    <a:lumOff val="25000"/>
-                  </a:schemeClr>
-                </a:solidFill>
-              </a:rPr>
-              <a:t>Status</a:t>
+              <a:t>Current Status</a:t>
             </a:r>
           </a:p>
           <a:p>
@@ -20457,7 +20354,7 @@
         <p:spPr>
           <a:xfrm>
             <a:off x="3275856" y="5278849"/>
-            <a:ext cx="4655442" cy="1246495"/>
+            <a:ext cx="4575291" cy="1477328"/>
           </a:xfrm>
           <a:prstGeom prst="rect">
             <a:avLst/>
@@ -20722,7 +20619,43 @@
                   </a:schemeClr>
                 </a:solidFill>
               </a:rPr>
-              <a:t>전송 </a:t>
+              <a:t>전송</a:t>
+            </a:r>
+            <a:endParaRPr lang="en-US" altLang="ko-KR" sz="1500" b="1" dirty="0" smtClean="0">
+              <a:solidFill>
+                <a:schemeClr val="tx1">
+                  <a:lumMod val="85000"/>
+                  <a:lumOff val="15000"/>
+                </a:schemeClr>
+              </a:solidFill>
+            </a:endParaRPr>
+          </a:p>
+          <a:p>
+            <a:pPr marL="285750" indent="-285750">
+              <a:buFont typeface="Wingdings" panose="05000000000000000000" pitchFamily="2" charset="2"/>
+              <a:buChar char="§"/>
+            </a:pPr>
+            <a:r>
+              <a:rPr lang="en-US" altLang="ko-KR" sz="1500" b="1" dirty="0" smtClean="0">
+                <a:solidFill>
+                  <a:schemeClr val="tx1">
+                    <a:lumMod val="85000"/>
+                    <a:lumOff val="15000"/>
+                  </a:schemeClr>
+                </a:solidFill>
+              </a:rPr>
+              <a:t>Database </a:t>
+            </a:r>
+            <a:r>
+              <a:rPr lang="ko-KR" altLang="en-US" sz="1500" b="1" dirty="0" smtClean="0">
+                <a:solidFill>
+                  <a:schemeClr val="tx1">
+                    <a:lumMod val="85000"/>
+                    <a:lumOff val="15000"/>
+                  </a:schemeClr>
+                </a:solidFill>
+              </a:rPr>
+              <a:t>관리 </a:t>
             </a:r>
             <a:r>
               <a:rPr lang="en-US" altLang="ko-KR" sz="1500" b="1" dirty="0" smtClean="0">
@@ -21842,11 +21775,6 @@
               </a:rPr>
               <a:t>E-Mail </a:t>
             </a:r>
-            <a:endParaRPr lang="en-US" altLang="ko-KR" dirty="0" smtClean="0">
-              <a:solidFill>
-                <a:schemeClr val="bg1"/>
-              </a:solidFill>
-            </a:endParaRPr>
           </a:p>
           <a:p>
             <a:pPr algn="ctr"/>
@@ -21921,11 +21849,6 @@
               </a:rPr>
               <a:t>SMS </a:t>
             </a:r>
-            <a:endParaRPr lang="en-US" altLang="ko-KR" dirty="0" smtClean="0">
-              <a:solidFill>
-                <a:schemeClr val="bg1"/>
-              </a:solidFill>
-            </a:endParaRPr>
           </a:p>
           <a:p>
             <a:pPr algn="ctr"/>
@@ -23457,6 +23380,82 @@
       </p:grpSpPr>
       <p:sp>
         <p:nvSpPr>
+          <p:cNvPr id="208" name="Rounded Rectangle 207"/>
+          <p:cNvSpPr/>
+          <p:nvPr/>
+        </p:nvSpPr>
+        <p:spPr>
+          <a:xfrm>
+            <a:off x="1547664" y="980728"/>
+            <a:ext cx="7848872" cy="5877272"/>
+          </a:xfrm>
+          <a:prstGeom prst="roundRect">
+            <a:avLst/>
+          </a:prstGeom>
+        </p:spPr>
+        <p:style>
+          <a:lnRef idx="1">
+            <a:schemeClr val="accent4"/>
+          </a:lnRef>
+          <a:fillRef idx="2">
+            <a:schemeClr val="accent4"/>
+          </a:fillRef>
+          <a:effectRef idx="1">
+            <a:schemeClr val="accent4"/>
+          </a:effectRef>
+          <a:fontRef idx="minor">
+            <a:schemeClr val="dk1"/>
+          </a:fontRef>
+        </p:style>
+        <p:txBody>
+          <a:bodyPr rtlCol="0" anchor="ctr"/>
+          <a:lstStyle/>
+          <a:p>
+            <a:pPr algn="ctr"/>
+            <a:endParaRPr lang="ko-KR" altLang="en-US" dirty="0"/>
+          </a:p>
+        </p:txBody>
+      </p:sp>
+      <p:sp>
+        <p:nvSpPr>
+          <p:cNvPr id="148" name="Rounded Rectangle 147"/>
+          <p:cNvSpPr/>
+          <p:nvPr/>
+        </p:nvSpPr>
+        <p:spPr>
+          <a:xfrm>
+            <a:off x="6285502" y="1288390"/>
+            <a:ext cx="2318946" cy="2304256"/>
+          </a:xfrm>
+          <a:prstGeom prst="roundRect">
+            <a:avLst/>
+          </a:prstGeom>
+        </p:spPr>
+        <p:style>
+          <a:lnRef idx="1">
+            <a:schemeClr val="accent6"/>
+          </a:lnRef>
+          <a:fillRef idx="2">
+            <a:schemeClr val="accent6"/>
+          </a:fillRef>
+          <a:effectRef idx="1">
+            <a:schemeClr val="accent6"/>
+          </a:effectRef>
+          <a:fontRef idx="minor">
+            <a:schemeClr val="dk1"/>
+          </a:fontRef>
+        </p:style>
+        <p:txBody>
+          <a:bodyPr rtlCol="0" anchor="ctr"/>
+          <a:lstStyle/>
+          <a:p>
+            <a:pPr algn="ctr"/>
+            <a:endParaRPr lang="ko-KR" altLang="en-US"/>
+          </a:p>
+        </p:txBody>
+      </p:sp>
+      <p:sp>
+        <p:nvSpPr>
           <p:cNvPr id="35" name="텍스트 개체 틀 2"/>
           <p:cNvSpPr txBox="1">
             <a:spLocks/>
@@ -23465,7 +23464,7 @@
         </p:nvSpPr>
         <p:spPr>
           <a:xfrm>
-            <a:off x="1869819" y="302971"/>
+            <a:off x="1835696" y="260648"/>
             <a:ext cx="5582501" cy="906704"/>
           </a:xfrm>
           <a:prstGeom prst="rect">
@@ -23660,35 +23659,937 @@
       </p:sp>
       <p:sp>
         <p:nvSpPr>
-          <p:cNvPr id="3" name="모서리가 둥근 직사각형 2"/>
+          <p:cNvPr id="12" name="Rounded Rectangle 11"/>
           <p:cNvSpPr/>
           <p:nvPr/>
         </p:nvSpPr>
         <p:spPr>
           <a:xfrm>
-            <a:off x="539552" y="1844824"/>
-            <a:ext cx="1034270" cy="395648"/>
+            <a:off x="467544" y="1785739"/>
+            <a:ext cx="970227" cy="419125"/>
           </a:xfrm>
           <a:prstGeom prst="roundRect">
             <a:avLst/>
           </a:prstGeom>
-          <a:solidFill>
-            <a:schemeClr val="accent3">
-              <a:lumMod val="40000"/>
-              <a:lumOff val="60000"/>
-            </a:schemeClr>
-          </a:solidFill>
+        </p:spPr>
+        <p:style>
+          <a:lnRef idx="1">
+            <a:schemeClr val="dk1"/>
+          </a:lnRef>
+          <a:fillRef idx="2">
+            <a:schemeClr val="dk1"/>
+          </a:fillRef>
+          <a:effectRef idx="1">
+            <a:schemeClr val="dk1"/>
+          </a:effectRef>
+          <a:fontRef idx="minor">
+            <a:schemeClr val="dk1"/>
+          </a:fontRef>
+        </p:style>
+        <p:txBody>
+          <a:bodyPr rtlCol="0" anchor="ctr"/>
+          <a:lstStyle/>
+          <a:p>
+            <a:pPr algn="ctr"/>
+            <a:r>
+              <a:rPr lang="en-US" altLang="ko-KR" sz="1300" b="1" dirty="0" smtClean="0">
+                <a:ln w="0"/>
+                <a:solidFill>
+                  <a:schemeClr val="tx1"/>
+                </a:solidFill>
+                <a:effectLst>
+                  <a:outerShdw blurRad="38100" dist="19050" dir="2700000" algn="tl" rotWithShape="0">
+                    <a:schemeClr val="dk1">
+                      <a:alpha val="40000"/>
+                    </a:schemeClr>
+                  </a:outerShdw>
+                </a:effectLst>
+              </a:rPr>
+              <a:t>HTML</a:t>
+            </a:r>
+            <a:endParaRPr lang="ko-KR" altLang="en-US" sz="1300" b="1" dirty="0">
+              <a:solidFill>
+                <a:schemeClr val="bg1"/>
+              </a:solidFill>
+            </a:endParaRPr>
+          </a:p>
+        </p:txBody>
+      </p:sp>
+      <p:sp>
+        <p:nvSpPr>
+          <p:cNvPr id="13" name="Rounded Rectangle 12"/>
+          <p:cNvSpPr/>
+          <p:nvPr/>
+        </p:nvSpPr>
+        <p:spPr>
+          <a:xfrm>
+            <a:off x="2339752" y="1484784"/>
+            <a:ext cx="1656184" cy="1584176"/>
+          </a:xfrm>
+          <a:prstGeom prst="roundRect">
+            <a:avLst/>
+          </a:prstGeom>
+        </p:spPr>
+        <p:style>
+          <a:lnRef idx="1">
+            <a:schemeClr val="accent2"/>
+          </a:lnRef>
+          <a:fillRef idx="2">
+            <a:schemeClr val="accent2"/>
+          </a:fillRef>
+          <a:effectRef idx="1">
+            <a:schemeClr val="accent2"/>
+          </a:effectRef>
+          <a:fontRef idx="minor">
+            <a:schemeClr val="dk1"/>
+          </a:fontRef>
+        </p:style>
+        <p:txBody>
+          <a:bodyPr rtlCol="0" anchor="ctr"/>
+          <a:lstStyle/>
+          <a:p>
+            <a:pPr algn="ctr"/>
+            <a:endParaRPr lang="ko-KR" altLang="en-US"/>
+          </a:p>
+        </p:txBody>
+      </p:sp>
+      <p:sp>
+        <p:nvSpPr>
+          <p:cNvPr id="19" name="TextBox 18"/>
+          <p:cNvSpPr txBox="1"/>
+          <p:nvPr/>
+        </p:nvSpPr>
+        <p:spPr>
+          <a:xfrm>
+            <a:off x="2578686" y="1449651"/>
+            <a:ext cx="1201226" cy="323165"/>
+          </a:xfrm>
+          <a:prstGeom prst="rect">
+            <a:avLst/>
+          </a:prstGeom>
+          <a:noFill/>
+        </p:spPr>
+        <p:txBody>
+          <a:bodyPr wrap="none" rtlCol="0">
+            <a:spAutoFit/>
+          </a:bodyPr>
+          <a:lstStyle/>
+          <a:p>
+            <a:r>
+              <a:rPr lang="en-US" altLang="ko-KR" sz="1500" b="1" dirty="0" smtClean="0"/>
+              <a:t>Library API</a:t>
+            </a:r>
+            <a:endParaRPr lang="ko-KR" altLang="en-US" sz="1500" b="1" dirty="0"/>
+          </a:p>
+        </p:txBody>
+      </p:sp>
+      <p:sp>
+        <p:nvSpPr>
+          <p:cNvPr id="20" name="Rounded Rectangle 19"/>
+          <p:cNvSpPr/>
+          <p:nvPr/>
+        </p:nvSpPr>
+        <p:spPr>
+          <a:xfrm>
+            <a:off x="2555776" y="1844824"/>
+            <a:ext cx="1224136" cy="352656"/>
+          </a:xfrm>
+          <a:prstGeom prst="roundRect">
+            <a:avLst/>
+          </a:prstGeom>
+        </p:spPr>
+        <p:style>
+          <a:lnRef idx="0">
+            <a:schemeClr val="accent2"/>
+          </a:lnRef>
+          <a:fillRef idx="3">
+            <a:schemeClr val="accent2"/>
+          </a:fillRef>
+          <a:effectRef idx="3">
+            <a:schemeClr val="accent2"/>
+          </a:effectRef>
+          <a:fontRef idx="minor">
+            <a:schemeClr val="lt1"/>
+          </a:fontRef>
+        </p:style>
+        <p:txBody>
+          <a:bodyPr rtlCol="0" anchor="ctr"/>
+          <a:lstStyle/>
+          <a:p>
+            <a:pPr algn="ctr"/>
+            <a:r>
+              <a:rPr lang="en-US" altLang="ko-KR" sz="1300" b="1" dirty="0" smtClean="0"/>
+              <a:t>render</a:t>
+            </a:r>
+            <a:endParaRPr lang="ko-KR" altLang="en-US" sz="1300" b="1" dirty="0"/>
+          </a:p>
+        </p:txBody>
+      </p:sp>
+      <p:sp>
+        <p:nvSpPr>
+          <p:cNvPr id="84" name="Rounded Rectangle 83"/>
+          <p:cNvSpPr/>
+          <p:nvPr/>
+        </p:nvSpPr>
+        <p:spPr>
+          <a:xfrm>
+            <a:off x="2555776" y="2600908"/>
+            <a:ext cx="1224136" cy="324036"/>
+          </a:xfrm>
+          <a:prstGeom prst="roundRect">
+            <a:avLst/>
+          </a:prstGeom>
+        </p:spPr>
+        <p:style>
+          <a:lnRef idx="0">
+            <a:schemeClr val="accent2"/>
+          </a:lnRef>
+          <a:fillRef idx="3">
+            <a:schemeClr val="accent2"/>
+          </a:fillRef>
+          <a:effectRef idx="3">
+            <a:schemeClr val="accent2"/>
+          </a:effectRef>
+          <a:fontRef idx="minor">
+            <a:schemeClr val="lt1"/>
+          </a:fontRef>
+        </p:style>
+        <p:txBody>
+          <a:bodyPr rtlCol="0" anchor="ctr"/>
+          <a:lstStyle/>
+          <a:p>
+            <a:pPr algn="ctr"/>
+            <a:r>
+              <a:rPr lang="en-US" altLang="ko-KR" sz="1300" b="1" dirty="0" err="1" smtClean="0"/>
+              <a:t>setRenderer</a:t>
+            </a:r>
+            <a:endParaRPr lang="ko-KR" altLang="en-US" sz="1300" b="1" dirty="0"/>
+          </a:p>
+        </p:txBody>
+      </p:sp>
+      <p:cxnSp>
+        <p:nvCxnSpPr>
+          <p:cNvPr id="24" name="Straight Arrow Connector 23"/>
+          <p:cNvCxnSpPr>
+            <a:stCxn id="12" idx="3"/>
+            <a:endCxn id="20" idx="1"/>
+          </p:cNvCxnSpPr>
+          <p:nvPr/>
+        </p:nvCxnSpPr>
+        <p:spPr>
+          <a:xfrm>
+            <a:off x="1437771" y="1995302"/>
+            <a:ext cx="1118005" cy="25850"/>
+          </a:xfrm>
+          <a:prstGeom prst="straightConnector1">
+            <a:avLst/>
+          </a:prstGeom>
+          <a:ln>
+            <a:tailEnd type="triangle"/>
+          </a:ln>
+        </p:spPr>
+        <p:style>
+          <a:lnRef idx="3">
+            <a:schemeClr val="accent1"/>
+          </a:lnRef>
+          <a:fillRef idx="0">
+            <a:schemeClr val="accent1"/>
+          </a:fillRef>
+          <a:effectRef idx="2">
+            <a:schemeClr val="accent1"/>
+          </a:effectRef>
+          <a:fontRef idx="minor">
+            <a:schemeClr val="tx1"/>
+          </a:fontRef>
+        </p:style>
+      </p:cxnSp>
+      <p:cxnSp>
+        <p:nvCxnSpPr>
+          <p:cNvPr id="28" name="Straight Arrow Connector 27"/>
+          <p:cNvCxnSpPr>
+            <a:stCxn id="12" idx="3"/>
+            <a:endCxn id="84" idx="1"/>
+          </p:cNvCxnSpPr>
+          <p:nvPr/>
+        </p:nvCxnSpPr>
+        <p:spPr>
+          <a:xfrm>
+            <a:off x="1437771" y="1995302"/>
+            <a:ext cx="1118005" cy="767624"/>
+          </a:xfrm>
+          <a:prstGeom prst="straightConnector1">
+            <a:avLst/>
+          </a:prstGeom>
+          <a:ln>
+            <a:tailEnd type="triangle"/>
+          </a:ln>
+        </p:spPr>
+        <p:style>
+          <a:lnRef idx="3">
+            <a:schemeClr val="accent1"/>
+          </a:lnRef>
+          <a:fillRef idx="0">
+            <a:schemeClr val="accent1"/>
+          </a:fillRef>
+          <a:effectRef idx="2">
+            <a:schemeClr val="accent1"/>
+          </a:effectRef>
+          <a:fontRef idx="minor">
+            <a:schemeClr val="tx1"/>
+          </a:fontRef>
+        </p:style>
+      </p:cxnSp>
+      <p:sp>
+        <p:nvSpPr>
+          <p:cNvPr id="94" name="Rounded Rectangle 93"/>
+          <p:cNvSpPr/>
+          <p:nvPr/>
+        </p:nvSpPr>
+        <p:spPr>
+          <a:xfrm>
+            <a:off x="4644008" y="1844824"/>
+            <a:ext cx="1071844" cy="352656"/>
+          </a:xfrm>
+          <a:prstGeom prst="roundRect">
+            <a:avLst/>
+          </a:prstGeom>
         </p:spPr>
         <p:style>
           <a:lnRef idx="2">
-            <a:schemeClr val="accent1">
+            <a:schemeClr val="accent3">
               <a:shade val="50000"/>
             </a:schemeClr>
           </a:lnRef>
           <a:fillRef idx="1">
+            <a:schemeClr val="accent3"/>
+          </a:fillRef>
+          <a:effectRef idx="0">
+            <a:schemeClr val="accent3"/>
+          </a:effectRef>
+          <a:fontRef idx="minor">
+            <a:schemeClr val="lt1"/>
+          </a:fontRef>
+        </p:style>
+        <p:txBody>
+          <a:bodyPr rtlCol="0" anchor="ctr"/>
+          <a:lstStyle/>
+          <a:p>
+            <a:pPr algn="ctr"/>
+            <a:r>
+              <a:rPr lang="en-US" altLang="ko-KR" sz="1300" b="1" dirty="0" err="1" smtClean="0"/>
+              <a:t>init</a:t>
+            </a:r>
+            <a:endParaRPr lang="ko-KR" altLang="en-US" sz="1300" b="1" dirty="0"/>
+          </a:p>
+        </p:txBody>
+      </p:sp>
+      <p:cxnSp>
+        <p:nvCxnSpPr>
+          <p:cNvPr id="34" name="Straight Arrow Connector 33"/>
+          <p:cNvCxnSpPr>
+            <a:stCxn id="20" idx="3"/>
+            <a:endCxn id="94" idx="1"/>
+          </p:cNvCxnSpPr>
+          <p:nvPr/>
+        </p:nvCxnSpPr>
+        <p:spPr>
+          <a:xfrm>
+            <a:off x="3779912" y="2021152"/>
+            <a:ext cx="864096" cy="0"/>
+          </a:xfrm>
+          <a:prstGeom prst="straightConnector1">
+            <a:avLst/>
+          </a:prstGeom>
+          <a:ln>
+            <a:tailEnd type="triangle"/>
+          </a:ln>
+        </p:spPr>
+        <p:style>
+          <a:lnRef idx="3">
+            <a:schemeClr val="accent1"/>
+          </a:lnRef>
+          <a:fillRef idx="0">
             <a:schemeClr val="accent1"/>
           </a:fillRef>
-          <a:effectRef idx="0">
+          <a:effectRef idx="2">
+            <a:schemeClr val="accent1"/>
+          </a:effectRef>
+          <a:fontRef idx="minor">
+            <a:schemeClr val="tx1"/>
+          </a:fontRef>
+        </p:style>
+      </p:cxnSp>
+      <p:sp>
+        <p:nvSpPr>
+          <p:cNvPr id="112" name="Rounded Rectangle 111"/>
+          <p:cNvSpPr/>
+          <p:nvPr/>
+        </p:nvSpPr>
+        <p:spPr>
+          <a:xfrm>
+            <a:off x="1547664" y="4221088"/>
+            <a:ext cx="2304256" cy="2088232"/>
+          </a:xfrm>
+          <a:prstGeom prst="roundRect">
+            <a:avLst/>
+          </a:prstGeom>
+        </p:spPr>
+        <p:style>
+          <a:lnRef idx="1">
+            <a:schemeClr val="accent3"/>
+          </a:lnRef>
+          <a:fillRef idx="2">
+            <a:schemeClr val="accent3"/>
+          </a:fillRef>
+          <a:effectRef idx="1">
+            <a:schemeClr val="accent3"/>
+          </a:effectRef>
+          <a:fontRef idx="minor">
+            <a:schemeClr val="dk1"/>
+          </a:fontRef>
+        </p:style>
+        <p:txBody>
+          <a:bodyPr rtlCol="0" anchor="ctr"/>
+          <a:lstStyle/>
+          <a:p>
+            <a:pPr algn="ctr"/>
+            <a:endParaRPr lang="ko-KR" altLang="en-US" b="1"/>
+          </a:p>
+        </p:txBody>
+      </p:sp>
+      <p:sp>
+        <p:nvSpPr>
+          <p:cNvPr id="121" name="TextBox 120"/>
+          <p:cNvSpPr txBox="1"/>
+          <p:nvPr/>
+        </p:nvSpPr>
+        <p:spPr>
+          <a:xfrm>
+            <a:off x="1916128" y="4233206"/>
+            <a:ext cx="1575752" cy="323165"/>
+          </a:xfrm>
+          <a:prstGeom prst="rect">
+            <a:avLst/>
+          </a:prstGeom>
+          <a:noFill/>
+        </p:spPr>
+        <p:txBody>
+          <a:bodyPr wrap="none" rtlCol="0">
+            <a:spAutoFit/>
+          </a:bodyPr>
+          <a:lstStyle/>
+          <a:p>
+            <a:r>
+              <a:rPr lang="en-US" altLang="ko-KR" sz="1500" b="1" dirty="0" smtClean="0"/>
+              <a:t>Chart Renderer</a:t>
+            </a:r>
+            <a:endParaRPr lang="ko-KR" altLang="en-US" sz="1500" b="1" dirty="0"/>
+          </a:p>
+        </p:txBody>
+      </p:sp>
+      <p:sp>
+        <p:nvSpPr>
+          <p:cNvPr id="113" name="Rounded Rectangle 112"/>
+          <p:cNvSpPr/>
+          <p:nvPr/>
+        </p:nvSpPr>
+        <p:spPr>
+          <a:xfrm>
+            <a:off x="1835697" y="4581128"/>
+            <a:ext cx="1656184" cy="360040"/>
+          </a:xfrm>
+          <a:prstGeom prst="roundRect">
+            <a:avLst/>
+          </a:prstGeom>
+        </p:spPr>
+        <p:style>
+          <a:lnRef idx="0">
+            <a:schemeClr val="accent3"/>
+          </a:lnRef>
+          <a:fillRef idx="3">
+            <a:schemeClr val="accent3"/>
+          </a:fillRef>
+          <a:effectRef idx="3">
+            <a:schemeClr val="accent3"/>
+          </a:effectRef>
+          <a:fontRef idx="minor">
+            <a:schemeClr val="lt1"/>
+          </a:fontRef>
+        </p:style>
+        <p:txBody>
+          <a:bodyPr rtlCol="0" anchor="ctr"/>
+          <a:lstStyle/>
+          <a:p>
+            <a:pPr algn="ctr"/>
+            <a:r>
+              <a:rPr lang="en-US" altLang="ko-KR" sz="1300" b="1" dirty="0" err="1" smtClean="0"/>
+              <a:t>renderTempChart</a:t>
+            </a:r>
+            <a:endParaRPr lang="ko-KR" altLang="en-US" sz="1300" b="1" dirty="0"/>
+          </a:p>
+        </p:txBody>
+      </p:sp>
+      <p:sp>
+        <p:nvSpPr>
+          <p:cNvPr id="95" name="Rounded Rectangle 94"/>
+          <p:cNvSpPr/>
+          <p:nvPr/>
+        </p:nvSpPr>
+        <p:spPr>
+          <a:xfrm>
+            <a:off x="6681546" y="1708192"/>
+            <a:ext cx="1346838" cy="352656"/>
+          </a:xfrm>
+          <a:prstGeom prst="roundRect">
+            <a:avLst/>
+          </a:prstGeom>
+        </p:spPr>
+        <p:style>
+          <a:lnRef idx="0">
+            <a:schemeClr val="accent6"/>
+          </a:lnRef>
+          <a:fillRef idx="3">
+            <a:schemeClr val="accent6"/>
+          </a:fillRef>
+          <a:effectRef idx="3">
+            <a:schemeClr val="accent6"/>
+          </a:effectRef>
+          <a:fontRef idx="minor">
+            <a:schemeClr val="lt1"/>
+          </a:fontRef>
+        </p:style>
+        <p:txBody>
+          <a:bodyPr rtlCol="0" anchor="ctr"/>
+          <a:lstStyle/>
+          <a:p>
+            <a:pPr algn="ctr"/>
+            <a:r>
+              <a:rPr lang="en-US" altLang="ko-KR" sz="1300" b="1" dirty="0" err="1"/>
+              <a:t>getRange</a:t>
+            </a:r>
+            <a:endParaRPr lang="ko-KR" altLang="en-US" sz="1300" b="1" dirty="0"/>
+          </a:p>
+        </p:txBody>
+      </p:sp>
+      <p:sp>
+        <p:nvSpPr>
+          <p:cNvPr id="96" name="Rounded Rectangle 95"/>
+          <p:cNvSpPr/>
+          <p:nvPr/>
+        </p:nvSpPr>
+        <p:spPr>
+          <a:xfrm>
+            <a:off x="6681546" y="2132856"/>
+            <a:ext cx="1353252" cy="352656"/>
+          </a:xfrm>
+          <a:prstGeom prst="roundRect">
+            <a:avLst/>
+          </a:prstGeom>
+        </p:spPr>
+        <p:style>
+          <a:lnRef idx="0">
+            <a:schemeClr val="accent6"/>
+          </a:lnRef>
+          <a:fillRef idx="3">
+            <a:schemeClr val="accent6"/>
+          </a:fillRef>
+          <a:effectRef idx="3">
+            <a:schemeClr val="accent6"/>
+          </a:effectRef>
+          <a:fontRef idx="minor">
+            <a:schemeClr val="lt1"/>
+          </a:fontRef>
+        </p:style>
+        <p:txBody>
+          <a:bodyPr rtlCol="0" anchor="ctr"/>
+          <a:lstStyle/>
+          <a:p>
+            <a:pPr algn="ctr"/>
+            <a:r>
+              <a:rPr lang="en-US" altLang="ko-KR" sz="1300" b="1" dirty="0" err="1"/>
+              <a:t>parseAttr</a:t>
+            </a:r>
+            <a:endParaRPr lang="en-US" altLang="ko-KR" sz="1300" b="1" dirty="0"/>
+          </a:p>
+        </p:txBody>
+      </p:sp>
+      <p:sp>
+        <p:nvSpPr>
+          <p:cNvPr id="97" name="Rounded Rectangle 96"/>
+          <p:cNvSpPr/>
+          <p:nvPr/>
+        </p:nvSpPr>
+        <p:spPr>
+          <a:xfrm>
+            <a:off x="6681546" y="2611984"/>
+            <a:ext cx="1353252" cy="352656"/>
+          </a:xfrm>
+          <a:prstGeom prst="roundRect">
+            <a:avLst/>
+          </a:prstGeom>
+        </p:spPr>
+        <p:style>
+          <a:lnRef idx="0">
+            <a:schemeClr val="accent6"/>
+          </a:lnRef>
+          <a:fillRef idx="3">
+            <a:schemeClr val="accent6"/>
+          </a:fillRef>
+          <a:effectRef idx="3">
+            <a:schemeClr val="accent6"/>
+          </a:effectRef>
+          <a:fontRef idx="minor">
+            <a:schemeClr val="lt1"/>
+          </a:fontRef>
+        </p:style>
+        <p:txBody>
+          <a:bodyPr rtlCol="0" anchor="ctr"/>
+          <a:lstStyle/>
+          <a:p>
+            <a:pPr algn="ctr"/>
+            <a:r>
+              <a:rPr lang="en-US" altLang="ko-KR" sz="1300" b="1" dirty="0" err="1" smtClean="0"/>
+              <a:t>parseOpts</a:t>
+            </a:r>
+            <a:endParaRPr lang="en-US" altLang="ko-KR" sz="1300" b="1" dirty="0"/>
+          </a:p>
+        </p:txBody>
+      </p:sp>
+      <p:sp>
+        <p:nvSpPr>
+          <p:cNvPr id="98" name="Rounded Rectangle 97"/>
+          <p:cNvSpPr/>
+          <p:nvPr/>
+        </p:nvSpPr>
+        <p:spPr>
+          <a:xfrm>
+            <a:off x="6681546" y="3076344"/>
+            <a:ext cx="1353252" cy="352656"/>
+          </a:xfrm>
+          <a:prstGeom prst="roundRect">
+            <a:avLst/>
+          </a:prstGeom>
+        </p:spPr>
+        <p:style>
+          <a:lnRef idx="0">
+            <a:schemeClr val="accent6"/>
+          </a:lnRef>
+          <a:fillRef idx="3">
+            <a:schemeClr val="accent6"/>
+          </a:fillRef>
+          <a:effectRef idx="3">
+            <a:schemeClr val="accent6"/>
+          </a:effectRef>
+          <a:fontRef idx="minor">
+            <a:schemeClr val="lt1"/>
+          </a:fontRef>
+        </p:style>
+        <p:txBody>
+          <a:bodyPr rtlCol="0" anchor="ctr"/>
+          <a:lstStyle/>
+          <a:p>
+            <a:pPr algn="ctr"/>
+            <a:r>
+              <a:rPr lang="en-US" altLang="ko-KR" sz="1300" b="1" dirty="0" err="1" smtClean="0"/>
+              <a:t>drawBg</a:t>
+            </a:r>
+            <a:endParaRPr lang="en-US" altLang="ko-KR" sz="1300" b="1" dirty="0"/>
+          </a:p>
+        </p:txBody>
+      </p:sp>
+      <p:sp>
+        <p:nvSpPr>
+          <p:cNvPr id="124" name="Rounded Rectangle 123"/>
+          <p:cNvSpPr/>
+          <p:nvPr/>
+        </p:nvSpPr>
+        <p:spPr>
+          <a:xfrm>
+            <a:off x="1835697" y="5013176"/>
+            <a:ext cx="1656184" cy="360040"/>
+          </a:xfrm>
+          <a:prstGeom prst="roundRect">
+            <a:avLst/>
+          </a:prstGeom>
+        </p:spPr>
+        <p:style>
+          <a:lnRef idx="0">
+            <a:schemeClr val="accent3"/>
+          </a:lnRef>
+          <a:fillRef idx="3">
+            <a:schemeClr val="accent3"/>
+          </a:fillRef>
+          <a:effectRef idx="3">
+            <a:schemeClr val="accent3"/>
+          </a:effectRef>
+          <a:fontRef idx="minor">
+            <a:schemeClr val="lt1"/>
+          </a:fontRef>
+        </p:style>
+        <p:txBody>
+          <a:bodyPr rtlCol="0" anchor="ctr"/>
+          <a:lstStyle/>
+          <a:p>
+            <a:pPr algn="ctr"/>
+            <a:r>
+              <a:rPr lang="en-US" altLang="ko-KR" sz="1300" b="1" dirty="0" err="1" smtClean="0"/>
+              <a:t>renderHeartChart</a:t>
+            </a:r>
+            <a:endParaRPr lang="ko-KR" altLang="en-US" sz="1300" b="1" dirty="0"/>
+          </a:p>
+        </p:txBody>
+      </p:sp>
+      <p:sp>
+        <p:nvSpPr>
+          <p:cNvPr id="125" name="Rounded Rectangle 124"/>
+          <p:cNvSpPr/>
+          <p:nvPr/>
+        </p:nvSpPr>
+        <p:spPr>
+          <a:xfrm>
+            <a:off x="1835696" y="5445224"/>
+            <a:ext cx="1656185" cy="360040"/>
+          </a:xfrm>
+          <a:prstGeom prst="roundRect">
+            <a:avLst/>
+          </a:prstGeom>
+        </p:spPr>
+        <p:style>
+          <a:lnRef idx="0">
+            <a:schemeClr val="accent3"/>
+          </a:lnRef>
+          <a:fillRef idx="3">
+            <a:schemeClr val="accent3"/>
+          </a:fillRef>
+          <a:effectRef idx="3">
+            <a:schemeClr val="accent3"/>
+          </a:effectRef>
+          <a:fontRef idx="minor">
+            <a:schemeClr val="lt1"/>
+          </a:fontRef>
+        </p:style>
+        <p:txBody>
+          <a:bodyPr rtlCol="0" anchor="ctr"/>
+          <a:lstStyle/>
+          <a:p>
+            <a:pPr algn="ctr"/>
+            <a:r>
+              <a:rPr lang="en-US" altLang="ko-KR" sz="1300" b="1" dirty="0" err="1" smtClean="0"/>
+              <a:t>renderSleepChart</a:t>
+            </a:r>
+            <a:endParaRPr lang="ko-KR" altLang="en-US" sz="1300" b="1" dirty="0"/>
+          </a:p>
+        </p:txBody>
+      </p:sp>
+      <p:sp>
+        <p:nvSpPr>
+          <p:cNvPr id="126" name="Rounded Rectangle 125"/>
+          <p:cNvSpPr/>
+          <p:nvPr/>
+        </p:nvSpPr>
+        <p:spPr>
+          <a:xfrm>
+            <a:off x="1835697" y="5877272"/>
+            <a:ext cx="1656184" cy="360040"/>
+          </a:xfrm>
+          <a:prstGeom prst="roundRect">
+            <a:avLst/>
+          </a:prstGeom>
+        </p:spPr>
+        <p:style>
+          <a:lnRef idx="0">
+            <a:schemeClr val="accent3"/>
+          </a:lnRef>
+          <a:fillRef idx="3">
+            <a:schemeClr val="accent3"/>
+          </a:fillRef>
+          <a:effectRef idx="3">
+            <a:schemeClr val="accent3"/>
+          </a:effectRef>
+          <a:fontRef idx="minor">
+            <a:schemeClr val="lt1"/>
+          </a:fontRef>
+        </p:style>
+        <p:txBody>
+          <a:bodyPr rtlCol="0" anchor="ctr"/>
+          <a:lstStyle/>
+          <a:p>
+            <a:pPr algn="ctr"/>
+            <a:r>
+              <a:rPr lang="en-US" altLang="ko-KR" sz="1300" b="1" dirty="0" err="1" smtClean="0"/>
+              <a:t>renderUserChart</a:t>
+            </a:r>
+            <a:endParaRPr lang="ko-KR" altLang="en-US" sz="1300" b="1" dirty="0"/>
+          </a:p>
+        </p:txBody>
+      </p:sp>
+      <p:cxnSp>
+        <p:nvCxnSpPr>
+          <p:cNvPr id="136" name="Curved Connector 135"/>
+          <p:cNvCxnSpPr>
+            <a:endCxn id="126" idx="1"/>
+          </p:cNvCxnSpPr>
+          <p:nvPr/>
+        </p:nvCxnSpPr>
+        <p:spPr>
+          <a:xfrm rot="5400000">
+            <a:off x="993296" y="3918747"/>
+            <a:ext cx="2980947" cy="1296143"/>
+          </a:xfrm>
+          <a:prstGeom prst="curvedConnector4">
+            <a:avLst>
+              <a:gd name="adj1" fmla="val 20215"/>
+              <a:gd name="adj2" fmla="val 164669"/>
+            </a:avLst>
+          </a:prstGeom>
+          <a:ln>
+            <a:tailEnd type="triangle"/>
+          </a:ln>
+        </p:spPr>
+        <p:style>
+          <a:lnRef idx="3">
+            <a:schemeClr val="accent1"/>
+          </a:lnRef>
+          <a:fillRef idx="0">
+            <a:schemeClr val="accent1"/>
+          </a:fillRef>
+          <a:effectRef idx="2">
+            <a:schemeClr val="accent1"/>
+          </a:effectRef>
+          <a:fontRef idx="minor">
+            <a:schemeClr val="tx1"/>
+          </a:fontRef>
+        </p:style>
+      </p:cxnSp>
+      <p:cxnSp>
+        <p:nvCxnSpPr>
+          <p:cNvPr id="140" name="Curved Connector 139"/>
+          <p:cNvCxnSpPr>
+            <a:stCxn id="94" idx="2"/>
+            <a:endCxn id="112" idx="0"/>
+          </p:cNvCxnSpPr>
+          <p:nvPr/>
+        </p:nvCxnSpPr>
+        <p:spPr>
+          <a:xfrm rot="5400000">
+            <a:off x="2928057" y="1969215"/>
+            <a:ext cx="2023608" cy="2480138"/>
+          </a:xfrm>
+          <a:prstGeom prst="curvedConnector3">
+            <a:avLst>
+              <a:gd name="adj1" fmla="val 50000"/>
+            </a:avLst>
+          </a:prstGeom>
+          <a:ln>
+            <a:tailEnd type="triangle"/>
+          </a:ln>
+        </p:spPr>
+        <p:style>
+          <a:lnRef idx="3">
+            <a:schemeClr val="accent1"/>
+          </a:lnRef>
+          <a:fillRef idx="0">
+            <a:schemeClr val="accent1"/>
+          </a:fillRef>
+          <a:effectRef idx="2">
+            <a:schemeClr val="accent1"/>
+          </a:effectRef>
+          <a:fontRef idx="minor">
+            <a:schemeClr val="tx1"/>
+          </a:fontRef>
+        </p:style>
+      </p:cxnSp>
+      <p:sp>
+        <p:nvSpPr>
+          <p:cNvPr id="142" name="Rounded Rectangle 141"/>
+          <p:cNvSpPr/>
+          <p:nvPr/>
+        </p:nvSpPr>
+        <p:spPr>
+          <a:xfrm>
+            <a:off x="4139952" y="4221088"/>
+            <a:ext cx="2232248" cy="2088232"/>
+          </a:xfrm>
+          <a:prstGeom prst="roundRect">
+            <a:avLst/>
+          </a:prstGeom>
+        </p:spPr>
+        <p:style>
+          <a:lnRef idx="1">
+            <a:schemeClr val="accent1"/>
+          </a:lnRef>
+          <a:fillRef idx="2">
+            <a:schemeClr val="accent1"/>
+          </a:fillRef>
+          <a:effectRef idx="1">
+            <a:schemeClr val="accent1"/>
+          </a:effectRef>
+          <a:fontRef idx="minor">
+            <a:schemeClr val="dk1"/>
+          </a:fontRef>
+        </p:style>
+        <p:txBody>
+          <a:bodyPr rtlCol="0" anchor="ctr"/>
+          <a:lstStyle/>
+          <a:p>
+            <a:pPr algn="ctr"/>
+            <a:endParaRPr lang="ko-KR" altLang="en-US" b="1"/>
+          </a:p>
+        </p:txBody>
+      </p:sp>
+      <p:sp>
+        <p:nvSpPr>
+          <p:cNvPr id="143" name="TextBox 142"/>
+          <p:cNvSpPr txBox="1"/>
+          <p:nvPr/>
+        </p:nvSpPr>
+        <p:spPr>
+          <a:xfrm>
+            <a:off x="4533870" y="4233206"/>
+            <a:ext cx="1406282" cy="323165"/>
+          </a:xfrm>
+          <a:prstGeom prst="rect">
+            <a:avLst/>
+          </a:prstGeom>
+          <a:noFill/>
+        </p:spPr>
+        <p:txBody>
+          <a:bodyPr wrap="none" rtlCol="0">
+            <a:spAutoFit/>
+          </a:bodyPr>
+          <a:lstStyle/>
+          <a:p>
+            <a:r>
+              <a:rPr lang="en-US" altLang="ko-KR" sz="1500" b="1" dirty="0" smtClean="0"/>
+              <a:t>Chart Drawer</a:t>
+            </a:r>
+            <a:endParaRPr lang="ko-KR" altLang="en-US" sz="1500" b="1" dirty="0"/>
+          </a:p>
+        </p:txBody>
+      </p:sp>
+      <p:sp>
+        <p:nvSpPr>
+          <p:cNvPr id="144" name="Rounded Rectangle 143"/>
+          <p:cNvSpPr/>
+          <p:nvPr/>
+        </p:nvSpPr>
+        <p:spPr>
+          <a:xfrm>
+            <a:off x="4427984" y="4653136"/>
+            <a:ext cx="1584176" cy="360040"/>
+          </a:xfrm>
+          <a:prstGeom prst="roundRect">
+            <a:avLst/>
+          </a:prstGeom>
+        </p:spPr>
+        <p:style>
+          <a:lnRef idx="0">
+            <a:schemeClr val="accent1"/>
+          </a:lnRef>
+          <a:fillRef idx="3">
+            <a:schemeClr val="accent1"/>
+          </a:fillRef>
+          <a:effectRef idx="3">
             <a:schemeClr val="accent1"/>
           </a:effectRef>
           <a:fontRef idx="minor">
@@ -23701,60 +24602,36 @@
           <a:p>
             <a:pPr algn="ctr"/>
             <a:r>
-              <a:rPr lang="en-US" altLang="ko-KR" dirty="0" smtClean="0">
-                <a:solidFill>
-                  <a:schemeClr val="tx1"/>
-                </a:solidFill>
-              </a:rPr>
-              <a:t>html</a:t>
+              <a:rPr lang="en-US" altLang="ko-KR" sz="1300" b="1" dirty="0" err="1" smtClean="0"/>
+              <a:t>drawLineChart</a:t>
             </a:r>
-            <a:endParaRPr lang="ko-KR" altLang="en-US" dirty="0">
-              <a:solidFill>
-                <a:schemeClr val="tx1"/>
-              </a:solidFill>
-            </a:endParaRPr>
+            <a:endParaRPr lang="ko-KR" altLang="en-US" sz="1300" b="1" dirty="0"/>
           </a:p>
         </p:txBody>
       </p:sp>
       <p:sp>
         <p:nvSpPr>
-          <p:cNvPr id="5" name="모서리가 둥근 직사각형 4"/>
+          <p:cNvPr id="145" name="Rounded Rectangle 144"/>
           <p:cNvSpPr/>
           <p:nvPr/>
         </p:nvSpPr>
         <p:spPr>
           <a:xfrm>
-            <a:off x="2051720" y="1556792"/>
-            <a:ext cx="1466318" cy="1213619"/>
+            <a:off x="4427984" y="5229200"/>
+            <a:ext cx="1584176" cy="360040"/>
           </a:xfrm>
           <a:prstGeom prst="roundRect">
             <a:avLst/>
           </a:prstGeom>
-          <a:solidFill>
-            <a:schemeClr val="accent2">
-              <a:lumMod val="60000"/>
-              <a:lumOff val="40000"/>
-            </a:schemeClr>
-          </a:solidFill>
-          <a:ln>
-            <a:solidFill>
-              <a:schemeClr val="tx1">
-                <a:lumMod val="50000"/>
-                <a:lumOff val="50000"/>
-              </a:schemeClr>
-            </a:solidFill>
-          </a:ln>
         </p:spPr>
         <p:style>
-          <a:lnRef idx="2">
-            <a:schemeClr val="accent1">
-              <a:shade val="50000"/>
-            </a:schemeClr>
+          <a:lnRef idx="0">
+            <a:schemeClr val="accent1"/>
           </a:lnRef>
-          <a:fillRef idx="1">
+          <a:fillRef idx="3">
             <a:schemeClr val="accent1"/>
           </a:fillRef>
-          <a:effectRef idx="0">
+          <a:effectRef idx="3">
             <a:schemeClr val="accent1"/>
           </a:effectRef>
           <a:fontRef idx="minor">
@@ -23766,24 +24643,469 @@
           <a:lstStyle/>
           <a:p>
             <a:pPr algn="ctr"/>
-            <a:endParaRPr lang="ko-KR" altLang="en-US" sz="1400" dirty="0">
-              <a:solidFill>
-                <a:schemeClr val="tx1"/>
-              </a:solidFill>
-            </a:endParaRPr>
+            <a:r>
+              <a:rPr lang="en-US" altLang="ko-KR" sz="1300" b="1" dirty="0" err="1" smtClean="0"/>
+              <a:t>drawPieChart</a:t>
+            </a:r>
+            <a:endParaRPr lang="ko-KR" altLang="en-US" sz="1300" b="1" dirty="0"/>
           </a:p>
         </p:txBody>
       </p:sp>
       <p:sp>
         <p:nvSpPr>
-          <p:cNvPr id="6" name="TextBox 5"/>
+          <p:cNvPr id="146" name="Rounded Rectangle 145"/>
+          <p:cNvSpPr/>
+          <p:nvPr/>
+        </p:nvSpPr>
+        <p:spPr>
+          <a:xfrm>
+            <a:off x="4427984" y="5805264"/>
+            <a:ext cx="1584176" cy="360040"/>
+          </a:xfrm>
+          <a:prstGeom prst="roundRect">
+            <a:avLst/>
+          </a:prstGeom>
+        </p:spPr>
+        <p:style>
+          <a:lnRef idx="0">
+            <a:schemeClr val="accent1"/>
+          </a:lnRef>
+          <a:fillRef idx="3">
+            <a:schemeClr val="accent1"/>
+          </a:fillRef>
+          <a:effectRef idx="3">
+            <a:schemeClr val="accent1"/>
+          </a:effectRef>
+          <a:fontRef idx="minor">
+            <a:schemeClr val="lt1"/>
+          </a:fontRef>
+        </p:style>
+        <p:txBody>
+          <a:bodyPr rtlCol="0" anchor="ctr"/>
+          <a:lstStyle/>
+          <a:p>
+            <a:pPr algn="ctr"/>
+            <a:r>
+              <a:rPr lang="en-US" altLang="ko-KR" sz="1300" b="1" dirty="0" err="1" smtClean="0"/>
+              <a:t>drawBarChart</a:t>
+            </a:r>
+            <a:endParaRPr lang="ko-KR" altLang="en-US" sz="1300" b="1" dirty="0"/>
+          </a:p>
+        </p:txBody>
+      </p:sp>
+      <p:sp>
+        <p:nvSpPr>
+          <p:cNvPr id="154" name="TextBox 153"/>
           <p:cNvSpPr txBox="1"/>
           <p:nvPr/>
         </p:nvSpPr>
         <p:spPr>
           <a:xfrm>
-            <a:off x="2313594" y="1124744"/>
-            <a:ext cx="1178286" cy="369332"/>
+            <a:off x="6372200" y="1340768"/>
+            <a:ext cx="2079415" cy="323165"/>
+          </a:xfrm>
+          <a:prstGeom prst="rect">
+            <a:avLst/>
+          </a:prstGeom>
+          <a:noFill/>
+        </p:spPr>
+        <p:txBody>
+          <a:bodyPr wrap="none" rtlCol="0">
+            <a:spAutoFit/>
+          </a:bodyPr>
+          <a:lstStyle/>
+          <a:p>
+            <a:r>
+              <a:rPr lang="en-US" altLang="ko-KR" sz="1500" b="1" dirty="0" smtClean="0"/>
+              <a:t>Initializing Functions</a:t>
+            </a:r>
+            <a:endParaRPr lang="ko-KR" altLang="en-US" sz="1500" b="1" dirty="0"/>
+          </a:p>
+        </p:txBody>
+      </p:sp>
+      <p:sp>
+        <p:nvSpPr>
+          <p:cNvPr id="155" name="Rounded Rectangle 154"/>
+          <p:cNvSpPr/>
+          <p:nvPr/>
+        </p:nvSpPr>
+        <p:spPr>
+          <a:xfrm>
+            <a:off x="6660232" y="3719118"/>
+            <a:ext cx="2232248" cy="3094258"/>
+          </a:xfrm>
+          <a:prstGeom prst="roundRect">
+            <a:avLst/>
+          </a:prstGeom>
+        </p:spPr>
+        <p:style>
+          <a:lnRef idx="1">
+            <a:schemeClr val="dk1"/>
+          </a:lnRef>
+          <a:fillRef idx="2">
+            <a:schemeClr val="dk1"/>
+          </a:fillRef>
+          <a:effectRef idx="1">
+            <a:schemeClr val="dk1"/>
+          </a:effectRef>
+          <a:fontRef idx="minor">
+            <a:schemeClr val="dk1"/>
+          </a:fontRef>
+        </p:style>
+        <p:txBody>
+          <a:bodyPr rtlCol="0" anchor="ctr"/>
+          <a:lstStyle/>
+          <a:p>
+            <a:pPr algn="ctr"/>
+            <a:endParaRPr lang="ko-KR" altLang="en-US" b="1" dirty="0"/>
+          </a:p>
+        </p:txBody>
+      </p:sp>
+      <p:sp>
+        <p:nvSpPr>
+          <p:cNvPr id="156" name="TextBox 155"/>
+          <p:cNvSpPr txBox="1"/>
+          <p:nvPr/>
+        </p:nvSpPr>
+        <p:spPr>
+          <a:xfrm>
+            <a:off x="6828820" y="3693579"/>
+            <a:ext cx="1895071" cy="323165"/>
+          </a:xfrm>
+          <a:prstGeom prst="rect">
+            <a:avLst/>
+          </a:prstGeom>
+          <a:noFill/>
+        </p:spPr>
+        <p:txBody>
+          <a:bodyPr wrap="none" rtlCol="0">
+            <a:spAutoFit/>
+          </a:bodyPr>
+          <a:lstStyle/>
+          <a:p>
+            <a:r>
+              <a:rPr lang="en-US" altLang="ko-KR" sz="1500" b="1" dirty="0" smtClean="0"/>
+              <a:t>Drawing Functions</a:t>
+            </a:r>
+            <a:endParaRPr lang="ko-KR" altLang="en-US" sz="1500" b="1" dirty="0"/>
+          </a:p>
+        </p:txBody>
+      </p:sp>
+      <p:sp>
+        <p:nvSpPr>
+          <p:cNvPr id="157" name="Rounded Rectangle 156"/>
+          <p:cNvSpPr/>
+          <p:nvPr/>
+        </p:nvSpPr>
+        <p:spPr>
+          <a:xfrm>
+            <a:off x="6900828" y="4077072"/>
+            <a:ext cx="1775628" cy="360040"/>
+          </a:xfrm>
+          <a:prstGeom prst="roundRect">
+            <a:avLst/>
+          </a:prstGeom>
+        </p:spPr>
+        <p:style>
+          <a:lnRef idx="0">
+            <a:schemeClr val="dk1"/>
+          </a:lnRef>
+          <a:fillRef idx="3">
+            <a:schemeClr val="dk1"/>
+          </a:fillRef>
+          <a:effectRef idx="3">
+            <a:schemeClr val="dk1"/>
+          </a:effectRef>
+          <a:fontRef idx="minor">
+            <a:schemeClr val="lt1"/>
+          </a:fontRef>
+        </p:style>
+        <p:txBody>
+          <a:bodyPr rtlCol="0" anchor="ctr"/>
+          <a:lstStyle/>
+          <a:p>
+            <a:pPr algn="ctr"/>
+            <a:r>
+              <a:rPr lang="en-US" altLang="ko-KR" sz="1300" b="1" dirty="0" err="1" smtClean="0"/>
+              <a:t>drawAxis</a:t>
+            </a:r>
+            <a:endParaRPr lang="ko-KR" altLang="en-US" sz="1300" b="1" dirty="0"/>
+          </a:p>
+        </p:txBody>
+      </p:sp>
+      <p:sp>
+        <p:nvSpPr>
+          <p:cNvPr id="159" name="Rounded Rectangle 158"/>
+          <p:cNvSpPr/>
+          <p:nvPr/>
+        </p:nvSpPr>
+        <p:spPr>
+          <a:xfrm>
+            <a:off x="6900828" y="5805264"/>
+            <a:ext cx="1775628" cy="360040"/>
+          </a:xfrm>
+          <a:prstGeom prst="roundRect">
+            <a:avLst/>
+          </a:prstGeom>
+        </p:spPr>
+        <p:style>
+          <a:lnRef idx="0">
+            <a:schemeClr val="dk1"/>
+          </a:lnRef>
+          <a:fillRef idx="3">
+            <a:schemeClr val="dk1"/>
+          </a:fillRef>
+          <a:effectRef idx="3">
+            <a:schemeClr val="dk1"/>
+          </a:effectRef>
+          <a:fontRef idx="minor">
+            <a:schemeClr val="lt1"/>
+          </a:fontRef>
+        </p:style>
+        <p:txBody>
+          <a:bodyPr rtlCol="0" anchor="ctr"/>
+          <a:lstStyle/>
+          <a:p>
+            <a:pPr algn="ctr"/>
+            <a:r>
+              <a:rPr lang="en-US" altLang="ko-KR" sz="1300" b="1" dirty="0" err="1" smtClean="0"/>
+              <a:t>drawArc</a:t>
+            </a:r>
+            <a:endParaRPr lang="ko-KR" altLang="en-US" sz="1300" b="1" dirty="0"/>
+          </a:p>
+        </p:txBody>
+      </p:sp>
+      <p:cxnSp>
+        <p:nvCxnSpPr>
+          <p:cNvPr id="161" name="Straight Arrow Connector 160"/>
+          <p:cNvCxnSpPr>
+            <a:stCxn id="94" idx="3"/>
+          </p:cNvCxnSpPr>
+          <p:nvPr/>
+        </p:nvCxnSpPr>
+        <p:spPr>
+          <a:xfrm>
+            <a:off x="5715852" y="2021152"/>
+            <a:ext cx="569650" cy="0"/>
+          </a:xfrm>
+          <a:prstGeom prst="straightConnector1">
+            <a:avLst/>
+          </a:prstGeom>
+          <a:ln>
+            <a:tailEnd type="triangle"/>
+          </a:ln>
+        </p:spPr>
+        <p:style>
+          <a:lnRef idx="3">
+            <a:schemeClr val="accent1"/>
+          </a:lnRef>
+          <a:fillRef idx="0">
+            <a:schemeClr val="accent1"/>
+          </a:fillRef>
+          <a:effectRef idx="2">
+            <a:schemeClr val="accent1"/>
+          </a:effectRef>
+          <a:fontRef idx="minor">
+            <a:schemeClr val="tx1"/>
+          </a:fontRef>
+        </p:style>
+      </p:cxnSp>
+      <p:cxnSp>
+        <p:nvCxnSpPr>
+          <p:cNvPr id="163" name="Straight Arrow Connector 162"/>
+          <p:cNvCxnSpPr>
+            <a:stCxn id="112" idx="3"/>
+            <a:endCxn id="142" idx="1"/>
+          </p:cNvCxnSpPr>
+          <p:nvPr/>
+        </p:nvCxnSpPr>
+        <p:spPr>
+          <a:xfrm>
+            <a:off x="3851920" y="5265204"/>
+            <a:ext cx="288032" cy="0"/>
+          </a:xfrm>
+          <a:prstGeom prst="straightConnector1">
+            <a:avLst/>
+          </a:prstGeom>
+          <a:ln>
+            <a:tailEnd type="triangle"/>
+          </a:ln>
+        </p:spPr>
+        <p:style>
+          <a:lnRef idx="3">
+            <a:schemeClr val="accent1"/>
+          </a:lnRef>
+          <a:fillRef idx="0">
+            <a:schemeClr val="accent1"/>
+          </a:fillRef>
+          <a:effectRef idx="2">
+            <a:schemeClr val="accent1"/>
+          </a:effectRef>
+          <a:fontRef idx="minor">
+            <a:schemeClr val="tx1"/>
+          </a:fontRef>
+        </p:style>
+      </p:cxnSp>
+      <p:cxnSp>
+        <p:nvCxnSpPr>
+          <p:cNvPr id="165" name="Straight Arrow Connector 164"/>
+          <p:cNvCxnSpPr>
+            <a:stCxn id="142" idx="3"/>
+            <a:endCxn id="155" idx="1"/>
+          </p:cNvCxnSpPr>
+          <p:nvPr/>
+        </p:nvCxnSpPr>
+        <p:spPr>
+          <a:xfrm>
+            <a:off x="6372200" y="5265204"/>
+            <a:ext cx="288032" cy="1043"/>
+          </a:xfrm>
+          <a:prstGeom prst="straightConnector1">
+            <a:avLst/>
+          </a:prstGeom>
+          <a:ln>
+            <a:tailEnd type="triangle"/>
+          </a:ln>
+        </p:spPr>
+        <p:style>
+          <a:lnRef idx="3">
+            <a:schemeClr val="accent1"/>
+          </a:lnRef>
+          <a:fillRef idx="0">
+            <a:schemeClr val="accent1"/>
+          </a:fillRef>
+          <a:effectRef idx="2">
+            <a:schemeClr val="accent1"/>
+          </a:effectRef>
+          <a:fontRef idx="minor">
+            <a:schemeClr val="tx1"/>
+          </a:fontRef>
+        </p:style>
+      </p:cxnSp>
+      <p:sp>
+        <p:nvSpPr>
+          <p:cNvPr id="168" name="Rounded Rectangle 167"/>
+          <p:cNvSpPr/>
+          <p:nvPr/>
+        </p:nvSpPr>
+        <p:spPr>
+          <a:xfrm>
+            <a:off x="6900829" y="4509120"/>
+            <a:ext cx="1775627" cy="360040"/>
+          </a:xfrm>
+          <a:prstGeom prst="roundRect">
+            <a:avLst/>
+          </a:prstGeom>
+        </p:spPr>
+        <p:style>
+          <a:lnRef idx="0">
+            <a:schemeClr val="dk1"/>
+          </a:lnRef>
+          <a:fillRef idx="3">
+            <a:schemeClr val="dk1"/>
+          </a:fillRef>
+          <a:effectRef idx="3">
+            <a:schemeClr val="dk1"/>
+          </a:effectRef>
+          <a:fontRef idx="minor">
+            <a:schemeClr val="lt1"/>
+          </a:fontRef>
+        </p:style>
+        <p:txBody>
+          <a:bodyPr rtlCol="0" anchor="ctr"/>
+          <a:lstStyle/>
+          <a:p>
+            <a:pPr algn="ctr"/>
+            <a:r>
+              <a:rPr lang="en-US" altLang="ko-KR" sz="1300" b="1" dirty="0" err="1" smtClean="0"/>
+              <a:t>drawLinearGradient</a:t>
+            </a:r>
+            <a:endParaRPr lang="ko-KR" altLang="en-US" sz="1300" b="1" dirty="0"/>
+          </a:p>
+        </p:txBody>
+      </p:sp>
+      <p:sp>
+        <p:nvSpPr>
+          <p:cNvPr id="170" name="Rounded Rectangle 169"/>
+          <p:cNvSpPr/>
+          <p:nvPr/>
+        </p:nvSpPr>
+        <p:spPr>
+          <a:xfrm>
+            <a:off x="6900828" y="6237312"/>
+            <a:ext cx="1775628" cy="360040"/>
+          </a:xfrm>
+          <a:prstGeom prst="roundRect">
+            <a:avLst/>
+          </a:prstGeom>
+        </p:spPr>
+        <p:style>
+          <a:lnRef idx="0">
+            <a:schemeClr val="dk1"/>
+          </a:lnRef>
+          <a:fillRef idx="3">
+            <a:schemeClr val="dk1"/>
+          </a:fillRef>
+          <a:effectRef idx="3">
+            <a:schemeClr val="dk1"/>
+          </a:effectRef>
+          <a:fontRef idx="minor">
+            <a:schemeClr val="lt1"/>
+          </a:fontRef>
+        </p:style>
+        <p:txBody>
+          <a:bodyPr rtlCol="0" anchor="ctr"/>
+          <a:lstStyle/>
+          <a:p>
+            <a:pPr algn="ctr"/>
+            <a:r>
+              <a:rPr lang="en-US" altLang="ko-KR" sz="1300" b="1" dirty="0" err="1" smtClean="0"/>
+              <a:t>drawRect</a:t>
+            </a:r>
+            <a:endParaRPr lang="ko-KR" altLang="en-US" sz="1300" b="1" dirty="0"/>
+          </a:p>
+        </p:txBody>
+      </p:sp>
+      <p:sp>
+        <p:nvSpPr>
+          <p:cNvPr id="172" name="TextBox 171"/>
+          <p:cNvSpPr txBox="1"/>
+          <p:nvPr/>
+        </p:nvSpPr>
+        <p:spPr>
+          <a:xfrm>
+            <a:off x="7668344" y="5061268"/>
+            <a:ext cx="461665" cy="581249"/>
+          </a:xfrm>
+          <a:prstGeom prst="rect">
+            <a:avLst/>
+          </a:prstGeom>
+          <a:noFill/>
+        </p:spPr>
+        <p:txBody>
+          <a:bodyPr vert="eaVert" wrap="none" rtlCol="0">
+            <a:spAutoFit/>
+          </a:bodyPr>
+          <a:lstStyle/>
+          <a:p>
+            <a:r>
+              <a:rPr lang="en-US" altLang="ko-KR" b="1" dirty="0" smtClean="0"/>
+              <a:t>. . . .</a:t>
+            </a:r>
+            <a:endParaRPr lang="ko-KR" altLang="en-US" b="1" dirty="0"/>
+          </a:p>
+        </p:txBody>
+      </p:sp>
+      <p:sp>
+        <p:nvSpPr>
+          <p:cNvPr id="209" name="TextBox 208"/>
+          <p:cNvSpPr txBox="1"/>
+          <p:nvPr/>
+        </p:nvSpPr>
+        <p:spPr>
+          <a:xfrm>
+            <a:off x="2051720" y="980728"/>
+            <a:ext cx="1800200" cy="400110"/>
           </a:xfrm>
           <a:prstGeom prst="rect">
             <a:avLst/>
@@ -23797,2133 +25119,35 @@
           <a:lstStyle/>
           <a:p>
             <a:r>
-              <a:rPr lang="en-US" altLang="ko-KR" dirty="0" err="1" smtClean="0"/>
-              <a:t>J_Chart</a:t>
+              <a:rPr lang="en-US" altLang="ko-KR" sz="2000" b="1" dirty="0" smtClean="0"/>
+              <a:t>Chart Library</a:t>
             </a:r>
-            <a:endParaRPr lang="ko-KR" altLang="en-US" dirty="0"/>
-          </a:p>
-        </p:txBody>
-      </p:sp>
-      <p:sp>
-        <p:nvSpPr>
-          <p:cNvPr id="8" name="TextBox 7"/>
-          <p:cNvSpPr txBox="1"/>
-          <p:nvPr/>
-        </p:nvSpPr>
-        <p:spPr>
-          <a:xfrm>
-            <a:off x="2411760" y="1623938"/>
-            <a:ext cx="844404" cy="338554"/>
-          </a:xfrm>
-          <a:prstGeom prst="rect">
-            <a:avLst/>
-          </a:prstGeom>
-          <a:noFill/>
-        </p:spPr>
-        <p:txBody>
-          <a:bodyPr wrap="square" rtlCol="0">
-            <a:spAutoFit/>
-          </a:bodyPr>
-          <a:lstStyle/>
-          <a:p>
-            <a:pPr algn="ctr"/>
-            <a:r>
-              <a:rPr lang="en-US" altLang="ko-KR" sz="1600" dirty="0" smtClean="0"/>
-              <a:t>render</a:t>
-            </a:r>
-          </a:p>
-        </p:txBody>
-      </p:sp>
-      <p:sp>
-        <p:nvSpPr>
-          <p:cNvPr id="9" name="TextBox 8"/>
-          <p:cNvSpPr txBox="1"/>
-          <p:nvPr/>
-        </p:nvSpPr>
-        <p:spPr>
-          <a:xfrm>
-            <a:off x="2195736" y="2005464"/>
-            <a:ext cx="1348460" cy="338554"/>
-          </a:xfrm>
-          <a:prstGeom prst="rect">
-            <a:avLst/>
-          </a:prstGeom>
-          <a:noFill/>
-        </p:spPr>
-        <p:txBody>
-          <a:bodyPr wrap="square" rtlCol="0">
-            <a:spAutoFit/>
-          </a:bodyPr>
-          <a:lstStyle/>
-          <a:p>
-            <a:r>
-              <a:rPr lang="en-US" altLang="ko-KR" sz="1600" dirty="0" err="1" smtClean="0"/>
-              <a:t>setRenderer</a:t>
-            </a:r>
-            <a:endParaRPr lang="en-US" altLang="ko-KR" sz="1600" dirty="0" smtClean="0"/>
-          </a:p>
-        </p:txBody>
-      </p:sp>
-      <p:sp>
-        <p:nvSpPr>
-          <p:cNvPr id="10" name="TextBox 9"/>
-          <p:cNvSpPr txBox="1"/>
-          <p:nvPr/>
-        </p:nvSpPr>
-        <p:spPr>
-          <a:xfrm>
-            <a:off x="2385602" y="2344018"/>
-            <a:ext cx="1348460" cy="338554"/>
-          </a:xfrm>
-          <a:prstGeom prst="rect">
-            <a:avLst/>
-          </a:prstGeom>
-          <a:noFill/>
-        </p:spPr>
-        <p:txBody>
-          <a:bodyPr wrap="square" rtlCol="0">
-            <a:spAutoFit/>
-          </a:bodyPr>
-          <a:lstStyle/>
-          <a:p>
-            <a:r>
-              <a:rPr lang="en-US" altLang="ko-KR" sz="1600" dirty="0" smtClean="0"/>
-              <a:t>update</a:t>
-            </a:r>
-          </a:p>
-        </p:txBody>
-      </p:sp>
-      <p:cxnSp>
-        <p:nvCxnSpPr>
-          <p:cNvPr id="11" name="꺾인 연결선 10"/>
-          <p:cNvCxnSpPr>
-            <a:stCxn id="3" idx="3"/>
-          </p:cNvCxnSpPr>
-          <p:nvPr/>
-        </p:nvCxnSpPr>
-        <p:spPr>
-          <a:xfrm flipV="1">
-            <a:off x="1573822" y="1844824"/>
-            <a:ext cx="785622" cy="197824"/>
-          </a:xfrm>
-          <a:prstGeom prst="bentConnector3">
-            <a:avLst/>
-          </a:prstGeom>
-          <a:ln>
-            <a:tailEnd type="arrow"/>
-          </a:ln>
-        </p:spPr>
-        <p:style>
-          <a:lnRef idx="2">
-            <a:schemeClr val="dk1"/>
-          </a:lnRef>
-          <a:fillRef idx="0">
-            <a:schemeClr val="dk1"/>
-          </a:fillRef>
-          <a:effectRef idx="1">
-            <a:schemeClr val="dk1"/>
-          </a:effectRef>
-          <a:fontRef idx="minor">
-            <a:schemeClr val="tx1"/>
-          </a:fontRef>
-        </p:style>
-      </p:cxnSp>
-      <p:sp>
-        <p:nvSpPr>
-          <p:cNvPr id="14" name="모서리가 둥근 직사각형 13"/>
-          <p:cNvSpPr/>
-          <p:nvPr/>
-        </p:nvSpPr>
-        <p:spPr>
-          <a:xfrm>
-            <a:off x="2549309" y="3933056"/>
-            <a:ext cx="1918058" cy="2160240"/>
-          </a:xfrm>
-          <a:prstGeom prst="roundRect">
-            <a:avLst/>
-          </a:prstGeom>
-          <a:solidFill>
-            <a:schemeClr val="bg1">
-              <a:lumMod val="85000"/>
-            </a:schemeClr>
-          </a:solidFill>
-          <a:ln>
-            <a:solidFill>
-              <a:schemeClr val="tx1">
-                <a:lumMod val="50000"/>
-                <a:lumOff val="50000"/>
-              </a:schemeClr>
-            </a:solidFill>
-          </a:ln>
-        </p:spPr>
-        <p:style>
-          <a:lnRef idx="2">
-            <a:schemeClr val="accent1">
-              <a:shade val="50000"/>
-            </a:schemeClr>
-          </a:lnRef>
-          <a:fillRef idx="1">
-            <a:schemeClr val="accent1"/>
-          </a:fillRef>
-          <a:effectRef idx="0">
-            <a:schemeClr val="accent1"/>
-          </a:effectRef>
-          <a:fontRef idx="minor">
-            <a:schemeClr val="lt1"/>
-          </a:fontRef>
-        </p:style>
-        <p:txBody>
-          <a:bodyPr rtlCol="0" anchor="ctr"/>
-          <a:lstStyle/>
-          <a:p>
-            <a:pPr algn="ctr"/>
-            <a:endParaRPr lang="en-US" altLang="ko-KR" dirty="0">
-              <a:solidFill>
-                <a:schemeClr val="tx1"/>
-              </a:solidFill>
-            </a:endParaRPr>
-          </a:p>
-          <a:p>
-            <a:pPr algn="ctr"/>
-            <a:endParaRPr lang="en-US" altLang="ko-KR" dirty="0" smtClean="0">
-              <a:solidFill>
-                <a:schemeClr val="tx1"/>
-              </a:solidFill>
-            </a:endParaRPr>
-          </a:p>
-          <a:p>
-            <a:pPr algn="ctr"/>
-            <a:endParaRPr lang="en-US" altLang="ko-KR" dirty="0">
-              <a:solidFill>
-                <a:schemeClr val="tx1"/>
-              </a:solidFill>
-            </a:endParaRPr>
-          </a:p>
-          <a:p>
-            <a:pPr algn="ctr"/>
-            <a:endParaRPr lang="en-US" altLang="ko-KR" dirty="0" smtClean="0">
-              <a:solidFill>
-                <a:schemeClr val="tx1"/>
-              </a:solidFill>
-            </a:endParaRPr>
-          </a:p>
-          <a:p>
-            <a:pPr algn="ctr"/>
-            <a:endParaRPr lang="en-US" altLang="ko-KR" dirty="0">
-              <a:solidFill>
-                <a:schemeClr val="tx1"/>
-              </a:solidFill>
-            </a:endParaRPr>
-          </a:p>
-          <a:p>
-            <a:pPr algn="ctr"/>
-            <a:endParaRPr lang="en-US" altLang="ko-KR" dirty="0" smtClean="0">
-              <a:solidFill>
-                <a:schemeClr val="tx1"/>
-              </a:solidFill>
-            </a:endParaRPr>
-          </a:p>
-          <a:p>
-            <a:pPr algn="ctr"/>
-            <a:endParaRPr lang="en-US" altLang="ko-KR" dirty="0">
-              <a:solidFill>
-                <a:schemeClr val="tx1"/>
-              </a:solidFill>
-            </a:endParaRPr>
-          </a:p>
-          <a:p>
-            <a:pPr algn="ctr"/>
-            <a:endParaRPr lang="en-US" altLang="ko-KR" dirty="0" smtClean="0">
-              <a:solidFill>
-                <a:schemeClr val="tx1"/>
-              </a:solidFill>
-            </a:endParaRPr>
-          </a:p>
-          <a:p>
-            <a:pPr algn="ctr"/>
-            <a:endParaRPr lang="en-US" altLang="ko-KR" dirty="0">
-              <a:solidFill>
-                <a:schemeClr val="tx1"/>
-              </a:solidFill>
-            </a:endParaRPr>
-          </a:p>
-          <a:p>
-            <a:pPr algn="ctr"/>
-            <a:endParaRPr lang="ko-KR" altLang="en-US" dirty="0">
-              <a:solidFill>
-                <a:schemeClr val="tx1"/>
-              </a:solidFill>
-            </a:endParaRPr>
-          </a:p>
-        </p:txBody>
-      </p:sp>
-      <p:sp>
-        <p:nvSpPr>
-          <p:cNvPr id="15" name="TextBox 14"/>
-          <p:cNvSpPr txBox="1"/>
-          <p:nvPr/>
-        </p:nvSpPr>
-        <p:spPr>
-          <a:xfrm>
-            <a:off x="2787785" y="4098557"/>
-            <a:ext cx="1446627" cy="338554"/>
-          </a:xfrm>
-          <a:prstGeom prst="rect">
-            <a:avLst/>
-          </a:prstGeom>
-          <a:noFill/>
-        </p:spPr>
-        <p:txBody>
-          <a:bodyPr wrap="square" rtlCol="0">
-            <a:spAutoFit/>
-          </a:bodyPr>
-          <a:lstStyle/>
-          <a:p>
-            <a:pPr algn="ctr"/>
-            <a:r>
-              <a:rPr lang="en-US" altLang="ko-KR" sz="1600" dirty="0" smtClean="0"/>
-              <a:t>Render Type</a:t>
-            </a:r>
-          </a:p>
-        </p:txBody>
-      </p:sp>
-      <p:sp>
-        <p:nvSpPr>
-          <p:cNvPr id="16" name="TextBox 15"/>
-          <p:cNvSpPr txBox="1"/>
-          <p:nvPr/>
-        </p:nvSpPr>
-        <p:spPr>
-          <a:xfrm>
-            <a:off x="2650235" y="4548842"/>
-            <a:ext cx="1682342" cy="338554"/>
-          </a:xfrm>
-          <a:prstGeom prst="rect">
-            <a:avLst/>
-          </a:prstGeom>
-          <a:noFill/>
-        </p:spPr>
-        <p:txBody>
-          <a:bodyPr wrap="square" rtlCol="0">
-            <a:spAutoFit/>
-          </a:bodyPr>
-          <a:lstStyle/>
-          <a:p>
-            <a:pPr algn="ctr"/>
-            <a:r>
-              <a:rPr lang="en-US" altLang="ko-KR" sz="1600" dirty="0" smtClean="0"/>
-              <a:t>-</a:t>
-            </a:r>
-            <a:r>
-              <a:rPr lang="en-US" altLang="ko-KR" sz="1600" dirty="0" err="1" smtClean="0"/>
-              <a:t>setTempChart</a:t>
-            </a:r>
-            <a:endParaRPr lang="en-US" altLang="ko-KR" sz="1600" dirty="0" smtClean="0"/>
-          </a:p>
-        </p:txBody>
-      </p:sp>
-      <p:sp>
-        <p:nvSpPr>
-          <p:cNvPr id="17" name="TextBox 16"/>
-          <p:cNvSpPr txBox="1"/>
-          <p:nvPr/>
-        </p:nvSpPr>
-        <p:spPr>
-          <a:xfrm>
-            <a:off x="2624077" y="4980890"/>
-            <a:ext cx="1682342" cy="338554"/>
-          </a:xfrm>
-          <a:prstGeom prst="rect">
-            <a:avLst/>
-          </a:prstGeom>
-          <a:noFill/>
-        </p:spPr>
-        <p:txBody>
-          <a:bodyPr wrap="square" rtlCol="0">
-            <a:spAutoFit/>
-          </a:bodyPr>
-          <a:lstStyle/>
-          <a:p>
-            <a:pPr algn="ctr"/>
-            <a:r>
-              <a:rPr lang="en-US" altLang="ko-KR" sz="1600" dirty="0" smtClean="0"/>
-              <a:t>-</a:t>
-            </a:r>
-            <a:r>
-              <a:rPr lang="en-US" altLang="ko-KR" sz="1600" dirty="0" err="1" smtClean="0"/>
-              <a:t>setHeartChart</a:t>
-            </a:r>
-            <a:endParaRPr lang="en-US" altLang="ko-KR" sz="1600" dirty="0" smtClean="0"/>
-          </a:p>
-        </p:txBody>
-      </p:sp>
-      <p:sp>
-        <p:nvSpPr>
-          <p:cNvPr id="18" name="TextBox 17"/>
-          <p:cNvSpPr txBox="1"/>
-          <p:nvPr/>
-        </p:nvSpPr>
-        <p:spPr>
-          <a:xfrm>
-            <a:off x="2624077" y="5412938"/>
-            <a:ext cx="1682342" cy="338554"/>
-          </a:xfrm>
-          <a:prstGeom prst="rect">
-            <a:avLst/>
-          </a:prstGeom>
-          <a:noFill/>
-        </p:spPr>
-        <p:txBody>
-          <a:bodyPr wrap="square" rtlCol="0">
-            <a:spAutoFit/>
-          </a:bodyPr>
-          <a:lstStyle/>
-          <a:p>
-            <a:pPr algn="ctr"/>
-            <a:r>
-              <a:rPr lang="en-US" altLang="ko-KR" sz="1600" dirty="0" smtClean="0"/>
-              <a:t>-</a:t>
-            </a:r>
-            <a:r>
-              <a:rPr lang="en-US" altLang="ko-KR" sz="1600" dirty="0" err="1" smtClean="0"/>
-              <a:t>setSleepChart</a:t>
-            </a:r>
-            <a:endParaRPr lang="en-US" altLang="ko-KR" sz="1600" dirty="0" smtClean="0"/>
-          </a:p>
-        </p:txBody>
-      </p:sp>
-      <p:cxnSp>
-        <p:nvCxnSpPr>
-          <p:cNvPr id="21" name="직선 화살표 연결선 20"/>
-          <p:cNvCxnSpPr/>
-          <p:nvPr/>
-        </p:nvCxnSpPr>
-        <p:spPr>
-          <a:xfrm>
-            <a:off x="2195736" y="4267834"/>
-            <a:ext cx="569597" cy="0"/>
-          </a:xfrm>
-          <a:prstGeom prst="straightConnector1">
-            <a:avLst/>
-          </a:prstGeom>
-          <a:ln>
-            <a:tailEnd type="arrow"/>
-          </a:ln>
-        </p:spPr>
-        <p:style>
-          <a:lnRef idx="2">
-            <a:schemeClr val="dk1"/>
-          </a:lnRef>
-          <a:fillRef idx="0">
-            <a:schemeClr val="dk1"/>
-          </a:fillRef>
-          <a:effectRef idx="1">
-            <a:schemeClr val="dk1"/>
-          </a:effectRef>
-          <a:fontRef idx="minor">
-            <a:schemeClr val="tx1"/>
-          </a:fontRef>
-        </p:style>
-      </p:cxnSp>
-      <p:cxnSp>
-        <p:nvCxnSpPr>
-          <p:cNvPr id="23" name="직선 연결선 22"/>
-          <p:cNvCxnSpPr/>
-          <p:nvPr/>
-        </p:nvCxnSpPr>
-        <p:spPr>
-          <a:xfrm flipV="1">
-            <a:off x="2195736" y="3284984"/>
-            <a:ext cx="0" cy="961366"/>
-          </a:xfrm>
-          <a:prstGeom prst="line">
-            <a:avLst/>
-          </a:prstGeom>
-        </p:spPr>
-        <p:style>
-          <a:lnRef idx="2">
-            <a:schemeClr val="dk1"/>
-          </a:lnRef>
-          <a:fillRef idx="0">
-            <a:schemeClr val="dk1"/>
-          </a:fillRef>
-          <a:effectRef idx="1">
-            <a:schemeClr val="dk1"/>
-          </a:effectRef>
-          <a:fontRef idx="minor">
-            <a:schemeClr val="tx1"/>
-          </a:fontRef>
-        </p:style>
-      </p:cxnSp>
-      <p:cxnSp>
-        <p:nvCxnSpPr>
-          <p:cNvPr id="25" name="직선 연결선 24"/>
-          <p:cNvCxnSpPr/>
-          <p:nvPr/>
-        </p:nvCxnSpPr>
-        <p:spPr>
-          <a:xfrm>
-            <a:off x="2195735" y="3284984"/>
-            <a:ext cx="2880319" cy="0"/>
-          </a:xfrm>
-          <a:prstGeom prst="line">
-            <a:avLst/>
-          </a:prstGeom>
-        </p:spPr>
-        <p:style>
-          <a:lnRef idx="2">
-            <a:schemeClr val="dk1"/>
-          </a:lnRef>
-          <a:fillRef idx="0">
-            <a:schemeClr val="dk1"/>
-          </a:fillRef>
-          <a:effectRef idx="1">
-            <a:schemeClr val="dk1"/>
-          </a:effectRef>
-          <a:fontRef idx="minor">
-            <a:schemeClr val="tx1"/>
-          </a:fontRef>
-        </p:style>
-      </p:cxnSp>
-      <p:cxnSp>
-        <p:nvCxnSpPr>
-          <p:cNvPr id="27" name="직선 연결선 26"/>
-          <p:cNvCxnSpPr/>
-          <p:nvPr/>
-        </p:nvCxnSpPr>
-        <p:spPr>
-          <a:xfrm flipV="1">
-            <a:off x="1835696" y="2215601"/>
-            <a:ext cx="0" cy="1182250"/>
-          </a:xfrm>
-          <a:prstGeom prst="line">
-            <a:avLst/>
-          </a:prstGeom>
-        </p:spPr>
-        <p:style>
-          <a:lnRef idx="2">
-            <a:schemeClr val="dk1"/>
-          </a:lnRef>
-          <a:fillRef idx="0">
-            <a:schemeClr val="dk1"/>
-          </a:fillRef>
-          <a:effectRef idx="1">
-            <a:schemeClr val="dk1"/>
-          </a:effectRef>
-          <a:fontRef idx="minor">
-            <a:schemeClr val="tx1"/>
-          </a:fontRef>
-        </p:style>
-      </p:cxnSp>
-      <p:cxnSp>
-        <p:nvCxnSpPr>
-          <p:cNvPr id="29" name="직선 연결선 28"/>
-          <p:cNvCxnSpPr/>
-          <p:nvPr/>
-        </p:nvCxnSpPr>
-        <p:spPr>
-          <a:xfrm flipH="1">
-            <a:off x="1835696" y="2204864"/>
-            <a:ext cx="396664" cy="0"/>
-          </a:xfrm>
-          <a:prstGeom prst="line">
-            <a:avLst/>
-          </a:prstGeom>
-        </p:spPr>
-        <p:style>
-          <a:lnRef idx="2">
-            <a:schemeClr val="dk1"/>
-          </a:lnRef>
-          <a:fillRef idx="0">
-            <a:schemeClr val="dk1"/>
-          </a:fillRef>
-          <a:effectRef idx="1">
-            <a:schemeClr val="dk1"/>
-          </a:effectRef>
-          <a:fontRef idx="minor">
-            <a:schemeClr val="tx1"/>
-          </a:fontRef>
-        </p:style>
-      </p:cxnSp>
-      <p:sp>
-        <p:nvSpPr>
-          <p:cNvPr id="33" name="모서리가 둥근 직사각형 32"/>
-          <p:cNvSpPr/>
-          <p:nvPr/>
-        </p:nvSpPr>
-        <p:spPr>
-          <a:xfrm>
-            <a:off x="4843707" y="3933056"/>
-            <a:ext cx="2060075" cy="2160240"/>
-          </a:xfrm>
-          <a:prstGeom prst="roundRect">
-            <a:avLst/>
-          </a:prstGeom>
-          <a:solidFill>
-            <a:schemeClr val="accent3">
-              <a:lumMod val="40000"/>
-              <a:lumOff val="60000"/>
-            </a:schemeClr>
-          </a:solidFill>
-        </p:spPr>
-        <p:style>
-          <a:lnRef idx="2">
-            <a:schemeClr val="accent1">
-              <a:shade val="50000"/>
-            </a:schemeClr>
-          </a:lnRef>
-          <a:fillRef idx="1">
-            <a:schemeClr val="accent1"/>
-          </a:fillRef>
-          <a:effectRef idx="0">
-            <a:schemeClr val="accent1"/>
-          </a:effectRef>
-          <a:fontRef idx="minor">
-            <a:schemeClr val="lt1"/>
-          </a:fontRef>
-        </p:style>
-        <p:txBody>
-          <a:bodyPr rtlCol="0" anchor="ctr"/>
-          <a:lstStyle/>
-          <a:p>
-            <a:pPr algn="ctr"/>
-            <a:endParaRPr lang="ko-KR" altLang="en-US" dirty="0">
-              <a:solidFill>
-                <a:schemeClr val="tx1"/>
-              </a:solidFill>
-            </a:endParaRPr>
-          </a:p>
-        </p:txBody>
-      </p:sp>
-      <p:cxnSp>
-        <p:nvCxnSpPr>
-          <p:cNvPr id="39" name="직선 화살표 연결선 38"/>
-          <p:cNvCxnSpPr/>
-          <p:nvPr/>
-        </p:nvCxnSpPr>
-        <p:spPr>
-          <a:xfrm>
-            <a:off x="4303659" y="5085271"/>
-            <a:ext cx="564903" cy="0"/>
-          </a:xfrm>
-          <a:prstGeom prst="straightConnector1">
-            <a:avLst/>
-          </a:prstGeom>
-          <a:ln>
-            <a:tailEnd type="arrow"/>
-          </a:ln>
-        </p:spPr>
-        <p:style>
-          <a:lnRef idx="2">
-            <a:schemeClr val="dk1"/>
-          </a:lnRef>
-          <a:fillRef idx="0">
-            <a:schemeClr val="dk1"/>
-          </a:fillRef>
-          <a:effectRef idx="1">
-            <a:schemeClr val="dk1"/>
-          </a:effectRef>
-          <a:fontRef idx="minor">
-            <a:schemeClr val="tx1"/>
-          </a:fontRef>
-        </p:style>
-      </p:cxnSp>
-      <p:sp>
-        <p:nvSpPr>
-          <p:cNvPr id="40" name="TextBox 39"/>
-          <p:cNvSpPr txBox="1"/>
-          <p:nvPr/>
-        </p:nvSpPr>
-        <p:spPr>
-          <a:xfrm>
-            <a:off x="5134499" y="4077072"/>
-            <a:ext cx="1446627" cy="338554"/>
-          </a:xfrm>
-          <a:prstGeom prst="rect">
-            <a:avLst/>
-          </a:prstGeom>
-          <a:noFill/>
-        </p:spPr>
-        <p:txBody>
-          <a:bodyPr wrap="square" rtlCol="0">
-            <a:spAutoFit/>
-          </a:bodyPr>
-          <a:lstStyle/>
-          <a:p>
-            <a:pPr algn="ctr"/>
-            <a:r>
-              <a:rPr lang="en-US" altLang="ko-KR" sz="1600" dirty="0" smtClean="0"/>
-              <a:t>Render Type2</a:t>
-            </a:r>
-          </a:p>
-        </p:txBody>
-      </p:sp>
-      <p:sp>
-        <p:nvSpPr>
-          <p:cNvPr id="41" name="TextBox 40"/>
-          <p:cNvSpPr txBox="1"/>
-          <p:nvPr/>
-        </p:nvSpPr>
-        <p:spPr>
-          <a:xfrm>
-            <a:off x="4924942" y="4509120"/>
-            <a:ext cx="1789735" cy="338554"/>
-          </a:xfrm>
-          <a:prstGeom prst="rect">
-            <a:avLst/>
-          </a:prstGeom>
-          <a:noFill/>
-        </p:spPr>
-        <p:txBody>
-          <a:bodyPr wrap="square" rtlCol="0">
-            <a:spAutoFit/>
-          </a:bodyPr>
-          <a:lstStyle/>
-          <a:p>
-            <a:pPr algn="ctr"/>
-            <a:r>
-              <a:rPr lang="en-US" altLang="ko-KR" sz="1600" dirty="0" smtClean="0"/>
-              <a:t>-</a:t>
-            </a:r>
-            <a:r>
-              <a:rPr lang="en-US" altLang="ko-KR" sz="1600" dirty="0" err="1" smtClean="0"/>
-              <a:t>renderLineChart</a:t>
-            </a:r>
-            <a:endParaRPr lang="en-US" altLang="ko-KR" sz="1600" dirty="0" smtClean="0"/>
-          </a:p>
-        </p:txBody>
-      </p:sp>
-      <p:sp>
-        <p:nvSpPr>
-          <p:cNvPr id="42" name="TextBox 41"/>
-          <p:cNvSpPr txBox="1"/>
-          <p:nvPr/>
-        </p:nvSpPr>
-        <p:spPr>
-          <a:xfrm>
-            <a:off x="4924942" y="5013176"/>
-            <a:ext cx="1682342" cy="338554"/>
-          </a:xfrm>
-          <a:prstGeom prst="rect">
-            <a:avLst/>
-          </a:prstGeom>
-          <a:noFill/>
-        </p:spPr>
-        <p:txBody>
-          <a:bodyPr wrap="square" rtlCol="0">
-            <a:spAutoFit/>
-          </a:bodyPr>
-          <a:lstStyle/>
-          <a:p>
-            <a:pPr algn="ctr"/>
-            <a:r>
-              <a:rPr lang="en-US" altLang="ko-KR" sz="1600" dirty="0" smtClean="0"/>
-              <a:t>-</a:t>
-            </a:r>
-            <a:r>
-              <a:rPr lang="en-US" altLang="ko-KR" sz="1600" dirty="0" err="1" smtClean="0"/>
-              <a:t>renderPieChart</a:t>
-            </a:r>
-            <a:endParaRPr lang="en-US" altLang="ko-KR" sz="1600" dirty="0" smtClean="0"/>
-          </a:p>
-        </p:txBody>
-      </p:sp>
-      <p:sp>
-        <p:nvSpPr>
-          <p:cNvPr id="43" name="TextBox 42"/>
-          <p:cNvSpPr txBox="1"/>
-          <p:nvPr/>
-        </p:nvSpPr>
-        <p:spPr>
-          <a:xfrm>
-            <a:off x="4924942" y="5517232"/>
-            <a:ext cx="1682342" cy="338554"/>
-          </a:xfrm>
-          <a:prstGeom prst="rect">
-            <a:avLst/>
-          </a:prstGeom>
-          <a:noFill/>
-        </p:spPr>
-        <p:txBody>
-          <a:bodyPr wrap="square" rtlCol="0">
-            <a:spAutoFit/>
-          </a:bodyPr>
-          <a:lstStyle/>
-          <a:p>
-            <a:pPr algn="ctr"/>
-            <a:r>
-              <a:rPr lang="en-US" altLang="ko-KR" sz="1600" dirty="0" smtClean="0"/>
-              <a:t>-</a:t>
-            </a:r>
-            <a:r>
-              <a:rPr lang="en-US" altLang="ko-KR" sz="1600" dirty="0" err="1" smtClean="0"/>
-              <a:t>renderBarchart</a:t>
-            </a:r>
-            <a:endParaRPr lang="en-US" altLang="ko-KR" sz="1600" dirty="0" smtClean="0"/>
-          </a:p>
-        </p:txBody>
-      </p:sp>
-      <p:sp>
-        <p:nvSpPr>
-          <p:cNvPr id="46" name="모서리가 둥근 직사각형 45"/>
-          <p:cNvSpPr/>
-          <p:nvPr/>
-        </p:nvSpPr>
-        <p:spPr>
-          <a:xfrm>
-            <a:off x="3851920" y="1561443"/>
-            <a:ext cx="1034270" cy="395648"/>
-          </a:xfrm>
-          <a:prstGeom prst="roundRect">
-            <a:avLst/>
-          </a:prstGeom>
-          <a:solidFill>
-            <a:schemeClr val="accent3">
-              <a:lumMod val="40000"/>
-              <a:lumOff val="60000"/>
-            </a:schemeClr>
-          </a:solidFill>
-        </p:spPr>
-        <p:style>
-          <a:lnRef idx="2">
-            <a:schemeClr val="accent1">
-              <a:shade val="50000"/>
-            </a:schemeClr>
-          </a:lnRef>
-          <a:fillRef idx="1">
-            <a:schemeClr val="accent1"/>
-          </a:fillRef>
-          <a:effectRef idx="0">
-            <a:schemeClr val="accent1"/>
-          </a:effectRef>
-          <a:fontRef idx="minor">
-            <a:schemeClr val="lt1"/>
-          </a:fontRef>
-        </p:style>
-        <p:txBody>
-          <a:bodyPr rtlCol="0" anchor="ctr"/>
-          <a:lstStyle/>
-          <a:p>
-            <a:pPr algn="ctr"/>
-            <a:r>
-              <a:rPr lang="en-US" altLang="ko-KR" dirty="0" err="1" smtClean="0">
-                <a:solidFill>
-                  <a:schemeClr val="tx1"/>
-                </a:solidFill>
-              </a:rPr>
-              <a:t>init</a:t>
-            </a:r>
-            <a:endParaRPr lang="ko-KR" altLang="en-US" dirty="0">
-              <a:solidFill>
-                <a:schemeClr val="tx1"/>
-              </a:solidFill>
-            </a:endParaRPr>
-          </a:p>
-        </p:txBody>
-      </p:sp>
-      <p:cxnSp>
-        <p:nvCxnSpPr>
-          <p:cNvPr id="53" name="직선 화살표 연결선 52"/>
-          <p:cNvCxnSpPr/>
-          <p:nvPr/>
-        </p:nvCxnSpPr>
-        <p:spPr>
-          <a:xfrm>
-            <a:off x="3347864" y="1772816"/>
-            <a:ext cx="720080" cy="0"/>
-          </a:xfrm>
-          <a:prstGeom prst="straightConnector1">
-            <a:avLst/>
-          </a:prstGeom>
-          <a:ln>
-            <a:tailEnd type="arrow"/>
-          </a:ln>
-        </p:spPr>
-        <p:style>
-          <a:lnRef idx="2">
-            <a:schemeClr val="dk1"/>
-          </a:lnRef>
-          <a:fillRef idx="0">
-            <a:schemeClr val="dk1"/>
-          </a:fillRef>
-          <a:effectRef idx="1">
-            <a:schemeClr val="dk1"/>
-          </a:effectRef>
-          <a:fontRef idx="minor">
-            <a:schemeClr val="tx1"/>
-          </a:fontRef>
-        </p:style>
-      </p:cxnSp>
-      <p:cxnSp>
-        <p:nvCxnSpPr>
-          <p:cNvPr id="56" name="직선 연결선 55"/>
-          <p:cNvCxnSpPr/>
-          <p:nvPr/>
-        </p:nvCxnSpPr>
-        <p:spPr>
-          <a:xfrm>
-            <a:off x="4661069" y="1793215"/>
-            <a:ext cx="414987" cy="0"/>
-          </a:xfrm>
-          <a:prstGeom prst="line">
-            <a:avLst/>
-          </a:prstGeom>
-        </p:spPr>
-        <p:style>
-          <a:lnRef idx="2">
-            <a:schemeClr val="dk1"/>
-          </a:lnRef>
-          <a:fillRef idx="0">
-            <a:schemeClr val="dk1"/>
-          </a:fillRef>
-          <a:effectRef idx="1">
-            <a:schemeClr val="dk1"/>
-          </a:effectRef>
-          <a:fontRef idx="minor">
-            <a:schemeClr val="tx1"/>
-          </a:fontRef>
-        </p:style>
-      </p:cxnSp>
-      <p:cxnSp>
-        <p:nvCxnSpPr>
-          <p:cNvPr id="60" name="직선 연결선 59"/>
-          <p:cNvCxnSpPr/>
-          <p:nvPr/>
-        </p:nvCxnSpPr>
-        <p:spPr>
-          <a:xfrm>
-            <a:off x="5067569" y="1412776"/>
-            <a:ext cx="8487" cy="1296144"/>
-          </a:xfrm>
-          <a:prstGeom prst="line">
-            <a:avLst/>
-          </a:prstGeom>
-        </p:spPr>
-        <p:style>
-          <a:lnRef idx="2">
-            <a:schemeClr val="dk1"/>
-          </a:lnRef>
-          <a:fillRef idx="0">
-            <a:schemeClr val="dk1"/>
-          </a:fillRef>
-          <a:effectRef idx="1">
-            <a:schemeClr val="dk1"/>
-          </a:effectRef>
-          <a:fontRef idx="minor">
-            <a:schemeClr val="tx1"/>
-          </a:fontRef>
-        </p:style>
-      </p:cxnSp>
-      <p:cxnSp>
-        <p:nvCxnSpPr>
-          <p:cNvPr id="62" name="직선 화살표 연결선 61"/>
-          <p:cNvCxnSpPr/>
-          <p:nvPr/>
-        </p:nvCxnSpPr>
-        <p:spPr>
-          <a:xfrm>
-            <a:off x="5076056" y="1412776"/>
-            <a:ext cx="421583" cy="0"/>
-          </a:xfrm>
-          <a:prstGeom prst="straightConnector1">
-            <a:avLst/>
-          </a:prstGeom>
-          <a:ln>
-            <a:tailEnd type="arrow"/>
-          </a:ln>
-        </p:spPr>
-        <p:style>
-          <a:lnRef idx="2">
-            <a:schemeClr val="dk1"/>
-          </a:lnRef>
-          <a:fillRef idx="0">
-            <a:schemeClr val="dk1"/>
-          </a:fillRef>
-          <a:effectRef idx="1">
-            <a:schemeClr val="dk1"/>
-          </a:effectRef>
-          <a:fontRef idx="minor">
-            <a:schemeClr val="tx1"/>
-          </a:fontRef>
-        </p:style>
-      </p:cxnSp>
-      <p:cxnSp>
-        <p:nvCxnSpPr>
-          <p:cNvPr id="63" name="직선 화살표 연결선 62"/>
-          <p:cNvCxnSpPr/>
-          <p:nvPr/>
-        </p:nvCxnSpPr>
-        <p:spPr>
-          <a:xfrm>
-            <a:off x="5076056" y="1793215"/>
-            <a:ext cx="421583" cy="0"/>
-          </a:xfrm>
-          <a:prstGeom prst="straightConnector1">
-            <a:avLst/>
-          </a:prstGeom>
-          <a:ln>
-            <a:tailEnd type="arrow"/>
-          </a:ln>
-        </p:spPr>
-        <p:style>
-          <a:lnRef idx="2">
-            <a:schemeClr val="dk1"/>
-          </a:lnRef>
-          <a:fillRef idx="0">
-            <a:schemeClr val="dk1"/>
-          </a:fillRef>
-          <a:effectRef idx="1">
-            <a:schemeClr val="dk1"/>
-          </a:effectRef>
-          <a:fontRef idx="minor">
-            <a:schemeClr val="tx1"/>
-          </a:fontRef>
-        </p:style>
-      </p:cxnSp>
-      <p:cxnSp>
-        <p:nvCxnSpPr>
-          <p:cNvPr id="64" name="직선 화살표 연결선 63"/>
-          <p:cNvCxnSpPr/>
-          <p:nvPr/>
-        </p:nvCxnSpPr>
-        <p:spPr>
-          <a:xfrm>
-            <a:off x="5067569" y="2153626"/>
-            <a:ext cx="421583" cy="0"/>
-          </a:xfrm>
-          <a:prstGeom prst="straightConnector1">
-            <a:avLst/>
-          </a:prstGeom>
-          <a:ln>
-            <a:tailEnd type="arrow"/>
-          </a:ln>
-        </p:spPr>
-        <p:style>
-          <a:lnRef idx="2">
-            <a:schemeClr val="dk1"/>
-          </a:lnRef>
-          <a:fillRef idx="0">
-            <a:schemeClr val="dk1"/>
-          </a:fillRef>
-          <a:effectRef idx="1">
-            <a:schemeClr val="dk1"/>
-          </a:effectRef>
-          <a:fontRef idx="minor">
-            <a:schemeClr val="tx1"/>
-          </a:fontRef>
-        </p:style>
-      </p:cxnSp>
-      <p:cxnSp>
-        <p:nvCxnSpPr>
-          <p:cNvPr id="65" name="직선 화살표 연결선 64"/>
-          <p:cNvCxnSpPr/>
-          <p:nvPr/>
-        </p:nvCxnSpPr>
-        <p:spPr>
-          <a:xfrm>
-            <a:off x="5067570" y="2537675"/>
-            <a:ext cx="421583" cy="0"/>
-          </a:xfrm>
-          <a:prstGeom prst="straightConnector1">
-            <a:avLst/>
-          </a:prstGeom>
-          <a:ln>
-            <a:tailEnd type="arrow"/>
-          </a:ln>
-        </p:spPr>
-        <p:style>
-          <a:lnRef idx="2">
-            <a:schemeClr val="dk1"/>
-          </a:lnRef>
-          <a:fillRef idx="0">
-            <a:schemeClr val="dk1"/>
-          </a:fillRef>
-          <a:effectRef idx="1">
-            <a:schemeClr val="dk1"/>
-          </a:effectRef>
-          <a:fontRef idx="minor">
-            <a:schemeClr val="tx1"/>
-          </a:fontRef>
-        </p:style>
-      </p:cxnSp>
-      <p:cxnSp>
-        <p:nvCxnSpPr>
-          <p:cNvPr id="66" name="직선 화살표 연결선 65"/>
-          <p:cNvCxnSpPr/>
-          <p:nvPr/>
-        </p:nvCxnSpPr>
-        <p:spPr>
-          <a:xfrm>
-            <a:off x="5076054" y="2886895"/>
-            <a:ext cx="421583" cy="0"/>
-          </a:xfrm>
-          <a:prstGeom prst="straightConnector1">
-            <a:avLst/>
-          </a:prstGeom>
-          <a:ln>
-            <a:tailEnd type="arrow"/>
-          </a:ln>
-        </p:spPr>
-        <p:style>
-          <a:lnRef idx="2">
-            <a:schemeClr val="dk1"/>
-          </a:lnRef>
-          <a:fillRef idx="0">
-            <a:schemeClr val="dk1"/>
-          </a:fillRef>
-          <a:effectRef idx="1">
-            <a:schemeClr val="dk1"/>
-          </a:effectRef>
-          <a:fontRef idx="minor">
-            <a:schemeClr val="tx1"/>
-          </a:fontRef>
-        </p:style>
-      </p:cxnSp>
-      <p:sp>
-        <p:nvSpPr>
-          <p:cNvPr id="69" name="TextBox 68"/>
-          <p:cNvSpPr txBox="1"/>
-          <p:nvPr/>
-        </p:nvSpPr>
-        <p:spPr>
-          <a:xfrm>
-            <a:off x="5436096" y="1209675"/>
-            <a:ext cx="1145661" cy="338554"/>
-          </a:xfrm>
-          <a:prstGeom prst="rect">
-            <a:avLst/>
-          </a:prstGeom>
-          <a:noFill/>
-        </p:spPr>
-        <p:txBody>
-          <a:bodyPr wrap="square" rtlCol="0">
-            <a:spAutoFit/>
-          </a:bodyPr>
-          <a:lstStyle/>
-          <a:p>
-            <a:pPr algn="ctr"/>
-            <a:r>
-              <a:rPr lang="en-US" altLang="ko-KR" sz="1600" dirty="0" err="1" smtClean="0"/>
-              <a:t>getRange</a:t>
-            </a:r>
-            <a:endParaRPr lang="en-US" altLang="ko-KR" sz="1600" dirty="0" smtClean="0"/>
-          </a:p>
-        </p:txBody>
-      </p:sp>
-      <p:sp>
-        <p:nvSpPr>
-          <p:cNvPr id="70" name="TextBox 69"/>
-          <p:cNvSpPr txBox="1"/>
-          <p:nvPr/>
-        </p:nvSpPr>
-        <p:spPr>
-          <a:xfrm>
-            <a:off x="5442563" y="1562690"/>
-            <a:ext cx="1145661" cy="338554"/>
-          </a:xfrm>
-          <a:prstGeom prst="rect">
-            <a:avLst/>
-          </a:prstGeom>
-          <a:noFill/>
-        </p:spPr>
-        <p:txBody>
-          <a:bodyPr wrap="square" rtlCol="0">
-            <a:spAutoFit/>
-          </a:bodyPr>
-          <a:lstStyle/>
-          <a:p>
-            <a:pPr algn="ctr"/>
-            <a:r>
-              <a:rPr lang="en-US" altLang="ko-KR" sz="1600" dirty="0" err="1" smtClean="0"/>
-              <a:t>parseAttr</a:t>
-            </a:r>
-            <a:endParaRPr lang="en-US" altLang="ko-KR" sz="1600" dirty="0" smtClean="0"/>
-          </a:p>
-        </p:txBody>
-      </p:sp>
-      <p:sp>
-        <p:nvSpPr>
-          <p:cNvPr id="71" name="TextBox 70"/>
-          <p:cNvSpPr txBox="1"/>
-          <p:nvPr/>
-        </p:nvSpPr>
-        <p:spPr>
-          <a:xfrm>
-            <a:off x="5435465" y="1941585"/>
-            <a:ext cx="1145661" cy="338554"/>
-          </a:xfrm>
-          <a:prstGeom prst="rect">
-            <a:avLst/>
-          </a:prstGeom>
-          <a:noFill/>
-        </p:spPr>
-        <p:txBody>
-          <a:bodyPr wrap="square" rtlCol="0">
-            <a:spAutoFit/>
-          </a:bodyPr>
-          <a:lstStyle/>
-          <a:p>
-            <a:pPr algn="ctr"/>
-            <a:r>
-              <a:rPr lang="en-US" altLang="ko-KR" sz="1600" dirty="0" err="1" smtClean="0"/>
-              <a:t>parseSets</a:t>
-            </a:r>
-            <a:endParaRPr lang="en-US" altLang="ko-KR" sz="1600" dirty="0" smtClean="0"/>
-          </a:p>
-        </p:txBody>
-      </p:sp>
-      <p:sp>
-        <p:nvSpPr>
-          <p:cNvPr id="72" name="TextBox 71"/>
-          <p:cNvSpPr txBox="1"/>
-          <p:nvPr/>
-        </p:nvSpPr>
-        <p:spPr>
-          <a:xfrm>
-            <a:off x="5436096" y="2319844"/>
-            <a:ext cx="1145661" cy="338554"/>
-          </a:xfrm>
-          <a:prstGeom prst="rect">
-            <a:avLst/>
-          </a:prstGeom>
-          <a:noFill/>
-        </p:spPr>
-        <p:txBody>
-          <a:bodyPr wrap="square" rtlCol="0">
-            <a:spAutoFit/>
-          </a:bodyPr>
-          <a:lstStyle/>
-          <a:p>
-            <a:pPr algn="ctr"/>
-            <a:r>
-              <a:rPr lang="en-US" altLang="ko-KR" sz="1600" dirty="0" err="1" smtClean="0"/>
-              <a:t>parseOpts</a:t>
-            </a:r>
-            <a:endParaRPr lang="en-US" altLang="ko-KR" sz="1600" dirty="0" smtClean="0"/>
-          </a:p>
-        </p:txBody>
-      </p:sp>
-      <p:sp>
-        <p:nvSpPr>
-          <p:cNvPr id="73" name="TextBox 72"/>
-          <p:cNvSpPr txBox="1"/>
-          <p:nvPr/>
-        </p:nvSpPr>
-        <p:spPr>
-          <a:xfrm>
-            <a:off x="5436096" y="2708920"/>
-            <a:ext cx="1145661" cy="338554"/>
-          </a:xfrm>
-          <a:prstGeom prst="rect">
-            <a:avLst/>
-          </a:prstGeom>
-          <a:noFill/>
-        </p:spPr>
-        <p:txBody>
-          <a:bodyPr wrap="square" rtlCol="0">
-            <a:spAutoFit/>
-          </a:bodyPr>
-          <a:lstStyle/>
-          <a:p>
-            <a:pPr algn="ctr"/>
-            <a:r>
-              <a:rPr lang="en-US" altLang="ko-KR" sz="1600" dirty="0" err="1" smtClean="0"/>
-              <a:t>drawRect</a:t>
-            </a:r>
-            <a:endParaRPr lang="en-US" altLang="ko-KR" sz="1600" dirty="0" smtClean="0"/>
-          </a:p>
-        </p:txBody>
-      </p:sp>
-      <p:cxnSp>
-        <p:nvCxnSpPr>
-          <p:cNvPr id="77" name="직선 연결선 76"/>
-          <p:cNvCxnSpPr/>
-          <p:nvPr/>
-        </p:nvCxnSpPr>
-        <p:spPr>
-          <a:xfrm>
-            <a:off x="5076056" y="2683659"/>
-            <a:ext cx="0" cy="601325"/>
-          </a:xfrm>
-          <a:prstGeom prst="line">
-            <a:avLst/>
-          </a:prstGeom>
-        </p:spPr>
-        <p:style>
-          <a:lnRef idx="2">
-            <a:schemeClr val="dk1"/>
-          </a:lnRef>
-          <a:fillRef idx="0">
-            <a:schemeClr val="dk1"/>
-          </a:fillRef>
-          <a:effectRef idx="1">
-            <a:schemeClr val="dk1"/>
-          </a:effectRef>
-          <a:fontRef idx="minor">
-            <a:schemeClr val="tx1"/>
-          </a:fontRef>
-        </p:style>
-      </p:cxnSp>
-      <p:sp>
-        <p:nvSpPr>
-          <p:cNvPr id="81" name="TextBox 80"/>
-          <p:cNvSpPr txBox="1"/>
-          <p:nvPr/>
-        </p:nvSpPr>
-        <p:spPr>
-          <a:xfrm>
-            <a:off x="3038693" y="3306470"/>
-            <a:ext cx="1376682" cy="338554"/>
-          </a:xfrm>
-          <a:prstGeom prst="rect">
-            <a:avLst/>
-          </a:prstGeom>
-          <a:noFill/>
-        </p:spPr>
-        <p:txBody>
-          <a:bodyPr wrap="square" rtlCol="0">
-            <a:spAutoFit/>
-          </a:bodyPr>
-          <a:lstStyle/>
-          <a:p>
-            <a:pPr algn="ctr"/>
-            <a:r>
-              <a:rPr lang="en-US" altLang="ko-KR" sz="1600" dirty="0" smtClean="0"/>
-              <a:t>renderer</a:t>
-            </a:r>
-          </a:p>
-        </p:txBody>
-      </p:sp>
-      <p:cxnSp>
-        <p:nvCxnSpPr>
-          <p:cNvPr id="85" name="직선 연결선 84"/>
-          <p:cNvCxnSpPr/>
-          <p:nvPr/>
-        </p:nvCxnSpPr>
-        <p:spPr>
-          <a:xfrm flipH="1" flipV="1">
-            <a:off x="1187624" y="3382444"/>
-            <a:ext cx="648072" cy="5171"/>
-          </a:xfrm>
-          <a:prstGeom prst="line">
-            <a:avLst/>
-          </a:prstGeom>
-        </p:spPr>
-        <p:style>
-          <a:lnRef idx="2">
-            <a:schemeClr val="dk1"/>
-          </a:lnRef>
-          <a:fillRef idx="0">
-            <a:schemeClr val="dk1"/>
-          </a:fillRef>
-          <a:effectRef idx="1">
-            <a:schemeClr val="dk1"/>
-          </a:effectRef>
-          <a:fontRef idx="minor">
-            <a:schemeClr val="tx1"/>
-          </a:fontRef>
-        </p:style>
-      </p:cxnSp>
-      <p:cxnSp>
-        <p:nvCxnSpPr>
-          <p:cNvPr id="88" name="직선 화살표 연결선 87"/>
-          <p:cNvCxnSpPr/>
-          <p:nvPr/>
-        </p:nvCxnSpPr>
-        <p:spPr>
-          <a:xfrm>
-            <a:off x="1187624" y="3385029"/>
-            <a:ext cx="0" cy="1030597"/>
-          </a:xfrm>
-          <a:prstGeom prst="straightConnector1">
-            <a:avLst/>
-          </a:prstGeom>
-          <a:ln>
-            <a:tailEnd type="arrow"/>
-          </a:ln>
-        </p:spPr>
-        <p:style>
-          <a:lnRef idx="2">
-            <a:schemeClr val="dk1"/>
-          </a:lnRef>
-          <a:fillRef idx="0">
-            <a:schemeClr val="dk1"/>
-          </a:fillRef>
-          <a:effectRef idx="1">
-            <a:schemeClr val="dk1"/>
-          </a:effectRef>
-          <a:fontRef idx="minor">
-            <a:schemeClr val="tx1"/>
-          </a:fontRef>
-        </p:style>
-      </p:cxnSp>
-      <p:sp>
-        <p:nvSpPr>
-          <p:cNvPr id="90" name="모서리가 둥근 직사각형 89"/>
-          <p:cNvSpPr/>
-          <p:nvPr/>
-        </p:nvSpPr>
-        <p:spPr>
-          <a:xfrm>
-            <a:off x="251520" y="4437112"/>
-            <a:ext cx="2060075" cy="1656184"/>
-          </a:xfrm>
-          <a:prstGeom prst="roundRect">
-            <a:avLst/>
-          </a:prstGeom>
-          <a:solidFill>
-            <a:schemeClr val="accent3">
-              <a:lumMod val="40000"/>
-              <a:lumOff val="60000"/>
-            </a:schemeClr>
-          </a:solidFill>
-        </p:spPr>
-        <p:style>
-          <a:lnRef idx="2">
-            <a:schemeClr val="accent1">
-              <a:shade val="50000"/>
-            </a:schemeClr>
-          </a:lnRef>
-          <a:fillRef idx="1">
-            <a:schemeClr val="accent1"/>
-          </a:fillRef>
-          <a:effectRef idx="0">
-            <a:schemeClr val="accent1"/>
-          </a:effectRef>
-          <a:fontRef idx="minor">
-            <a:schemeClr val="lt1"/>
-          </a:fontRef>
-        </p:style>
-        <p:txBody>
-          <a:bodyPr rtlCol="0" anchor="ctr"/>
-          <a:lstStyle/>
-          <a:p>
-            <a:pPr algn="ctr"/>
-            <a:endParaRPr lang="ko-KR" altLang="en-US" dirty="0">
-              <a:solidFill>
-                <a:schemeClr val="tx1"/>
-              </a:solidFill>
-            </a:endParaRPr>
-          </a:p>
-        </p:txBody>
-      </p:sp>
-      <p:sp>
-        <p:nvSpPr>
-          <p:cNvPr id="91" name="TextBox 90"/>
-          <p:cNvSpPr txBox="1"/>
-          <p:nvPr/>
-        </p:nvSpPr>
-        <p:spPr>
-          <a:xfrm>
-            <a:off x="493702" y="4701242"/>
-            <a:ext cx="1682342" cy="338554"/>
-          </a:xfrm>
-          <a:prstGeom prst="rect">
-            <a:avLst/>
-          </a:prstGeom>
-          <a:noFill/>
-        </p:spPr>
-        <p:txBody>
-          <a:bodyPr wrap="square" rtlCol="0">
-            <a:spAutoFit/>
-          </a:bodyPr>
-          <a:lstStyle/>
-          <a:p>
-            <a:pPr algn="ctr"/>
-            <a:r>
-              <a:rPr lang="en-US" altLang="ko-KR" sz="1600" dirty="0" smtClean="0"/>
-              <a:t>-addChart1</a:t>
-            </a:r>
-          </a:p>
-        </p:txBody>
-      </p:sp>
-      <p:sp>
-        <p:nvSpPr>
-          <p:cNvPr id="92" name="TextBox 91"/>
-          <p:cNvSpPr txBox="1"/>
-          <p:nvPr/>
-        </p:nvSpPr>
-        <p:spPr>
-          <a:xfrm>
-            <a:off x="467544" y="5133290"/>
-            <a:ext cx="1682342" cy="338554"/>
-          </a:xfrm>
-          <a:prstGeom prst="rect">
-            <a:avLst/>
-          </a:prstGeom>
-          <a:noFill/>
-        </p:spPr>
-        <p:txBody>
-          <a:bodyPr wrap="square" rtlCol="0">
-            <a:spAutoFit/>
-          </a:bodyPr>
-          <a:lstStyle/>
-          <a:p>
-            <a:pPr algn="ctr"/>
-            <a:r>
-              <a:rPr lang="en-US" altLang="ko-KR" sz="1600" dirty="0" smtClean="0"/>
-              <a:t>-addChart2</a:t>
-            </a:r>
-          </a:p>
-        </p:txBody>
-      </p:sp>
-      <p:sp>
-        <p:nvSpPr>
-          <p:cNvPr id="93" name="TextBox 92"/>
-          <p:cNvSpPr txBox="1"/>
-          <p:nvPr/>
-        </p:nvSpPr>
-        <p:spPr>
-          <a:xfrm>
-            <a:off x="467544" y="5565338"/>
-            <a:ext cx="1682342" cy="338554"/>
-          </a:xfrm>
-          <a:prstGeom prst="rect">
-            <a:avLst/>
-          </a:prstGeom>
-          <a:noFill/>
-        </p:spPr>
-        <p:txBody>
-          <a:bodyPr wrap="square" rtlCol="0">
-            <a:spAutoFit/>
-          </a:bodyPr>
-          <a:lstStyle/>
-          <a:p>
-            <a:pPr algn="ctr"/>
-            <a:r>
-              <a:rPr lang="en-US" altLang="ko-KR" sz="1600" dirty="0" smtClean="0"/>
-              <a:t>-addChart3</a:t>
-            </a:r>
-          </a:p>
-        </p:txBody>
-      </p:sp>
-      <p:cxnSp>
-        <p:nvCxnSpPr>
-          <p:cNvPr id="100" name="직선 연결선 99"/>
-          <p:cNvCxnSpPr/>
-          <p:nvPr/>
-        </p:nvCxnSpPr>
-        <p:spPr>
-          <a:xfrm>
-            <a:off x="6714677" y="4655348"/>
-            <a:ext cx="414987" cy="0"/>
-          </a:xfrm>
-          <a:prstGeom prst="line">
-            <a:avLst/>
-          </a:prstGeom>
-        </p:spPr>
-        <p:style>
-          <a:lnRef idx="2">
-            <a:schemeClr val="dk1"/>
-          </a:lnRef>
-          <a:fillRef idx="0">
-            <a:schemeClr val="dk1"/>
-          </a:fillRef>
-          <a:effectRef idx="1">
-            <a:schemeClr val="dk1"/>
-          </a:effectRef>
-          <a:fontRef idx="minor">
-            <a:schemeClr val="tx1"/>
-          </a:fontRef>
-        </p:style>
-      </p:cxnSp>
-      <p:cxnSp>
-        <p:nvCxnSpPr>
-          <p:cNvPr id="101" name="직선 연결선 100"/>
-          <p:cNvCxnSpPr/>
-          <p:nvPr/>
-        </p:nvCxnSpPr>
-        <p:spPr>
-          <a:xfrm flipH="1">
-            <a:off x="7157820" y="4221088"/>
-            <a:ext cx="1" cy="1399510"/>
-          </a:xfrm>
-          <a:prstGeom prst="line">
-            <a:avLst/>
-          </a:prstGeom>
-        </p:spPr>
-        <p:style>
-          <a:lnRef idx="2">
-            <a:schemeClr val="dk1"/>
-          </a:lnRef>
-          <a:fillRef idx="0">
-            <a:schemeClr val="dk1"/>
-          </a:fillRef>
-          <a:effectRef idx="1">
-            <a:schemeClr val="dk1"/>
-          </a:effectRef>
-          <a:fontRef idx="minor">
-            <a:schemeClr val="tx1"/>
-          </a:fontRef>
-        </p:style>
-      </p:cxnSp>
-      <p:cxnSp>
-        <p:nvCxnSpPr>
-          <p:cNvPr id="102" name="직선 화살표 연결선 101"/>
-          <p:cNvCxnSpPr/>
-          <p:nvPr/>
-        </p:nvCxnSpPr>
-        <p:spPr>
-          <a:xfrm>
-            <a:off x="7157821" y="4067354"/>
-            <a:ext cx="421583" cy="0"/>
-          </a:xfrm>
-          <a:prstGeom prst="straightConnector1">
-            <a:avLst/>
-          </a:prstGeom>
-          <a:ln>
-            <a:tailEnd type="arrow"/>
-          </a:ln>
-        </p:spPr>
-        <p:style>
-          <a:lnRef idx="2">
-            <a:schemeClr val="dk1"/>
-          </a:lnRef>
-          <a:fillRef idx="0">
-            <a:schemeClr val="dk1"/>
-          </a:fillRef>
-          <a:effectRef idx="1">
-            <a:schemeClr val="dk1"/>
-          </a:effectRef>
-          <a:fontRef idx="minor">
-            <a:schemeClr val="tx1"/>
-          </a:fontRef>
-        </p:style>
-      </p:cxnSp>
-      <p:cxnSp>
-        <p:nvCxnSpPr>
-          <p:cNvPr id="103" name="직선 화살표 연결선 102"/>
-          <p:cNvCxnSpPr/>
-          <p:nvPr/>
-        </p:nvCxnSpPr>
-        <p:spPr>
-          <a:xfrm>
-            <a:off x="7157820" y="4655348"/>
-            <a:ext cx="421583" cy="0"/>
-          </a:xfrm>
-          <a:prstGeom prst="straightConnector1">
-            <a:avLst/>
-          </a:prstGeom>
-          <a:ln>
-            <a:tailEnd type="arrow"/>
-          </a:ln>
-        </p:spPr>
-        <p:style>
-          <a:lnRef idx="2">
-            <a:schemeClr val="dk1"/>
-          </a:lnRef>
-          <a:fillRef idx="0">
-            <a:schemeClr val="dk1"/>
-          </a:fillRef>
-          <a:effectRef idx="1">
-            <a:schemeClr val="dk1"/>
-          </a:effectRef>
-          <a:fontRef idx="minor">
-            <a:schemeClr val="tx1"/>
-          </a:fontRef>
-        </p:style>
-      </p:cxnSp>
-      <p:cxnSp>
-        <p:nvCxnSpPr>
-          <p:cNvPr id="104" name="직선 화살표 연결선 103"/>
-          <p:cNvCxnSpPr/>
-          <p:nvPr/>
-        </p:nvCxnSpPr>
-        <p:spPr>
-          <a:xfrm>
-            <a:off x="7157819" y="6453336"/>
-            <a:ext cx="421583" cy="0"/>
-          </a:xfrm>
-          <a:prstGeom prst="straightConnector1">
-            <a:avLst/>
-          </a:prstGeom>
-          <a:ln>
-            <a:tailEnd type="arrow"/>
-          </a:ln>
-        </p:spPr>
-        <p:style>
-          <a:lnRef idx="2">
-            <a:schemeClr val="dk1"/>
-          </a:lnRef>
-          <a:fillRef idx="0">
-            <a:schemeClr val="dk1"/>
-          </a:fillRef>
-          <a:effectRef idx="1">
-            <a:schemeClr val="dk1"/>
-          </a:effectRef>
-          <a:fontRef idx="minor">
-            <a:schemeClr val="tx1"/>
-          </a:fontRef>
-        </p:style>
-      </p:cxnSp>
-      <p:cxnSp>
-        <p:nvCxnSpPr>
-          <p:cNvPr id="105" name="직선 화살표 연결선 104"/>
-          <p:cNvCxnSpPr/>
-          <p:nvPr/>
-        </p:nvCxnSpPr>
-        <p:spPr>
-          <a:xfrm>
-            <a:off x="7157821" y="5260558"/>
-            <a:ext cx="421583" cy="0"/>
-          </a:xfrm>
-          <a:prstGeom prst="straightConnector1">
-            <a:avLst/>
-          </a:prstGeom>
-          <a:ln>
-            <a:tailEnd type="arrow"/>
-          </a:ln>
-        </p:spPr>
-        <p:style>
-          <a:lnRef idx="2">
-            <a:schemeClr val="dk1"/>
-          </a:lnRef>
-          <a:fillRef idx="0">
-            <a:schemeClr val="dk1"/>
-          </a:fillRef>
-          <a:effectRef idx="1">
-            <a:schemeClr val="dk1"/>
-          </a:effectRef>
-          <a:fontRef idx="minor">
-            <a:schemeClr val="tx1"/>
-          </a:fontRef>
-        </p:style>
-      </p:cxnSp>
-      <p:cxnSp>
-        <p:nvCxnSpPr>
-          <p:cNvPr id="106" name="직선 화살표 연결선 105"/>
-          <p:cNvCxnSpPr/>
-          <p:nvPr/>
-        </p:nvCxnSpPr>
-        <p:spPr>
-          <a:xfrm>
-            <a:off x="7157821" y="5855786"/>
-            <a:ext cx="421583" cy="0"/>
-          </a:xfrm>
-          <a:prstGeom prst="straightConnector1">
-            <a:avLst/>
-          </a:prstGeom>
-          <a:ln>
-            <a:tailEnd type="arrow"/>
-          </a:ln>
-        </p:spPr>
-        <p:style>
-          <a:lnRef idx="2">
-            <a:schemeClr val="dk1"/>
-          </a:lnRef>
-          <a:fillRef idx="0">
-            <a:schemeClr val="dk1"/>
-          </a:fillRef>
-          <a:effectRef idx="1">
-            <a:schemeClr val="dk1"/>
-          </a:effectRef>
-          <a:fontRef idx="minor">
-            <a:schemeClr val="tx1"/>
-          </a:fontRef>
-        </p:style>
-      </p:cxnSp>
-      <p:cxnSp>
-        <p:nvCxnSpPr>
-          <p:cNvPr id="107" name="직선 연결선 106"/>
-          <p:cNvCxnSpPr/>
-          <p:nvPr/>
-        </p:nvCxnSpPr>
-        <p:spPr>
-          <a:xfrm>
-            <a:off x="7157821" y="5595337"/>
-            <a:ext cx="0" cy="857999"/>
-          </a:xfrm>
-          <a:prstGeom prst="line">
-            <a:avLst/>
-          </a:prstGeom>
-        </p:spPr>
-        <p:style>
-          <a:lnRef idx="2">
-            <a:schemeClr val="dk1"/>
-          </a:lnRef>
-          <a:fillRef idx="0">
-            <a:schemeClr val="dk1"/>
-          </a:fillRef>
-          <a:effectRef idx="1">
-            <a:schemeClr val="dk1"/>
-          </a:effectRef>
-          <a:fontRef idx="minor">
-            <a:schemeClr val="tx1"/>
-          </a:fontRef>
-        </p:style>
-      </p:cxnSp>
-      <p:cxnSp>
-        <p:nvCxnSpPr>
-          <p:cNvPr id="108" name="직선 연결선 107"/>
-          <p:cNvCxnSpPr/>
-          <p:nvPr/>
-        </p:nvCxnSpPr>
-        <p:spPr>
-          <a:xfrm>
-            <a:off x="7147356" y="2852936"/>
-            <a:ext cx="1" cy="1368152"/>
-          </a:xfrm>
-          <a:prstGeom prst="line">
-            <a:avLst/>
-          </a:prstGeom>
-        </p:spPr>
-        <p:style>
-          <a:lnRef idx="2">
-            <a:schemeClr val="dk1"/>
-          </a:lnRef>
-          <a:fillRef idx="0">
-            <a:schemeClr val="dk1"/>
-          </a:fillRef>
-          <a:effectRef idx="1">
-            <a:schemeClr val="dk1"/>
-          </a:effectRef>
-          <a:fontRef idx="minor">
-            <a:schemeClr val="tx1"/>
-          </a:fontRef>
-        </p:style>
-      </p:cxnSp>
-      <p:cxnSp>
-        <p:nvCxnSpPr>
-          <p:cNvPr id="109" name="직선 화살표 연결선 108"/>
-          <p:cNvCxnSpPr/>
-          <p:nvPr/>
-        </p:nvCxnSpPr>
-        <p:spPr>
-          <a:xfrm>
-            <a:off x="7157821" y="3494396"/>
-            <a:ext cx="421583" cy="0"/>
-          </a:xfrm>
-          <a:prstGeom prst="straightConnector1">
-            <a:avLst/>
-          </a:prstGeom>
-          <a:ln>
-            <a:tailEnd type="arrow"/>
-          </a:ln>
-        </p:spPr>
-        <p:style>
-          <a:lnRef idx="2">
-            <a:schemeClr val="dk1"/>
-          </a:lnRef>
-          <a:fillRef idx="0">
-            <a:schemeClr val="dk1"/>
-          </a:fillRef>
-          <a:effectRef idx="1">
-            <a:schemeClr val="dk1"/>
-          </a:effectRef>
-          <a:fontRef idx="minor">
-            <a:schemeClr val="tx1"/>
-          </a:fontRef>
-        </p:style>
-      </p:cxnSp>
-      <p:cxnSp>
-        <p:nvCxnSpPr>
-          <p:cNvPr id="110" name="직선 화살표 연결선 109"/>
-          <p:cNvCxnSpPr/>
-          <p:nvPr/>
-        </p:nvCxnSpPr>
-        <p:spPr>
-          <a:xfrm>
-            <a:off x="7147356" y="2852936"/>
-            <a:ext cx="421583" cy="0"/>
-          </a:xfrm>
-          <a:prstGeom prst="straightConnector1">
-            <a:avLst/>
-          </a:prstGeom>
-          <a:ln>
-            <a:tailEnd type="arrow"/>
-          </a:ln>
-        </p:spPr>
-        <p:style>
-          <a:lnRef idx="2">
-            <a:schemeClr val="dk1"/>
-          </a:lnRef>
-          <a:fillRef idx="0">
-            <a:schemeClr val="dk1"/>
-          </a:fillRef>
-          <a:effectRef idx="1">
-            <a:schemeClr val="dk1"/>
-          </a:effectRef>
-          <a:fontRef idx="minor">
-            <a:schemeClr val="tx1"/>
-          </a:fontRef>
-        </p:style>
-      </p:cxnSp>
-      <p:sp>
-        <p:nvSpPr>
-          <p:cNvPr id="114" name="TextBox 113"/>
-          <p:cNvSpPr txBox="1"/>
-          <p:nvPr/>
-        </p:nvSpPr>
-        <p:spPr>
-          <a:xfrm>
-            <a:off x="7513863" y="2658398"/>
-            <a:ext cx="1145661" cy="338554"/>
-          </a:xfrm>
-          <a:prstGeom prst="rect">
-            <a:avLst/>
-          </a:prstGeom>
-          <a:noFill/>
-        </p:spPr>
-        <p:txBody>
-          <a:bodyPr wrap="square" rtlCol="0">
-            <a:spAutoFit/>
-          </a:bodyPr>
-          <a:lstStyle/>
-          <a:p>
-            <a:pPr algn="ctr"/>
-            <a:r>
-              <a:rPr lang="en-US" altLang="ko-KR" sz="1600" dirty="0" err="1" smtClean="0"/>
-              <a:t>drawAxis</a:t>
-            </a:r>
-            <a:endParaRPr lang="en-US" altLang="ko-KR" sz="1600" dirty="0" smtClean="0"/>
-          </a:p>
-        </p:txBody>
-      </p:sp>
-      <p:sp>
-        <p:nvSpPr>
-          <p:cNvPr id="115" name="TextBox 114"/>
-          <p:cNvSpPr txBox="1"/>
-          <p:nvPr/>
-        </p:nvSpPr>
-        <p:spPr>
-          <a:xfrm>
-            <a:off x="7507396" y="3306470"/>
-            <a:ext cx="1145661" cy="338554"/>
-          </a:xfrm>
-          <a:prstGeom prst="rect">
-            <a:avLst/>
-          </a:prstGeom>
-          <a:noFill/>
-        </p:spPr>
-        <p:txBody>
-          <a:bodyPr wrap="square" rtlCol="0">
-            <a:spAutoFit/>
-          </a:bodyPr>
-          <a:lstStyle/>
-          <a:p>
-            <a:pPr algn="ctr"/>
-            <a:r>
-              <a:rPr lang="en-US" altLang="ko-KR" sz="1600" dirty="0" err="1" smtClean="0"/>
-              <a:t>colorOf</a:t>
-            </a:r>
-            <a:endParaRPr lang="en-US" altLang="ko-KR" sz="1600" dirty="0" smtClean="0"/>
-          </a:p>
-        </p:txBody>
-      </p:sp>
-      <p:sp>
-        <p:nvSpPr>
-          <p:cNvPr id="116" name="TextBox 115"/>
-          <p:cNvSpPr txBox="1"/>
-          <p:nvPr/>
-        </p:nvSpPr>
-        <p:spPr>
-          <a:xfrm>
-            <a:off x="7507396" y="3882534"/>
-            <a:ext cx="1217669" cy="338554"/>
-          </a:xfrm>
-          <a:prstGeom prst="rect">
-            <a:avLst/>
-          </a:prstGeom>
-          <a:noFill/>
-        </p:spPr>
-        <p:txBody>
-          <a:bodyPr wrap="square" rtlCol="0">
-            <a:spAutoFit/>
-          </a:bodyPr>
-          <a:lstStyle/>
-          <a:p>
-            <a:pPr algn="ctr"/>
-            <a:r>
-              <a:rPr lang="en-US" altLang="ko-KR" sz="1600" dirty="0" err="1" smtClean="0"/>
-              <a:t>mergeSets</a:t>
-            </a:r>
-            <a:endParaRPr lang="en-US" altLang="ko-KR" sz="1600" dirty="0" smtClean="0"/>
-          </a:p>
-        </p:txBody>
-      </p:sp>
-      <p:sp>
-        <p:nvSpPr>
-          <p:cNvPr id="117" name="TextBox 116"/>
-          <p:cNvSpPr txBox="1"/>
-          <p:nvPr/>
-        </p:nvSpPr>
-        <p:spPr>
-          <a:xfrm>
-            <a:off x="7507396" y="4458598"/>
-            <a:ext cx="1691680" cy="338554"/>
-          </a:xfrm>
-          <a:prstGeom prst="rect">
-            <a:avLst/>
-          </a:prstGeom>
-          <a:noFill/>
-        </p:spPr>
-        <p:txBody>
-          <a:bodyPr wrap="square" rtlCol="0">
-            <a:spAutoFit/>
-          </a:bodyPr>
-          <a:lstStyle/>
-          <a:p>
-            <a:pPr algn="ctr"/>
-            <a:r>
-              <a:rPr lang="en-US" altLang="ko-KR" sz="1600" dirty="0" err="1" smtClean="0"/>
-              <a:t>drawLineForSet</a:t>
-            </a:r>
-            <a:endParaRPr lang="en-US" altLang="ko-KR" sz="1600" dirty="0" smtClean="0"/>
-          </a:p>
-        </p:txBody>
-      </p:sp>
-      <p:sp>
-        <p:nvSpPr>
-          <p:cNvPr id="118" name="TextBox 117"/>
-          <p:cNvSpPr txBox="1"/>
-          <p:nvPr/>
-        </p:nvSpPr>
-        <p:spPr>
-          <a:xfrm>
-            <a:off x="7507396" y="5034662"/>
-            <a:ext cx="1145661" cy="338554"/>
-          </a:xfrm>
-          <a:prstGeom prst="rect">
-            <a:avLst/>
-          </a:prstGeom>
-          <a:noFill/>
-        </p:spPr>
-        <p:txBody>
-          <a:bodyPr wrap="square" rtlCol="0">
-            <a:spAutoFit/>
-          </a:bodyPr>
-          <a:lstStyle/>
-          <a:p>
-            <a:pPr algn="ctr"/>
-            <a:r>
-              <a:rPr lang="en-US" altLang="ko-KR" sz="1600" dirty="0" err="1" smtClean="0"/>
-              <a:t>isStacked</a:t>
-            </a:r>
-            <a:endParaRPr lang="en-US" altLang="ko-KR" sz="1600" dirty="0" smtClean="0"/>
-          </a:p>
-        </p:txBody>
-      </p:sp>
-      <p:sp>
-        <p:nvSpPr>
-          <p:cNvPr id="119" name="TextBox 118"/>
-          <p:cNvSpPr txBox="1"/>
-          <p:nvPr/>
-        </p:nvSpPr>
-        <p:spPr>
-          <a:xfrm>
-            <a:off x="7507396" y="5610726"/>
-            <a:ext cx="1145661" cy="338554"/>
-          </a:xfrm>
-          <a:prstGeom prst="rect">
-            <a:avLst/>
-          </a:prstGeom>
-          <a:noFill/>
-        </p:spPr>
-        <p:txBody>
-          <a:bodyPr wrap="square" rtlCol="0">
-            <a:spAutoFit/>
-          </a:bodyPr>
-          <a:lstStyle/>
-          <a:p>
-            <a:pPr algn="ctr"/>
-            <a:r>
-              <a:rPr lang="en-US" altLang="ko-KR" sz="1600" dirty="0" err="1" smtClean="0"/>
-              <a:t>isFilled</a:t>
-            </a:r>
-            <a:endParaRPr lang="en-US" altLang="ko-KR" sz="1600" dirty="0" smtClean="0"/>
-          </a:p>
-        </p:txBody>
-      </p:sp>
-      <p:sp>
-        <p:nvSpPr>
-          <p:cNvPr id="120" name="TextBox 119"/>
-          <p:cNvSpPr txBox="1"/>
-          <p:nvPr/>
-        </p:nvSpPr>
-        <p:spPr>
-          <a:xfrm>
-            <a:off x="7579404" y="6258798"/>
-            <a:ext cx="1368152" cy="338554"/>
-          </a:xfrm>
-          <a:prstGeom prst="rect">
-            <a:avLst/>
-          </a:prstGeom>
-          <a:noFill/>
-        </p:spPr>
-        <p:txBody>
-          <a:bodyPr wrap="square" rtlCol="0">
-            <a:spAutoFit/>
-          </a:bodyPr>
-          <a:lstStyle/>
-          <a:p>
-            <a:pPr algn="ctr"/>
-            <a:r>
-              <a:rPr lang="en-US" altLang="ko-KR" sz="1600" dirty="0" err="1" smtClean="0"/>
-              <a:t>toRGBString</a:t>
-            </a:r>
-            <a:endParaRPr lang="en-US" altLang="ko-KR" sz="1600" dirty="0" smtClean="0"/>
-          </a:p>
-        </p:txBody>
-      </p:sp>
-      <p:sp>
-        <p:nvSpPr>
-          <p:cNvPr id="123" name="TextBox 122"/>
-          <p:cNvSpPr txBox="1"/>
-          <p:nvPr/>
-        </p:nvSpPr>
-        <p:spPr>
-          <a:xfrm>
-            <a:off x="318295" y="6185035"/>
-            <a:ext cx="1980840" cy="584775"/>
-          </a:xfrm>
-          <a:prstGeom prst="rect">
-            <a:avLst/>
-          </a:prstGeom>
-          <a:noFill/>
-        </p:spPr>
-        <p:txBody>
-          <a:bodyPr wrap="square" rtlCol="0">
-            <a:spAutoFit/>
-          </a:bodyPr>
-          <a:lstStyle/>
-          <a:p>
-            <a:r>
-              <a:rPr lang="en-US" altLang="ko-KR" sz="1600" dirty="0" smtClean="0"/>
-              <a:t>USER</a:t>
-            </a:r>
-            <a:r>
-              <a:rPr lang="ko-KR" altLang="en-US" sz="1600" dirty="0" smtClean="0"/>
-              <a:t>의 </a:t>
-            </a:r>
-            <a:r>
-              <a:rPr lang="en-US" altLang="ko-KR" sz="1600" dirty="0" smtClean="0"/>
-              <a:t>Chart </a:t>
-            </a:r>
-            <a:r>
-              <a:rPr lang="ko-KR" altLang="en-US" sz="1600" dirty="0" smtClean="0"/>
-              <a:t>추가</a:t>
-            </a:r>
-            <a:endParaRPr lang="en-US" altLang="ko-KR" sz="1600" dirty="0" smtClean="0"/>
-          </a:p>
-          <a:p>
-            <a:r>
-              <a:rPr lang="en-US" altLang="ko-KR" sz="1600" dirty="0" smtClean="0"/>
-              <a:t>    (Extensible)</a:t>
-            </a:r>
-            <a:endParaRPr lang="ko-KR" altLang="en-US" sz="1600" dirty="0"/>
+            <a:endParaRPr lang="ko-KR" altLang="en-US" sz="2000" b="1" dirty="0"/>
           </a:p>
         </p:txBody>
       </p:sp>
     </p:spTree>
     <p:extLst>
       <p:ext uri="{BB962C8B-B14F-4D97-AF65-F5344CB8AC3E}">
-        <p14:creationId xmlns:p14="http://schemas.microsoft.com/office/powerpoint/2010/main" val="2420783679"/>
+        <p14:creationId xmlns:p14="http://schemas.microsoft.com/office/powerpoint/2010/main" val="1045271580"/>
       </p:ext>
     </p:extLst>
   </p:cSld>
   <p:clrMapOvr>
     <a:masterClrMapping/>
   </p:clrMapOvr>
+  <mc:AlternateContent xmlns:mc="http://schemas.openxmlformats.org/markup-compatibility/2006">
+    <mc:Choice xmlns:p14="http://schemas.microsoft.com/office/powerpoint/2010/main" Requires="p14">
+      <p:transition spd="med" p14:dur="700">
+        <p:fade/>
+      </p:transition>
+    </mc:Choice>
+    <mc:Fallback>
+      <p:transition spd="med">
+        <p:fade/>
+      </p:transition>
+    </mc:Fallback>
+  </mc:AlternateContent>
   <p:timing>
     <p:tnLst>
       <p:par>
@@ -25953,6 +25177,106 @@
       </p:grpSpPr>
       <p:sp>
         <p:nvSpPr>
+          <p:cNvPr id="208" name="Rounded Rectangle 207"/>
+          <p:cNvSpPr/>
+          <p:nvPr/>
+        </p:nvSpPr>
+        <p:spPr>
+          <a:xfrm>
+            <a:off x="1547664" y="980728"/>
+            <a:ext cx="7848872" cy="5877272"/>
+          </a:xfrm>
+          <a:prstGeom prst="roundRect">
+            <a:avLst/>
+          </a:prstGeom>
+        </p:spPr>
+        <p:style>
+          <a:lnRef idx="1">
+            <a:schemeClr val="accent4"/>
+          </a:lnRef>
+          <a:fillRef idx="2">
+            <a:schemeClr val="accent4"/>
+          </a:fillRef>
+          <a:effectRef idx="1">
+            <a:schemeClr val="accent4"/>
+          </a:effectRef>
+          <a:fontRef idx="minor">
+            <a:schemeClr val="dk1"/>
+          </a:fontRef>
+        </p:style>
+        <p:txBody>
+          <a:bodyPr rtlCol="0" anchor="ctr"/>
+          <a:lstStyle/>
+          <a:p>
+            <a:pPr algn="ctr"/>
+            <a:endParaRPr lang="ko-KR" altLang="en-US" dirty="0"/>
+          </a:p>
+        </p:txBody>
+      </p:sp>
+      <p:pic>
+        <p:nvPicPr>
+          <p:cNvPr id="16" name="Picture 15"/>
+          <p:cNvPicPr>
+            <a:picLocks noChangeAspect="1"/>
+          </p:cNvPicPr>
+          <p:nvPr/>
+        </p:nvPicPr>
+        <p:blipFill>
+          <a:blip r:embed="rId2"/>
+          <a:stretch>
+            <a:fillRect/>
+          </a:stretch>
+        </p:blipFill>
+        <p:spPr>
+          <a:xfrm>
+            <a:off x="323528" y="3730786"/>
+            <a:ext cx="8869574" cy="1828800"/>
+          </a:xfrm>
+          <a:prstGeom prst="rect">
+            <a:avLst/>
+          </a:prstGeom>
+        </p:spPr>
+      </p:pic>
+      <p:sp>
+        <p:nvSpPr>
+          <p:cNvPr id="148" name="Rounded Rectangle 147"/>
+          <p:cNvSpPr/>
+          <p:nvPr/>
+        </p:nvSpPr>
+        <p:spPr>
+          <a:xfrm>
+            <a:off x="6285502" y="1288390"/>
+            <a:ext cx="2318946" cy="2304256"/>
+          </a:xfrm>
+          <a:prstGeom prst="roundRect">
+            <a:avLst/>
+          </a:prstGeom>
+        </p:spPr>
+        <p:style>
+          <a:lnRef idx="1">
+            <a:schemeClr val="accent6"/>
+          </a:lnRef>
+          <a:fillRef idx="2">
+            <a:schemeClr val="accent6"/>
+          </a:fillRef>
+          <a:effectRef idx="1">
+            <a:schemeClr val="accent6"/>
+          </a:effectRef>
+          <a:fontRef idx="minor">
+            <a:schemeClr val="dk1"/>
+          </a:fontRef>
+        </p:style>
+        <p:txBody>
+          <a:bodyPr rtlCol="0" anchor="ctr"/>
+          <a:lstStyle/>
+          <a:p>
+            <a:pPr algn="ctr"/>
+            <a:endParaRPr lang="ko-KR" altLang="en-US"/>
+          </a:p>
+        </p:txBody>
+      </p:sp>
+      <p:sp>
+        <p:nvSpPr>
           <p:cNvPr id="35" name="텍스트 개체 틀 2"/>
           <p:cNvSpPr txBox="1">
             <a:spLocks/>
@@ -25961,8 +25285,8 @@
         </p:nvSpPr>
         <p:spPr>
           <a:xfrm>
-            <a:off x="1869819" y="302971"/>
-            <a:ext cx="3688019" cy="906704"/>
+            <a:off x="1835696" y="260648"/>
+            <a:ext cx="5582501" cy="906704"/>
           </a:xfrm>
           <a:prstGeom prst="rect">
             <a:avLst/>
@@ -26144,7 +25468,7 @@
                   <a:srgbClr val="496F74"/>
                 </a:solidFill>
               </a:rPr>
-              <a:t>Basic spec</a:t>
+              <a:t>Flow of Library</a:t>
             </a:r>
             <a:endParaRPr lang="ko-KR" altLang="en-US" sz="4400" dirty="0">
               <a:solidFill>
@@ -26156,14 +25480,1453 @@
       </p:sp>
       <p:sp>
         <p:nvSpPr>
-          <p:cNvPr id="9" name="TextBox 8"/>
+          <p:cNvPr id="12" name="Rounded Rectangle 11"/>
+          <p:cNvSpPr/>
+          <p:nvPr/>
+        </p:nvSpPr>
+        <p:spPr>
+          <a:xfrm>
+            <a:off x="467544" y="1785739"/>
+            <a:ext cx="970227" cy="419125"/>
+          </a:xfrm>
+          <a:prstGeom prst="roundRect">
+            <a:avLst/>
+          </a:prstGeom>
+        </p:spPr>
+        <p:style>
+          <a:lnRef idx="1">
+            <a:schemeClr val="dk1"/>
+          </a:lnRef>
+          <a:fillRef idx="2">
+            <a:schemeClr val="dk1"/>
+          </a:fillRef>
+          <a:effectRef idx="1">
+            <a:schemeClr val="dk1"/>
+          </a:effectRef>
+          <a:fontRef idx="minor">
+            <a:schemeClr val="dk1"/>
+          </a:fontRef>
+        </p:style>
+        <p:txBody>
+          <a:bodyPr rtlCol="0" anchor="ctr"/>
+          <a:lstStyle/>
+          <a:p>
+            <a:pPr algn="ctr"/>
+            <a:r>
+              <a:rPr lang="en-US" altLang="ko-KR" sz="1300" b="1" dirty="0" smtClean="0">
+                <a:ln w="0"/>
+                <a:solidFill>
+                  <a:schemeClr val="tx1"/>
+                </a:solidFill>
+                <a:effectLst>
+                  <a:outerShdw blurRad="38100" dist="19050" dir="2700000" algn="tl" rotWithShape="0">
+                    <a:schemeClr val="dk1">
+                      <a:alpha val="40000"/>
+                    </a:schemeClr>
+                  </a:outerShdw>
+                </a:effectLst>
+              </a:rPr>
+              <a:t>HTML</a:t>
+            </a:r>
+            <a:endParaRPr lang="ko-KR" altLang="en-US" sz="1300" b="1" dirty="0">
+              <a:solidFill>
+                <a:schemeClr val="bg1"/>
+              </a:solidFill>
+            </a:endParaRPr>
+          </a:p>
+        </p:txBody>
+      </p:sp>
+      <p:sp>
+        <p:nvSpPr>
+          <p:cNvPr id="13" name="Rounded Rectangle 12"/>
+          <p:cNvSpPr/>
+          <p:nvPr/>
+        </p:nvSpPr>
+        <p:spPr>
+          <a:xfrm>
+            <a:off x="2339752" y="1484784"/>
+            <a:ext cx="1656184" cy="1584176"/>
+          </a:xfrm>
+          <a:prstGeom prst="roundRect">
+            <a:avLst/>
+          </a:prstGeom>
+        </p:spPr>
+        <p:style>
+          <a:lnRef idx="1">
+            <a:schemeClr val="accent2"/>
+          </a:lnRef>
+          <a:fillRef idx="2">
+            <a:schemeClr val="accent2"/>
+          </a:fillRef>
+          <a:effectRef idx="1">
+            <a:schemeClr val="accent2"/>
+          </a:effectRef>
+          <a:fontRef idx="minor">
+            <a:schemeClr val="dk1"/>
+          </a:fontRef>
+        </p:style>
+        <p:txBody>
+          <a:bodyPr rtlCol="0" anchor="ctr"/>
+          <a:lstStyle/>
+          <a:p>
+            <a:pPr algn="ctr"/>
+            <a:endParaRPr lang="ko-KR" altLang="en-US"/>
+          </a:p>
+        </p:txBody>
+      </p:sp>
+      <p:sp>
+        <p:nvSpPr>
+          <p:cNvPr id="19" name="TextBox 18"/>
           <p:cNvSpPr txBox="1"/>
           <p:nvPr/>
         </p:nvSpPr>
         <p:spPr>
           <a:xfrm>
-            <a:off x="1329928" y="1696068"/>
-            <a:ext cx="7058496" cy="3785652"/>
+            <a:off x="2578686" y="1449651"/>
+            <a:ext cx="1201226" cy="323165"/>
+          </a:xfrm>
+          <a:prstGeom prst="rect">
+            <a:avLst/>
+          </a:prstGeom>
+          <a:noFill/>
+        </p:spPr>
+        <p:txBody>
+          <a:bodyPr wrap="none" rtlCol="0">
+            <a:spAutoFit/>
+          </a:bodyPr>
+          <a:lstStyle/>
+          <a:p>
+            <a:r>
+              <a:rPr lang="en-US" altLang="ko-KR" sz="1500" b="1" dirty="0" smtClean="0"/>
+              <a:t>Library API</a:t>
+            </a:r>
+            <a:endParaRPr lang="ko-KR" altLang="en-US" sz="1500" b="1" dirty="0"/>
+          </a:p>
+        </p:txBody>
+      </p:sp>
+      <p:sp>
+        <p:nvSpPr>
+          <p:cNvPr id="20" name="Rounded Rectangle 19"/>
+          <p:cNvSpPr/>
+          <p:nvPr/>
+        </p:nvSpPr>
+        <p:spPr>
+          <a:xfrm>
+            <a:off x="2555776" y="1844824"/>
+            <a:ext cx="1224136" cy="352656"/>
+          </a:xfrm>
+          <a:prstGeom prst="roundRect">
+            <a:avLst/>
+          </a:prstGeom>
+        </p:spPr>
+        <p:style>
+          <a:lnRef idx="0">
+            <a:schemeClr val="accent2"/>
+          </a:lnRef>
+          <a:fillRef idx="3">
+            <a:schemeClr val="accent2"/>
+          </a:fillRef>
+          <a:effectRef idx="3">
+            <a:schemeClr val="accent2"/>
+          </a:effectRef>
+          <a:fontRef idx="minor">
+            <a:schemeClr val="lt1"/>
+          </a:fontRef>
+        </p:style>
+        <p:txBody>
+          <a:bodyPr rtlCol="0" anchor="ctr"/>
+          <a:lstStyle/>
+          <a:p>
+            <a:pPr algn="ctr"/>
+            <a:r>
+              <a:rPr lang="en-US" altLang="ko-KR" sz="1300" b="1" dirty="0" smtClean="0"/>
+              <a:t>render</a:t>
+            </a:r>
+            <a:endParaRPr lang="ko-KR" altLang="en-US" sz="1300" b="1" dirty="0"/>
+          </a:p>
+        </p:txBody>
+      </p:sp>
+      <p:sp>
+        <p:nvSpPr>
+          <p:cNvPr id="84" name="Rounded Rectangle 83"/>
+          <p:cNvSpPr/>
+          <p:nvPr/>
+        </p:nvSpPr>
+        <p:spPr>
+          <a:xfrm>
+            <a:off x="2555776" y="2600908"/>
+            <a:ext cx="1224136" cy="324036"/>
+          </a:xfrm>
+          <a:prstGeom prst="roundRect">
+            <a:avLst/>
+          </a:prstGeom>
+        </p:spPr>
+        <p:style>
+          <a:lnRef idx="0">
+            <a:schemeClr val="accent2"/>
+          </a:lnRef>
+          <a:fillRef idx="3">
+            <a:schemeClr val="accent2"/>
+          </a:fillRef>
+          <a:effectRef idx="3">
+            <a:schemeClr val="accent2"/>
+          </a:effectRef>
+          <a:fontRef idx="minor">
+            <a:schemeClr val="lt1"/>
+          </a:fontRef>
+        </p:style>
+        <p:txBody>
+          <a:bodyPr rtlCol="0" anchor="ctr"/>
+          <a:lstStyle/>
+          <a:p>
+            <a:pPr algn="ctr"/>
+            <a:r>
+              <a:rPr lang="en-US" altLang="ko-KR" sz="1300" b="1" dirty="0" err="1" smtClean="0"/>
+              <a:t>setRenderer</a:t>
+            </a:r>
+            <a:endParaRPr lang="ko-KR" altLang="en-US" sz="1300" b="1" dirty="0"/>
+          </a:p>
+        </p:txBody>
+      </p:sp>
+      <p:cxnSp>
+        <p:nvCxnSpPr>
+          <p:cNvPr id="24" name="Straight Arrow Connector 23"/>
+          <p:cNvCxnSpPr>
+            <a:stCxn id="12" idx="3"/>
+            <a:endCxn id="20" idx="1"/>
+          </p:cNvCxnSpPr>
+          <p:nvPr/>
+        </p:nvCxnSpPr>
+        <p:spPr>
+          <a:xfrm>
+            <a:off x="1437771" y="1995302"/>
+            <a:ext cx="1118005" cy="25850"/>
+          </a:xfrm>
+          <a:prstGeom prst="straightConnector1">
+            <a:avLst/>
+          </a:prstGeom>
+          <a:ln>
+            <a:tailEnd type="triangle"/>
+          </a:ln>
+        </p:spPr>
+        <p:style>
+          <a:lnRef idx="3">
+            <a:schemeClr val="accent1"/>
+          </a:lnRef>
+          <a:fillRef idx="0">
+            <a:schemeClr val="accent1"/>
+          </a:fillRef>
+          <a:effectRef idx="2">
+            <a:schemeClr val="accent1"/>
+          </a:effectRef>
+          <a:fontRef idx="minor">
+            <a:schemeClr val="tx1"/>
+          </a:fontRef>
+        </p:style>
+      </p:cxnSp>
+      <p:cxnSp>
+        <p:nvCxnSpPr>
+          <p:cNvPr id="28" name="Straight Arrow Connector 27"/>
+          <p:cNvCxnSpPr>
+            <a:stCxn id="12" idx="3"/>
+            <a:endCxn id="84" idx="1"/>
+          </p:cNvCxnSpPr>
+          <p:nvPr/>
+        </p:nvCxnSpPr>
+        <p:spPr>
+          <a:xfrm>
+            <a:off x="1437771" y="1995302"/>
+            <a:ext cx="1118005" cy="767624"/>
+          </a:xfrm>
+          <a:prstGeom prst="straightConnector1">
+            <a:avLst/>
+          </a:prstGeom>
+          <a:ln>
+            <a:tailEnd type="triangle"/>
+          </a:ln>
+        </p:spPr>
+        <p:style>
+          <a:lnRef idx="3">
+            <a:schemeClr val="accent1"/>
+          </a:lnRef>
+          <a:fillRef idx="0">
+            <a:schemeClr val="accent1"/>
+          </a:fillRef>
+          <a:effectRef idx="2">
+            <a:schemeClr val="accent1"/>
+          </a:effectRef>
+          <a:fontRef idx="minor">
+            <a:schemeClr val="tx1"/>
+          </a:fontRef>
+        </p:style>
+      </p:cxnSp>
+      <p:sp>
+        <p:nvSpPr>
+          <p:cNvPr id="94" name="Rounded Rectangle 93"/>
+          <p:cNvSpPr/>
+          <p:nvPr/>
+        </p:nvSpPr>
+        <p:spPr>
+          <a:xfrm>
+            <a:off x="4644008" y="1844824"/>
+            <a:ext cx="1071844" cy="352656"/>
+          </a:xfrm>
+          <a:prstGeom prst="roundRect">
+            <a:avLst/>
+          </a:prstGeom>
+        </p:spPr>
+        <p:style>
+          <a:lnRef idx="2">
+            <a:schemeClr val="accent3">
+              <a:shade val="50000"/>
+            </a:schemeClr>
+          </a:lnRef>
+          <a:fillRef idx="1">
+            <a:schemeClr val="accent3"/>
+          </a:fillRef>
+          <a:effectRef idx="0">
+            <a:schemeClr val="accent3"/>
+          </a:effectRef>
+          <a:fontRef idx="minor">
+            <a:schemeClr val="lt1"/>
+          </a:fontRef>
+        </p:style>
+        <p:txBody>
+          <a:bodyPr rtlCol="0" anchor="ctr"/>
+          <a:lstStyle/>
+          <a:p>
+            <a:pPr algn="ctr"/>
+            <a:r>
+              <a:rPr lang="en-US" altLang="ko-KR" sz="1300" b="1" dirty="0" err="1" smtClean="0"/>
+              <a:t>init</a:t>
+            </a:r>
+            <a:endParaRPr lang="ko-KR" altLang="en-US" sz="1300" b="1" dirty="0"/>
+          </a:p>
+        </p:txBody>
+      </p:sp>
+      <p:cxnSp>
+        <p:nvCxnSpPr>
+          <p:cNvPr id="34" name="Straight Arrow Connector 33"/>
+          <p:cNvCxnSpPr>
+            <a:stCxn id="20" idx="3"/>
+            <a:endCxn id="94" idx="1"/>
+          </p:cNvCxnSpPr>
+          <p:nvPr/>
+        </p:nvCxnSpPr>
+        <p:spPr>
+          <a:xfrm>
+            <a:off x="3779912" y="2021152"/>
+            <a:ext cx="864096" cy="0"/>
+          </a:xfrm>
+          <a:prstGeom prst="straightConnector1">
+            <a:avLst/>
+          </a:prstGeom>
+          <a:ln>
+            <a:tailEnd type="triangle"/>
+          </a:ln>
+        </p:spPr>
+        <p:style>
+          <a:lnRef idx="3">
+            <a:schemeClr val="accent1"/>
+          </a:lnRef>
+          <a:fillRef idx="0">
+            <a:schemeClr val="accent1"/>
+          </a:fillRef>
+          <a:effectRef idx="2">
+            <a:schemeClr val="accent1"/>
+          </a:effectRef>
+          <a:fontRef idx="minor">
+            <a:schemeClr val="tx1"/>
+          </a:fontRef>
+        </p:style>
+      </p:cxnSp>
+      <p:sp>
+        <p:nvSpPr>
+          <p:cNvPr id="112" name="Rounded Rectangle 111"/>
+          <p:cNvSpPr/>
+          <p:nvPr/>
+        </p:nvSpPr>
+        <p:spPr>
+          <a:xfrm>
+            <a:off x="1547664" y="4221088"/>
+            <a:ext cx="2304256" cy="2088232"/>
+          </a:xfrm>
+          <a:prstGeom prst="roundRect">
+            <a:avLst/>
+          </a:prstGeom>
+        </p:spPr>
+        <p:style>
+          <a:lnRef idx="1">
+            <a:schemeClr val="accent3"/>
+          </a:lnRef>
+          <a:fillRef idx="2">
+            <a:schemeClr val="accent3"/>
+          </a:fillRef>
+          <a:effectRef idx="1">
+            <a:schemeClr val="accent3"/>
+          </a:effectRef>
+          <a:fontRef idx="minor">
+            <a:schemeClr val="dk1"/>
+          </a:fontRef>
+        </p:style>
+        <p:txBody>
+          <a:bodyPr rtlCol="0" anchor="ctr"/>
+          <a:lstStyle/>
+          <a:p>
+            <a:pPr algn="ctr"/>
+            <a:endParaRPr lang="ko-KR" altLang="en-US" b="1"/>
+          </a:p>
+        </p:txBody>
+      </p:sp>
+      <p:sp>
+        <p:nvSpPr>
+          <p:cNvPr id="121" name="TextBox 120"/>
+          <p:cNvSpPr txBox="1"/>
+          <p:nvPr/>
+        </p:nvSpPr>
+        <p:spPr>
+          <a:xfrm>
+            <a:off x="1916128" y="4233206"/>
+            <a:ext cx="1575752" cy="323165"/>
+          </a:xfrm>
+          <a:prstGeom prst="rect">
+            <a:avLst/>
+          </a:prstGeom>
+          <a:noFill/>
+        </p:spPr>
+        <p:txBody>
+          <a:bodyPr wrap="none" rtlCol="0">
+            <a:spAutoFit/>
+          </a:bodyPr>
+          <a:lstStyle/>
+          <a:p>
+            <a:r>
+              <a:rPr lang="en-US" altLang="ko-KR" sz="1500" b="1" dirty="0" smtClean="0"/>
+              <a:t>Chart Renderer</a:t>
+            </a:r>
+            <a:endParaRPr lang="ko-KR" altLang="en-US" sz="1500" b="1" dirty="0"/>
+          </a:p>
+        </p:txBody>
+      </p:sp>
+      <p:sp>
+        <p:nvSpPr>
+          <p:cNvPr id="113" name="Rounded Rectangle 112"/>
+          <p:cNvSpPr/>
+          <p:nvPr/>
+        </p:nvSpPr>
+        <p:spPr>
+          <a:xfrm>
+            <a:off x="1835697" y="4581128"/>
+            <a:ext cx="1656184" cy="360040"/>
+          </a:xfrm>
+          <a:prstGeom prst="roundRect">
+            <a:avLst/>
+          </a:prstGeom>
+        </p:spPr>
+        <p:style>
+          <a:lnRef idx="0">
+            <a:schemeClr val="accent3"/>
+          </a:lnRef>
+          <a:fillRef idx="3">
+            <a:schemeClr val="accent3"/>
+          </a:fillRef>
+          <a:effectRef idx="3">
+            <a:schemeClr val="accent3"/>
+          </a:effectRef>
+          <a:fontRef idx="minor">
+            <a:schemeClr val="lt1"/>
+          </a:fontRef>
+        </p:style>
+        <p:txBody>
+          <a:bodyPr rtlCol="0" anchor="ctr"/>
+          <a:lstStyle/>
+          <a:p>
+            <a:pPr algn="ctr"/>
+            <a:r>
+              <a:rPr lang="en-US" altLang="ko-KR" sz="1300" b="1" dirty="0" err="1" smtClean="0"/>
+              <a:t>renderTempChart</a:t>
+            </a:r>
+            <a:endParaRPr lang="ko-KR" altLang="en-US" sz="1300" b="1" dirty="0"/>
+          </a:p>
+        </p:txBody>
+      </p:sp>
+      <p:sp>
+        <p:nvSpPr>
+          <p:cNvPr id="95" name="Rounded Rectangle 94"/>
+          <p:cNvSpPr/>
+          <p:nvPr/>
+        </p:nvSpPr>
+        <p:spPr>
+          <a:xfrm>
+            <a:off x="6681546" y="1708192"/>
+            <a:ext cx="1346838" cy="352656"/>
+          </a:xfrm>
+          <a:prstGeom prst="roundRect">
+            <a:avLst/>
+          </a:prstGeom>
+        </p:spPr>
+        <p:style>
+          <a:lnRef idx="0">
+            <a:schemeClr val="accent6"/>
+          </a:lnRef>
+          <a:fillRef idx="3">
+            <a:schemeClr val="accent6"/>
+          </a:fillRef>
+          <a:effectRef idx="3">
+            <a:schemeClr val="accent6"/>
+          </a:effectRef>
+          <a:fontRef idx="minor">
+            <a:schemeClr val="lt1"/>
+          </a:fontRef>
+        </p:style>
+        <p:txBody>
+          <a:bodyPr rtlCol="0" anchor="ctr"/>
+          <a:lstStyle/>
+          <a:p>
+            <a:pPr algn="ctr"/>
+            <a:r>
+              <a:rPr lang="en-US" altLang="ko-KR" sz="1300" b="1" dirty="0" err="1"/>
+              <a:t>getRange</a:t>
+            </a:r>
+            <a:endParaRPr lang="ko-KR" altLang="en-US" sz="1300" b="1" dirty="0"/>
+          </a:p>
+        </p:txBody>
+      </p:sp>
+      <p:sp>
+        <p:nvSpPr>
+          <p:cNvPr id="96" name="Rounded Rectangle 95"/>
+          <p:cNvSpPr/>
+          <p:nvPr/>
+        </p:nvSpPr>
+        <p:spPr>
+          <a:xfrm>
+            <a:off x="6681546" y="2132856"/>
+            <a:ext cx="1353252" cy="352656"/>
+          </a:xfrm>
+          <a:prstGeom prst="roundRect">
+            <a:avLst/>
+          </a:prstGeom>
+        </p:spPr>
+        <p:style>
+          <a:lnRef idx="0">
+            <a:schemeClr val="accent6"/>
+          </a:lnRef>
+          <a:fillRef idx="3">
+            <a:schemeClr val="accent6"/>
+          </a:fillRef>
+          <a:effectRef idx="3">
+            <a:schemeClr val="accent6"/>
+          </a:effectRef>
+          <a:fontRef idx="minor">
+            <a:schemeClr val="lt1"/>
+          </a:fontRef>
+        </p:style>
+        <p:txBody>
+          <a:bodyPr rtlCol="0" anchor="ctr"/>
+          <a:lstStyle/>
+          <a:p>
+            <a:pPr algn="ctr"/>
+            <a:r>
+              <a:rPr lang="en-US" altLang="ko-KR" sz="1300" b="1" dirty="0" err="1"/>
+              <a:t>parseAttr</a:t>
+            </a:r>
+            <a:endParaRPr lang="en-US" altLang="ko-KR" sz="1300" b="1" dirty="0"/>
+          </a:p>
+        </p:txBody>
+      </p:sp>
+      <p:sp>
+        <p:nvSpPr>
+          <p:cNvPr id="97" name="Rounded Rectangle 96"/>
+          <p:cNvSpPr/>
+          <p:nvPr/>
+        </p:nvSpPr>
+        <p:spPr>
+          <a:xfrm>
+            <a:off x="6681546" y="2611984"/>
+            <a:ext cx="1353252" cy="352656"/>
+          </a:xfrm>
+          <a:prstGeom prst="roundRect">
+            <a:avLst/>
+          </a:prstGeom>
+        </p:spPr>
+        <p:style>
+          <a:lnRef idx="0">
+            <a:schemeClr val="accent6"/>
+          </a:lnRef>
+          <a:fillRef idx="3">
+            <a:schemeClr val="accent6"/>
+          </a:fillRef>
+          <a:effectRef idx="3">
+            <a:schemeClr val="accent6"/>
+          </a:effectRef>
+          <a:fontRef idx="minor">
+            <a:schemeClr val="lt1"/>
+          </a:fontRef>
+        </p:style>
+        <p:txBody>
+          <a:bodyPr rtlCol="0" anchor="ctr"/>
+          <a:lstStyle/>
+          <a:p>
+            <a:pPr algn="ctr"/>
+            <a:r>
+              <a:rPr lang="en-US" altLang="ko-KR" sz="1300" b="1" dirty="0" err="1" smtClean="0"/>
+              <a:t>parseOpts</a:t>
+            </a:r>
+            <a:endParaRPr lang="en-US" altLang="ko-KR" sz="1300" b="1" dirty="0"/>
+          </a:p>
+        </p:txBody>
+      </p:sp>
+      <p:sp>
+        <p:nvSpPr>
+          <p:cNvPr id="98" name="Rounded Rectangle 97"/>
+          <p:cNvSpPr/>
+          <p:nvPr/>
+        </p:nvSpPr>
+        <p:spPr>
+          <a:xfrm>
+            <a:off x="6681546" y="3076344"/>
+            <a:ext cx="1353252" cy="352656"/>
+          </a:xfrm>
+          <a:prstGeom prst="roundRect">
+            <a:avLst/>
+          </a:prstGeom>
+        </p:spPr>
+        <p:style>
+          <a:lnRef idx="0">
+            <a:schemeClr val="accent6"/>
+          </a:lnRef>
+          <a:fillRef idx="3">
+            <a:schemeClr val="accent6"/>
+          </a:fillRef>
+          <a:effectRef idx="3">
+            <a:schemeClr val="accent6"/>
+          </a:effectRef>
+          <a:fontRef idx="minor">
+            <a:schemeClr val="lt1"/>
+          </a:fontRef>
+        </p:style>
+        <p:txBody>
+          <a:bodyPr rtlCol="0" anchor="ctr"/>
+          <a:lstStyle/>
+          <a:p>
+            <a:pPr algn="ctr"/>
+            <a:r>
+              <a:rPr lang="en-US" altLang="ko-KR" sz="1300" b="1" dirty="0" err="1" smtClean="0"/>
+              <a:t>drawBg</a:t>
+            </a:r>
+            <a:endParaRPr lang="en-US" altLang="ko-KR" sz="1300" b="1" dirty="0"/>
+          </a:p>
+        </p:txBody>
+      </p:sp>
+      <p:sp>
+        <p:nvSpPr>
+          <p:cNvPr id="124" name="Rounded Rectangle 123"/>
+          <p:cNvSpPr/>
+          <p:nvPr/>
+        </p:nvSpPr>
+        <p:spPr>
+          <a:xfrm>
+            <a:off x="1835697" y="5013176"/>
+            <a:ext cx="1656184" cy="360040"/>
+          </a:xfrm>
+          <a:prstGeom prst="roundRect">
+            <a:avLst/>
+          </a:prstGeom>
+        </p:spPr>
+        <p:style>
+          <a:lnRef idx="0">
+            <a:schemeClr val="accent3"/>
+          </a:lnRef>
+          <a:fillRef idx="3">
+            <a:schemeClr val="accent3"/>
+          </a:fillRef>
+          <a:effectRef idx="3">
+            <a:schemeClr val="accent3"/>
+          </a:effectRef>
+          <a:fontRef idx="minor">
+            <a:schemeClr val="lt1"/>
+          </a:fontRef>
+        </p:style>
+        <p:txBody>
+          <a:bodyPr rtlCol="0" anchor="ctr"/>
+          <a:lstStyle/>
+          <a:p>
+            <a:pPr algn="ctr"/>
+            <a:r>
+              <a:rPr lang="en-US" altLang="ko-KR" sz="1300" b="1" dirty="0" err="1" smtClean="0"/>
+              <a:t>renderHeartChart</a:t>
+            </a:r>
+            <a:endParaRPr lang="ko-KR" altLang="en-US" sz="1300" b="1" dirty="0"/>
+          </a:p>
+        </p:txBody>
+      </p:sp>
+      <p:sp>
+        <p:nvSpPr>
+          <p:cNvPr id="125" name="Rounded Rectangle 124"/>
+          <p:cNvSpPr/>
+          <p:nvPr/>
+        </p:nvSpPr>
+        <p:spPr>
+          <a:xfrm>
+            <a:off x="1835696" y="5445224"/>
+            <a:ext cx="1656185" cy="360040"/>
+          </a:xfrm>
+          <a:prstGeom prst="roundRect">
+            <a:avLst/>
+          </a:prstGeom>
+        </p:spPr>
+        <p:style>
+          <a:lnRef idx="0">
+            <a:schemeClr val="accent3"/>
+          </a:lnRef>
+          <a:fillRef idx="3">
+            <a:schemeClr val="accent3"/>
+          </a:fillRef>
+          <a:effectRef idx="3">
+            <a:schemeClr val="accent3"/>
+          </a:effectRef>
+          <a:fontRef idx="minor">
+            <a:schemeClr val="lt1"/>
+          </a:fontRef>
+        </p:style>
+        <p:txBody>
+          <a:bodyPr rtlCol="0" anchor="ctr"/>
+          <a:lstStyle/>
+          <a:p>
+            <a:pPr algn="ctr"/>
+            <a:r>
+              <a:rPr lang="en-US" altLang="ko-KR" sz="1300" b="1" dirty="0" err="1" smtClean="0"/>
+              <a:t>renderSleepChart</a:t>
+            </a:r>
+            <a:endParaRPr lang="ko-KR" altLang="en-US" sz="1300" b="1" dirty="0"/>
+          </a:p>
+        </p:txBody>
+      </p:sp>
+      <p:sp>
+        <p:nvSpPr>
+          <p:cNvPr id="126" name="Rounded Rectangle 125"/>
+          <p:cNvSpPr/>
+          <p:nvPr/>
+        </p:nvSpPr>
+        <p:spPr>
+          <a:xfrm>
+            <a:off x="1835697" y="5877272"/>
+            <a:ext cx="1656184" cy="360040"/>
+          </a:xfrm>
+          <a:prstGeom prst="roundRect">
+            <a:avLst/>
+          </a:prstGeom>
+        </p:spPr>
+        <p:style>
+          <a:lnRef idx="0">
+            <a:schemeClr val="accent3"/>
+          </a:lnRef>
+          <a:fillRef idx="3">
+            <a:schemeClr val="accent3"/>
+          </a:fillRef>
+          <a:effectRef idx="3">
+            <a:schemeClr val="accent3"/>
+          </a:effectRef>
+          <a:fontRef idx="minor">
+            <a:schemeClr val="lt1"/>
+          </a:fontRef>
+        </p:style>
+        <p:txBody>
+          <a:bodyPr rtlCol="0" anchor="ctr"/>
+          <a:lstStyle/>
+          <a:p>
+            <a:pPr algn="ctr"/>
+            <a:r>
+              <a:rPr lang="en-US" altLang="ko-KR" sz="1300" b="1" dirty="0" err="1" smtClean="0"/>
+              <a:t>renderUserChart</a:t>
+            </a:r>
+            <a:endParaRPr lang="ko-KR" altLang="en-US" sz="1300" b="1" dirty="0"/>
+          </a:p>
+        </p:txBody>
+      </p:sp>
+      <p:cxnSp>
+        <p:nvCxnSpPr>
+          <p:cNvPr id="136" name="Curved Connector 135"/>
+          <p:cNvCxnSpPr>
+            <a:endCxn id="126" idx="1"/>
+          </p:cNvCxnSpPr>
+          <p:nvPr/>
+        </p:nvCxnSpPr>
+        <p:spPr>
+          <a:xfrm rot="5400000">
+            <a:off x="993296" y="3918747"/>
+            <a:ext cx="2980947" cy="1296143"/>
+          </a:xfrm>
+          <a:prstGeom prst="curvedConnector4">
+            <a:avLst>
+              <a:gd name="adj1" fmla="val 20215"/>
+              <a:gd name="adj2" fmla="val 164669"/>
+            </a:avLst>
+          </a:prstGeom>
+          <a:ln>
+            <a:tailEnd type="triangle"/>
+          </a:ln>
+        </p:spPr>
+        <p:style>
+          <a:lnRef idx="3">
+            <a:schemeClr val="accent1"/>
+          </a:lnRef>
+          <a:fillRef idx="0">
+            <a:schemeClr val="accent1"/>
+          </a:fillRef>
+          <a:effectRef idx="2">
+            <a:schemeClr val="accent1"/>
+          </a:effectRef>
+          <a:fontRef idx="minor">
+            <a:schemeClr val="tx1"/>
+          </a:fontRef>
+        </p:style>
+      </p:cxnSp>
+      <p:cxnSp>
+        <p:nvCxnSpPr>
+          <p:cNvPr id="140" name="Curved Connector 139"/>
+          <p:cNvCxnSpPr>
+            <a:stCxn id="94" idx="2"/>
+            <a:endCxn id="112" idx="0"/>
+          </p:cNvCxnSpPr>
+          <p:nvPr/>
+        </p:nvCxnSpPr>
+        <p:spPr>
+          <a:xfrm rot="5400000">
+            <a:off x="2928057" y="1969215"/>
+            <a:ext cx="2023608" cy="2480138"/>
+          </a:xfrm>
+          <a:prstGeom prst="curvedConnector3">
+            <a:avLst>
+              <a:gd name="adj1" fmla="val 50000"/>
+            </a:avLst>
+          </a:prstGeom>
+          <a:ln>
+            <a:tailEnd type="triangle"/>
+          </a:ln>
+        </p:spPr>
+        <p:style>
+          <a:lnRef idx="3">
+            <a:schemeClr val="accent1"/>
+          </a:lnRef>
+          <a:fillRef idx="0">
+            <a:schemeClr val="accent1"/>
+          </a:fillRef>
+          <a:effectRef idx="2">
+            <a:schemeClr val="accent1"/>
+          </a:effectRef>
+          <a:fontRef idx="minor">
+            <a:schemeClr val="tx1"/>
+          </a:fontRef>
+        </p:style>
+      </p:cxnSp>
+      <p:sp>
+        <p:nvSpPr>
+          <p:cNvPr id="142" name="Rounded Rectangle 141"/>
+          <p:cNvSpPr/>
+          <p:nvPr/>
+        </p:nvSpPr>
+        <p:spPr>
+          <a:xfrm>
+            <a:off x="4139952" y="4221088"/>
+            <a:ext cx="2232248" cy="2088232"/>
+          </a:xfrm>
+          <a:prstGeom prst="roundRect">
+            <a:avLst/>
+          </a:prstGeom>
+        </p:spPr>
+        <p:style>
+          <a:lnRef idx="1">
+            <a:schemeClr val="accent1"/>
+          </a:lnRef>
+          <a:fillRef idx="2">
+            <a:schemeClr val="accent1"/>
+          </a:fillRef>
+          <a:effectRef idx="1">
+            <a:schemeClr val="accent1"/>
+          </a:effectRef>
+          <a:fontRef idx="minor">
+            <a:schemeClr val="dk1"/>
+          </a:fontRef>
+        </p:style>
+        <p:txBody>
+          <a:bodyPr rtlCol="0" anchor="ctr"/>
+          <a:lstStyle/>
+          <a:p>
+            <a:pPr algn="ctr"/>
+            <a:endParaRPr lang="ko-KR" altLang="en-US" b="1"/>
+          </a:p>
+        </p:txBody>
+      </p:sp>
+      <p:sp>
+        <p:nvSpPr>
+          <p:cNvPr id="143" name="TextBox 142"/>
+          <p:cNvSpPr txBox="1"/>
+          <p:nvPr/>
+        </p:nvSpPr>
+        <p:spPr>
+          <a:xfrm>
+            <a:off x="4533870" y="4233206"/>
+            <a:ext cx="1406282" cy="323165"/>
+          </a:xfrm>
+          <a:prstGeom prst="rect">
+            <a:avLst/>
+          </a:prstGeom>
+          <a:noFill/>
+        </p:spPr>
+        <p:txBody>
+          <a:bodyPr wrap="none" rtlCol="0">
+            <a:spAutoFit/>
+          </a:bodyPr>
+          <a:lstStyle/>
+          <a:p>
+            <a:r>
+              <a:rPr lang="en-US" altLang="ko-KR" sz="1500" b="1" dirty="0" smtClean="0"/>
+              <a:t>Chart Drawer</a:t>
+            </a:r>
+            <a:endParaRPr lang="ko-KR" altLang="en-US" sz="1500" b="1" dirty="0"/>
+          </a:p>
+        </p:txBody>
+      </p:sp>
+      <p:sp>
+        <p:nvSpPr>
+          <p:cNvPr id="144" name="Rounded Rectangle 143"/>
+          <p:cNvSpPr/>
+          <p:nvPr/>
+        </p:nvSpPr>
+        <p:spPr>
+          <a:xfrm>
+            <a:off x="4427984" y="4653136"/>
+            <a:ext cx="1584176" cy="360040"/>
+          </a:xfrm>
+          <a:prstGeom prst="roundRect">
+            <a:avLst/>
+          </a:prstGeom>
+        </p:spPr>
+        <p:style>
+          <a:lnRef idx="0">
+            <a:schemeClr val="accent1"/>
+          </a:lnRef>
+          <a:fillRef idx="3">
+            <a:schemeClr val="accent1"/>
+          </a:fillRef>
+          <a:effectRef idx="3">
+            <a:schemeClr val="accent1"/>
+          </a:effectRef>
+          <a:fontRef idx="minor">
+            <a:schemeClr val="lt1"/>
+          </a:fontRef>
+        </p:style>
+        <p:txBody>
+          <a:bodyPr rtlCol="0" anchor="ctr"/>
+          <a:lstStyle/>
+          <a:p>
+            <a:pPr algn="ctr"/>
+            <a:r>
+              <a:rPr lang="en-US" altLang="ko-KR" sz="1300" b="1" dirty="0" err="1" smtClean="0"/>
+              <a:t>drawLineChart</a:t>
+            </a:r>
+            <a:endParaRPr lang="ko-KR" altLang="en-US" sz="1300" b="1" dirty="0"/>
+          </a:p>
+        </p:txBody>
+      </p:sp>
+      <p:sp>
+        <p:nvSpPr>
+          <p:cNvPr id="145" name="Rounded Rectangle 144"/>
+          <p:cNvSpPr/>
+          <p:nvPr/>
+        </p:nvSpPr>
+        <p:spPr>
+          <a:xfrm>
+            <a:off x="4427984" y="5229200"/>
+            <a:ext cx="1584176" cy="360040"/>
+          </a:xfrm>
+          <a:prstGeom prst="roundRect">
+            <a:avLst/>
+          </a:prstGeom>
+        </p:spPr>
+        <p:style>
+          <a:lnRef idx="0">
+            <a:schemeClr val="accent1"/>
+          </a:lnRef>
+          <a:fillRef idx="3">
+            <a:schemeClr val="accent1"/>
+          </a:fillRef>
+          <a:effectRef idx="3">
+            <a:schemeClr val="accent1"/>
+          </a:effectRef>
+          <a:fontRef idx="minor">
+            <a:schemeClr val="lt1"/>
+          </a:fontRef>
+        </p:style>
+        <p:txBody>
+          <a:bodyPr rtlCol="0" anchor="ctr"/>
+          <a:lstStyle/>
+          <a:p>
+            <a:pPr algn="ctr"/>
+            <a:r>
+              <a:rPr lang="en-US" altLang="ko-KR" sz="1300" b="1" dirty="0" err="1" smtClean="0"/>
+              <a:t>drawPieChart</a:t>
+            </a:r>
+            <a:endParaRPr lang="ko-KR" altLang="en-US" sz="1300" b="1" dirty="0"/>
+          </a:p>
+        </p:txBody>
+      </p:sp>
+      <p:sp>
+        <p:nvSpPr>
+          <p:cNvPr id="146" name="Rounded Rectangle 145"/>
+          <p:cNvSpPr/>
+          <p:nvPr/>
+        </p:nvSpPr>
+        <p:spPr>
+          <a:xfrm>
+            <a:off x="4427984" y="5805264"/>
+            <a:ext cx="1584176" cy="360040"/>
+          </a:xfrm>
+          <a:prstGeom prst="roundRect">
+            <a:avLst/>
+          </a:prstGeom>
+        </p:spPr>
+        <p:style>
+          <a:lnRef idx="0">
+            <a:schemeClr val="accent1"/>
+          </a:lnRef>
+          <a:fillRef idx="3">
+            <a:schemeClr val="accent1"/>
+          </a:fillRef>
+          <a:effectRef idx="3">
+            <a:schemeClr val="accent1"/>
+          </a:effectRef>
+          <a:fontRef idx="minor">
+            <a:schemeClr val="lt1"/>
+          </a:fontRef>
+        </p:style>
+        <p:txBody>
+          <a:bodyPr rtlCol="0" anchor="ctr"/>
+          <a:lstStyle/>
+          <a:p>
+            <a:pPr algn="ctr"/>
+            <a:r>
+              <a:rPr lang="en-US" altLang="ko-KR" sz="1300" b="1" dirty="0" err="1" smtClean="0"/>
+              <a:t>drawBarChart</a:t>
+            </a:r>
+            <a:endParaRPr lang="ko-KR" altLang="en-US" sz="1300" b="1" dirty="0"/>
+          </a:p>
+        </p:txBody>
+      </p:sp>
+      <p:sp>
+        <p:nvSpPr>
+          <p:cNvPr id="154" name="TextBox 153"/>
+          <p:cNvSpPr txBox="1"/>
+          <p:nvPr/>
+        </p:nvSpPr>
+        <p:spPr>
+          <a:xfrm>
+            <a:off x="6372200" y="1340768"/>
+            <a:ext cx="2079415" cy="323165"/>
+          </a:xfrm>
+          <a:prstGeom prst="rect">
+            <a:avLst/>
+          </a:prstGeom>
+          <a:noFill/>
+        </p:spPr>
+        <p:txBody>
+          <a:bodyPr wrap="none" rtlCol="0">
+            <a:spAutoFit/>
+          </a:bodyPr>
+          <a:lstStyle/>
+          <a:p>
+            <a:r>
+              <a:rPr lang="en-US" altLang="ko-KR" sz="1500" b="1" dirty="0" smtClean="0"/>
+              <a:t>Initializing Functions</a:t>
+            </a:r>
+            <a:endParaRPr lang="ko-KR" altLang="en-US" sz="1500" b="1" dirty="0"/>
+          </a:p>
+        </p:txBody>
+      </p:sp>
+      <p:sp>
+        <p:nvSpPr>
+          <p:cNvPr id="155" name="Rounded Rectangle 154"/>
+          <p:cNvSpPr/>
+          <p:nvPr/>
+        </p:nvSpPr>
+        <p:spPr>
+          <a:xfrm>
+            <a:off x="6660232" y="3719118"/>
+            <a:ext cx="2232248" cy="3094258"/>
+          </a:xfrm>
+          <a:prstGeom prst="roundRect">
+            <a:avLst/>
+          </a:prstGeom>
+        </p:spPr>
+        <p:style>
+          <a:lnRef idx="1">
+            <a:schemeClr val="dk1"/>
+          </a:lnRef>
+          <a:fillRef idx="2">
+            <a:schemeClr val="dk1"/>
+          </a:fillRef>
+          <a:effectRef idx="1">
+            <a:schemeClr val="dk1"/>
+          </a:effectRef>
+          <a:fontRef idx="minor">
+            <a:schemeClr val="dk1"/>
+          </a:fontRef>
+        </p:style>
+        <p:txBody>
+          <a:bodyPr rtlCol="0" anchor="ctr"/>
+          <a:lstStyle/>
+          <a:p>
+            <a:pPr algn="ctr"/>
+            <a:endParaRPr lang="ko-KR" altLang="en-US" b="1" dirty="0"/>
+          </a:p>
+        </p:txBody>
+      </p:sp>
+      <p:sp>
+        <p:nvSpPr>
+          <p:cNvPr id="156" name="TextBox 155"/>
+          <p:cNvSpPr txBox="1"/>
+          <p:nvPr/>
+        </p:nvSpPr>
+        <p:spPr>
+          <a:xfrm>
+            <a:off x="6828820" y="3693579"/>
+            <a:ext cx="1895071" cy="323165"/>
+          </a:xfrm>
+          <a:prstGeom prst="rect">
+            <a:avLst/>
+          </a:prstGeom>
+          <a:noFill/>
+        </p:spPr>
+        <p:txBody>
+          <a:bodyPr wrap="none" rtlCol="0">
+            <a:spAutoFit/>
+          </a:bodyPr>
+          <a:lstStyle/>
+          <a:p>
+            <a:r>
+              <a:rPr lang="en-US" altLang="ko-KR" sz="1500" b="1" dirty="0" smtClean="0"/>
+              <a:t>Drawing Functions</a:t>
+            </a:r>
+            <a:endParaRPr lang="ko-KR" altLang="en-US" sz="1500" b="1" dirty="0"/>
+          </a:p>
+        </p:txBody>
+      </p:sp>
+      <p:sp>
+        <p:nvSpPr>
+          <p:cNvPr id="157" name="Rounded Rectangle 156"/>
+          <p:cNvSpPr/>
+          <p:nvPr/>
+        </p:nvSpPr>
+        <p:spPr>
+          <a:xfrm>
+            <a:off x="6900828" y="4077072"/>
+            <a:ext cx="1775628" cy="360040"/>
+          </a:xfrm>
+          <a:prstGeom prst="roundRect">
+            <a:avLst/>
+          </a:prstGeom>
+        </p:spPr>
+        <p:style>
+          <a:lnRef idx="0">
+            <a:schemeClr val="dk1"/>
+          </a:lnRef>
+          <a:fillRef idx="3">
+            <a:schemeClr val="dk1"/>
+          </a:fillRef>
+          <a:effectRef idx="3">
+            <a:schemeClr val="dk1"/>
+          </a:effectRef>
+          <a:fontRef idx="minor">
+            <a:schemeClr val="lt1"/>
+          </a:fontRef>
+        </p:style>
+        <p:txBody>
+          <a:bodyPr rtlCol="0" anchor="ctr"/>
+          <a:lstStyle/>
+          <a:p>
+            <a:pPr algn="ctr"/>
+            <a:r>
+              <a:rPr lang="en-US" altLang="ko-KR" sz="1300" b="1" dirty="0" err="1" smtClean="0"/>
+              <a:t>drawAxis</a:t>
+            </a:r>
+            <a:endParaRPr lang="ko-KR" altLang="en-US" sz="1300" b="1" dirty="0"/>
+          </a:p>
+        </p:txBody>
+      </p:sp>
+      <p:sp>
+        <p:nvSpPr>
+          <p:cNvPr id="159" name="Rounded Rectangle 158"/>
+          <p:cNvSpPr/>
+          <p:nvPr/>
+        </p:nvSpPr>
+        <p:spPr>
+          <a:xfrm>
+            <a:off x="6900828" y="5805264"/>
+            <a:ext cx="1775628" cy="360040"/>
+          </a:xfrm>
+          <a:prstGeom prst="roundRect">
+            <a:avLst/>
+          </a:prstGeom>
+        </p:spPr>
+        <p:style>
+          <a:lnRef idx="0">
+            <a:schemeClr val="dk1"/>
+          </a:lnRef>
+          <a:fillRef idx="3">
+            <a:schemeClr val="dk1"/>
+          </a:fillRef>
+          <a:effectRef idx="3">
+            <a:schemeClr val="dk1"/>
+          </a:effectRef>
+          <a:fontRef idx="minor">
+            <a:schemeClr val="lt1"/>
+          </a:fontRef>
+        </p:style>
+        <p:txBody>
+          <a:bodyPr rtlCol="0" anchor="ctr"/>
+          <a:lstStyle/>
+          <a:p>
+            <a:pPr algn="ctr"/>
+            <a:r>
+              <a:rPr lang="en-US" altLang="ko-KR" sz="1300" b="1" dirty="0" err="1" smtClean="0"/>
+              <a:t>drawArc</a:t>
+            </a:r>
+            <a:endParaRPr lang="ko-KR" altLang="en-US" sz="1300" b="1" dirty="0"/>
+          </a:p>
+        </p:txBody>
+      </p:sp>
+      <p:cxnSp>
+        <p:nvCxnSpPr>
+          <p:cNvPr id="161" name="Straight Arrow Connector 160"/>
+          <p:cNvCxnSpPr>
+            <a:stCxn id="94" idx="3"/>
+          </p:cNvCxnSpPr>
+          <p:nvPr/>
+        </p:nvCxnSpPr>
+        <p:spPr>
+          <a:xfrm>
+            <a:off x="5715852" y="2021152"/>
+            <a:ext cx="569650" cy="0"/>
+          </a:xfrm>
+          <a:prstGeom prst="straightConnector1">
+            <a:avLst/>
+          </a:prstGeom>
+          <a:ln>
+            <a:tailEnd type="triangle"/>
+          </a:ln>
+        </p:spPr>
+        <p:style>
+          <a:lnRef idx="3">
+            <a:schemeClr val="accent1"/>
+          </a:lnRef>
+          <a:fillRef idx="0">
+            <a:schemeClr val="accent1"/>
+          </a:fillRef>
+          <a:effectRef idx="2">
+            <a:schemeClr val="accent1"/>
+          </a:effectRef>
+          <a:fontRef idx="minor">
+            <a:schemeClr val="tx1"/>
+          </a:fontRef>
+        </p:style>
+      </p:cxnSp>
+      <p:cxnSp>
+        <p:nvCxnSpPr>
+          <p:cNvPr id="163" name="Straight Arrow Connector 162"/>
+          <p:cNvCxnSpPr>
+            <a:stCxn id="112" idx="3"/>
+            <a:endCxn id="142" idx="1"/>
+          </p:cNvCxnSpPr>
+          <p:nvPr/>
+        </p:nvCxnSpPr>
+        <p:spPr>
+          <a:xfrm>
+            <a:off x="3851920" y="5265204"/>
+            <a:ext cx="288032" cy="0"/>
+          </a:xfrm>
+          <a:prstGeom prst="straightConnector1">
+            <a:avLst/>
+          </a:prstGeom>
+          <a:ln>
+            <a:tailEnd type="triangle"/>
+          </a:ln>
+        </p:spPr>
+        <p:style>
+          <a:lnRef idx="3">
+            <a:schemeClr val="accent1"/>
+          </a:lnRef>
+          <a:fillRef idx="0">
+            <a:schemeClr val="accent1"/>
+          </a:fillRef>
+          <a:effectRef idx="2">
+            <a:schemeClr val="accent1"/>
+          </a:effectRef>
+          <a:fontRef idx="minor">
+            <a:schemeClr val="tx1"/>
+          </a:fontRef>
+        </p:style>
+      </p:cxnSp>
+      <p:cxnSp>
+        <p:nvCxnSpPr>
+          <p:cNvPr id="165" name="Straight Arrow Connector 164"/>
+          <p:cNvCxnSpPr>
+            <a:stCxn id="142" idx="3"/>
+            <a:endCxn id="155" idx="1"/>
+          </p:cNvCxnSpPr>
+          <p:nvPr/>
+        </p:nvCxnSpPr>
+        <p:spPr>
+          <a:xfrm>
+            <a:off x="6372200" y="5265204"/>
+            <a:ext cx="288032" cy="1043"/>
+          </a:xfrm>
+          <a:prstGeom prst="straightConnector1">
+            <a:avLst/>
+          </a:prstGeom>
+          <a:ln>
+            <a:tailEnd type="triangle"/>
+          </a:ln>
+        </p:spPr>
+        <p:style>
+          <a:lnRef idx="3">
+            <a:schemeClr val="accent1"/>
+          </a:lnRef>
+          <a:fillRef idx="0">
+            <a:schemeClr val="accent1"/>
+          </a:fillRef>
+          <a:effectRef idx="2">
+            <a:schemeClr val="accent1"/>
+          </a:effectRef>
+          <a:fontRef idx="minor">
+            <a:schemeClr val="tx1"/>
+          </a:fontRef>
+        </p:style>
+      </p:cxnSp>
+      <p:sp>
+        <p:nvSpPr>
+          <p:cNvPr id="168" name="Rounded Rectangle 167"/>
+          <p:cNvSpPr/>
+          <p:nvPr/>
+        </p:nvSpPr>
+        <p:spPr>
+          <a:xfrm>
+            <a:off x="6900829" y="4509120"/>
+            <a:ext cx="1775627" cy="360040"/>
+          </a:xfrm>
+          <a:prstGeom prst="roundRect">
+            <a:avLst/>
+          </a:prstGeom>
+        </p:spPr>
+        <p:style>
+          <a:lnRef idx="0">
+            <a:schemeClr val="dk1"/>
+          </a:lnRef>
+          <a:fillRef idx="3">
+            <a:schemeClr val="dk1"/>
+          </a:fillRef>
+          <a:effectRef idx="3">
+            <a:schemeClr val="dk1"/>
+          </a:effectRef>
+          <a:fontRef idx="minor">
+            <a:schemeClr val="lt1"/>
+          </a:fontRef>
+        </p:style>
+        <p:txBody>
+          <a:bodyPr rtlCol="0" anchor="ctr"/>
+          <a:lstStyle/>
+          <a:p>
+            <a:pPr algn="ctr"/>
+            <a:r>
+              <a:rPr lang="en-US" altLang="ko-KR" sz="1300" b="1" dirty="0" err="1" smtClean="0"/>
+              <a:t>drawLinearGradient</a:t>
+            </a:r>
+            <a:endParaRPr lang="ko-KR" altLang="en-US" sz="1300" b="1" dirty="0"/>
+          </a:p>
+        </p:txBody>
+      </p:sp>
+      <p:sp>
+        <p:nvSpPr>
+          <p:cNvPr id="170" name="Rounded Rectangle 169"/>
+          <p:cNvSpPr/>
+          <p:nvPr/>
+        </p:nvSpPr>
+        <p:spPr>
+          <a:xfrm>
+            <a:off x="6900828" y="6237312"/>
+            <a:ext cx="1775628" cy="360040"/>
+          </a:xfrm>
+          <a:prstGeom prst="roundRect">
+            <a:avLst/>
+          </a:prstGeom>
+        </p:spPr>
+        <p:style>
+          <a:lnRef idx="0">
+            <a:schemeClr val="dk1"/>
+          </a:lnRef>
+          <a:fillRef idx="3">
+            <a:schemeClr val="dk1"/>
+          </a:fillRef>
+          <a:effectRef idx="3">
+            <a:schemeClr val="dk1"/>
+          </a:effectRef>
+          <a:fontRef idx="minor">
+            <a:schemeClr val="lt1"/>
+          </a:fontRef>
+        </p:style>
+        <p:txBody>
+          <a:bodyPr rtlCol="0" anchor="ctr"/>
+          <a:lstStyle/>
+          <a:p>
+            <a:pPr algn="ctr"/>
+            <a:r>
+              <a:rPr lang="en-US" altLang="ko-KR" sz="1300" b="1" dirty="0" err="1" smtClean="0"/>
+              <a:t>drawRect</a:t>
+            </a:r>
+            <a:endParaRPr lang="ko-KR" altLang="en-US" sz="1300" b="1" dirty="0"/>
+          </a:p>
+        </p:txBody>
+      </p:sp>
+      <p:sp>
+        <p:nvSpPr>
+          <p:cNvPr id="172" name="TextBox 171"/>
+          <p:cNvSpPr txBox="1"/>
+          <p:nvPr/>
+        </p:nvSpPr>
+        <p:spPr>
+          <a:xfrm>
+            <a:off x="7668344" y="5061268"/>
+            <a:ext cx="461665" cy="581249"/>
+          </a:xfrm>
+          <a:prstGeom prst="rect">
+            <a:avLst/>
+          </a:prstGeom>
+          <a:noFill/>
+        </p:spPr>
+        <p:txBody>
+          <a:bodyPr vert="eaVert" wrap="none" rtlCol="0">
+            <a:spAutoFit/>
+          </a:bodyPr>
+          <a:lstStyle/>
+          <a:p>
+            <a:r>
+              <a:rPr lang="en-US" altLang="ko-KR" b="1" dirty="0" smtClean="0"/>
+              <a:t>. . . .</a:t>
+            </a:r>
+            <a:endParaRPr lang="ko-KR" altLang="en-US" b="1" dirty="0"/>
+          </a:p>
+        </p:txBody>
+      </p:sp>
+      <p:sp>
+        <p:nvSpPr>
+          <p:cNvPr id="209" name="TextBox 208"/>
+          <p:cNvSpPr txBox="1"/>
+          <p:nvPr/>
+        </p:nvSpPr>
+        <p:spPr>
+          <a:xfrm>
+            <a:off x="2051720" y="980728"/>
+            <a:ext cx="1800200" cy="400110"/>
           </a:xfrm>
           <a:prstGeom prst="rect">
             <a:avLst/>
@@ -26176,197 +26939,1990 @@
           </a:bodyPr>
           <a:lstStyle/>
           <a:p>
-            <a:pPr marL="285750" indent="-285750">
-              <a:buFont typeface="Arial" panose="020B0604020202020204" pitchFamily="34" charset="0"/>
-              <a:buChar char="•"/>
-            </a:pPr>
             <a:r>
               <a:rPr lang="en-US" altLang="ko-KR" sz="2000" b="1" dirty="0" smtClean="0"/>
-              <a:t>[</a:t>
+              <a:t>Chart Library</a:t>
             </a:r>
-            <a:r>
-              <a:rPr lang="ko-KR" altLang="en-US" sz="2000" b="1" dirty="0" smtClean="0"/>
-              <a:t>기능 </a:t>
-            </a:r>
-            <a:r>
-              <a:rPr lang="en-US" altLang="ko-KR" sz="2000" b="1" dirty="0" smtClean="0"/>
-              <a:t>1] </a:t>
-            </a:r>
-            <a:r>
-              <a:rPr lang="ko-KR" altLang="en-US" sz="2000" b="1" dirty="0" smtClean="0"/>
-              <a:t>실시간으로 </a:t>
-            </a:r>
-            <a:r>
-              <a:rPr lang="en-US" altLang="ko-KR" sz="2000" b="1" dirty="0" smtClean="0"/>
-              <a:t>data</a:t>
-            </a:r>
-            <a:r>
-              <a:rPr lang="ko-KR" altLang="en-US" sz="2000" b="1" dirty="0" smtClean="0"/>
-              <a:t>를 </a:t>
-            </a:r>
-            <a:r>
-              <a:rPr lang="ko-KR" altLang="en-US" sz="2000" b="1" dirty="0" err="1" smtClean="0"/>
-              <a:t>입력받는다</a:t>
-            </a:r>
-            <a:r>
-              <a:rPr lang="en-US" altLang="ko-KR" sz="2000" b="1" dirty="0" smtClean="0"/>
-              <a:t>.</a:t>
-            </a:r>
-          </a:p>
-          <a:p>
-            <a:pPr marL="742950" lvl="1" indent="-285750">
-              <a:buFont typeface="Arial" panose="020B0604020202020204" pitchFamily="34" charset="0"/>
-              <a:buChar char="•"/>
-            </a:pPr>
-            <a:r>
-              <a:rPr lang="en-US" altLang="ko-KR" sz="2000" b="1" dirty="0" smtClean="0"/>
-              <a:t>MQTT</a:t>
-            </a:r>
-            <a:r>
-              <a:rPr lang="ko-KR" altLang="en-US" sz="2000" b="1" dirty="0" smtClean="0"/>
-              <a:t>를 이용하여 스마트 기기의 센서 값을 실시간으로 받는다</a:t>
-            </a:r>
-            <a:r>
-              <a:rPr lang="en-US" altLang="ko-KR" sz="2000" b="1" dirty="0" smtClean="0"/>
-              <a:t>.</a:t>
-            </a:r>
-          </a:p>
-          <a:p>
-            <a:pPr marL="742950" lvl="1" indent="-285750">
-              <a:buFont typeface="Arial" panose="020B0604020202020204" pitchFamily="34" charset="0"/>
-              <a:buChar char="•"/>
-            </a:pPr>
-            <a:endParaRPr lang="en-US" altLang="ko-KR" sz="2000" b="1" dirty="0" smtClean="0"/>
-          </a:p>
-          <a:p>
-            <a:pPr marL="285750" indent="-285750">
-              <a:buFont typeface="Arial" panose="020B0604020202020204" pitchFamily="34" charset="0"/>
-              <a:buChar char="•"/>
-            </a:pPr>
-            <a:r>
-              <a:rPr lang="en-US" altLang="ko-KR" sz="2000" b="1" dirty="0" smtClean="0"/>
-              <a:t>[</a:t>
-            </a:r>
-            <a:r>
-              <a:rPr lang="ko-KR" altLang="en-US" sz="2000" b="1" dirty="0" smtClean="0"/>
-              <a:t>기능</a:t>
-            </a:r>
-            <a:r>
-              <a:rPr lang="en-US" altLang="ko-KR" sz="2000" b="1" dirty="0"/>
-              <a:t> </a:t>
-            </a:r>
-            <a:r>
-              <a:rPr lang="en-US" altLang="ko-KR" sz="2000" b="1" dirty="0" smtClean="0"/>
-              <a:t>2] 3</a:t>
-            </a:r>
-            <a:r>
-              <a:rPr lang="ko-KR" altLang="en-US" sz="2000" b="1" dirty="0" smtClean="0"/>
-              <a:t>종류 이상의 </a:t>
-            </a:r>
-            <a:r>
-              <a:rPr lang="ko-KR" altLang="en-US" sz="2000" b="1" dirty="0" err="1" smtClean="0"/>
-              <a:t>스마트케어</a:t>
-            </a:r>
-            <a:r>
-              <a:rPr lang="ko-KR" altLang="en-US" sz="2000" b="1" dirty="0" smtClean="0"/>
-              <a:t> 전용 차트를 만들 수  있는 라이브러리를 만든다</a:t>
-            </a:r>
-            <a:endParaRPr lang="en-US" altLang="ko-KR" sz="2000" b="1" dirty="0" smtClean="0"/>
-          </a:p>
-          <a:p>
-            <a:pPr marL="742950" lvl="1" indent="-285750">
-              <a:buFont typeface="Arial" panose="020B0604020202020204" pitchFamily="34" charset="0"/>
-              <a:buChar char="•"/>
-            </a:pPr>
-            <a:endParaRPr lang="en-US" altLang="ko-KR" sz="2000" b="1" dirty="0" smtClean="0"/>
-          </a:p>
-          <a:p>
-            <a:pPr marL="285750" indent="-285750">
-              <a:buFont typeface="Arial" panose="020B0604020202020204" pitchFamily="34" charset="0"/>
-              <a:buChar char="•"/>
-            </a:pPr>
-            <a:r>
-              <a:rPr lang="en-US" altLang="ko-KR" sz="2000" b="1" dirty="0" smtClean="0"/>
-              <a:t>[</a:t>
-            </a:r>
-            <a:r>
-              <a:rPr lang="ko-KR" altLang="en-US" sz="2000" b="1" dirty="0" smtClean="0"/>
-              <a:t>기능 </a:t>
-            </a:r>
-            <a:r>
-              <a:rPr lang="en-US" altLang="ko-KR" sz="2000" b="1" dirty="0" smtClean="0"/>
-              <a:t>1+2] </a:t>
-            </a:r>
-            <a:r>
-              <a:rPr lang="ko-KR" altLang="en-US" sz="2000" b="1" dirty="0" smtClean="0"/>
-              <a:t>실시간의 데이터 변화를 차트로 나타낸다</a:t>
-            </a:r>
-            <a:endParaRPr lang="en-US" altLang="ko-KR" sz="2000" b="1" dirty="0" smtClean="0"/>
-          </a:p>
-          <a:p>
-            <a:pPr marL="285750" indent="-285750">
-              <a:buFont typeface="Arial" panose="020B0604020202020204" pitchFamily="34" charset="0"/>
-              <a:buChar char="•"/>
-            </a:pPr>
-            <a:endParaRPr lang="en-US" altLang="ko-KR" sz="2000" b="1" dirty="0" smtClean="0"/>
-          </a:p>
-          <a:p>
-            <a:pPr marL="285750" indent="-285750">
-              <a:buFont typeface="Arial" panose="020B0604020202020204" pitchFamily="34" charset="0"/>
-              <a:buChar char="•"/>
-            </a:pPr>
-            <a:r>
-              <a:rPr lang="en-US" altLang="ko-KR" sz="2000" b="1" dirty="0" smtClean="0"/>
-              <a:t>[</a:t>
-            </a:r>
-            <a:r>
-              <a:rPr lang="ko-KR" altLang="en-US" sz="2000" b="1" dirty="0" smtClean="0"/>
-              <a:t>기능 </a:t>
-            </a:r>
-            <a:r>
-              <a:rPr lang="en-US" altLang="ko-KR" sz="2000" b="1" dirty="0" smtClean="0"/>
-              <a:t>3] </a:t>
-            </a:r>
-            <a:r>
-              <a:rPr lang="ko-KR" altLang="en-US" sz="2000" b="1" dirty="0" smtClean="0"/>
-              <a:t>다양한 기기</a:t>
-            </a:r>
-            <a:r>
-              <a:rPr lang="en-US" altLang="ko-KR" sz="2000" b="1" dirty="0" smtClean="0"/>
-              <a:t>, </a:t>
-            </a:r>
-            <a:r>
-              <a:rPr lang="ko-KR" altLang="en-US" sz="2000" b="1" dirty="0" smtClean="0"/>
-              <a:t>다양한 브라우저에서 작동 가능하도록 한다</a:t>
-            </a:r>
-            <a:r>
-              <a:rPr lang="en-US" altLang="ko-KR" sz="2000" b="1" dirty="0" smtClean="0"/>
-              <a:t>.</a:t>
-            </a:r>
-            <a:endParaRPr lang="en-US" altLang="ko-KR" sz="2000" b="1" dirty="0"/>
-          </a:p>
-          <a:p>
-            <a:pPr lvl="1"/>
-            <a:endParaRPr lang="en-US" altLang="ko-KR" sz="2000" b="1" dirty="0" smtClean="0"/>
+            <a:endParaRPr lang="ko-KR" altLang="en-US" sz="2000" b="1" dirty="0"/>
+          </a:p>
+        </p:txBody>
+      </p:sp>
+      <p:sp>
+        <p:nvSpPr>
+          <p:cNvPr id="6" name="Oval 5"/>
+          <p:cNvSpPr/>
+          <p:nvPr/>
+        </p:nvSpPr>
+        <p:spPr>
+          <a:xfrm>
+            <a:off x="3563888" y="5040341"/>
+            <a:ext cx="842608" cy="404883"/>
+          </a:xfrm>
+          <a:prstGeom prst="ellipse">
+            <a:avLst/>
+          </a:prstGeom>
+          <a:noFill/>
+          <a:ln w="76200">
+            <a:solidFill>
+              <a:schemeClr val="accent3"/>
+            </a:solidFill>
+          </a:ln>
+        </p:spPr>
+        <p:style>
+          <a:lnRef idx="2">
+            <a:schemeClr val="accent1"/>
+          </a:lnRef>
+          <a:fillRef idx="1">
+            <a:schemeClr val="lt1"/>
+          </a:fillRef>
+          <a:effectRef idx="0">
+            <a:schemeClr val="accent1"/>
+          </a:effectRef>
+          <a:fontRef idx="minor">
+            <a:schemeClr val="dk1"/>
+          </a:fontRef>
+        </p:style>
+        <p:txBody>
+          <a:bodyPr rtlCol="0" anchor="ctr"/>
+          <a:lstStyle/>
+          <a:p>
+            <a:pPr algn="ctr"/>
+            <a:endParaRPr lang="ko-KR" altLang="en-US"/>
+          </a:p>
+        </p:txBody>
+      </p:sp>
+      <p:cxnSp>
+        <p:nvCxnSpPr>
+          <p:cNvPr id="14" name="Curved Connector 13"/>
+          <p:cNvCxnSpPr>
+            <a:stCxn id="6" idx="7"/>
+          </p:cNvCxnSpPr>
+          <p:nvPr/>
+        </p:nvCxnSpPr>
+        <p:spPr>
+          <a:xfrm rot="16200000" flipV="1">
+            <a:off x="2584121" y="3400656"/>
+            <a:ext cx="2894771" cy="503187"/>
+          </a:xfrm>
+          <a:prstGeom prst="curvedConnector3">
+            <a:avLst>
+              <a:gd name="adj1" fmla="val 52277"/>
+            </a:avLst>
+          </a:prstGeom>
+          <a:ln w="57150">
+            <a:solidFill>
+              <a:schemeClr val="accent3"/>
+            </a:solidFill>
+            <a:tailEnd type="triangle"/>
+          </a:ln>
+        </p:spPr>
+        <p:style>
+          <a:lnRef idx="1">
+            <a:schemeClr val="accent1"/>
+          </a:lnRef>
+          <a:fillRef idx="0">
+            <a:schemeClr val="accent1"/>
+          </a:fillRef>
+          <a:effectRef idx="0">
+            <a:schemeClr val="accent1"/>
+          </a:effectRef>
+          <a:fontRef idx="minor">
+            <a:schemeClr val="tx1"/>
+          </a:fontRef>
+        </p:style>
+      </p:cxnSp>
+      <p:sp>
+        <p:nvSpPr>
+          <p:cNvPr id="18" name="Oval 17"/>
+          <p:cNvSpPr/>
+          <p:nvPr/>
+        </p:nvSpPr>
+        <p:spPr>
+          <a:xfrm>
+            <a:off x="5868144" y="3880202"/>
+            <a:ext cx="3129984" cy="316797"/>
+          </a:xfrm>
+          <a:prstGeom prst="ellipse">
+            <a:avLst/>
+          </a:prstGeom>
+          <a:noFill/>
+          <a:ln w="28575">
+            <a:solidFill>
+              <a:schemeClr val="accent3"/>
+            </a:solidFill>
+          </a:ln>
+        </p:spPr>
+        <p:style>
+          <a:lnRef idx="2">
+            <a:schemeClr val="accent1">
+              <a:shade val="50000"/>
+            </a:schemeClr>
+          </a:lnRef>
+          <a:fillRef idx="1">
+            <a:schemeClr val="accent1"/>
+          </a:fillRef>
+          <a:effectRef idx="0">
+            <a:schemeClr val="accent1"/>
+          </a:effectRef>
+          <a:fontRef idx="minor">
+            <a:schemeClr val="lt1"/>
+          </a:fontRef>
+        </p:style>
+        <p:txBody>
+          <a:bodyPr rtlCol="0" anchor="ctr"/>
+          <a:lstStyle/>
+          <a:p>
+            <a:pPr algn="ctr"/>
+            <a:endParaRPr lang="ko-KR" altLang="en-US"/>
+          </a:p>
+        </p:txBody>
+      </p:sp>
+      <p:sp>
+        <p:nvSpPr>
+          <p:cNvPr id="69" name="Oval 68"/>
+          <p:cNvSpPr/>
+          <p:nvPr/>
+        </p:nvSpPr>
+        <p:spPr>
+          <a:xfrm>
+            <a:off x="4139951" y="3915520"/>
+            <a:ext cx="1688049" cy="234755"/>
+          </a:xfrm>
+          <a:prstGeom prst="ellipse">
+            <a:avLst/>
+          </a:prstGeom>
+          <a:noFill/>
+          <a:ln w="28575">
+            <a:solidFill>
+              <a:schemeClr val="accent3"/>
+            </a:solidFill>
+          </a:ln>
+        </p:spPr>
+        <p:style>
+          <a:lnRef idx="2">
+            <a:schemeClr val="accent1">
+              <a:shade val="50000"/>
+            </a:schemeClr>
+          </a:lnRef>
+          <a:fillRef idx="1">
+            <a:schemeClr val="accent1"/>
+          </a:fillRef>
+          <a:effectRef idx="0">
+            <a:schemeClr val="accent1"/>
+          </a:effectRef>
+          <a:fontRef idx="minor">
+            <a:schemeClr val="lt1"/>
+          </a:fontRef>
+        </p:style>
+        <p:txBody>
+          <a:bodyPr rtlCol="0" anchor="ctr"/>
+          <a:lstStyle/>
+          <a:p>
+            <a:pPr algn="ctr"/>
+            <a:endParaRPr lang="ko-KR" altLang="en-US"/>
+          </a:p>
+        </p:txBody>
+      </p:sp>
+      <p:sp>
+        <p:nvSpPr>
+          <p:cNvPr id="70" name="Oval 69"/>
+          <p:cNvSpPr/>
+          <p:nvPr/>
+        </p:nvSpPr>
+        <p:spPr>
+          <a:xfrm>
+            <a:off x="601399" y="4095817"/>
+            <a:ext cx="2281684" cy="274777"/>
+          </a:xfrm>
+          <a:prstGeom prst="ellipse">
+            <a:avLst/>
+          </a:prstGeom>
+          <a:noFill/>
+          <a:ln w="28575">
+            <a:solidFill>
+              <a:schemeClr val="accent3"/>
+            </a:solidFill>
+          </a:ln>
+        </p:spPr>
+        <p:style>
+          <a:lnRef idx="2">
+            <a:schemeClr val="accent1">
+              <a:shade val="50000"/>
+            </a:schemeClr>
+          </a:lnRef>
+          <a:fillRef idx="1">
+            <a:schemeClr val="accent1"/>
+          </a:fillRef>
+          <a:effectRef idx="0">
+            <a:schemeClr val="accent1"/>
+          </a:effectRef>
+          <a:fontRef idx="minor">
+            <a:schemeClr val="lt1"/>
+          </a:fontRef>
+        </p:style>
+        <p:txBody>
+          <a:bodyPr rtlCol="0" anchor="ctr"/>
+          <a:lstStyle/>
+          <a:p>
+            <a:pPr algn="ctr"/>
+            <a:endParaRPr lang="ko-KR" altLang="en-US"/>
+          </a:p>
+        </p:txBody>
+      </p:sp>
+      <p:sp>
+        <p:nvSpPr>
+          <p:cNvPr id="71" name="Oval 70"/>
+          <p:cNvSpPr/>
+          <p:nvPr/>
+        </p:nvSpPr>
+        <p:spPr>
+          <a:xfrm>
+            <a:off x="2883083" y="4099893"/>
+            <a:ext cx="2120965" cy="274777"/>
+          </a:xfrm>
+          <a:prstGeom prst="ellipse">
+            <a:avLst/>
+          </a:prstGeom>
+          <a:noFill/>
+          <a:ln w="28575">
+            <a:solidFill>
+              <a:schemeClr val="accent3"/>
+            </a:solidFill>
+          </a:ln>
+        </p:spPr>
+        <p:style>
+          <a:lnRef idx="2">
+            <a:schemeClr val="accent1">
+              <a:shade val="50000"/>
+            </a:schemeClr>
+          </a:lnRef>
+          <a:fillRef idx="1">
+            <a:schemeClr val="accent1"/>
+          </a:fillRef>
+          <a:effectRef idx="0">
+            <a:schemeClr val="accent1"/>
+          </a:effectRef>
+          <a:fontRef idx="minor">
+            <a:schemeClr val="lt1"/>
+          </a:fontRef>
+        </p:style>
+        <p:txBody>
+          <a:bodyPr rtlCol="0" anchor="ctr"/>
+          <a:lstStyle/>
+          <a:p>
+            <a:pPr algn="ctr"/>
+            <a:endParaRPr lang="ko-KR" altLang="en-US"/>
+          </a:p>
+        </p:txBody>
+      </p:sp>
+      <p:sp>
+        <p:nvSpPr>
+          <p:cNvPr id="72" name="Oval 71"/>
+          <p:cNvSpPr/>
+          <p:nvPr/>
+        </p:nvSpPr>
+        <p:spPr>
+          <a:xfrm>
+            <a:off x="5044193" y="4143216"/>
+            <a:ext cx="3287906" cy="233932"/>
+          </a:xfrm>
+          <a:prstGeom prst="ellipse">
+            <a:avLst/>
+          </a:prstGeom>
+          <a:noFill/>
+          <a:ln w="28575">
+            <a:solidFill>
+              <a:schemeClr val="accent3"/>
+            </a:solidFill>
+          </a:ln>
+        </p:spPr>
+        <p:style>
+          <a:lnRef idx="2">
+            <a:schemeClr val="accent1">
+              <a:shade val="50000"/>
+            </a:schemeClr>
+          </a:lnRef>
+          <a:fillRef idx="1">
+            <a:schemeClr val="accent1"/>
+          </a:fillRef>
+          <a:effectRef idx="0">
+            <a:schemeClr val="accent1"/>
+          </a:effectRef>
+          <a:fontRef idx="minor">
+            <a:schemeClr val="lt1"/>
+          </a:fontRef>
+        </p:style>
+        <p:txBody>
+          <a:bodyPr rtlCol="0" anchor="ctr"/>
+          <a:lstStyle/>
+          <a:p>
+            <a:pPr algn="ctr"/>
+            <a:endParaRPr lang="ko-KR" altLang="en-US"/>
           </a:p>
         </p:txBody>
       </p:sp>
     </p:spTree>
     <p:extLst>
       <p:ext uri="{BB962C8B-B14F-4D97-AF65-F5344CB8AC3E}">
-        <p14:creationId xmlns:p14="http://schemas.microsoft.com/office/powerpoint/2010/main" val="2684562832"/>
+        <p14:creationId xmlns:p14="http://schemas.microsoft.com/office/powerpoint/2010/main" val="3357217223"/>
       </p:ext>
     </p:extLst>
   </p:cSld>
   <p:clrMapOvr>
     <a:masterClrMapping/>
   </p:clrMapOvr>
+  <mc:AlternateContent xmlns:mc="http://schemas.openxmlformats.org/markup-compatibility/2006">
+    <mc:Choice xmlns:p14="http://schemas.microsoft.com/office/powerpoint/2010/main" Requires="p14">
+      <p:transition spd="med" p14:dur="700">
+        <p:fade/>
+      </p:transition>
+    </mc:Choice>
+    <mc:Fallback>
+      <p:transition spd="med">
+        <p:fade/>
+      </p:transition>
+    </mc:Fallback>
+  </mc:AlternateContent>
   <p:timing>
     <p:tnLst>
       <p:par>
-        <p:cTn id="1" dur="indefinite" restart="never" nodeType="tmRoot"/>
+        <p:cTn id="1" dur="indefinite" restart="never" nodeType="tmRoot">
+          <p:childTnLst>
+            <p:seq concurrent="1" nextAc="seek">
+              <p:cTn id="2" dur="indefinite" nodeType="mainSeq">
+                <p:childTnLst>
+                  <p:par>
+                    <p:cTn id="3" fill="hold">
+                      <p:stCondLst>
+                        <p:cond delay="indefinite"/>
+                      </p:stCondLst>
+                      <p:childTnLst>
+                        <p:par>
+                          <p:cTn id="4" fill="hold">
+                            <p:stCondLst>
+                              <p:cond delay="0"/>
+                            </p:stCondLst>
+                            <p:childTnLst>
+                              <p:par>
+                                <p:cTn id="5" presetID="1" presetClass="entr" presetSubtype="0" fill="hold" nodeType="clickEffect">
+                                  <p:stCondLst>
+                                    <p:cond delay="0"/>
+                                  </p:stCondLst>
+                                  <p:childTnLst>
+                                    <p:set>
+                                      <p:cBhvr>
+                                        <p:cTn id="6" dur="1" fill="hold">
+                                          <p:stCondLst>
+                                            <p:cond delay="0"/>
+                                          </p:stCondLst>
+                                        </p:cTn>
+                                        <p:tgtEl>
+                                          <p:spTgt spid="28"/>
+                                        </p:tgtEl>
+                                        <p:attrNameLst>
+                                          <p:attrName>style.visibility</p:attrName>
+                                        </p:attrNameLst>
+                                      </p:cBhvr>
+                                      <p:to>
+                                        <p:strVal val="visible"/>
+                                      </p:to>
+                                    </p:set>
+                                  </p:childTnLst>
+                                </p:cTn>
+                              </p:par>
+                              <p:par>
+                                <p:cTn id="7" presetID="1" presetClass="entr" presetSubtype="0" fill="hold" nodeType="withEffect">
+                                  <p:stCondLst>
+                                    <p:cond delay="0"/>
+                                  </p:stCondLst>
+                                  <p:childTnLst>
+                                    <p:set>
+                                      <p:cBhvr>
+                                        <p:cTn id="8" dur="1" fill="hold">
+                                          <p:stCondLst>
+                                            <p:cond delay="0"/>
+                                          </p:stCondLst>
+                                        </p:cTn>
+                                        <p:tgtEl>
+                                          <p:spTgt spid="24"/>
+                                        </p:tgtEl>
+                                        <p:attrNameLst>
+                                          <p:attrName>style.visibility</p:attrName>
+                                        </p:attrNameLst>
+                                      </p:cBhvr>
+                                      <p:to>
+                                        <p:strVal val="visible"/>
+                                      </p:to>
+                                    </p:set>
+                                  </p:childTnLst>
+                                </p:cTn>
+                              </p:par>
+                              <p:par>
+                                <p:cTn id="9" presetID="1" presetClass="entr" presetSubtype="0" fill="hold" grpId="0" nodeType="withEffect">
+                                  <p:stCondLst>
+                                    <p:cond delay="0"/>
+                                  </p:stCondLst>
+                                  <p:childTnLst>
+                                    <p:set>
+                                      <p:cBhvr>
+                                        <p:cTn id="10" dur="1" fill="hold">
+                                          <p:stCondLst>
+                                            <p:cond delay="0"/>
+                                          </p:stCondLst>
+                                        </p:cTn>
+                                        <p:tgtEl>
+                                          <p:spTgt spid="20"/>
+                                        </p:tgtEl>
+                                        <p:attrNameLst>
+                                          <p:attrName>style.visibility</p:attrName>
+                                        </p:attrNameLst>
+                                      </p:cBhvr>
+                                      <p:to>
+                                        <p:strVal val="visible"/>
+                                      </p:to>
+                                    </p:set>
+                                  </p:childTnLst>
+                                </p:cTn>
+                              </p:par>
+                              <p:par>
+                                <p:cTn id="11" presetID="1" presetClass="entr" presetSubtype="0" fill="hold" grpId="0" nodeType="withEffect">
+                                  <p:stCondLst>
+                                    <p:cond delay="0"/>
+                                  </p:stCondLst>
+                                  <p:childTnLst>
+                                    <p:set>
+                                      <p:cBhvr>
+                                        <p:cTn id="12" dur="1" fill="hold">
+                                          <p:stCondLst>
+                                            <p:cond delay="0"/>
+                                          </p:stCondLst>
+                                        </p:cTn>
+                                        <p:tgtEl>
+                                          <p:spTgt spid="84"/>
+                                        </p:tgtEl>
+                                        <p:attrNameLst>
+                                          <p:attrName>style.visibility</p:attrName>
+                                        </p:attrNameLst>
+                                      </p:cBhvr>
+                                      <p:to>
+                                        <p:strVal val="visible"/>
+                                      </p:to>
+                                    </p:set>
+                                  </p:childTnLst>
+                                </p:cTn>
+                              </p:par>
+                              <p:par>
+                                <p:cTn id="13" presetID="1" presetClass="entr" presetSubtype="0" fill="hold" grpId="0" nodeType="withEffect">
+                                  <p:stCondLst>
+                                    <p:cond delay="0"/>
+                                  </p:stCondLst>
+                                  <p:childTnLst>
+                                    <p:set>
+                                      <p:cBhvr>
+                                        <p:cTn id="14" dur="1" fill="hold">
+                                          <p:stCondLst>
+                                            <p:cond delay="0"/>
+                                          </p:stCondLst>
+                                        </p:cTn>
+                                        <p:tgtEl>
+                                          <p:spTgt spid="19"/>
+                                        </p:tgtEl>
+                                        <p:attrNameLst>
+                                          <p:attrName>style.visibility</p:attrName>
+                                        </p:attrNameLst>
+                                      </p:cBhvr>
+                                      <p:to>
+                                        <p:strVal val="visible"/>
+                                      </p:to>
+                                    </p:set>
+                                  </p:childTnLst>
+                                </p:cTn>
+                              </p:par>
+                              <p:par>
+                                <p:cTn id="15" presetID="1" presetClass="entr" presetSubtype="0" fill="hold" grpId="0" nodeType="withEffect">
+                                  <p:stCondLst>
+                                    <p:cond delay="0"/>
+                                  </p:stCondLst>
+                                  <p:childTnLst>
+                                    <p:set>
+                                      <p:cBhvr>
+                                        <p:cTn id="16" dur="1" fill="hold">
+                                          <p:stCondLst>
+                                            <p:cond delay="0"/>
+                                          </p:stCondLst>
+                                        </p:cTn>
+                                        <p:tgtEl>
+                                          <p:spTgt spid="13"/>
+                                        </p:tgtEl>
+                                        <p:attrNameLst>
+                                          <p:attrName>style.visibility</p:attrName>
+                                        </p:attrNameLst>
+                                      </p:cBhvr>
+                                      <p:to>
+                                        <p:strVal val="visible"/>
+                                      </p:to>
+                                    </p:set>
+                                  </p:childTnLst>
+                                </p:cTn>
+                              </p:par>
+                              <p:par>
+                                <p:cTn id="17" presetID="1" presetClass="entr" presetSubtype="0" fill="hold" grpId="0" nodeType="withEffect">
+                                  <p:stCondLst>
+                                    <p:cond delay="0"/>
+                                  </p:stCondLst>
+                                  <p:childTnLst>
+                                    <p:set>
+                                      <p:cBhvr>
+                                        <p:cTn id="18" dur="1" fill="hold">
+                                          <p:stCondLst>
+                                            <p:cond delay="0"/>
+                                          </p:stCondLst>
+                                        </p:cTn>
+                                        <p:tgtEl>
+                                          <p:spTgt spid="209"/>
+                                        </p:tgtEl>
+                                        <p:attrNameLst>
+                                          <p:attrName>style.visibility</p:attrName>
+                                        </p:attrNameLst>
+                                      </p:cBhvr>
+                                      <p:to>
+                                        <p:strVal val="visible"/>
+                                      </p:to>
+                                    </p:set>
+                                  </p:childTnLst>
+                                </p:cTn>
+                              </p:par>
+                              <p:par>
+                                <p:cTn id="19" presetID="1" presetClass="entr" presetSubtype="0" fill="hold" grpId="0" nodeType="withEffect">
+                                  <p:stCondLst>
+                                    <p:cond delay="0"/>
+                                  </p:stCondLst>
+                                  <p:childTnLst>
+                                    <p:set>
+                                      <p:cBhvr>
+                                        <p:cTn id="20" dur="1" fill="hold">
+                                          <p:stCondLst>
+                                            <p:cond delay="0"/>
+                                          </p:stCondLst>
+                                        </p:cTn>
+                                        <p:tgtEl>
+                                          <p:spTgt spid="208"/>
+                                        </p:tgtEl>
+                                        <p:attrNameLst>
+                                          <p:attrName>style.visibility</p:attrName>
+                                        </p:attrNameLst>
+                                      </p:cBhvr>
+                                      <p:to>
+                                        <p:strVal val="visible"/>
+                                      </p:to>
+                                    </p:set>
+                                  </p:childTnLst>
+                                </p:cTn>
+                              </p:par>
+                              <p:par>
+                                <p:cTn id="21" presetID="1" presetClass="entr" presetSubtype="0" fill="hold" nodeType="withEffect">
+                                  <p:stCondLst>
+                                    <p:cond delay="0"/>
+                                  </p:stCondLst>
+                                  <p:childTnLst>
+                                    <p:set>
+                                      <p:cBhvr>
+                                        <p:cTn id="22" dur="1" fill="hold">
+                                          <p:stCondLst>
+                                            <p:cond delay="0"/>
+                                          </p:stCondLst>
+                                        </p:cTn>
+                                        <p:tgtEl>
+                                          <p:spTgt spid="14"/>
+                                        </p:tgtEl>
+                                        <p:attrNameLst>
+                                          <p:attrName>style.visibility</p:attrName>
+                                        </p:attrNameLst>
+                                      </p:cBhvr>
+                                      <p:to>
+                                        <p:strVal val="visible"/>
+                                      </p:to>
+                                    </p:set>
+                                  </p:childTnLst>
+                                </p:cTn>
+                              </p:par>
+                              <p:par>
+                                <p:cTn id="23" presetID="1" presetClass="entr" presetSubtype="0" fill="hold" grpId="0" nodeType="withEffect">
+                                  <p:stCondLst>
+                                    <p:cond delay="0"/>
+                                  </p:stCondLst>
+                                  <p:childTnLst>
+                                    <p:set>
+                                      <p:cBhvr>
+                                        <p:cTn id="24" dur="1" fill="hold">
+                                          <p:stCondLst>
+                                            <p:cond delay="0"/>
+                                          </p:stCondLst>
+                                        </p:cTn>
+                                        <p:tgtEl>
+                                          <p:spTgt spid="6"/>
+                                        </p:tgtEl>
+                                        <p:attrNameLst>
+                                          <p:attrName>style.visibility</p:attrName>
+                                        </p:attrNameLst>
+                                      </p:cBhvr>
+                                      <p:to>
+                                        <p:strVal val="visible"/>
+                                      </p:to>
+                                    </p:set>
+                                  </p:childTnLst>
+                                </p:cTn>
+                              </p:par>
+                            </p:childTnLst>
+                          </p:cTn>
+                        </p:par>
+                      </p:childTnLst>
+                    </p:cTn>
+                  </p:par>
+                  <p:par>
+                    <p:cTn id="25" fill="hold">
+                      <p:stCondLst>
+                        <p:cond delay="indefinite"/>
+                      </p:stCondLst>
+                      <p:childTnLst>
+                        <p:par>
+                          <p:cTn id="26" fill="hold">
+                            <p:stCondLst>
+                              <p:cond delay="0"/>
+                            </p:stCondLst>
+                            <p:childTnLst>
+                              <p:par>
+                                <p:cTn id="27" presetID="1" presetClass="entr" presetSubtype="0" fill="hold" nodeType="clickEffect">
+                                  <p:stCondLst>
+                                    <p:cond delay="0"/>
+                                  </p:stCondLst>
+                                  <p:childTnLst>
+                                    <p:set>
+                                      <p:cBhvr>
+                                        <p:cTn id="28" dur="1" fill="hold">
+                                          <p:stCondLst>
+                                            <p:cond delay="0"/>
+                                          </p:stCondLst>
+                                        </p:cTn>
+                                        <p:tgtEl>
+                                          <p:spTgt spid="34"/>
+                                        </p:tgtEl>
+                                        <p:attrNameLst>
+                                          <p:attrName>style.visibility</p:attrName>
+                                        </p:attrNameLst>
+                                      </p:cBhvr>
+                                      <p:to>
+                                        <p:strVal val="visible"/>
+                                      </p:to>
+                                    </p:set>
+                                  </p:childTnLst>
+                                </p:cTn>
+                              </p:par>
+                              <p:par>
+                                <p:cTn id="29" presetID="1" presetClass="exit" presetSubtype="0" fill="hold" nodeType="withEffect">
+                                  <p:stCondLst>
+                                    <p:cond delay="0"/>
+                                  </p:stCondLst>
+                                  <p:childTnLst>
+                                    <p:set>
+                                      <p:cBhvr>
+                                        <p:cTn id="30" dur="1" fill="hold">
+                                          <p:stCondLst>
+                                            <p:cond delay="0"/>
+                                          </p:stCondLst>
+                                        </p:cTn>
+                                        <p:tgtEl>
+                                          <p:spTgt spid="14"/>
+                                        </p:tgtEl>
+                                        <p:attrNameLst>
+                                          <p:attrName>style.visibility</p:attrName>
+                                        </p:attrNameLst>
+                                      </p:cBhvr>
+                                      <p:to>
+                                        <p:strVal val="hidden"/>
+                                      </p:to>
+                                    </p:set>
+                                  </p:childTnLst>
+                                </p:cTn>
+                              </p:par>
+                              <p:par>
+                                <p:cTn id="31" presetID="1" presetClass="exit" presetSubtype="0" fill="hold" grpId="1" nodeType="withEffect">
+                                  <p:stCondLst>
+                                    <p:cond delay="0"/>
+                                  </p:stCondLst>
+                                  <p:childTnLst>
+                                    <p:set>
+                                      <p:cBhvr>
+                                        <p:cTn id="32" dur="1" fill="hold">
+                                          <p:stCondLst>
+                                            <p:cond delay="0"/>
+                                          </p:stCondLst>
+                                        </p:cTn>
+                                        <p:tgtEl>
+                                          <p:spTgt spid="6"/>
+                                        </p:tgtEl>
+                                        <p:attrNameLst>
+                                          <p:attrName>style.visibility</p:attrName>
+                                        </p:attrNameLst>
+                                      </p:cBhvr>
+                                      <p:to>
+                                        <p:strVal val="hidden"/>
+                                      </p:to>
+                                    </p:set>
+                                  </p:childTnLst>
+                                </p:cTn>
+                              </p:par>
+                              <p:par>
+                                <p:cTn id="33" presetID="1" presetClass="entr" presetSubtype="0" fill="hold" grpId="0" nodeType="withEffect">
+                                  <p:stCondLst>
+                                    <p:cond delay="0"/>
+                                  </p:stCondLst>
+                                  <p:childTnLst>
+                                    <p:set>
+                                      <p:cBhvr>
+                                        <p:cTn id="34" dur="1" fill="hold">
+                                          <p:stCondLst>
+                                            <p:cond delay="0"/>
+                                          </p:stCondLst>
+                                        </p:cTn>
+                                        <p:tgtEl>
+                                          <p:spTgt spid="94"/>
+                                        </p:tgtEl>
+                                        <p:attrNameLst>
+                                          <p:attrName>style.visibility</p:attrName>
+                                        </p:attrNameLst>
+                                      </p:cBhvr>
+                                      <p:to>
+                                        <p:strVal val="visible"/>
+                                      </p:to>
+                                    </p:set>
+                                  </p:childTnLst>
+                                </p:cTn>
+                              </p:par>
+                            </p:childTnLst>
+                          </p:cTn>
+                        </p:par>
+                      </p:childTnLst>
+                    </p:cTn>
+                  </p:par>
+                  <p:par>
+                    <p:cTn id="35" fill="hold">
+                      <p:stCondLst>
+                        <p:cond delay="indefinite"/>
+                      </p:stCondLst>
+                      <p:childTnLst>
+                        <p:par>
+                          <p:cTn id="36" fill="hold">
+                            <p:stCondLst>
+                              <p:cond delay="0"/>
+                            </p:stCondLst>
+                            <p:childTnLst>
+                              <p:par>
+                                <p:cTn id="37" presetID="1" presetClass="entr" presetSubtype="0" fill="hold" nodeType="clickEffect">
+                                  <p:stCondLst>
+                                    <p:cond delay="0"/>
+                                  </p:stCondLst>
+                                  <p:childTnLst>
+                                    <p:set>
+                                      <p:cBhvr>
+                                        <p:cTn id="38" dur="1" fill="hold">
+                                          <p:stCondLst>
+                                            <p:cond delay="0"/>
+                                          </p:stCondLst>
+                                        </p:cTn>
+                                        <p:tgtEl>
+                                          <p:spTgt spid="161"/>
+                                        </p:tgtEl>
+                                        <p:attrNameLst>
+                                          <p:attrName>style.visibility</p:attrName>
+                                        </p:attrNameLst>
+                                      </p:cBhvr>
+                                      <p:to>
+                                        <p:strVal val="visible"/>
+                                      </p:to>
+                                    </p:set>
+                                  </p:childTnLst>
+                                </p:cTn>
+                              </p:par>
+                              <p:par>
+                                <p:cTn id="39" presetID="1" presetClass="entr" presetSubtype="0" fill="hold" grpId="0" nodeType="withEffect">
+                                  <p:stCondLst>
+                                    <p:cond delay="0"/>
+                                  </p:stCondLst>
+                                  <p:childTnLst>
+                                    <p:set>
+                                      <p:cBhvr>
+                                        <p:cTn id="40" dur="1" fill="hold">
+                                          <p:stCondLst>
+                                            <p:cond delay="0"/>
+                                          </p:stCondLst>
+                                        </p:cTn>
+                                        <p:tgtEl>
+                                          <p:spTgt spid="148"/>
+                                        </p:tgtEl>
+                                        <p:attrNameLst>
+                                          <p:attrName>style.visibility</p:attrName>
+                                        </p:attrNameLst>
+                                      </p:cBhvr>
+                                      <p:to>
+                                        <p:strVal val="visible"/>
+                                      </p:to>
+                                    </p:set>
+                                  </p:childTnLst>
+                                </p:cTn>
+                              </p:par>
+                              <p:par>
+                                <p:cTn id="41" presetID="1" presetClass="entr" presetSubtype="0" fill="hold" grpId="0" nodeType="withEffect">
+                                  <p:stCondLst>
+                                    <p:cond delay="0"/>
+                                  </p:stCondLst>
+                                  <p:childTnLst>
+                                    <p:set>
+                                      <p:cBhvr>
+                                        <p:cTn id="42" dur="1" fill="hold">
+                                          <p:stCondLst>
+                                            <p:cond delay="0"/>
+                                          </p:stCondLst>
+                                        </p:cTn>
+                                        <p:tgtEl>
+                                          <p:spTgt spid="154"/>
+                                        </p:tgtEl>
+                                        <p:attrNameLst>
+                                          <p:attrName>style.visibility</p:attrName>
+                                        </p:attrNameLst>
+                                      </p:cBhvr>
+                                      <p:to>
+                                        <p:strVal val="visible"/>
+                                      </p:to>
+                                    </p:set>
+                                  </p:childTnLst>
+                                </p:cTn>
+                              </p:par>
+                              <p:par>
+                                <p:cTn id="43" presetID="1" presetClass="entr" presetSubtype="0" fill="hold" grpId="0" nodeType="withEffect">
+                                  <p:stCondLst>
+                                    <p:cond delay="0"/>
+                                  </p:stCondLst>
+                                  <p:childTnLst>
+                                    <p:set>
+                                      <p:cBhvr>
+                                        <p:cTn id="44" dur="1" fill="hold">
+                                          <p:stCondLst>
+                                            <p:cond delay="0"/>
+                                          </p:stCondLst>
+                                        </p:cTn>
+                                        <p:tgtEl>
+                                          <p:spTgt spid="95"/>
+                                        </p:tgtEl>
+                                        <p:attrNameLst>
+                                          <p:attrName>style.visibility</p:attrName>
+                                        </p:attrNameLst>
+                                      </p:cBhvr>
+                                      <p:to>
+                                        <p:strVal val="visible"/>
+                                      </p:to>
+                                    </p:set>
+                                  </p:childTnLst>
+                                </p:cTn>
+                              </p:par>
+                              <p:par>
+                                <p:cTn id="45" presetID="1" presetClass="entr" presetSubtype="0" fill="hold" grpId="0" nodeType="withEffect">
+                                  <p:stCondLst>
+                                    <p:cond delay="0"/>
+                                  </p:stCondLst>
+                                  <p:childTnLst>
+                                    <p:set>
+                                      <p:cBhvr>
+                                        <p:cTn id="46" dur="1" fill="hold">
+                                          <p:stCondLst>
+                                            <p:cond delay="0"/>
+                                          </p:stCondLst>
+                                        </p:cTn>
+                                        <p:tgtEl>
+                                          <p:spTgt spid="96"/>
+                                        </p:tgtEl>
+                                        <p:attrNameLst>
+                                          <p:attrName>style.visibility</p:attrName>
+                                        </p:attrNameLst>
+                                      </p:cBhvr>
+                                      <p:to>
+                                        <p:strVal val="visible"/>
+                                      </p:to>
+                                    </p:set>
+                                  </p:childTnLst>
+                                </p:cTn>
+                              </p:par>
+                              <p:par>
+                                <p:cTn id="47" presetID="1" presetClass="entr" presetSubtype="0" fill="hold" grpId="0" nodeType="withEffect">
+                                  <p:stCondLst>
+                                    <p:cond delay="0"/>
+                                  </p:stCondLst>
+                                  <p:childTnLst>
+                                    <p:set>
+                                      <p:cBhvr>
+                                        <p:cTn id="48" dur="1" fill="hold">
+                                          <p:stCondLst>
+                                            <p:cond delay="0"/>
+                                          </p:stCondLst>
+                                        </p:cTn>
+                                        <p:tgtEl>
+                                          <p:spTgt spid="97"/>
+                                        </p:tgtEl>
+                                        <p:attrNameLst>
+                                          <p:attrName>style.visibility</p:attrName>
+                                        </p:attrNameLst>
+                                      </p:cBhvr>
+                                      <p:to>
+                                        <p:strVal val="visible"/>
+                                      </p:to>
+                                    </p:set>
+                                  </p:childTnLst>
+                                </p:cTn>
+                              </p:par>
+                              <p:par>
+                                <p:cTn id="49" presetID="1" presetClass="entr" presetSubtype="0" fill="hold" grpId="0" nodeType="withEffect">
+                                  <p:stCondLst>
+                                    <p:cond delay="0"/>
+                                  </p:stCondLst>
+                                  <p:childTnLst>
+                                    <p:set>
+                                      <p:cBhvr>
+                                        <p:cTn id="50" dur="1" fill="hold">
+                                          <p:stCondLst>
+                                            <p:cond delay="0"/>
+                                          </p:stCondLst>
+                                        </p:cTn>
+                                        <p:tgtEl>
+                                          <p:spTgt spid="98"/>
+                                        </p:tgtEl>
+                                        <p:attrNameLst>
+                                          <p:attrName>style.visibility</p:attrName>
+                                        </p:attrNameLst>
+                                      </p:cBhvr>
+                                      <p:to>
+                                        <p:strVal val="visible"/>
+                                      </p:to>
+                                    </p:set>
+                                  </p:childTnLst>
+                                </p:cTn>
+                              </p:par>
+                              <p:par>
+                                <p:cTn id="51" presetID="1" presetClass="entr" presetSubtype="0" fill="hold" grpId="0" nodeType="withEffect">
+                                  <p:stCondLst>
+                                    <p:cond delay="0"/>
+                                  </p:stCondLst>
+                                  <p:childTnLst>
+                                    <p:set>
+                                      <p:cBhvr>
+                                        <p:cTn id="52" dur="1" fill="hold">
+                                          <p:stCondLst>
+                                            <p:cond delay="0"/>
+                                          </p:stCondLst>
+                                        </p:cTn>
+                                        <p:tgtEl>
+                                          <p:spTgt spid="69"/>
+                                        </p:tgtEl>
+                                        <p:attrNameLst>
+                                          <p:attrName>style.visibility</p:attrName>
+                                        </p:attrNameLst>
+                                      </p:cBhvr>
+                                      <p:to>
+                                        <p:strVal val="visible"/>
+                                      </p:to>
+                                    </p:set>
+                                  </p:childTnLst>
+                                </p:cTn>
+                              </p:par>
+                              <p:par>
+                                <p:cTn id="53" presetID="1" presetClass="entr" presetSubtype="0" fill="hold" grpId="0" nodeType="withEffect">
+                                  <p:stCondLst>
+                                    <p:cond delay="0"/>
+                                  </p:stCondLst>
+                                  <p:childTnLst>
+                                    <p:set>
+                                      <p:cBhvr>
+                                        <p:cTn id="54" dur="1" fill="hold">
+                                          <p:stCondLst>
+                                            <p:cond delay="0"/>
+                                          </p:stCondLst>
+                                        </p:cTn>
+                                        <p:tgtEl>
+                                          <p:spTgt spid="18"/>
+                                        </p:tgtEl>
+                                        <p:attrNameLst>
+                                          <p:attrName>style.visibility</p:attrName>
+                                        </p:attrNameLst>
+                                      </p:cBhvr>
+                                      <p:to>
+                                        <p:strVal val="visible"/>
+                                      </p:to>
+                                    </p:set>
+                                  </p:childTnLst>
+                                </p:cTn>
+                              </p:par>
+                              <p:par>
+                                <p:cTn id="55" presetID="1" presetClass="entr" presetSubtype="0" fill="hold" grpId="0" nodeType="withEffect">
+                                  <p:stCondLst>
+                                    <p:cond delay="0"/>
+                                  </p:stCondLst>
+                                  <p:childTnLst>
+                                    <p:set>
+                                      <p:cBhvr>
+                                        <p:cTn id="56" dur="1" fill="hold">
+                                          <p:stCondLst>
+                                            <p:cond delay="0"/>
+                                          </p:stCondLst>
+                                        </p:cTn>
+                                        <p:tgtEl>
+                                          <p:spTgt spid="72"/>
+                                        </p:tgtEl>
+                                        <p:attrNameLst>
+                                          <p:attrName>style.visibility</p:attrName>
+                                        </p:attrNameLst>
+                                      </p:cBhvr>
+                                      <p:to>
+                                        <p:strVal val="visible"/>
+                                      </p:to>
+                                    </p:set>
+                                  </p:childTnLst>
+                                </p:cTn>
+                              </p:par>
+                              <p:par>
+                                <p:cTn id="57" presetID="1" presetClass="entr" presetSubtype="0" fill="hold" grpId="0" nodeType="withEffect">
+                                  <p:stCondLst>
+                                    <p:cond delay="0"/>
+                                  </p:stCondLst>
+                                  <p:childTnLst>
+                                    <p:set>
+                                      <p:cBhvr>
+                                        <p:cTn id="58" dur="1" fill="hold">
+                                          <p:stCondLst>
+                                            <p:cond delay="0"/>
+                                          </p:stCondLst>
+                                        </p:cTn>
+                                        <p:tgtEl>
+                                          <p:spTgt spid="71"/>
+                                        </p:tgtEl>
+                                        <p:attrNameLst>
+                                          <p:attrName>style.visibility</p:attrName>
+                                        </p:attrNameLst>
+                                      </p:cBhvr>
+                                      <p:to>
+                                        <p:strVal val="visible"/>
+                                      </p:to>
+                                    </p:set>
+                                  </p:childTnLst>
+                                </p:cTn>
+                              </p:par>
+                              <p:par>
+                                <p:cTn id="59" presetID="1" presetClass="entr" presetSubtype="0" fill="hold" grpId="0" nodeType="withEffect">
+                                  <p:stCondLst>
+                                    <p:cond delay="0"/>
+                                  </p:stCondLst>
+                                  <p:childTnLst>
+                                    <p:set>
+                                      <p:cBhvr>
+                                        <p:cTn id="60" dur="1" fill="hold">
+                                          <p:stCondLst>
+                                            <p:cond delay="0"/>
+                                          </p:stCondLst>
+                                        </p:cTn>
+                                        <p:tgtEl>
+                                          <p:spTgt spid="70"/>
+                                        </p:tgtEl>
+                                        <p:attrNameLst>
+                                          <p:attrName>style.visibility</p:attrName>
+                                        </p:attrNameLst>
+                                      </p:cBhvr>
+                                      <p:to>
+                                        <p:strVal val="visible"/>
+                                      </p:to>
+                                    </p:set>
+                                  </p:childTnLst>
+                                </p:cTn>
+                              </p:par>
+                            </p:childTnLst>
+                          </p:cTn>
+                        </p:par>
+                      </p:childTnLst>
+                    </p:cTn>
+                  </p:par>
+                  <p:par>
+                    <p:cTn id="61" fill="hold">
+                      <p:stCondLst>
+                        <p:cond delay="indefinite"/>
+                      </p:stCondLst>
+                      <p:childTnLst>
+                        <p:par>
+                          <p:cTn id="62" fill="hold">
+                            <p:stCondLst>
+                              <p:cond delay="0"/>
+                            </p:stCondLst>
+                            <p:childTnLst>
+                              <p:par>
+                                <p:cTn id="63" presetID="1" presetClass="exit" presetSubtype="0" fill="hold" nodeType="clickEffect">
+                                  <p:stCondLst>
+                                    <p:cond delay="0"/>
+                                  </p:stCondLst>
+                                  <p:childTnLst>
+                                    <p:set>
+                                      <p:cBhvr>
+                                        <p:cTn id="64" dur="1" fill="hold">
+                                          <p:stCondLst>
+                                            <p:cond delay="0"/>
+                                          </p:stCondLst>
+                                        </p:cTn>
+                                        <p:tgtEl>
+                                          <p:spTgt spid="16"/>
+                                        </p:tgtEl>
+                                        <p:attrNameLst>
+                                          <p:attrName>style.visibility</p:attrName>
+                                        </p:attrNameLst>
+                                      </p:cBhvr>
+                                      <p:to>
+                                        <p:strVal val="hidden"/>
+                                      </p:to>
+                                    </p:set>
+                                  </p:childTnLst>
+                                </p:cTn>
+                              </p:par>
+                              <p:par>
+                                <p:cTn id="65" presetID="1" presetClass="exit" presetSubtype="0" fill="hold" grpId="1" nodeType="withEffect">
+                                  <p:stCondLst>
+                                    <p:cond delay="0"/>
+                                  </p:stCondLst>
+                                  <p:childTnLst>
+                                    <p:set>
+                                      <p:cBhvr>
+                                        <p:cTn id="66" dur="1" fill="hold">
+                                          <p:stCondLst>
+                                            <p:cond delay="0"/>
+                                          </p:stCondLst>
+                                        </p:cTn>
+                                        <p:tgtEl>
+                                          <p:spTgt spid="69"/>
+                                        </p:tgtEl>
+                                        <p:attrNameLst>
+                                          <p:attrName>style.visibility</p:attrName>
+                                        </p:attrNameLst>
+                                      </p:cBhvr>
+                                      <p:to>
+                                        <p:strVal val="hidden"/>
+                                      </p:to>
+                                    </p:set>
+                                  </p:childTnLst>
+                                </p:cTn>
+                              </p:par>
+                              <p:par>
+                                <p:cTn id="67" presetID="1" presetClass="exit" presetSubtype="0" fill="hold" grpId="1" nodeType="withEffect">
+                                  <p:stCondLst>
+                                    <p:cond delay="0"/>
+                                  </p:stCondLst>
+                                  <p:childTnLst>
+                                    <p:set>
+                                      <p:cBhvr>
+                                        <p:cTn id="68" dur="1" fill="hold">
+                                          <p:stCondLst>
+                                            <p:cond delay="0"/>
+                                          </p:stCondLst>
+                                        </p:cTn>
+                                        <p:tgtEl>
+                                          <p:spTgt spid="18"/>
+                                        </p:tgtEl>
+                                        <p:attrNameLst>
+                                          <p:attrName>style.visibility</p:attrName>
+                                        </p:attrNameLst>
+                                      </p:cBhvr>
+                                      <p:to>
+                                        <p:strVal val="hidden"/>
+                                      </p:to>
+                                    </p:set>
+                                  </p:childTnLst>
+                                </p:cTn>
+                              </p:par>
+                              <p:par>
+                                <p:cTn id="69" presetID="1" presetClass="exit" presetSubtype="0" fill="hold" grpId="1" nodeType="withEffect">
+                                  <p:stCondLst>
+                                    <p:cond delay="0"/>
+                                  </p:stCondLst>
+                                  <p:childTnLst>
+                                    <p:set>
+                                      <p:cBhvr>
+                                        <p:cTn id="70" dur="1" fill="hold">
+                                          <p:stCondLst>
+                                            <p:cond delay="0"/>
+                                          </p:stCondLst>
+                                        </p:cTn>
+                                        <p:tgtEl>
+                                          <p:spTgt spid="72"/>
+                                        </p:tgtEl>
+                                        <p:attrNameLst>
+                                          <p:attrName>style.visibility</p:attrName>
+                                        </p:attrNameLst>
+                                      </p:cBhvr>
+                                      <p:to>
+                                        <p:strVal val="hidden"/>
+                                      </p:to>
+                                    </p:set>
+                                  </p:childTnLst>
+                                </p:cTn>
+                              </p:par>
+                              <p:par>
+                                <p:cTn id="71" presetID="1" presetClass="exit" presetSubtype="0" fill="hold" grpId="1" nodeType="withEffect">
+                                  <p:stCondLst>
+                                    <p:cond delay="0"/>
+                                  </p:stCondLst>
+                                  <p:childTnLst>
+                                    <p:set>
+                                      <p:cBhvr>
+                                        <p:cTn id="72" dur="1" fill="hold">
+                                          <p:stCondLst>
+                                            <p:cond delay="0"/>
+                                          </p:stCondLst>
+                                        </p:cTn>
+                                        <p:tgtEl>
+                                          <p:spTgt spid="71"/>
+                                        </p:tgtEl>
+                                        <p:attrNameLst>
+                                          <p:attrName>style.visibility</p:attrName>
+                                        </p:attrNameLst>
+                                      </p:cBhvr>
+                                      <p:to>
+                                        <p:strVal val="hidden"/>
+                                      </p:to>
+                                    </p:set>
+                                  </p:childTnLst>
+                                </p:cTn>
+                              </p:par>
+                              <p:par>
+                                <p:cTn id="73" presetID="1" presetClass="exit" presetSubtype="0" fill="hold" grpId="1" nodeType="withEffect">
+                                  <p:stCondLst>
+                                    <p:cond delay="0"/>
+                                  </p:stCondLst>
+                                  <p:childTnLst>
+                                    <p:set>
+                                      <p:cBhvr>
+                                        <p:cTn id="74" dur="1" fill="hold">
+                                          <p:stCondLst>
+                                            <p:cond delay="0"/>
+                                          </p:stCondLst>
+                                        </p:cTn>
+                                        <p:tgtEl>
+                                          <p:spTgt spid="70"/>
+                                        </p:tgtEl>
+                                        <p:attrNameLst>
+                                          <p:attrName>style.visibility</p:attrName>
+                                        </p:attrNameLst>
+                                      </p:cBhvr>
+                                      <p:to>
+                                        <p:strVal val="hidden"/>
+                                      </p:to>
+                                    </p:set>
+                                  </p:childTnLst>
+                                </p:cTn>
+                              </p:par>
+                              <p:par>
+                                <p:cTn id="75" presetID="1" presetClass="entr" presetSubtype="0" fill="hold" nodeType="withEffect">
+                                  <p:stCondLst>
+                                    <p:cond delay="0"/>
+                                  </p:stCondLst>
+                                  <p:childTnLst>
+                                    <p:set>
+                                      <p:cBhvr>
+                                        <p:cTn id="76" dur="1" fill="hold">
+                                          <p:stCondLst>
+                                            <p:cond delay="0"/>
+                                          </p:stCondLst>
+                                        </p:cTn>
+                                        <p:tgtEl>
+                                          <p:spTgt spid="140"/>
+                                        </p:tgtEl>
+                                        <p:attrNameLst>
+                                          <p:attrName>style.visibility</p:attrName>
+                                        </p:attrNameLst>
+                                      </p:cBhvr>
+                                      <p:to>
+                                        <p:strVal val="visible"/>
+                                      </p:to>
+                                    </p:set>
+                                  </p:childTnLst>
+                                </p:cTn>
+                              </p:par>
+                              <p:par>
+                                <p:cTn id="77" presetID="1" presetClass="entr" presetSubtype="0" fill="hold" nodeType="withEffect">
+                                  <p:stCondLst>
+                                    <p:cond delay="0"/>
+                                  </p:stCondLst>
+                                  <p:childTnLst>
+                                    <p:set>
+                                      <p:cBhvr>
+                                        <p:cTn id="78" dur="1" fill="hold">
+                                          <p:stCondLst>
+                                            <p:cond delay="0"/>
+                                          </p:stCondLst>
+                                        </p:cTn>
+                                        <p:tgtEl>
+                                          <p:spTgt spid="136"/>
+                                        </p:tgtEl>
+                                        <p:attrNameLst>
+                                          <p:attrName>style.visibility</p:attrName>
+                                        </p:attrNameLst>
+                                      </p:cBhvr>
+                                      <p:to>
+                                        <p:strVal val="visible"/>
+                                      </p:to>
+                                    </p:set>
+                                  </p:childTnLst>
+                                </p:cTn>
+                              </p:par>
+                              <p:par>
+                                <p:cTn id="79" presetID="1" presetClass="entr" presetSubtype="0" fill="hold" grpId="0" nodeType="withEffect">
+                                  <p:stCondLst>
+                                    <p:cond delay="0"/>
+                                  </p:stCondLst>
+                                  <p:childTnLst>
+                                    <p:set>
+                                      <p:cBhvr>
+                                        <p:cTn id="80" dur="1" fill="hold">
+                                          <p:stCondLst>
+                                            <p:cond delay="0"/>
+                                          </p:stCondLst>
+                                        </p:cTn>
+                                        <p:tgtEl>
+                                          <p:spTgt spid="121"/>
+                                        </p:tgtEl>
+                                        <p:attrNameLst>
+                                          <p:attrName>style.visibility</p:attrName>
+                                        </p:attrNameLst>
+                                      </p:cBhvr>
+                                      <p:to>
+                                        <p:strVal val="visible"/>
+                                      </p:to>
+                                    </p:set>
+                                  </p:childTnLst>
+                                </p:cTn>
+                              </p:par>
+                              <p:par>
+                                <p:cTn id="81" presetID="1" presetClass="entr" presetSubtype="0" fill="hold" grpId="0" nodeType="withEffect">
+                                  <p:stCondLst>
+                                    <p:cond delay="0"/>
+                                  </p:stCondLst>
+                                  <p:childTnLst>
+                                    <p:set>
+                                      <p:cBhvr>
+                                        <p:cTn id="82" dur="1" fill="hold">
+                                          <p:stCondLst>
+                                            <p:cond delay="0"/>
+                                          </p:stCondLst>
+                                        </p:cTn>
+                                        <p:tgtEl>
+                                          <p:spTgt spid="112"/>
+                                        </p:tgtEl>
+                                        <p:attrNameLst>
+                                          <p:attrName>style.visibility</p:attrName>
+                                        </p:attrNameLst>
+                                      </p:cBhvr>
+                                      <p:to>
+                                        <p:strVal val="visible"/>
+                                      </p:to>
+                                    </p:set>
+                                  </p:childTnLst>
+                                </p:cTn>
+                              </p:par>
+                              <p:par>
+                                <p:cTn id="83" presetID="1" presetClass="entr" presetSubtype="0" fill="hold" grpId="0" nodeType="withEffect">
+                                  <p:stCondLst>
+                                    <p:cond delay="0"/>
+                                  </p:stCondLst>
+                                  <p:childTnLst>
+                                    <p:set>
+                                      <p:cBhvr>
+                                        <p:cTn id="84" dur="1" fill="hold">
+                                          <p:stCondLst>
+                                            <p:cond delay="0"/>
+                                          </p:stCondLst>
+                                        </p:cTn>
+                                        <p:tgtEl>
+                                          <p:spTgt spid="113"/>
+                                        </p:tgtEl>
+                                        <p:attrNameLst>
+                                          <p:attrName>style.visibility</p:attrName>
+                                        </p:attrNameLst>
+                                      </p:cBhvr>
+                                      <p:to>
+                                        <p:strVal val="visible"/>
+                                      </p:to>
+                                    </p:set>
+                                  </p:childTnLst>
+                                </p:cTn>
+                              </p:par>
+                              <p:par>
+                                <p:cTn id="85" presetID="1" presetClass="entr" presetSubtype="0" fill="hold" grpId="0" nodeType="withEffect">
+                                  <p:stCondLst>
+                                    <p:cond delay="0"/>
+                                  </p:stCondLst>
+                                  <p:childTnLst>
+                                    <p:set>
+                                      <p:cBhvr>
+                                        <p:cTn id="86" dur="1" fill="hold">
+                                          <p:stCondLst>
+                                            <p:cond delay="0"/>
+                                          </p:stCondLst>
+                                        </p:cTn>
+                                        <p:tgtEl>
+                                          <p:spTgt spid="124"/>
+                                        </p:tgtEl>
+                                        <p:attrNameLst>
+                                          <p:attrName>style.visibility</p:attrName>
+                                        </p:attrNameLst>
+                                      </p:cBhvr>
+                                      <p:to>
+                                        <p:strVal val="visible"/>
+                                      </p:to>
+                                    </p:set>
+                                  </p:childTnLst>
+                                </p:cTn>
+                              </p:par>
+                              <p:par>
+                                <p:cTn id="87" presetID="1" presetClass="entr" presetSubtype="0" fill="hold" grpId="0" nodeType="withEffect">
+                                  <p:stCondLst>
+                                    <p:cond delay="0"/>
+                                  </p:stCondLst>
+                                  <p:childTnLst>
+                                    <p:set>
+                                      <p:cBhvr>
+                                        <p:cTn id="88" dur="1" fill="hold">
+                                          <p:stCondLst>
+                                            <p:cond delay="0"/>
+                                          </p:stCondLst>
+                                        </p:cTn>
+                                        <p:tgtEl>
+                                          <p:spTgt spid="125"/>
+                                        </p:tgtEl>
+                                        <p:attrNameLst>
+                                          <p:attrName>style.visibility</p:attrName>
+                                        </p:attrNameLst>
+                                      </p:cBhvr>
+                                      <p:to>
+                                        <p:strVal val="visible"/>
+                                      </p:to>
+                                    </p:set>
+                                  </p:childTnLst>
+                                </p:cTn>
+                              </p:par>
+                              <p:par>
+                                <p:cTn id="89" presetID="1" presetClass="entr" presetSubtype="0" fill="hold" grpId="0" nodeType="withEffect">
+                                  <p:stCondLst>
+                                    <p:cond delay="0"/>
+                                  </p:stCondLst>
+                                  <p:childTnLst>
+                                    <p:set>
+                                      <p:cBhvr>
+                                        <p:cTn id="90" dur="1" fill="hold">
+                                          <p:stCondLst>
+                                            <p:cond delay="0"/>
+                                          </p:stCondLst>
+                                        </p:cTn>
+                                        <p:tgtEl>
+                                          <p:spTgt spid="126"/>
+                                        </p:tgtEl>
+                                        <p:attrNameLst>
+                                          <p:attrName>style.visibility</p:attrName>
+                                        </p:attrNameLst>
+                                      </p:cBhvr>
+                                      <p:to>
+                                        <p:strVal val="visible"/>
+                                      </p:to>
+                                    </p:set>
+                                  </p:childTnLst>
+                                </p:cTn>
+                              </p:par>
+                            </p:childTnLst>
+                          </p:cTn>
+                        </p:par>
+                      </p:childTnLst>
+                    </p:cTn>
+                  </p:par>
+                  <p:par>
+                    <p:cTn id="91" fill="hold">
+                      <p:stCondLst>
+                        <p:cond delay="indefinite"/>
+                      </p:stCondLst>
+                      <p:childTnLst>
+                        <p:par>
+                          <p:cTn id="92" fill="hold">
+                            <p:stCondLst>
+                              <p:cond delay="0"/>
+                            </p:stCondLst>
+                            <p:childTnLst>
+                              <p:par>
+                                <p:cTn id="93" presetID="1" presetClass="entr" presetSubtype="0" fill="hold" grpId="0" nodeType="clickEffect">
+                                  <p:stCondLst>
+                                    <p:cond delay="0"/>
+                                  </p:stCondLst>
+                                  <p:childTnLst>
+                                    <p:set>
+                                      <p:cBhvr>
+                                        <p:cTn id="94" dur="1" fill="hold">
+                                          <p:stCondLst>
+                                            <p:cond delay="0"/>
+                                          </p:stCondLst>
+                                        </p:cTn>
+                                        <p:tgtEl>
+                                          <p:spTgt spid="142"/>
+                                        </p:tgtEl>
+                                        <p:attrNameLst>
+                                          <p:attrName>style.visibility</p:attrName>
+                                        </p:attrNameLst>
+                                      </p:cBhvr>
+                                      <p:to>
+                                        <p:strVal val="visible"/>
+                                      </p:to>
+                                    </p:set>
+                                  </p:childTnLst>
+                                </p:cTn>
+                              </p:par>
+                              <p:par>
+                                <p:cTn id="95" presetID="1" presetClass="entr" presetSubtype="0" fill="hold" nodeType="withEffect">
+                                  <p:stCondLst>
+                                    <p:cond delay="0"/>
+                                  </p:stCondLst>
+                                  <p:childTnLst>
+                                    <p:set>
+                                      <p:cBhvr>
+                                        <p:cTn id="96" dur="1" fill="hold">
+                                          <p:stCondLst>
+                                            <p:cond delay="0"/>
+                                          </p:stCondLst>
+                                        </p:cTn>
+                                        <p:tgtEl>
+                                          <p:spTgt spid="163"/>
+                                        </p:tgtEl>
+                                        <p:attrNameLst>
+                                          <p:attrName>style.visibility</p:attrName>
+                                        </p:attrNameLst>
+                                      </p:cBhvr>
+                                      <p:to>
+                                        <p:strVal val="visible"/>
+                                      </p:to>
+                                    </p:set>
+                                  </p:childTnLst>
+                                </p:cTn>
+                              </p:par>
+                              <p:par>
+                                <p:cTn id="97" presetID="1" presetClass="entr" presetSubtype="0" fill="hold" grpId="0" nodeType="withEffect">
+                                  <p:stCondLst>
+                                    <p:cond delay="0"/>
+                                  </p:stCondLst>
+                                  <p:childTnLst>
+                                    <p:set>
+                                      <p:cBhvr>
+                                        <p:cTn id="98" dur="1" fill="hold">
+                                          <p:stCondLst>
+                                            <p:cond delay="0"/>
+                                          </p:stCondLst>
+                                        </p:cTn>
+                                        <p:tgtEl>
+                                          <p:spTgt spid="143"/>
+                                        </p:tgtEl>
+                                        <p:attrNameLst>
+                                          <p:attrName>style.visibility</p:attrName>
+                                        </p:attrNameLst>
+                                      </p:cBhvr>
+                                      <p:to>
+                                        <p:strVal val="visible"/>
+                                      </p:to>
+                                    </p:set>
+                                  </p:childTnLst>
+                                </p:cTn>
+                              </p:par>
+                              <p:par>
+                                <p:cTn id="99" presetID="1" presetClass="entr" presetSubtype="0" fill="hold" grpId="0" nodeType="withEffect">
+                                  <p:stCondLst>
+                                    <p:cond delay="0"/>
+                                  </p:stCondLst>
+                                  <p:childTnLst>
+                                    <p:set>
+                                      <p:cBhvr>
+                                        <p:cTn id="100" dur="1" fill="hold">
+                                          <p:stCondLst>
+                                            <p:cond delay="0"/>
+                                          </p:stCondLst>
+                                        </p:cTn>
+                                        <p:tgtEl>
+                                          <p:spTgt spid="144"/>
+                                        </p:tgtEl>
+                                        <p:attrNameLst>
+                                          <p:attrName>style.visibility</p:attrName>
+                                        </p:attrNameLst>
+                                      </p:cBhvr>
+                                      <p:to>
+                                        <p:strVal val="visible"/>
+                                      </p:to>
+                                    </p:set>
+                                  </p:childTnLst>
+                                </p:cTn>
+                              </p:par>
+                              <p:par>
+                                <p:cTn id="101" presetID="1" presetClass="entr" presetSubtype="0" fill="hold" grpId="0" nodeType="withEffect">
+                                  <p:stCondLst>
+                                    <p:cond delay="0"/>
+                                  </p:stCondLst>
+                                  <p:childTnLst>
+                                    <p:set>
+                                      <p:cBhvr>
+                                        <p:cTn id="102" dur="1" fill="hold">
+                                          <p:stCondLst>
+                                            <p:cond delay="0"/>
+                                          </p:stCondLst>
+                                        </p:cTn>
+                                        <p:tgtEl>
+                                          <p:spTgt spid="145"/>
+                                        </p:tgtEl>
+                                        <p:attrNameLst>
+                                          <p:attrName>style.visibility</p:attrName>
+                                        </p:attrNameLst>
+                                      </p:cBhvr>
+                                      <p:to>
+                                        <p:strVal val="visible"/>
+                                      </p:to>
+                                    </p:set>
+                                  </p:childTnLst>
+                                </p:cTn>
+                              </p:par>
+                              <p:par>
+                                <p:cTn id="103" presetID="1" presetClass="entr" presetSubtype="0" fill="hold" grpId="0" nodeType="withEffect">
+                                  <p:stCondLst>
+                                    <p:cond delay="0"/>
+                                  </p:stCondLst>
+                                  <p:childTnLst>
+                                    <p:set>
+                                      <p:cBhvr>
+                                        <p:cTn id="104" dur="1" fill="hold">
+                                          <p:stCondLst>
+                                            <p:cond delay="0"/>
+                                          </p:stCondLst>
+                                        </p:cTn>
+                                        <p:tgtEl>
+                                          <p:spTgt spid="146"/>
+                                        </p:tgtEl>
+                                        <p:attrNameLst>
+                                          <p:attrName>style.visibility</p:attrName>
+                                        </p:attrNameLst>
+                                      </p:cBhvr>
+                                      <p:to>
+                                        <p:strVal val="visible"/>
+                                      </p:to>
+                                    </p:set>
+                                  </p:childTnLst>
+                                </p:cTn>
+                              </p:par>
+                            </p:childTnLst>
+                          </p:cTn>
+                        </p:par>
+                      </p:childTnLst>
+                    </p:cTn>
+                  </p:par>
+                  <p:par>
+                    <p:cTn id="105" fill="hold">
+                      <p:stCondLst>
+                        <p:cond delay="indefinite"/>
+                      </p:stCondLst>
+                      <p:childTnLst>
+                        <p:par>
+                          <p:cTn id="106" fill="hold">
+                            <p:stCondLst>
+                              <p:cond delay="0"/>
+                            </p:stCondLst>
+                            <p:childTnLst>
+                              <p:par>
+                                <p:cTn id="107" presetID="1" presetClass="entr" presetSubtype="0" fill="hold" grpId="0" nodeType="clickEffect">
+                                  <p:stCondLst>
+                                    <p:cond delay="0"/>
+                                  </p:stCondLst>
+                                  <p:childTnLst>
+                                    <p:set>
+                                      <p:cBhvr>
+                                        <p:cTn id="108" dur="1" fill="hold">
+                                          <p:stCondLst>
+                                            <p:cond delay="0"/>
+                                          </p:stCondLst>
+                                        </p:cTn>
+                                        <p:tgtEl>
+                                          <p:spTgt spid="156"/>
+                                        </p:tgtEl>
+                                        <p:attrNameLst>
+                                          <p:attrName>style.visibility</p:attrName>
+                                        </p:attrNameLst>
+                                      </p:cBhvr>
+                                      <p:to>
+                                        <p:strVal val="visible"/>
+                                      </p:to>
+                                    </p:set>
+                                  </p:childTnLst>
+                                </p:cTn>
+                              </p:par>
+                              <p:par>
+                                <p:cTn id="109" presetID="1" presetClass="entr" presetSubtype="0" fill="hold" grpId="0" nodeType="withEffect">
+                                  <p:stCondLst>
+                                    <p:cond delay="0"/>
+                                  </p:stCondLst>
+                                  <p:childTnLst>
+                                    <p:set>
+                                      <p:cBhvr>
+                                        <p:cTn id="110" dur="1" fill="hold">
+                                          <p:stCondLst>
+                                            <p:cond delay="0"/>
+                                          </p:stCondLst>
+                                        </p:cTn>
+                                        <p:tgtEl>
+                                          <p:spTgt spid="157"/>
+                                        </p:tgtEl>
+                                        <p:attrNameLst>
+                                          <p:attrName>style.visibility</p:attrName>
+                                        </p:attrNameLst>
+                                      </p:cBhvr>
+                                      <p:to>
+                                        <p:strVal val="visible"/>
+                                      </p:to>
+                                    </p:set>
+                                  </p:childTnLst>
+                                </p:cTn>
+                              </p:par>
+                              <p:par>
+                                <p:cTn id="111" presetID="1" presetClass="entr" presetSubtype="0" fill="hold" grpId="0" nodeType="withEffect">
+                                  <p:stCondLst>
+                                    <p:cond delay="0"/>
+                                  </p:stCondLst>
+                                  <p:childTnLst>
+                                    <p:set>
+                                      <p:cBhvr>
+                                        <p:cTn id="112" dur="1" fill="hold">
+                                          <p:stCondLst>
+                                            <p:cond delay="0"/>
+                                          </p:stCondLst>
+                                        </p:cTn>
+                                        <p:tgtEl>
+                                          <p:spTgt spid="168"/>
+                                        </p:tgtEl>
+                                        <p:attrNameLst>
+                                          <p:attrName>style.visibility</p:attrName>
+                                        </p:attrNameLst>
+                                      </p:cBhvr>
+                                      <p:to>
+                                        <p:strVal val="visible"/>
+                                      </p:to>
+                                    </p:set>
+                                  </p:childTnLst>
+                                </p:cTn>
+                              </p:par>
+                              <p:par>
+                                <p:cTn id="113" presetID="1" presetClass="entr" presetSubtype="0" fill="hold" grpId="0" nodeType="withEffect">
+                                  <p:stCondLst>
+                                    <p:cond delay="0"/>
+                                  </p:stCondLst>
+                                  <p:childTnLst>
+                                    <p:set>
+                                      <p:cBhvr>
+                                        <p:cTn id="114" dur="1" fill="hold">
+                                          <p:stCondLst>
+                                            <p:cond delay="0"/>
+                                          </p:stCondLst>
+                                        </p:cTn>
+                                        <p:tgtEl>
+                                          <p:spTgt spid="155"/>
+                                        </p:tgtEl>
+                                        <p:attrNameLst>
+                                          <p:attrName>style.visibility</p:attrName>
+                                        </p:attrNameLst>
+                                      </p:cBhvr>
+                                      <p:to>
+                                        <p:strVal val="visible"/>
+                                      </p:to>
+                                    </p:set>
+                                  </p:childTnLst>
+                                </p:cTn>
+                              </p:par>
+                              <p:par>
+                                <p:cTn id="115" presetID="1" presetClass="entr" presetSubtype="0" fill="hold" grpId="0" nodeType="withEffect">
+                                  <p:stCondLst>
+                                    <p:cond delay="0"/>
+                                  </p:stCondLst>
+                                  <p:childTnLst>
+                                    <p:set>
+                                      <p:cBhvr>
+                                        <p:cTn id="116" dur="1" fill="hold">
+                                          <p:stCondLst>
+                                            <p:cond delay="0"/>
+                                          </p:stCondLst>
+                                        </p:cTn>
+                                        <p:tgtEl>
+                                          <p:spTgt spid="172"/>
+                                        </p:tgtEl>
+                                        <p:attrNameLst>
+                                          <p:attrName>style.visibility</p:attrName>
+                                        </p:attrNameLst>
+                                      </p:cBhvr>
+                                      <p:to>
+                                        <p:strVal val="visible"/>
+                                      </p:to>
+                                    </p:set>
+                                  </p:childTnLst>
+                                </p:cTn>
+                              </p:par>
+                              <p:par>
+                                <p:cTn id="117" presetID="1" presetClass="entr" presetSubtype="0" fill="hold" grpId="0" nodeType="withEffect">
+                                  <p:stCondLst>
+                                    <p:cond delay="0"/>
+                                  </p:stCondLst>
+                                  <p:childTnLst>
+                                    <p:set>
+                                      <p:cBhvr>
+                                        <p:cTn id="118" dur="1" fill="hold">
+                                          <p:stCondLst>
+                                            <p:cond delay="0"/>
+                                          </p:stCondLst>
+                                        </p:cTn>
+                                        <p:tgtEl>
+                                          <p:spTgt spid="159"/>
+                                        </p:tgtEl>
+                                        <p:attrNameLst>
+                                          <p:attrName>style.visibility</p:attrName>
+                                        </p:attrNameLst>
+                                      </p:cBhvr>
+                                      <p:to>
+                                        <p:strVal val="visible"/>
+                                      </p:to>
+                                    </p:set>
+                                  </p:childTnLst>
+                                </p:cTn>
+                              </p:par>
+                              <p:par>
+                                <p:cTn id="119" presetID="1" presetClass="entr" presetSubtype="0" fill="hold" grpId="0" nodeType="withEffect">
+                                  <p:stCondLst>
+                                    <p:cond delay="0"/>
+                                  </p:stCondLst>
+                                  <p:childTnLst>
+                                    <p:set>
+                                      <p:cBhvr>
+                                        <p:cTn id="120" dur="1" fill="hold">
+                                          <p:stCondLst>
+                                            <p:cond delay="0"/>
+                                          </p:stCondLst>
+                                        </p:cTn>
+                                        <p:tgtEl>
+                                          <p:spTgt spid="170"/>
+                                        </p:tgtEl>
+                                        <p:attrNameLst>
+                                          <p:attrName>style.visibility</p:attrName>
+                                        </p:attrNameLst>
+                                      </p:cBhvr>
+                                      <p:to>
+                                        <p:strVal val="visible"/>
+                                      </p:to>
+                                    </p:set>
+                                  </p:childTnLst>
+                                </p:cTn>
+                              </p:par>
+                              <p:par>
+                                <p:cTn id="121" presetID="1" presetClass="entr" presetSubtype="0" fill="hold" nodeType="withEffect">
+                                  <p:stCondLst>
+                                    <p:cond delay="0"/>
+                                  </p:stCondLst>
+                                  <p:childTnLst>
+                                    <p:set>
+                                      <p:cBhvr>
+                                        <p:cTn id="122" dur="1" fill="hold">
+                                          <p:stCondLst>
+                                            <p:cond delay="0"/>
+                                          </p:stCondLst>
+                                        </p:cTn>
+                                        <p:tgtEl>
+                                          <p:spTgt spid="165"/>
+                                        </p:tgtEl>
+                                        <p:attrNameLst>
+                                          <p:attrName>style.visibility</p:attrName>
+                                        </p:attrNameLst>
+                                      </p:cBhvr>
+                                      <p:to>
+                                        <p:strVal val="visible"/>
+                                      </p:to>
+                                    </p:set>
+                                  </p:childTnLst>
+                                </p:cTn>
+                              </p:par>
+                            </p:childTnLst>
+                          </p:cTn>
+                        </p:par>
+                      </p:childTnLst>
+                    </p:cTn>
+                  </p:par>
+                </p:childTnLst>
+              </p:cTn>
+              <p:prevCondLst>
+                <p:cond evt="onPrev" delay="0">
+                  <p:tgtEl>
+                    <p:sldTgt/>
+                  </p:tgtEl>
+                </p:cond>
+              </p:prevCondLst>
+              <p:nextCondLst>
+                <p:cond evt="onNext" delay="0">
+                  <p:tgtEl>
+                    <p:sldTgt/>
+                  </p:tgtEl>
+                </p:cond>
+              </p:nextCondLst>
+            </p:seq>
+          </p:childTnLst>
+        </p:cTn>
       </p:par>
     </p:tnLst>
+    <p:bldLst>
+      <p:bldP spid="208" grpId="0" animBg="1"/>
+      <p:bldP spid="148" grpId="0" animBg="1"/>
+      <p:bldP spid="13" grpId="0" animBg="1"/>
+      <p:bldP spid="19" grpId="0"/>
+      <p:bldP spid="20" grpId="0" animBg="1"/>
+      <p:bldP spid="84" grpId="0" animBg="1"/>
+      <p:bldP spid="94" grpId="0" animBg="1"/>
+      <p:bldP spid="112" grpId="0" animBg="1"/>
+      <p:bldP spid="121" grpId="0"/>
+      <p:bldP spid="113" grpId="0" animBg="1"/>
+      <p:bldP spid="95" grpId="0" animBg="1"/>
+      <p:bldP spid="96" grpId="0" animBg="1"/>
+      <p:bldP spid="97" grpId="0" animBg="1"/>
+      <p:bldP spid="98" grpId="0" animBg="1"/>
+      <p:bldP spid="124" grpId="0" animBg="1"/>
+      <p:bldP spid="125" grpId="0" animBg="1"/>
+      <p:bldP spid="126" grpId="0" animBg="1"/>
+      <p:bldP spid="142" grpId="0" animBg="1"/>
+      <p:bldP spid="143" grpId="0"/>
+      <p:bldP spid="144" grpId="0" animBg="1"/>
+      <p:bldP spid="145" grpId="0" animBg="1"/>
+      <p:bldP spid="146" grpId="0" animBg="1"/>
+      <p:bldP spid="154" grpId="0"/>
+      <p:bldP spid="155" grpId="0" animBg="1"/>
+      <p:bldP spid="156" grpId="0"/>
+      <p:bldP spid="157" grpId="0" animBg="1"/>
+      <p:bldP spid="159" grpId="0" animBg="1"/>
+      <p:bldP spid="168" grpId="0" animBg="1"/>
+      <p:bldP spid="170" grpId="0" animBg="1"/>
+      <p:bldP spid="172" grpId="0"/>
+      <p:bldP spid="209" grpId="0"/>
+      <p:bldP spid="6" grpId="0" animBg="1"/>
+      <p:bldP spid="6" grpId="1" animBg="1"/>
+      <p:bldP spid="18" grpId="0" animBg="1"/>
+      <p:bldP spid="18" grpId="1" animBg="1"/>
+      <p:bldP spid="69" grpId="0" animBg="1"/>
+      <p:bldP spid="69" grpId="1" animBg="1"/>
+      <p:bldP spid="70" grpId="0" animBg="1"/>
+      <p:bldP spid="70" grpId="1" animBg="1"/>
+      <p:bldP spid="71" grpId="0" animBg="1"/>
+      <p:bldP spid="71" grpId="1" animBg="1"/>
+      <p:bldP spid="72" grpId="0" animBg="1"/>
+      <p:bldP spid="72" grpId="1" animBg="1"/>
+    </p:bldLst>
   </p:timing>
 </p:sld>
 </file>
